--- a/profiles/community/tosca/platform/sources/platforms.pptx
+++ b/profiles/community/tosca/platform/sources/platforms.pptx
@@ -6,6 +6,7 @@
   </p:sldMasterIdLst>
   <p:sldIdLst>
     <p:sldId id="256" r:id="rId2"/>
+    <p:sldId id="272" r:id="rId3"/>
   </p:sldIdLst>
   <p:sldSz cx="12192000" cy="6858000"/>
   <p:notesSz cx="6858000" cy="9144000"/>
@@ -259,7 +260,7 @@
           <a:p>
             <a:fld id="{5BAF7096-B8B4-4A3B-8A26-165AAEF12400}" type="datetimeFigureOut">
               <a:rPr lang="en-US" smtClean="0"/>
-              <a:t>9/2/2025</a:t>
+              <a:t>10/24/2025</a:t>
             </a:fld>
             <a:endParaRPr lang="en-US"/>
           </a:p>
@@ -457,7 +458,7 @@
           <a:p>
             <a:fld id="{5BAF7096-B8B4-4A3B-8A26-165AAEF12400}" type="datetimeFigureOut">
               <a:rPr lang="en-US" smtClean="0"/>
-              <a:t>9/2/2025</a:t>
+              <a:t>10/24/2025</a:t>
             </a:fld>
             <a:endParaRPr lang="en-US"/>
           </a:p>
@@ -665,7 +666,7 @@
           <a:p>
             <a:fld id="{5BAF7096-B8B4-4A3B-8A26-165AAEF12400}" type="datetimeFigureOut">
               <a:rPr lang="en-US" smtClean="0"/>
-              <a:t>9/2/2025</a:t>
+              <a:t>10/24/2025</a:t>
             </a:fld>
             <a:endParaRPr lang="en-US"/>
           </a:p>
@@ -863,7 +864,7 @@
           <a:p>
             <a:fld id="{5BAF7096-B8B4-4A3B-8A26-165AAEF12400}" type="datetimeFigureOut">
               <a:rPr lang="en-US" smtClean="0"/>
-              <a:t>9/2/2025</a:t>
+              <a:t>10/24/2025</a:t>
             </a:fld>
             <a:endParaRPr lang="en-US"/>
           </a:p>
@@ -1138,7 +1139,7 @@
           <a:p>
             <a:fld id="{5BAF7096-B8B4-4A3B-8A26-165AAEF12400}" type="datetimeFigureOut">
               <a:rPr lang="en-US" smtClean="0"/>
-              <a:t>9/2/2025</a:t>
+              <a:t>10/24/2025</a:t>
             </a:fld>
             <a:endParaRPr lang="en-US"/>
           </a:p>
@@ -1403,7 +1404,7 @@
           <a:p>
             <a:fld id="{5BAF7096-B8B4-4A3B-8A26-165AAEF12400}" type="datetimeFigureOut">
               <a:rPr lang="en-US" smtClean="0"/>
-              <a:t>9/2/2025</a:t>
+              <a:t>10/24/2025</a:t>
             </a:fld>
             <a:endParaRPr lang="en-US"/>
           </a:p>
@@ -1815,7 +1816,7 @@
           <a:p>
             <a:fld id="{5BAF7096-B8B4-4A3B-8A26-165AAEF12400}" type="datetimeFigureOut">
               <a:rPr lang="en-US" smtClean="0"/>
-              <a:t>9/2/2025</a:t>
+              <a:t>10/24/2025</a:t>
             </a:fld>
             <a:endParaRPr lang="en-US"/>
           </a:p>
@@ -1956,7 +1957,7 @@
           <a:p>
             <a:fld id="{5BAF7096-B8B4-4A3B-8A26-165AAEF12400}" type="datetimeFigureOut">
               <a:rPr lang="en-US" smtClean="0"/>
-              <a:t>9/2/2025</a:t>
+              <a:t>10/24/2025</a:t>
             </a:fld>
             <a:endParaRPr lang="en-US"/>
           </a:p>
@@ -2069,7 +2070,7 @@
           <a:p>
             <a:fld id="{5BAF7096-B8B4-4A3B-8A26-165AAEF12400}" type="datetimeFigureOut">
               <a:rPr lang="en-US" smtClean="0"/>
-              <a:t>9/2/2025</a:t>
+              <a:t>10/24/2025</a:t>
             </a:fld>
             <a:endParaRPr lang="en-US"/>
           </a:p>
@@ -2380,7 +2381,7 @@
           <a:p>
             <a:fld id="{5BAF7096-B8B4-4A3B-8A26-165AAEF12400}" type="datetimeFigureOut">
               <a:rPr lang="en-US" smtClean="0"/>
-              <a:t>9/2/2025</a:t>
+              <a:t>10/24/2025</a:t>
             </a:fld>
             <a:endParaRPr lang="en-US"/>
           </a:p>
@@ -2668,7 +2669,7 @@
           <a:p>
             <a:fld id="{5BAF7096-B8B4-4A3B-8A26-165AAEF12400}" type="datetimeFigureOut">
               <a:rPr lang="en-US" smtClean="0"/>
-              <a:t>9/2/2025</a:t>
+              <a:t>10/24/2025</a:t>
             </a:fld>
             <a:endParaRPr lang="en-US"/>
           </a:p>
@@ -2909,7 +2910,7 @@
           <a:p>
             <a:fld id="{5BAF7096-B8B4-4A3B-8A26-165AAEF12400}" type="datetimeFigureOut">
               <a:rPr lang="en-US" smtClean="0"/>
-              <a:t>9/2/2025</a:t>
+              <a:t>10/24/2025</a:t>
             </a:fld>
             <a:endParaRPr lang="en-US"/>
           </a:p>
@@ -3759,6 +3760,3608 @@
 </p:sld>
 </file>
 
+<file path=ppt/slides/slide2.xml><?xml version="1.0" encoding="utf-8"?>
+<p:sld xmlns:a="http://schemas.openxmlformats.org/drawingml/2006/main" xmlns:r="http://schemas.openxmlformats.org/officeDocument/2006/relationships" xmlns:p="http://schemas.openxmlformats.org/presentationml/2006/main">
+  <p:cSld>
+    <p:spTree>
+      <p:nvGrpSpPr>
+        <p:cNvPr id="1" name=""/>
+        <p:cNvGrpSpPr/>
+        <p:nvPr/>
+      </p:nvGrpSpPr>
+      <p:grpSpPr>
+        <a:xfrm>
+          <a:off x="0" y="0"/>
+          <a:ext cx="0" cy="0"/>
+          <a:chOff x="0" y="0"/>
+          <a:chExt cx="0" cy="0"/>
+        </a:xfrm>
+      </p:grpSpPr>
+      <p:grpSp>
+        <p:nvGrpSpPr>
+          <p:cNvPr id="158" name="Group 157">
+            <a:extLst>
+              <a:ext uri="{FF2B5EF4-FFF2-40B4-BE49-F238E27FC236}">
+                <a16:creationId xmlns:a16="http://schemas.microsoft.com/office/drawing/2014/main" id="{89B5453C-5C0C-A119-4649-6648B96F22D2}"/>
+              </a:ext>
+            </a:extLst>
+          </p:cNvPr>
+          <p:cNvGrpSpPr/>
+          <p:nvPr/>
+        </p:nvGrpSpPr>
+        <p:grpSpPr>
+          <a:xfrm>
+            <a:off x="4546712" y="1548208"/>
+            <a:ext cx="3098576" cy="3761585"/>
+            <a:chOff x="3034142" y="1397252"/>
+            <a:chExt cx="3098576" cy="3761585"/>
+          </a:xfrm>
+        </p:grpSpPr>
+        <p:grpSp>
+          <p:nvGrpSpPr>
+            <p:cNvPr id="7" name="Group 6">
+              <a:extLst>
+                <a:ext uri="{FF2B5EF4-FFF2-40B4-BE49-F238E27FC236}">
+                  <a16:creationId xmlns:a16="http://schemas.microsoft.com/office/drawing/2014/main" id="{4A70A9DF-47B9-CEAD-865F-0834AE9A2B1A}"/>
+                </a:ext>
+              </a:extLst>
+            </p:cNvPr>
+            <p:cNvGrpSpPr/>
+            <p:nvPr/>
+          </p:nvGrpSpPr>
+          <p:grpSpPr>
+            <a:xfrm>
+              <a:off x="3034142" y="4167805"/>
+              <a:ext cx="771421" cy="991032"/>
+              <a:chOff x="3816079" y="4223863"/>
+              <a:chExt cx="771421" cy="991032"/>
+            </a:xfrm>
+          </p:grpSpPr>
+          <p:sp>
+            <p:nvSpPr>
+              <p:cNvPr id="2" name="Rectangle 1">
+                <a:extLst>
+                  <a:ext uri="{FF2B5EF4-FFF2-40B4-BE49-F238E27FC236}">
+                    <a16:creationId xmlns:a16="http://schemas.microsoft.com/office/drawing/2014/main" id="{A766DE60-5600-8066-7EC4-37760E70BB23}"/>
+                  </a:ext>
+                </a:extLst>
+              </p:cNvPr>
+              <p:cNvSpPr/>
+              <p:nvPr/>
+            </p:nvSpPr>
+            <p:spPr>
+              <a:xfrm>
+                <a:off x="3816079" y="4722603"/>
+                <a:ext cx="771421" cy="250978"/>
+              </a:xfrm>
+              <a:prstGeom prst="rect">
+                <a:avLst/>
+              </a:prstGeom>
+              <a:solidFill>
+                <a:schemeClr val="bg1">
+                  <a:lumMod val="95000"/>
+                </a:schemeClr>
+              </a:solidFill>
+              <a:ln w="19050">
+                <a:solidFill>
+                  <a:schemeClr val="bg2"/>
+                </a:solidFill>
+              </a:ln>
+            </p:spPr>
+            <p:style>
+              <a:lnRef idx="2">
+                <a:schemeClr val="accent1">
+                  <a:shade val="50000"/>
+                </a:schemeClr>
+              </a:lnRef>
+              <a:fillRef idx="1">
+                <a:schemeClr val="accent1"/>
+              </a:fillRef>
+              <a:effectRef idx="0">
+                <a:schemeClr val="accent1"/>
+              </a:effectRef>
+              <a:fontRef idx="minor">
+                <a:schemeClr val="lt1"/>
+              </a:fontRef>
+            </p:style>
+            <p:txBody>
+              <a:bodyPr lIns="0" rIns="0" rtlCol="0" anchor="ctr"/>
+              <a:lstStyle/>
+              <a:p>
+                <a:pPr marL="0" marR="0" lvl="0" indent="0" algn="ctr" defTabSz="914400" rtl="0" eaLnBrk="1" fontAlgn="auto" latinLnBrk="0" hangingPunct="1">
+                  <a:lnSpc>
+                    <a:spcPct val="100000"/>
+                  </a:lnSpc>
+                  <a:spcBef>
+                    <a:spcPts val="0"/>
+                  </a:spcBef>
+                  <a:spcAft>
+                    <a:spcPts val="0"/>
+                  </a:spcAft>
+                  <a:buClrTx/>
+                  <a:buSzTx/>
+                  <a:buFontTx/>
+                  <a:buNone/>
+                  <a:tabLst/>
+                  <a:defRPr/>
+                </a:pPr>
+                <a:r>
+                  <a:rPr kumimoji="0" lang="en-US" sz="900" b="0" i="0" u="none" strike="noStrike" kern="1200" cap="none" spc="0" normalizeH="0" baseline="0" noProof="0" dirty="0" err="1">
+                    <a:ln>
+                      <a:noFill/>
+                    </a:ln>
+                    <a:solidFill>
+                      <a:prstClr val="black"/>
+                    </a:solidFill>
+                    <a:effectLst/>
+                    <a:uLnTx/>
+                    <a:uFillTx/>
+                    <a:ea typeface="+mn-ea"/>
+                    <a:cs typeface="+mn-cs"/>
+                  </a:rPr>
+                  <a:t>AWSRegion</a:t>
+                </a:r>
+                <a:endParaRPr kumimoji="0" lang="en-US" sz="900" b="0" i="0" u="none" strike="noStrike" kern="1200" cap="none" spc="0" normalizeH="0" baseline="0" noProof="0" dirty="0">
+                  <a:ln>
+                    <a:noFill/>
+                  </a:ln>
+                  <a:solidFill>
+                    <a:prstClr val="black"/>
+                  </a:solidFill>
+                  <a:effectLst/>
+                  <a:uLnTx/>
+                  <a:uFillTx/>
+                  <a:ea typeface="+mn-ea"/>
+                  <a:cs typeface="+mn-cs"/>
+                </a:endParaRPr>
+              </a:p>
+            </p:txBody>
+          </p:sp>
+          <p:sp>
+            <p:nvSpPr>
+              <p:cNvPr id="3" name="Rectangle: Rounded Corners 2">
+                <a:extLst>
+                  <a:ext uri="{FF2B5EF4-FFF2-40B4-BE49-F238E27FC236}">
+                    <a16:creationId xmlns:a16="http://schemas.microsoft.com/office/drawing/2014/main" id="{708E7CFE-00D5-094D-1788-53F3B216125E}"/>
+                  </a:ext>
+                </a:extLst>
+              </p:cNvPr>
+              <p:cNvSpPr/>
+              <p:nvPr/>
+            </p:nvSpPr>
+            <p:spPr>
+              <a:xfrm>
+                <a:off x="3816080" y="4399416"/>
+                <a:ext cx="771420" cy="815479"/>
+              </a:xfrm>
+              <a:prstGeom prst="roundRect">
+                <a:avLst/>
+              </a:prstGeom>
+              <a:noFill/>
+              <a:ln w="19050">
+                <a:solidFill>
+                  <a:schemeClr val="tx1"/>
+                </a:solidFill>
+              </a:ln>
+            </p:spPr>
+            <p:style>
+              <a:lnRef idx="2">
+                <a:schemeClr val="accent1">
+                  <a:shade val="50000"/>
+                </a:schemeClr>
+              </a:lnRef>
+              <a:fillRef idx="1">
+                <a:schemeClr val="accent1"/>
+              </a:fillRef>
+              <a:effectRef idx="0">
+                <a:schemeClr val="accent1"/>
+              </a:effectRef>
+              <a:fontRef idx="minor">
+                <a:schemeClr val="lt1"/>
+              </a:fontRef>
+            </p:style>
+            <p:txBody>
+              <a:bodyPr lIns="45720" tIns="0" bIns="9144" rtlCol="0" anchor="b" anchorCtr="0"/>
+              <a:lstStyle/>
+              <a:p>
+                <a:pPr marL="0" marR="0" lvl="0" indent="0" algn="l" defTabSz="914400" rtl="0" eaLnBrk="1" fontAlgn="auto" latinLnBrk="0" hangingPunct="1">
+                  <a:lnSpc>
+                    <a:spcPct val="100000"/>
+                  </a:lnSpc>
+                  <a:spcBef>
+                    <a:spcPts val="0"/>
+                  </a:spcBef>
+                  <a:spcAft>
+                    <a:spcPts val="0"/>
+                  </a:spcAft>
+                  <a:buClrTx/>
+                  <a:buSzTx/>
+                  <a:buFontTx/>
+                  <a:buNone/>
+                  <a:tabLst/>
+                  <a:defRPr/>
+                </a:pPr>
+                <a:r>
+                  <a:rPr lang="en-US" sz="800" dirty="0">
+                    <a:solidFill>
+                      <a:prstClr val="black"/>
+                    </a:solidFill>
+                  </a:rPr>
+                  <a:t>us-west-1</a:t>
+                </a:r>
+                <a:endParaRPr kumimoji="0" lang="en-US" sz="800" b="0" i="0" u="none" strike="noStrike" kern="1200" cap="none" spc="0" normalizeH="0" baseline="0" noProof="0" dirty="0">
+                  <a:ln>
+                    <a:noFill/>
+                  </a:ln>
+                  <a:solidFill>
+                    <a:prstClr val="black"/>
+                  </a:solidFill>
+                  <a:effectLst/>
+                  <a:uLnTx/>
+                  <a:uFillTx/>
+                  <a:ea typeface="+mn-ea"/>
+                  <a:cs typeface="+mn-cs"/>
+                </a:endParaRPr>
+              </a:p>
+            </p:txBody>
+          </p:sp>
+          <p:sp>
+            <p:nvSpPr>
+              <p:cNvPr id="4" name="Arrow: Chevron 3">
+                <a:extLst>
+                  <a:ext uri="{FF2B5EF4-FFF2-40B4-BE49-F238E27FC236}">
+                    <a16:creationId xmlns:a16="http://schemas.microsoft.com/office/drawing/2014/main" id="{7CCFF26C-1AEC-D238-D76B-951ECFECECF8}"/>
+                  </a:ext>
+                </a:extLst>
+              </p:cNvPr>
+              <p:cNvSpPr/>
+              <p:nvPr/>
+            </p:nvSpPr>
+            <p:spPr>
+              <a:xfrm rot="5400000">
+                <a:off x="4026243" y="4166150"/>
+                <a:ext cx="351106" cy="466531"/>
+              </a:xfrm>
+              <a:prstGeom prst="chevron">
+                <a:avLst>
+                  <a:gd name="adj" fmla="val 14000"/>
+                </a:avLst>
+              </a:prstGeom>
+              <a:solidFill>
+                <a:schemeClr val="bg1"/>
+              </a:solidFill>
+              <a:ln w="12700">
+                <a:solidFill>
+                  <a:schemeClr val="tx1"/>
+                </a:solidFill>
+              </a:ln>
+            </p:spPr>
+            <p:style>
+              <a:lnRef idx="2">
+                <a:schemeClr val="accent1">
+                  <a:shade val="50000"/>
+                </a:schemeClr>
+              </a:lnRef>
+              <a:fillRef idx="1">
+                <a:schemeClr val="accent1"/>
+              </a:fillRef>
+              <a:effectRef idx="0">
+                <a:schemeClr val="accent1"/>
+              </a:effectRef>
+              <a:fontRef idx="minor">
+                <a:schemeClr val="lt1"/>
+              </a:fontRef>
+            </p:style>
+            <p:txBody>
+              <a:bodyPr tIns="0" rtlCol="0" anchor="t" anchorCtr="0"/>
+              <a:lstStyle/>
+              <a:p>
+                <a:pPr marL="0" marR="0" lvl="0" indent="0" algn="l" defTabSz="914400" rtl="0" eaLnBrk="1" fontAlgn="auto" latinLnBrk="0" hangingPunct="1">
+                  <a:lnSpc>
+                    <a:spcPct val="100000"/>
+                  </a:lnSpc>
+                  <a:spcBef>
+                    <a:spcPts val="0"/>
+                  </a:spcBef>
+                  <a:spcAft>
+                    <a:spcPts val="0"/>
+                  </a:spcAft>
+                  <a:buClrTx/>
+                  <a:buSzTx/>
+                  <a:buFontTx/>
+                  <a:buNone/>
+                  <a:tabLst/>
+                  <a:defRPr/>
+                </a:pPr>
+                <a:endParaRPr kumimoji="0" lang="en-US" sz="1000" b="0" i="0" u="none" strike="noStrike" kern="1200" cap="none" spc="0" normalizeH="0" baseline="0" noProof="0">
+                  <a:ln>
+                    <a:noFill/>
+                  </a:ln>
+                  <a:solidFill>
+                    <a:prstClr val="black"/>
+                  </a:solidFill>
+                  <a:effectLst/>
+                  <a:uLnTx/>
+                  <a:uFillTx/>
+                  <a:ea typeface="+mn-ea"/>
+                  <a:cs typeface="+mn-cs"/>
+                </a:endParaRPr>
+              </a:p>
+            </p:txBody>
+          </p:sp>
+          <p:sp>
+            <p:nvSpPr>
+              <p:cNvPr id="5" name="TextBox 4">
+                <a:extLst>
+                  <a:ext uri="{FF2B5EF4-FFF2-40B4-BE49-F238E27FC236}">
+                    <a16:creationId xmlns:a16="http://schemas.microsoft.com/office/drawing/2014/main" id="{138423F9-D309-57C4-30BA-70D1F0E542AE}"/>
+                  </a:ext>
+                </a:extLst>
+              </p:cNvPr>
+              <p:cNvSpPr txBox="1"/>
+              <p:nvPr/>
+            </p:nvSpPr>
+            <p:spPr>
+              <a:xfrm>
+                <a:off x="3995650" y="4276305"/>
+                <a:ext cx="412292" cy="230832"/>
+              </a:xfrm>
+              <a:prstGeom prst="rect">
+                <a:avLst/>
+              </a:prstGeom>
+              <a:noFill/>
+            </p:spPr>
+            <p:txBody>
+              <a:bodyPr wrap="square" rtlCol="0">
+                <a:spAutoFit/>
+              </a:bodyPr>
+              <a:lstStyle/>
+              <a:p>
+                <a:pPr marL="0" marR="0" lvl="0" indent="0" algn="l" defTabSz="914400" rtl="0" eaLnBrk="1" fontAlgn="auto" latinLnBrk="0" hangingPunct="1">
+                  <a:lnSpc>
+                    <a:spcPct val="100000"/>
+                  </a:lnSpc>
+                  <a:spcBef>
+                    <a:spcPts val="0"/>
+                  </a:spcBef>
+                  <a:spcAft>
+                    <a:spcPts val="0"/>
+                  </a:spcAft>
+                  <a:buClrTx/>
+                  <a:buSzTx/>
+                  <a:buFontTx/>
+                  <a:buNone/>
+                  <a:tabLst/>
+                  <a:defRPr/>
+                </a:pPr>
+                <a:r>
+                  <a:rPr kumimoji="0" lang="en-US" sz="900" b="0" i="0" u="none" strike="noStrike" kern="1200" cap="none" spc="0" normalizeH="0" baseline="0" noProof="0" dirty="0">
+                    <a:ln>
+                      <a:noFill/>
+                    </a:ln>
+                    <a:solidFill>
+                      <a:prstClr val="black"/>
+                    </a:solidFill>
+                    <a:effectLst/>
+                    <a:uLnTx/>
+                    <a:uFillTx/>
+                    <a:ea typeface="+mn-ea"/>
+                    <a:cs typeface="+mn-cs"/>
+                  </a:rPr>
+                  <a:t>host</a:t>
+                </a:r>
+              </a:p>
+            </p:txBody>
+          </p:sp>
+        </p:grpSp>
+        <p:grpSp>
+          <p:nvGrpSpPr>
+            <p:cNvPr id="8" name="Group 7">
+              <a:extLst>
+                <a:ext uri="{FF2B5EF4-FFF2-40B4-BE49-F238E27FC236}">
+                  <a16:creationId xmlns:a16="http://schemas.microsoft.com/office/drawing/2014/main" id="{75829CF0-3931-A621-680C-EF9B941C8C0E}"/>
+                </a:ext>
+              </a:extLst>
+            </p:cNvPr>
+            <p:cNvGrpSpPr/>
+            <p:nvPr/>
+          </p:nvGrpSpPr>
+          <p:grpSpPr>
+            <a:xfrm>
+              <a:off x="5361297" y="4167805"/>
+              <a:ext cx="771421" cy="991032"/>
+              <a:chOff x="3816079" y="4223863"/>
+              <a:chExt cx="771421" cy="991032"/>
+            </a:xfrm>
+          </p:grpSpPr>
+          <p:sp>
+            <p:nvSpPr>
+              <p:cNvPr id="9" name="Rectangle 8">
+                <a:extLst>
+                  <a:ext uri="{FF2B5EF4-FFF2-40B4-BE49-F238E27FC236}">
+                    <a16:creationId xmlns:a16="http://schemas.microsoft.com/office/drawing/2014/main" id="{25A33A85-1F93-5D96-66D3-70B1C94C1F75}"/>
+                  </a:ext>
+                </a:extLst>
+              </p:cNvPr>
+              <p:cNvSpPr/>
+              <p:nvPr/>
+            </p:nvSpPr>
+            <p:spPr>
+              <a:xfrm>
+                <a:off x="3816079" y="4722603"/>
+                <a:ext cx="771421" cy="250978"/>
+              </a:xfrm>
+              <a:prstGeom prst="rect">
+                <a:avLst/>
+              </a:prstGeom>
+              <a:solidFill>
+                <a:schemeClr val="bg1">
+                  <a:lumMod val="95000"/>
+                </a:schemeClr>
+              </a:solidFill>
+              <a:ln w="19050">
+                <a:solidFill>
+                  <a:schemeClr val="bg2"/>
+                </a:solidFill>
+              </a:ln>
+            </p:spPr>
+            <p:style>
+              <a:lnRef idx="2">
+                <a:schemeClr val="accent1">
+                  <a:shade val="50000"/>
+                </a:schemeClr>
+              </a:lnRef>
+              <a:fillRef idx="1">
+                <a:schemeClr val="accent1"/>
+              </a:fillRef>
+              <a:effectRef idx="0">
+                <a:schemeClr val="accent1"/>
+              </a:effectRef>
+              <a:fontRef idx="minor">
+                <a:schemeClr val="lt1"/>
+              </a:fontRef>
+            </p:style>
+            <p:txBody>
+              <a:bodyPr lIns="0" rIns="0" rtlCol="0" anchor="ctr"/>
+              <a:lstStyle/>
+              <a:p>
+                <a:pPr marL="0" marR="0" lvl="0" indent="0" algn="ctr" defTabSz="914400" rtl="0" eaLnBrk="1" fontAlgn="auto" latinLnBrk="0" hangingPunct="1">
+                  <a:lnSpc>
+                    <a:spcPct val="100000"/>
+                  </a:lnSpc>
+                  <a:spcBef>
+                    <a:spcPts val="0"/>
+                  </a:spcBef>
+                  <a:spcAft>
+                    <a:spcPts val="0"/>
+                  </a:spcAft>
+                  <a:buClrTx/>
+                  <a:buSzTx/>
+                  <a:buFontTx/>
+                  <a:buNone/>
+                  <a:tabLst/>
+                  <a:defRPr/>
+                </a:pPr>
+                <a:r>
+                  <a:rPr kumimoji="0" lang="en-US" sz="900" b="0" i="0" u="none" strike="noStrike" kern="1200" cap="none" spc="0" normalizeH="0" baseline="0" noProof="0" dirty="0">
+                    <a:ln>
+                      <a:noFill/>
+                    </a:ln>
+                    <a:solidFill>
+                      <a:prstClr val="black"/>
+                    </a:solidFill>
+                    <a:effectLst/>
+                    <a:uLnTx/>
+                    <a:uFillTx/>
+                    <a:ea typeface="+mn-ea"/>
+                    <a:cs typeface="+mn-cs"/>
+                  </a:rPr>
+                  <a:t>Kubernetes</a:t>
+                </a:r>
+              </a:p>
+              <a:p>
+                <a:pPr marL="0" marR="0" lvl="0" indent="0" algn="ctr" defTabSz="914400" rtl="0" eaLnBrk="1" fontAlgn="auto" latinLnBrk="0" hangingPunct="1">
+                  <a:lnSpc>
+                    <a:spcPct val="100000"/>
+                  </a:lnSpc>
+                  <a:spcBef>
+                    <a:spcPts val="0"/>
+                  </a:spcBef>
+                  <a:spcAft>
+                    <a:spcPts val="0"/>
+                  </a:spcAft>
+                  <a:buClrTx/>
+                  <a:buSzTx/>
+                  <a:buFontTx/>
+                  <a:buNone/>
+                  <a:tabLst/>
+                  <a:defRPr/>
+                </a:pPr>
+                <a:r>
+                  <a:rPr kumimoji="0" lang="en-US" sz="900" b="0" i="0" u="none" strike="noStrike" kern="1200" cap="none" spc="0" normalizeH="0" baseline="0" noProof="0" dirty="0">
+                    <a:ln>
+                      <a:noFill/>
+                    </a:ln>
+                    <a:solidFill>
+                      <a:prstClr val="black"/>
+                    </a:solidFill>
+                    <a:effectLst/>
+                    <a:uLnTx/>
+                    <a:uFillTx/>
+                    <a:ea typeface="+mn-ea"/>
+                    <a:cs typeface="+mn-cs"/>
+                  </a:rPr>
+                  <a:t>Cluster</a:t>
+                </a:r>
+              </a:p>
+            </p:txBody>
+          </p:sp>
+          <p:sp>
+            <p:nvSpPr>
+              <p:cNvPr id="10" name="Rectangle: Rounded Corners 9">
+                <a:extLst>
+                  <a:ext uri="{FF2B5EF4-FFF2-40B4-BE49-F238E27FC236}">
+                    <a16:creationId xmlns:a16="http://schemas.microsoft.com/office/drawing/2014/main" id="{21F7507A-F404-BB35-01A6-D62B2F5616CF}"/>
+                  </a:ext>
+                </a:extLst>
+              </p:cNvPr>
+              <p:cNvSpPr/>
+              <p:nvPr/>
+            </p:nvSpPr>
+            <p:spPr>
+              <a:xfrm>
+                <a:off x="3816080" y="4399416"/>
+                <a:ext cx="771420" cy="815479"/>
+              </a:xfrm>
+              <a:prstGeom prst="roundRect">
+                <a:avLst/>
+              </a:prstGeom>
+              <a:noFill/>
+              <a:ln w="19050">
+                <a:solidFill>
+                  <a:schemeClr val="tx1"/>
+                </a:solidFill>
+              </a:ln>
+            </p:spPr>
+            <p:style>
+              <a:lnRef idx="2">
+                <a:schemeClr val="accent1">
+                  <a:shade val="50000"/>
+                </a:schemeClr>
+              </a:lnRef>
+              <a:fillRef idx="1">
+                <a:schemeClr val="accent1"/>
+              </a:fillRef>
+              <a:effectRef idx="0">
+                <a:schemeClr val="accent1"/>
+              </a:effectRef>
+              <a:fontRef idx="minor">
+                <a:schemeClr val="lt1"/>
+              </a:fontRef>
+            </p:style>
+            <p:txBody>
+              <a:bodyPr lIns="45720" tIns="0" bIns="9144" rtlCol="0" anchor="b" anchorCtr="0"/>
+              <a:lstStyle/>
+              <a:p>
+                <a:pPr marL="0" marR="0" lvl="0" indent="0" algn="l" defTabSz="914400" rtl="0" eaLnBrk="1" fontAlgn="auto" latinLnBrk="0" hangingPunct="1">
+                  <a:lnSpc>
+                    <a:spcPct val="100000"/>
+                  </a:lnSpc>
+                  <a:spcBef>
+                    <a:spcPts val="0"/>
+                  </a:spcBef>
+                  <a:spcAft>
+                    <a:spcPts val="0"/>
+                  </a:spcAft>
+                  <a:buClrTx/>
+                  <a:buSzTx/>
+                  <a:buFontTx/>
+                  <a:buNone/>
+                  <a:tabLst/>
+                  <a:defRPr/>
+                </a:pPr>
+                <a:r>
+                  <a:rPr lang="en-US" sz="800" dirty="0">
+                    <a:solidFill>
+                      <a:prstClr val="black"/>
+                    </a:solidFill>
+                  </a:rPr>
+                  <a:t>cluster-1</a:t>
+                </a:r>
+                <a:endParaRPr kumimoji="0" lang="en-US" sz="800" b="0" i="0" u="none" strike="noStrike" kern="1200" cap="none" spc="0" normalizeH="0" baseline="0" noProof="0" dirty="0">
+                  <a:ln>
+                    <a:noFill/>
+                  </a:ln>
+                  <a:solidFill>
+                    <a:prstClr val="black"/>
+                  </a:solidFill>
+                  <a:effectLst/>
+                  <a:uLnTx/>
+                  <a:uFillTx/>
+                  <a:ea typeface="+mn-ea"/>
+                  <a:cs typeface="+mn-cs"/>
+                </a:endParaRPr>
+              </a:p>
+            </p:txBody>
+          </p:sp>
+          <p:sp>
+            <p:nvSpPr>
+              <p:cNvPr id="11" name="Arrow: Chevron 10">
+                <a:extLst>
+                  <a:ext uri="{FF2B5EF4-FFF2-40B4-BE49-F238E27FC236}">
+                    <a16:creationId xmlns:a16="http://schemas.microsoft.com/office/drawing/2014/main" id="{339FCE90-7024-46D1-CB09-B07EF4A3D32F}"/>
+                  </a:ext>
+                </a:extLst>
+              </p:cNvPr>
+              <p:cNvSpPr/>
+              <p:nvPr/>
+            </p:nvSpPr>
+            <p:spPr>
+              <a:xfrm rot="5400000">
+                <a:off x="4026243" y="4166150"/>
+                <a:ext cx="351106" cy="466531"/>
+              </a:xfrm>
+              <a:prstGeom prst="chevron">
+                <a:avLst>
+                  <a:gd name="adj" fmla="val 14000"/>
+                </a:avLst>
+              </a:prstGeom>
+              <a:solidFill>
+                <a:schemeClr val="bg1"/>
+              </a:solidFill>
+              <a:ln w="12700">
+                <a:solidFill>
+                  <a:schemeClr val="tx1"/>
+                </a:solidFill>
+              </a:ln>
+            </p:spPr>
+            <p:style>
+              <a:lnRef idx="2">
+                <a:schemeClr val="accent1">
+                  <a:shade val="50000"/>
+                </a:schemeClr>
+              </a:lnRef>
+              <a:fillRef idx="1">
+                <a:schemeClr val="accent1"/>
+              </a:fillRef>
+              <a:effectRef idx="0">
+                <a:schemeClr val="accent1"/>
+              </a:effectRef>
+              <a:fontRef idx="minor">
+                <a:schemeClr val="lt1"/>
+              </a:fontRef>
+            </p:style>
+            <p:txBody>
+              <a:bodyPr tIns="0" rtlCol="0" anchor="t" anchorCtr="0"/>
+              <a:lstStyle/>
+              <a:p>
+                <a:pPr marL="0" marR="0" lvl="0" indent="0" algn="l" defTabSz="914400" rtl="0" eaLnBrk="1" fontAlgn="auto" latinLnBrk="0" hangingPunct="1">
+                  <a:lnSpc>
+                    <a:spcPct val="100000"/>
+                  </a:lnSpc>
+                  <a:spcBef>
+                    <a:spcPts val="0"/>
+                  </a:spcBef>
+                  <a:spcAft>
+                    <a:spcPts val="0"/>
+                  </a:spcAft>
+                  <a:buClrTx/>
+                  <a:buSzTx/>
+                  <a:buFontTx/>
+                  <a:buNone/>
+                  <a:tabLst/>
+                  <a:defRPr/>
+                </a:pPr>
+                <a:endParaRPr kumimoji="0" lang="en-US" sz="1000" b="0" i="0" u="none" strike="noStrike" kern="1200" cap="none" spc="0" normalizeH="0" baseline="0" noProof="0">
+                  <a:ln>
+                    <a:noFill/>
+                  </a:ln>
+                  <a:solidFill>
+                    <a:prstClr val="black"/>
+                  </a:solidFill>
+                  <a:effectLst/>
+                  <a:uLnTx/>
+                  <a:uFillTx/>
+                  <a:ea typeface="+mn-ea"/>
+                  <a:cs typeface="+mn-cs"/>
+                </a:endParaRPr>
+              </a:p>
+            </p:txBody>
+          </p:sp>
+          <p:sp>
+            <p:nvSpPr>
+              <p:cNvPr id="12" name="TextBox 11">
+                <a:extLst>
+                  <a:ext uri="{FF2B5EF4-FFF2-40B4-BE49-F238E27FC236}">
+                    <a16:creationId xmlns:a16="http://schemas.microsoft.com/office/drawing/2014/main" id="{1354BC33-2392-2DBD-DACC-495B8EDF5CFA}"/>
+                  </a:ext>
+                </a:extLst>
+              </p:cNvPr>
+              <p:cNvSpPr txBox="1"/>
+              <p:nvPr/>
+            </p:nvSpPr>
+            <p:spPr>
+              <a:xfrm>
+                <a:off x="3995650" y="4276305"/>
+                <a:ext cx="412292" cy="230832"/>
+              </a:xfrm>
+              <a:prstGeom prst="rect">
+                <a:avLst/>
+              </a:prstGeom>
+              <a:noFill/>
+            </p:spPr>
+            <p:txBody>
+              <a:bodyPr wrap="square" rtlCol="0">
+                <a:spAutoFit/>
+              </a:bodyPr>
+              <a:lstStyle/>
+              <a:p>
+                <a:pPr marL="0" marR="0" lvl="0" indent="0" algn="l" defTabSz="914400" rtl="0" eaLnBrk="1" fontAlgn="auto" latinLnBrk="0" hangingPunct="1">
+                  <a:lnSpc>
+                    <a:spcPct val="100000"/>
+                  </a:lnSpc>
+                  <a:spcBef>
+                    <a:spcPts val="0"/>
+                  </a:spcBef>
+                  <a:spcAft>
+                    <a:spcPts val="0"/>
+                  </a:spcAft>
+                  <a:buClrTx/>
+                  <a:buSzTx/>
+                  <a:buFontTx/>
+                  <a:buNone/>
+                  <a:tabLst/>
+                  <a:defRPr/>
+                </a:pPr>
+                <a:r>
+                  <a:rPr kumimoji="0" lang="en-US" sz="900" b="0" i="0" u="none" strike="noStrike" kern="1200" cap="none" spc="0" normalizeH="0" baseline="0" noProof="0" dirty="0">
+                    <a:ln>
+                      <a:noFill/>
+                    </a:ln>
+                    <a:solidFill>
+                      <a:prstClr val="black"/>
+                    </a:solidFill>
+                    <a:effectLst/>
+                    <a:uLnTx/>
+                    <a:uFillTx/>
+                    <a:ea typeface="+mn-ea"/>
+                    <a:cs typeface="+mn-cs"/>
+                  </a:rPr>
+                  <a:t>host</a:t>
+                </a:r>
+              </a:p>
+            </p:txBody>
+          </p:sp>
+        </p:grpSp>
+        <p:grpSp>
+          <p:nvGrpSpPr>
+            <p:cNvPr id="18" name="Group 17">
+              <a:extLst>
+                <a:ext uri="{FF2B5EF4-FFF2-40B4-BE49-F238E27FC236}">
+                  <a16:creationId xmlns:a16="http://schemas.microsoft.com/office/drawing/2014/main" id="{0965E86A-1C94-A558-145A-CBC2E89E62AD}"/>
+                </a:ext>
+              </a:extLst>
+            </p:cNvPr>
+            <p:cNvGrpSpPr/>
+            <p:nvPr/>
+          </p:nvGrpSpPr>
+          <p:grpSpPr>
+            <a:xfrm>
+              <a:off x="4197720" y="4167805"/>
+              <a:ext cx="771421" cy="991032"/>
+              <a:chOff x="3816079" y="4223863"/>
+              <a:chExt cx="771421" cy="991032"/>
+            </a:xfrm>
+          </p:grpSpPr>
+          <p:sp>
+            <p:nvSpPr>
+              <p:cNvPr id="19" name="Rectangle 18">
+                <a:extLst>
+                  <a:ext uri="{FF2B5EF4-FFF2-40B4-BE49-F238E27FC236}">
+                    <a16:creationId xmlns:a16="http://schemas.microsoft.com/office/drawing/2014/main" id="{D1423ABE-B95A-39BF-B25A-51AE295D7BCC}"/>
+                  </a:ext>
+                </a:extLst>
+              </p:cNvPr>
+              <p:cNvSpPr/>
+              <p:nvPr/>
+            </p:nvSpPr>
+            <p:spPr>
+              <a:xfrm>
+                <a:off x="3816079" y="4722603"/>
+                <a:ext cx="771421" cy="250978"/>
+              </a:xfrm>
+              <a:prstGeom prst="rect">
+                <a:avLst/>
+              </a:prstGeom>
+              <a:solidFill>
+                <a:schemeClr val="bg1">
+                  <a:lumMod val="95000"/>
+                </a:schemeClr>
+              </a:solidFill>
+              <a:ln w="19050">
+                <a:solidFill>
+                  <a:schemeClr val="bg2"/>
+                </a:solidFill>
+              </a:ln>
+            </p:spPr>
+            <p:style>
+              <a:lnRef idx="2">
+                <a:schemeClr val="accent1">
+                  <a:shade val="50000"/>
+                </a:schemeClr>
+              </a:lnRef>
+              <a:fillRef idx="1">
+                <a:schemeClr val="accent1"/>
+              </a:fillRef>
+              <a:effectRef idx="0">
+                <a:schemeClr val="accent1"/>
+              </a:effectRef>
+              <a:fontRef idx="minor">
+                <a:schemeClr val="lt1"/>
+              </a:fontRef>
+            </p:style>
+            <p:txBody>
+              <a:bodyPr lIns="0" rIns="0" rtlCol="0" anchor="ctr"/>
+              <a:lstStyle/>
+              <a:p>
+                <a:pPr marL="0" marR="0" lvl="0" indent="0" algn="ctr" defTabSz="914400" rtl="0" eaLnBrk="1" fontAlgn="auto" latinLnBrk="0" hangingPunct="1">
+                  <a:lnSpc>
+                    <a:spcPct val="100000"/>
+                  </a:lnSpc>
+                  <a:spcBef>
+                    <a:spcPts val="0"/>
+                  </a:spcBef>
+                  <a:spcAft>
+                    <a:spcPts val="0"/>
+                  </a:spcAft>
+                  <a:buClrTx/>
+                  <a:buSzTx/>
+                  <a:buFontTx/>
+                  <a:buNone/>
+                  <a:tabLst/>
+                  <a:defRPr/>
+                </a:pPr>
+                <a:r>
+                  <a:rPr kumimoji="0" lang="en-US" sz="900" b="0" i="0" u="none" strike="noStrike" kern="1200" cap="none" spc="0" normalizeH="0" baseline="0" noProof="0" dirty="0">
+                    <a:ln>
+                      <a:noFill/>
+                    </a:ln>
+                    <a:solidFill>
+                      <a:prstClr val="black"/>
+                    </a:solidFill>
+                    <a:effectLst/>
+                    <a:uLnTx/>
+                    <a:uFillTx/>
+                    <a:ea typeface="+mn-ea"/>
+                    <a:cs typeface="+mn-cs"/>
+                  </a:rPr>
+                  <a:t>Compute</a:t>
+                </a:r>
+              </a:p>
+              <a:p>
+                <a:pPr marL="0" marR="0" lvl="0" indent="0" algn="ctr" defTabSz="914400" rtl="0" eaLnBrk="1" fontAlgn="auto" latinLnBrk="0" hangingPunct="1">
+                  <a:lnSpc>
+                    <a:spcPct val="100000"/>
+                  </a:lnSpc>
+                  <a:spcBef>
+                    <a:spcPts val="0"/>
+                  </a:spcBef>
+                  <a:spcAft>
+                    <a:spcPts val="0"/>
+                  </a:spcAft>
+                  <a:buClrTx/>
+                  <a:buSzTx/>
+                  <a:buFontTx/>
+                  <a:buNone/>
+                  <a:tabLst/>
+                  <a:defRPr/>
+                </a:pPr>
+                <a:r>
+                  <a:rPr kumimoji="0" lang="en-US" sz="900" b="0" i="0" u="none" strike="noStrike" kern="1200" cap="none" spc="0" normalizeH="0" baseline="0" noProof="0" dirty="0">
+                    <a:ln>
+                      <a:noFill/>
+                    </a:ln>
+                    <a:solidFill>
+                      <a:prstClr val="black"/>
+                    </a:solidFill>
+                    <a:effectLst/>
+                    <a:uLnTx/>
+                    <a:uFillTx/>
+                    <a:ea typeface="+mn-ea"/>
+                    <a:cs typeface="+mn-cs"/>
+                  </a:rPr>
+                  <a:t>Platform</a:t>
+                </a:r>
+              </a:p>
+            </p:txBody>
+          </p:sp>
+          <p:sp>
+            <p:nvSpPr>
+              <p:cNvPr id="20" name="Rectangle: Rounded Corners 19">
+                <a:extLst>
+                  <a:ext uri="{FF2B5EF4-FFF2-40B4-BE49-F238E27FC236}">
+                    <a16:creationId xmlns:a16="http://schemas.microsoft.com/office/drawing/2014/main" id="{78CF353B-5D46-A40D-867F-63CF5553D636}"/>
+                  </a:ext>
+                </a:extLst>
+              </p:cNvPr>
+              <p:cNvSpPr/>
+              <p:nvPr/>
+            </p:nvSpPr>
+            <p:spPr>
+              <a:xfrm>
+                <a:off x="3816080" y="4399416"/>
+                <a:ext cx="771420" cy="815479"/>
+              </a:xfrm>
+              <a:prstGeom prst="roundRect">
+                <a:avLst/>
+              </a:prstGeom>
+              <a:noFill/>
+              <a:ln w="19050">
+                <a:solidFill>
+                  <a:schemeClr val="tx1"/>
+                </a:solidFill>
+              </a:ln>
+            </p:spPr>
+            <p:style>
+              <a:lnRef idx="2">
+                <a:schemeClr val="accent1">
+                  <a:shade val="50000"/>
+                </a:schemeClr>
+              </a:lnRef>
+              <a:fillRef idx="1">
+                <a:schemeClr val="accent1"/>
+              </a:fillRef>
+              <a:effectRef idx="0">
+                <a:schemeClr val="accent1"/>
+              </a:effectRef>
+              <a:fontRef idx="minor">
+                <a:schemeClr val="lt1"/>
+              </a:fontRef>
+            </p:style>
+            <p:txBody>
+              <a:bodyPr lIns="45720" tIns="0" bIns="9144" rtlCol="0" anchor="b" anchorCtr="0"/>
+              <a:lstStyle/>
+              <a:p>
+                <a:pPr lvl="0">
+                  <a:defRPr/>
+                </a:pPr>
+                <a:r>
+                  <a:rPr lang="en-US" sz="800" dirty="0">
+                    <a:solidFill>
+                      <a:prstClr val="black"/>
+                    </a:solidFill>
+                  </a:rPr>
+                  <a:t>server-1</a:t>
+                </a:r>
+                <a:endParaRPr kumimoji="0" lang="en-US" sz="800" b="0" i="0" u="none" strike="noStrike" kern="1200" cap="none" spc="0" normalizeH="0" baseline="0" noProof="0" dirty="0">
+                  <a:ln>
+                    <a:noFill/>
+                  </a:ln>
+                  <a:solidFill>
+                    <a:prstClr val="black"/>
+                  </a:solidFill>
+                  <a:effectLst/>
+                  <a:uLnTx/>
+                  <a:uFillTx/>
+                  <a:ea typeface="+mn-ea"/>
+                  <a:cs typeface="+mn-cs"/>
+                </a:endParaRPr>
+              </a:p>
+            </p:txBody>
+          </p:sp>
+          <p:sp>
+            <p:nvSpPr>
+              <p:cNvPr id="21" name="Arrow: Chevron 20">
+                <a:extLst>
+                  <a:ext uri="{FF2B5EF4-FFF2-40B4-BE49-F238E27FC236}">
+                    <a16:creationId xmlns:a16="http://schemas.microsoft.com/office/drawing/2014/main" id="{C60B1716-C9A4-F253-E974-95F1F394129E}"/>
+                  </a:ext>
+                </a:extLst>
+              </p:cNvPr>
+              <p:cNvSpPr/>
+              <p:nvPr/>
+            </p:nvSpPr>
+            <p:spPr>
+              <a:xfrm rot="5400000">
+                <a:off x="4026243" y="4166150"/>
+                <a:ext cx="351106" cy="466531"/>
+              </a:xfrm>
+              <a:prstGeom prst="chevron">
+                <a:avLst>
+                  <a:gd name="adj" fmla="val 14000"/>
+                </a:avLst>
+              </a:prstGeom>
+              <a:solidFill>
+                <a:schemeClr val="bg1"/>
+              </a:solidFill>
+              <a:ln w="12700">
+                <a:solidFill>
+                  <a:schemeClr val="tx1"/>
+                </a:solidFill>
+              </a:ln>
+            </p:spPr>
+            <p:style>
+              <a:lnRef idx="2">
+                <a:schemeClr val="accent1">
+                  <a:shade val="50000"/>
+                </a:schemeClr>
+              </a:lnRef>
+              <a:fillRef idx="1">
+                <a:schemeClr val="accent1"/>
+              </a:fillRef>
+              <a:effectRef idx="0">
+                <a:schemeClr val="accent1"/>
+              </a:effectRef>
+              <a:fontRef idx="minor">
+                <a:schemeClr val="lt1"/>
+              </a:fontRef>
+            </p:style>
+            <p:txBody>
+              <a:bodyPr tIns="0" rtlCol="0" anchor="t" anchorCtr="0"/>
+              <a:lstStyle/>
+              <a:p>
+                <a:pPr marL="0" marR="0" lvl="0" indent="0" algn="l" defTabSz="914400" rtl="0" eaLnBrk="1" fontAlgn="auto" latinLnBrk="0" hangingPunct="1">
+                  <a:lnSpc>
+                    <a:spcPct val="100000"/>
+                  </a:lnSpc>
+                  <a:spcBef>
+                    <a:spcPts val="0"/>
+                  </a:spcBef>
+                  <a:spcAft>
+                    <a:spcPts val="0"/>
+                  </a:spcAft>
+                  <a:buClrTx/>
+                  <a:buSzTx/>
+                  <a:buFontTx/>
+                  <a:buNone/>
+                  <a:tabLst/>
+                  <a:defRPr/>
+                </a:pPr>
+                <a:endParaRPr kumimoji="0" lang="en-US" sz="1000" b="0" i="0" u="none" strike="noStrike" kern="1200" cap="none" spc="0" normalizeH="0" baseline="0" noProof="0">
+                  <a:ln>
+                    <a:noFill/>
+                  </a:ln>
+                  <a:solidFill>
+                    <a:prstClr val="black"/>
+                  </a:solidFill>
+                  <a:effectLst/>
+                  <a:uLnTx/>
+                  <a:uFillTx/>
+                  <a:ea typeface="+mn-ea"/>
+                  <a:cs typeface="+mn-cs"/>
+                </a:endParaRPr>
+              </a:p>
+            </p:txBody>
+          </p:sp>
+          <p:sp>
+            <p:nvSpPr>
+              <p:cNvPr id="22" name="TextBox 21">
+                <a:extLst>
+                  <a:ext uri="{FF2B5EF4-FFF2-40B4-BE49-F238E27FC236}">
+                    <a16:creationId xmlns:a16="http://schemas.microsoft.com/office/drawing/2014/main" id="{F268AEC8-6C38-0232-0F56-5A4E5946BD1B}"/>
+                  </a:ext>
+                </a:extLst>
+              </p:cNvPr>
+              <p:cNvSpPr txBox="1"/>
+              <p:nvPr/>
+            </p:nvSpPr>
+            <p:spPr>
+              <a:xfrm>
+                <a:off x="3995650" y="4276305"/>
+                <a:ext cx="412292" cy="230832"/>
+              </a:xfrm>
+              <a:prstGeom prst="rect">
+                <a:avLst/>
+              </a:prstGeom>
+              <a:noFill/>
+            </p:spPr>
+            <p:txBody>
+              <a:bodyPr wrap="square" rtlCol="0">
+                <a:spAutoFit/>
+              </a:bodyPr>
+              <a:lstStyle/>
+              <a:p>
+                <a:pPr marL="0" marR="0" lvl="0" indent="0" algn="l" defTabSz="914400" rtl="0" eaLnBrk="1" fontAlgn="auto" latinLnBrk="0" hangingPunct="1">
+                  <a:lnSpc>
+                    <a:spcPct val="100000"/>
+                  </a:lnSpc>
+                  <a:spcBef>
+                    <a:spcPts val="0"/>
+                  </a:spcBef>
+                  <a:spcAft>
+                    <a:spcPts val="0"/>
+                  </a:spcAft>
+                  <a:buClrTx/>
+                  <a:buSzTx/>
+                  <a:buFontTx/>
+                  <a:buNone/>
+                  <a:tabLst/>
+                  <a:defRPr/>
+                </a:pPr>
+                <a:r>
+                  <a:rPr kumimoji="0" lang="en-US" sz="900" b="0" i="0" u="none" strike="noStrike" kern="1200" cap="none" spc="0" normalizeH="0" baseline="0" noProof="0" dirty="0">
+                    <a:ln>
+                      <a:noFill/>
+                    </a:ln>
+                    <a:solidFill>
+                      <a:prstClr val="black"/>
+                    </a:solidFill>
+                    <a:effectLst/>
+                    <a:uLnTx/>
+                    <a:uFillTx/>
+                    <a:ea typeface="+mn-ea"/>
+                    <a:cs typeface="+mn-cs"/>
+                  </a:rPr>
+                  <a:t>host</a:t>
+                </a:r>
+              </a:p>
+            </p:txBody>
+          </p:sp>
+        </p:grpSp>
+        <p:grpSp>
+          <p:nvGrpSpPr>
+            <p:cNvPr id="28" name="Group 27">
+              <a:extLst>
+                <a:ext uri="{FF2B5EF4-FFF2-40B4-BE49-F238E27FC236}">
+                  <a16:creationId xmlns:a16="http://schemas.microsoft.com/office/drawing/2014/main" id="{CA303DF7-B63A-A462-3056-B4A35CEA272B}"/>
+                </a:ext>
+              </a:extLst>
+            </p:cNvPr>
+            <p:cNvGrpSpPr/>
+            <p:nvPr/>
+          </p:nvGrpSpPr>
+          <p:grpSpPr>
+            <a:xfrm>
+              <a:off x="3034142" y="1397252"/>
+              <a:ext cx="771421" cy="974099"/>
+              <a:chOff x="3816085" y="2671396"/>
+              <a:chExt cx="771421" cy="974099"/>
+            </a:xfrm>
+          </p:grpSpPr>
+          <p:sp>
+            <p:nvSpPr>
+              <p:cNvPr id="29" name="Rectangle 28">
+                <a:extLst>
+                  <a:ext uri="{FF2B5EF4-FFF2-40B4-BE49-F238E27FC236}">
+                    <a16:creationId xmlns:a16="http://schemas.microsoft.com/office/drawing/2014/main" id="{785F5931-2EF8-FDA6-3705-9DD1486D46A7}"/>
+                  </a:ext>
+                </a:extLst>
+              </p:cNvPr>
+              <p:cNvSpPr/>
+              <p:nvPr/>
+            </p:nvSpPr>
+            <p:spPr>
+              <a:xfrm>
+                <a:off x="3816085" y="2911202"/>
+                <a:ext cx="771421" cy="279919"/>
+              </a:xfrm>
+              <a:prstGeom prst="rect">
+                <a:avLst/>
+              </a:prstGeom>
+              <a:solidFill>
+                <a:schemeClr val="bg1">
+                  <a:lumMod val="95000"/>
+                </a:schemeClr>
+              </a:solidFill>
+              <a:ln w="19050">
+                <a:solidFill>
+                  <a:schemeClr val="bg2"/>
+                </a:solidFill>
+              </a:ln>
+            </p:spPr>
+            <p:style>
+              <a:lnRef idx="2">
+                <a:schemeClr val="accent1">
+                  <a:shade val="50000"/>
+                </a:schemeClr>
+              </a:lnRef>
+              <a:fillRef idx="1">
+                <a:schemeClr val="accent1"/>
+              </a:fillRef>
+              <a:effectRef idx="0">
+                <a:schemeClr val="accent1"/>
+              </a:effectRef>
+              <a:fontRef idx="minor">
+                <a:schemeClr val="lt1"/>
+              </a:fontRef>
+            </p:style>
+            <p:txBody>
+              <a:bodyPr lIns="0" rIns="0" rtlCol="0" anchor="ctr"/>
+              <a:lstStyle/>
+              <a:p>
+                <a:pPr marL="0" marR="0" lvl="0" indent="0" algn="ctr" defTabSz="914400" rtl="0" eaLnBrk="1" fontAlgn="auto" latinLnBrk="0" hangingPunct="1">
+                  <a:lnSpc>
+                    <a:spcPct val="100000"/>
+                  </a:lnSpc>
+                  <a:spcBef>
+                    <a:spcPts val="0"/>
+                  </a:spcBef>
+                  <a:spcAft>
+                    <a:spcPts val="0"/>
+                  </a:spcAft>
+                  <a:buClrTx/>
+                  <a:buSzTx/>
+                  <a:buFontTx/>
+                  <a:buNone/>
+                  <a:tabLst/>
+                  <a:defRPr/>
+                </a:pPr>
+                <a:r>
+                  <a:rPr kumimoji="0" lang="en-US" sz="900" b="0" i="0" u="none" strike="noStrike" kern="1200" cap="none" spc="0" normalizeH="0" baseline="0" noProof="0" dirty="0">
+                    <a:ln>
+                      <a:noFill/>
+                    </a:ln>
+                    <a:solidFill>
+                      <a:prstClr val="black"/>
+                    </a:solidFill>
+                    <a:effectLst/>
+                    <a:uLnTx/>
+                    <a:uFillTx/>
+                    <a:ea typeface="+mn-ea"/>
+                    <a:cs typeface="+mn-cs"/>
+                  </a:rPr>
+                  <a:t>Compute</a:t>
+                </a:r>
+              </a:p>
+              <a:p>
+                <a:pPr marL="0" marR="0" lvl="0" indent="0" algn="ctr" defTabSz="914400" rtl="0" eaLnBrk="1" fontAlgn="auto" latinLnBrk="0" hangingPunct="1">
+                  <a:lnSpc>
+                    <a:spcPct val="100000"/>
+                  </a:lnSpc>
+                  <a:spcBef>
+                    <a:spcPts val="0"/>
+                  </a:spcBef>
+                  <a:spcAft>
+                    <a:spcPts val="0"/>
+                  </a:spcAft>
+                  <a:buClrTx/>
+                  <a:buSzTx/>
+                  <a:buFontTx/>
+                  <a:buNone/>
+                  <a:tabLst/>
+                  <a:defRPr/>
+                </a:pPr>
+                <a:r>
+                  <a:rPr lang="en-US" sz="900" dirty="0">
+                    <a:solidFill>
+                      <a:prstClr val="black"/>
+                    </a:solidFill>
+                  </a:rPr>
+                  <a:t>Platform</a:t>
+                </a:r>
+                <a:endParaRPr kumimoji="0" lang="en-US" sz="900" b="0" i="0" u="none" strike="noStrike" kern="1200" cap="none" spc="0" normalizeH="0" baseline="0" noProof="0" dirty="0">
+                  <a:ln>
+                    <a:noFill/>
+                  </a:ln>
+                  <a:solidFill>
+                    <a:prstClr val="black"/>
+                  </a:solidFill>
+                  <a:effectLst/>
+                  <a:uLnTx/>
+                  <a:uFillTx/>
+                  <a:ea typeface="+mn-ea"/>
+                  <a:cs typeface="+mn-cs"/>
+                </a:endParaRPr>
+              </a:p>
+            </p:txBody>
+          </p:sp>
+          <p:sp>
+            <p:nvSpPr>
+              <p:cNvPr id="30" name="Rectangle: Rounded Corners 29">
+                <a:extLst>
+                  <a:ext uri="{FF2B5EF4-FFF2-40B4-BE49-F238E27FC236}">
+                    <a16:creationId xmlns:a16="http://schemas.microsoft.com/office/drawing/2014/main" id="{06639B89-A87E-6F94-BBA8-64CCA7390726}"/>
+                  </a:ext>
+                </a:extLst>
+              </p:cNvPr>
+              <p:cNvSpPr/>
+              <p:nvPr/>
+            </p:nvSpPr>
+            <p:spPr>
+              <a:xfrm>
+                <a:off x="3816085" y="2671396"/>
+                <a:ext cx="771420" cy="815478"/>
+              </a:xfrm>
+              <a:prstGeom prst="roundRect">
+                <a:avLst/>
+              </a:prstGeom>
+              <a:noFill/>
+              <a:ln w="19050">
+                <a:solidFill>
+                  <a:schemeClr val="tx1"/>
+                </a:solidFill>
+              </a:ln>
+            </p:spPr>
+            <p:style>
+              <a:lnRef idx="2">
+                <a:schemeClr val="accent1">
+                  <a:shade val="50000"/>
+                </a:schemeClr>
+              </a:lnRef>
+              <a:fillRef idx="1">
+                <a:schemeClr val="accent1"/>
+              </a:fillRef>
+              <a:effectRef idx="0">
+                <a:schemeClr val="accent1"/>
+              </a:effectRef>
+              <a:fontRef idx="minor">
+                <a:schemeClr val="lt1"/>
+              </a:fontRef>
+            </p:style>
+            <p:txBody>
+              <a:bodyPr tIns="0" rtlCol="0" anchor="t" anchorCtr="0"/>
+              <a:lstStyle/>
+              <a:p>
+                <a:pPr marL="0" marR="0" lvl="0" indent="0" algn="l" defTabSz="914400" rtl="0" eaLnBrk="1" fontAlgn="auto" latinLnBrk="0" hangingPunct="1">
+                  <a:lnSpc>
+                    <a:spcPct val="100000"/>
+                  </a:lnSpc>
+                  <a:spcBef>
+                    <a:spcPts val="0"/>
+                  </a:spcBef>
+                  <a:spcAft>
+                    <a:spcPts val="0"/>
+                  </a:spcAft>
+                  <a:buClrTx/>
+                  <a:buSzTx/>
+                  <a:buFontTx/>
+                  <a:buNone/>
+                  <a:tabLst/>
+                  <a:defRPr/>
+                </a:pPr>
+                <a:r>
+                  <a:rPr kumimoji="0" lang="en-US" sz="800" b="0" i="0" u="none" strike="noStrike" kern="1200" cap="none" spc="0" normalizeH="0" baseline="0" noProof="0" dirty="0">
+                    <a:ln>
+                      <a:noFill/>
+                    </a:ln>
+                    <a:solidFill>
+                      <a:prstClr val="black"/>
+                    </a:solidFill>
+                    <a:effectLst/>
+                    <a:uLnTx/>
+                    <a:uFillTx/>
+                    <a:ea typeface="+mn-ea"/>
+                    <a:cs typeface="+mn-cs"/>
+                  </a:rPr>
+                  <a:t>vm-1</a:t>
+                </a:r>
+              </a:p>
+            </p:txBody>
+          </p:sp>
+          <p:sp>
+            <p:nvSpPr>
+              <p:cNvPr id="31" name="Flowchart: Off-page Connector 30">
+                <a:extLst>
+                  <a:ext uri="{FF2B5EF4-FFF2-40B4-BE49-F238E27FC236}">
+                    <a16:creationId xmlns:a16="http://schemas.microsoft.com/office/drawing/2014/main" id="{88BA0694-B850-BC67-B211-A0691D4970B1}"/>
+                  </a:ext>
+                </a:extLst>
+              </p:cNvPr>
+              <p:cNvSpPr/>
+              <p:nvPr/>
+            </p:nvSpPr>
+            <p:spPr>
+              <a:xfrm>
+                <a:off x="3968530" y="3365576"/>
+                <a:ext cx="466531" cy="279919"/>
+              </a:xfrm>
+              <a:prstGeom prst="flowChartOffpageConnector">
+                <a:avLst/>
+              </a:prstGeom>
+              <a:solidFill>
+                <a:schemeClr val="bg1"/>
+              </a:solidFill>
+              <a:ln w="19050">
+                <a:solidFill>
+                  <a:schemeClr val="tx1"/>
+                </a:solidFill>
+              </a:ln>
+            </p:spPr>
+            <p:style>
+              <a:lnRef idx="2">
+                <a:schemeClr val="accent1">
+                  <a:shade val="50000"/>
+                </a:schemeClr>
+              </a:lnRef>
+              <a:fillRef idx="1">
+                <a:schemeClr val="accent1"/>
+              </a:fillRef>
+              <a:effectRef idx="0">
+                <a:schemeClr val="accent1"/>
+              </a:effectRef>
+              <a:fontRef idx="minor">
+                <a:schemeClr val="lt1"/>
+              </a:fontRef>
+            </p:style>
+            <p:txBody>
+              <a:bodyPr tIns="0" rtlCol="0" anchor="t" anchorCtr="0"/>
+              <a:lstStyle/>
+              <a:p>
+                <a:pPr marL="0" marR="0" lvl="0" indent="0" algn="l" defTabSz="914400" rtl="0" eaLnBrk="1" fontAlgn="auto" latinLnBrk="0" hangingPunct="1">
+                  <a:lnSpc>
+                    <a:spcPct val="100000"/>
+                  </a:lnSpc>
+                  <a:spcBef>
+                    <a:spcPts val="0"/>
+                  </a:spcBef>
+                  <a:spcAft>
+                    <a:spcPts val="0"/>
+                  </a:spcAft>
+                  <a:buClrTx/>
+                  <a:buSzTx/>
+                  <a:buFontTx/>
+                  <a:buNone/>
+                  <a:tabLst/>
+                  <a:defRPr/>
+                </a:pPr>
+                <a:endParaRPr kumimoji="0" lang="en-US" sz="1000" b="0" i="0" u="none" strike="noStrike" kern="1200" cap="none" spc="0" normalizeH="0" baseline="0" noProof="0">
+                  <a:ln>
+                    <a:noFill/>
+                  </a:ln>
+                  <a:solidFill>
+                    <a:prstClr val="black"/>
+                  </a:solidFill>
+                  <a:effectLst/>
+                  <a:uLnTx/>
+                  <a:uFillTx/>
+                  <a:ea typeface="+mn-ea"/>
+                  <a:cs typeface="+mn-cs"/>
+                </a:endParaRPr>
+              </a:p>
+            </p:txBody>
+          </p:sp>
+          <p:sp>
+            <p:nvSpPr>
+              <p:cNvPr id="32" name="TextBox 31">
+                <a:extLst>
+                  <a:ext uri="{FF2B5EF4-FFF2-40B4-BE49-F238E27FC236}">
+                    <a16:creationId xmlns:a16="http://schemas.microsoft.com/office/drawing/2014/main" id="{B1073C08-2ABA-B500-FE04-02D5BE3A9AC5}"/>
+                  </a:ext>
+                </a:extLst>
+              </p:cNvPr>
+              <p:cNvSpPr txBox="1"/>
+              <p:nvPr/>
+            </p:nvSpPr>
+            <p:spPr>
+              <a:xfrm>
+                <a:off x="3995649" y="3382425"/>
+                <a:ext cx="412292" cy="230832"/>
+              </a:xfrm>
+              <a:prstGeom prst="rect">
+                <a:avLst/>
+              </a:prstGeom>
+              <a:noFill/>
+            </p:spPr>
+            <p:txBody>
+              <a:bodyPr wrap="square" rtlCol="0">
+                <a:spAutoFit/>
+              </a:bodyPr>
+              <a:lstStyle/>
+              <a:p>
+                <a:pPr marL="0" marR="0" lvl="0" indent="0" algn="l" defTabSz="914400" rtl="0" eaLnBrk="1" fontAlgn="auto" latinLnBrk="0" hangingPunct="1">
+                  <a:lnSpc>
+                    <a:spcPct val="100000"/>
+                  </a:lnSpc>
+                  <a:spcBef>
+                    <a:spcPts val="0"/>
+                  </a:spcBef>
+                  <a:spcAft>
+                    <a:spcPts val="0"/>
+                  </a:spcAft>
+                  <a:buClrTx/>
+                  <a:buSzTx/>
+                  <a:buFontTx/>
+                  <a:buNone/>
+                  <a:tabLst/>
+                  <a:defRPr/>
+                </a:pPr>
+                <a:r>
+                  <a:rPr kumimoji="0" lang="en-US" sz="900" b="0" i="0" u="none" strike="noStrike" kern="1200" cap="none" spc="0" normalizeH="0" baseline="0" noProof="0" dirty="0">
+                    <a:ln>
+                      <a:noFill/>
+                    </a:ln>
+                    <a:solidFill>
+                      <a:prstClr val="black"/>
+                    </a:solidFill>
+                    <a:effectLst/>
+                    <a:uLnTx/>
+                    <a:uFillTx/>
+                    <a:ea typeface="+mn-ea"/>
+                    <a:cs typeface="+mn-cs"/>
+                  </a:rPr>
+                  <a:t>host</a:t>
+                </a:r>
+              </a:p>
+            </p:txBody>
+          </p:sp>
+        </p:grpSp>
+        <p:cxnSp>
+          <p:nvCxnSpPr>
+            <p:cNvPr id="153" name="Straight Arrow Connector 152">
+              <a:extLst>
+                <a:ext uri="{FF2B5EF4-FFF2-40B4-BE49-F238E27FC236}">
+                  <a16:creationId xmlns:a16="http://schemas.microsoft.com/office/drawing/2014/main" id="{984D0B08-A38E-44AC-4609-1708EC216A0F}"/>
+                </a:ext>
+              </a:extLst>
+            </p:cNvPr>
+            <p:cNvCxnSpPr>
+              <a:cxnSpLocks/>
+              <a:stCxn id="57" idx="0"/>
+              <a:endCxn id="137" idx="2"/>
+            </p:cNvCxnSpPr>
+            <p:nvPr/>
+          </p:nvCxnSpPr>
+          <p:spPr>
+            <a:xfrm flipV="1">
+              <a:off x="4583431" y="2371351"/>
+              <a:ext cx="0" cy="362085"/>
+            </a:xfrm>
+            <a:prstGeom prst="straightConnector1">
+              <a:avLst/>
+            </a:prstGeom>
+            <a:ln w="12700">
+              <a:solidFill>
+                <a:schemeClr val="tx1"/>
+              </a:solidFill>
+              <a:headEnd type="triangle" w="med" len="med"/>
+              <a:tailEnd type="none" w="med" len="med"/>
+            </a:ln>
+          </p:spPr>
+          <p:style>
+            <a:lnRef idx="1">
+              <a:schemeClr val="accent1"/>
+            </a:lnRef>
+            <a:fillRef idx="0">
+              <a:schemeClr val="accent1"/>
+            </a:fillRef>
+            <a:effectRef idx="0">
+              <a:schemeClr val="accent1"/>
+            </a:effectRef>
+            <a:fontRef idx="minor">
+              <a:schemeClr val="tx1"/>
+            </a:fontRef>
+          </p:style>
+        </p:cxnSp>
+        <p:cxnSp>
+          <p:nvCxnSpPr>
+            <p:cNvPr id="162" name="Straight Arrow Connector 161">
+              <a:extLst>
+                <a:ext uri="{FF2B5EF4-FFF2-40B4-BE49-F238E27FC236}">
+                  <a16:creationId xmlns:a16="http://schemas.microsoft.com/office/drawing/2014/main" id="{45D5E0C4-BF17-5CB4-4628-E9920D169DCC}"/>
+                </a:ext>
+              </a:extLst>
+            </p:cNvPr>
+            <p:cNvCxnSpPr>
+              <a:cxnSpLocks/>
+              <a:stCxn id="4" idx="1"/>
+              <a:endCxn id="31" idx="2"/>
+            </p:cNvCxnSpPr>
+            <p:nvPr/>
+          </p:nvCxnSpPr>
+          <p:spPr>
+            <a:xfrm flipH="1" flipV="1">
+              <a:off x="3419853" y="2371351"/>
+              <a:ext cx="6" cy="1845609"/>
+            </a:xfrm>
+            <a:prstGeom prst="straightConnector1">
+              <a:avLst/>
+            </a:prstGeom>
+            <a:ln w="12700">
+              <a:solidFill>
+                <a:schemeClr val="tx1"/>
+              </a:solidFill>
+              <a:headEnd type="triangle" w="med" len="med"/>
+              <a:tailEnd type="none" w="med" len="med"/>
+            </a:ln>
+          </p:spPr>
+          <p:style>
+            <a:lnRef idx="1">
+              <a:schemeClr val="accent1"/>
+            </a:lnRef>
+            <a:fillRef idx="0">
+              <a:schemeClr val="accent1"/>
+            </a:fillRef>
+            <a:effectRef idx="0">
+              <a:schemeClr val="accent1"/>
+            </a:effectRef>
+            <a:fontRef idx="minor">
+              <a:schemeClr val="tx1"/>
+            </a:fontRef>
+          </p:style>
+        </p:cxnSp>
+        <p:grpSp>
+          <p:nvGrpSpPr>
+            <p:cNvPr id="147" name="Group 146">
+              <a:extLst>
+                <a:ext uri="{FF2B5EF4-FFF2-40B4-BE49-F238E27FC236}">
+                  <a16:creationId xmlns:a16="http://schemas.microsoft.com/office/drawing/2014/main" id="{0375C6D9-01BE-B248-9FB8-0C3F014FEF4F}"/>
+                </a:ext>
+              </a:extLst>
+            </p:cNvPr>
+            <p:cNvGrpSpPr/>
+            <p:nvPr/>
+          </p:nvGrpSpPr>
+          <p:grpSpPr>
+            <a:xfrm>
+              <a:off x="4197720" y="2680994"/>
+              <a:ext cx="771421" cy="1177169"/>
+              <a:chOff x="4115528" y="2620040"/>
+              <a:chExt cx="771421" cy="1177169"/>
+            </a:xfrm>
+          </p:grpSpPr>
+          <p:grpSp>
+            <p:nvGrpSpPr>
+              <p:cNvPr id="146" name="Group 145">
+                <a:extLst>
+                  <a:ext uri="{FF2B5EF4-FFF2-40B4-BE49-F238E27FC236}">
+                    <a16:creationId xmlns:a16="http://schemas.microsoft.com/office/drawing/2014/main" id="{21372C5F-6019-6E0C-9508-4E8A358AF2EE}"/>
+                  </a:ext>
+                </a:extLst>
+              </p:cNvPr>
+              <p:cNvGrpSpPr/>
+              <p:nvPr/>
+            </p:nvGrpSpPr>
+            <p:grpSpPr>
+              <a:xfrm>
+                <a:off x="4115528" y="2823110"/>
+                <a:ext cx="771421" cy="815478"/>
+                <a:chOff x="4115528" y="2823110"/>
+                <a:chExt cx="771421" cy="815478"/>
+              </a:xfrm>
+            </p:grpSpPr>
+            <p:sp>
+              <p:nvSpPr>
+                <p:cNvPr id="34" name="Rectangle 33">
+                  <a:extLst>
+                    <a:ext uri="{FF2B5EF4-FFF2-40B4-BE49-F238E27FC236}">
+                      <a16:creationId xmlns:a16="http://schemas.microsoft.com/office/drawing/2014/main" id="{AC8C008F-40AE-7B56-066D-358A9B134B49}"/>
+                    </a:ext>
+                  </a:extLst>
+                </p:cNvPr>
+                <p:cNvSpPr/>
+                <p:nvPr/>
+              </p:nvSpPr>
+              <p:spPr>
+                <a:xfrm>
+                  <a:off x="4115528" y="3145212"/>
+                  <a:ext cx="771421" cy="279919"/>
+                </a:xfrm>
+                <a:prstGeom prst="rect">
+                  <a:avLst/>
+                </a:prstGeom>
+                <a:solidFill>
+                  <a:schemeClr val="bg1">
+                    <a:lumMod val="95000"/>
+                  </a:schemeClr>
+                </a:solidFill>
+                <a:ln w="19050">
+                  <a:solidFill>
+                    <a:schemeClr val="bg2"/>
+                  </a:solidFill>
+                </a:ln>
+              </p:spPr>
+              <p:style>
+                <a:lnRef idx="2">
+                  <a:schemeClr val="accent1">
+                    <a:shade val="50000"/>
+                  </a:schemeClr>
+                </a:lnRef>
+                <a:fillRef idx="1">
+                  <a:schemeClr val="accent1"/>
+                </a:fillRef>
+                <a:effectRef idx="0">
+                  <a:schemeClr val="accent1"/>
+                </a:effectRef>
+                <a:fontRef idx="minor">
+                  <a:schemeClr val="lt1"/>
+                </a:fontRef>
+              </p:style>
+              <p:txBody>
+                <a:bodyPr lIns="0" rIns="0" rtlCol="0" anchor="ctr"/>
+                <a:lstStyle/>
+                <a:p>
+                  <a:pPr marL="0" marR="0" lvl="0" indent="0" algn="ctr" defTabSz="914400" rtl="0" eaLnBrk="1" fontAlgn="auto" latinLnBrk="0" hangingPunct="1">
+                    <a:lnSpc>
+                      <a:spcPct val="100000"/>
+                    </a:lnSpc>
+                    <a:spcBef>
+                      <a:spcPts val="0"/>
+                    </a:spcBef>
+                    <a:spcAft>
+                      <a:spcPts val="0"/>
+                    </a:spcAft>
+                    <a:buClrTx/>
+                    <a:buSzTx/>
+                    <a:buFontTx/>
+                    <a:buNone/>
+                    <a:tabLst/>
+                    <a:defRPr/>
+                  </a:pPr>
+                  <a:r>
+                    <a:rPr kumimoji="0" lang="en-US" sz="900" b="0" i="0" u="none" strike="noStrike" kern="1200" cap="none" spc="0" normalizeH="0" baseline="0" noProof="0" dirty="0" err="1">
+                      <a:ln>
+                        <a:noFill/>
+                      </a:ln>
+                      <a:solidFill>
+                        <a:prstClr val="black"/>
+                      </a:solidFill>
+                      <a:effectLst/>
+                      <a:uLnTx/>
+                      <a:uFillTx/>
+                      <a:ea typeface="+mn-ea"/>
+                      <a:cs typeface="+mn-cs"/>
+                    </a:rPr>
+                    <a:t>Proxmox</a:t>
+                  </a:r>
+                  <a:endParaRPr kumimoji="0" lang="en-US" sz="900" b="0" i="0" u="none" strike="noStrike" kern="1200" cap="none" spc="0" normalizeH="0" baseline="0" noProof="0" dirty="0">
+                    <a:ln>
+                      <a:noFill/>
+                    </a:ln>
+                    <a:solidFill>
+                      <a:prstClr val="black"/>
+                    </a:solidFill>
+                    <a:effectLst/>
+                    <a:uLnTx/>
+                    <a:uFillTx/>
+                    <a:ea typeface="+mn-ea"/>
+                    <a:cs typeface="+mn-cs"/>
+                  </a:endParaRPr>
+                </a:p>
+              </p:txBody>
+            </p:sp>
+            <p:sp>
+              <p:nvSpPr>
+                <p:cNvPr id="35" name="Rectangle: Rounded Corners 34">
+                  <a:extLst>
+                    <a:ext uri="{FF2B5EF4-FFF2-40B4-BE49-F238E27FC236}">
+                      <a16:creationId xmlns:a16="http://schemas.microsoft.com/office/drawing/2014/main" id="{DFBFC135-6FE4-4904-9572-E0043D70EBD6}"/>
+                    </a:ext>
+                  </a:extLst>
+                </p:cNvPr>
+                <p:cNvSpPr/>
+                <p:nvPr/>
+              </p:nvSpPr>
+              <p:spPr>
+                <a:xfrm>
+                  <a:off x="4115528" y="2823110"/>
+                  <a:ext cx="771420" cy="815478"/>
+                </a:xfrm>
+                <a:prstGeom prst="roundRect">
+                  <a:avLst/>
+                </a:prstGeom>
+                <a:noFill/>
+                <a:ln w="19050">
+                  <a:solidFill>
+                    <a:schemeClr val="tx1"/>
+                  </a:solidFill>
+                </a:ln>
+              </p:spPr>
+              <p:style>
+                <a:lnRef idx="2">
+                  <a:schemeClr val="accent1">
+                    <a:shade val="50000"/>
+                  </a:schemeClr>
+                </a:lnRef>
+                <a:fillRef idx="1">
+                  <a:schemeClr val="accent1"/>
+                </a:fillRef>
+                <a:effectRef idx="0">
+                  <a:schemeClr val="accent1"/>
+                </a:effectRef>
+                <a:fontRef idx="minor">
+                  <a:schemeClr val="lt1"/>
+                </a:fontRef>
+              </p:style>
+              <p:txBody>
+                <a:bodyPr lIns="45720" tIns="118872" rtlCol="0" anchor="t" anchorCtr="0"/>
+                <a:lstStyle/>
+                <a:p>
+                  <a:pPr marL="0" marR="0" lvl="0" indent="0" algn="l" defTabSz="914400" rtl="0" eaLnBrk="1" fontAlgn="auto" latinLnBrk="0" hangingPunct="1">
+                    <a:lnSpc>
+                      <a:spcPct val="100000"/>
+                    </a:lnSpc>
+                    <a:spcBef>
+                      <a:spcPts val="0"/>
+                    </a:spcBef>
+                    <a:spcAft>
+                      <a:spcPts val="0"/>
+                    </a:spcAft>
+                    <a:buClrTx/>
+                    <a:buSzTx/>
+                    <a:buFontTx/>
+                    <a:buNone/>
+                    <a:tabLst/>
+                    <a:defRPr/>
+                  </a:pPr>
+                  <a:r>
+                    <a:rPr lang="en-US" sz="800" dirty="0" err="1">
+                      <a:solidFill>
+                        <a:prstClr val="black"/>
+                      </a:solidFill>
+                    </a:rPr>
+                    <a:t>proxmox</a:t>
+                  </a:r>
+                  <a:endParaRPr kumimoji="0" lang="en-US" sz="800" b="0" i="0" u="none" strike="noStrike" kern="1200" cap="none" spc="0" normalizeH="0" baseline="0" noProof="0" dirty="0">
+                    <a:ln>
+                      <a:noFill/>
+                    </a:ln>
+                    <a:solidFill>
+                      <a:prstClr val="black"/>
+                    </a:solidFill>
+                    <a:effectLst/>
+                    <a:uLnTx/>
+                    <a:uFillTx/>
+                    <a:ea typeface="+mn-ea"/>
+                    <a:cs typeface="+mn-cs"/>
+                  </a:endParaRPr>
+                </a:p>
+              </p:txBody>
+            </p:sp>
+          </p:grpSp>
+          <p:sp>
+            <p:nvSpPr>
+              <p:cNvPr id="36" name="Flowchart: Off-page Connector 35">
+                <a:extLst>
+                  <a:ext uri="{FF2B5EF4-FFF2-40B4-BE49-F238E27FC236}">
+                    <a16:creationId xmlns:a16="http://schemas.microsoft.com/office/drawing/2014/main" id="{200F0872-23D3-5A7D-8660-9DA58F7CD82D}"/>
+                  </a:ext>
+                </a:extLst>
+              </p:cNvPr>
+              <p:cNvSpPr/>
+              <p:nvPr/>
+            </p:nvSpPr>
+            <p:spPr>
+              <a:xfrm>
+                <a:off x="4267973" y="3517290"/>
+                <a:ext cx="466531" cy="279919"/>
+              </a:xfrm>
+              <a:prstGeom prst="flowChartOffpageConnector">
+                <a:avLst/>
+              </a:prstGeom>
+              <a:solidFill>
+                <a:schemeClr val="bg1"/>
+              </a:solidFill>
+              <a:ln w="19050">
+                <a:solidFill>
+                  <a:schemeClr val="tx1"/>
+                </a:solidFill>
+              </a:ln>
+            </p:spPr>
+            <p:style>
+              <a:lnRef idx="2">
+                <a:schemeClr val="accent1">
+                  <a:shade val="50000"/>
+                </a:schemeClr>
+              </a:lnRef>
+              <a:fillRef idx="1">
+                <a:schemeClr val="accent1"/>
+              </a:fillRef>
+              <a:effectRef idx="0">
+                <a:schemeClr val="accent1"/>
+              </a:effectRef>
+              <a:fontRef idx="minor">
+                <a:schemeClr val="lt1"/>
+              </a:fontRef>
+            </p:style>
+            <p:txBody>
+              <a:bodyPr tIns="0" rtlCol="0" anchor="t" anchorCtr="0"/>
+              <a:lstStyle/>
+              <a:p>
+                <a:pPr marL="0" marR="0" lvl="0" indent="0" algn="l" defTabSz="914400" rtl="0" eaLnBrk="1" fontAlgn="auto" latinLnBrk="0" hangingPunct="1">
+                  <a:lnSpc>
+                    <a:spcPct val="100000"/>
+                  </a:lnSpc>
+                  <a:spcBef>
+                    <a:spcPts val="0"/>
+                  </a:spcBef>
+                  <a:spcAft>
+                    <a:spcPts val="0"/>
+                  </a:spcAft>
+                  <a:buClrTx/>
+                  <a:buSzTx/>
+                  <a:buFontTx/>
+                  <a:buNone/>
+                  <a:tabLst/>
+                  <a:defRPr/>
+                </a:pPr>
+                <a:endParaRPr kumimoji="0" lang="en-US" sz="1000" b="0" i="0" u="none" strike="noStrike" kern="1200" cap="none" spc="0" normalizeH="0" baseline="0" noProof="0">
+                  <a:ln>
+                    <a:noFill/>
+                  </a:ln>
+                  <a:solidFill>
+                    <a:prstClr val="black"/>
+                  </a:solidFill>
+                  <a:effectLst/>
+                  <a:uLnTx/>
+                  <a:uFillTx/>
+                  <a:ea typeface="+mn-ea"/>
+                  <a:cs typeface="+mn-cs"/>
+                </a:endParaRPr>
+              </a:p>
+            </p:txBody>
+          </p:sp>
+          <p:sp>
+            <p:nvSpPr>
+              <p:cNvPr id="37" name="TextBox 36">
+                <a:extLst>
+                  <a:ext uri="{FF2B5EF4-FFF2-40B4-BE49-F238E27FC236}">
+                    <a16:creationId xmlns:a16="http://schemas.microsoft.com/office/drawing/2014/main" id="{75E9CD42-DACD-5EDE-FB72-AF6D27C6718E}"/>
+                  </a:ext>
+                </a:extLst>
+              </p:cNvPr>
+              <p:cNvSpPr txBox="1"/>
+              <p:nvPr/>
+            </p:nvSpPr>
+            <p:spPr>
+              <a:xfrm>
+                <a:off x="4295092" y="3534139"/>
+                <a:ext cx="412292" cy="230832"/>
+              </a:xfrm>
+              <a:prstGeom prst="rect">
+                <a:avLst/>
+              </a:prstGeom>
+              <a:noFill/>
+            </p:spPr>
+            <p:txBody>
+              <a:bodyPr wrap="square" rtlCol="0">
+                <a:spAutoFit/>
+              </a:bodyPr>
+              <a:lstStyle/>
+              <a:p>
+                <a:pPr marL="0" marR="0" lvl="0" indent="0" algn="l" defTabSz="914400" rtl="0" eaLnBrk="1" fontAlgn="auto" latinLnBrk="0" hangingPunct="1">
+                  <a:lnSpc>
+                    <a:spcPct val="100000"/>
+                  </a:lnSpc>
+                  <a:spcBef>
+                    <a:spcPts val="0"/>
+                  </a:spcBef>
+                  <a:spcAft>
+                    <a:spcPts val="0"/>
+                  </a:spcAft>
+                  <a:buClrTx/>
+                  <a:buSzTx/>
+                  <a:buFontTx/>
+                  <a:buNone/>
+                  <a:tabLst/>
+                  <a:defRPr/>
+                </a:pPr>
+                <a:r>
+                  <a:rPr kumimoji="0" lang="en-US" sz="900" b="0" i="0" u="none" strike="noStrike" kern="1200" cap="none" spc="0" normalizeH="0" baseline="0" noProof="0" dirty="0">
+                    <a:ln>
+                      <a:noFill/>
+                    </a:ln>
+                    <a:solidFill>
+                      <a:prstClr val="black"/>
+                    </a:solidFill>
+                    <a:effectLst/>
+                    <a:uLnTx/>
+                    <a:uFillTx/>
+                    <a:ea typeface="+mn-ea"/>
+                    <a:cs typeface="+mn-cs"/>
+                  </a:rPr>
+                  <a:t>host</a:t>
+                </a:r>
+              </a:p>
+            </p:txBody>
+          </p:sp>
+          <p:grpSp>
+            <p:nvGrpSpPr>
+              <p:cNvPr id="58" name="Group 57">
+                <a:extLst>
+                  <a:ext uri="{FF2B5EF4-FFF2-40B4-BE49-F238E27FC236}">
+                    <a16:creationId xmlns:a16="http://schemas.microsoft.com/office/drawing/2014/main" id="{F6FF56A3-16B1-831C-57CE-9919876BB236}"/>
+                  </a:ext>
+                </a:extLst>
+              </p:cNvPr>
+              <p:cNvGrpSpPr/>
+              <p:nvPr/>
+            </p:nvGrpSpPr>
+            <p:grpSpPr>
+              <a:xfrm>
+                <a:off x="4267973" y="2620040"/>
+                <a:ext cx="466531" cy="351106"/>
+                <a:chOff x="6810318" y="4284899"/>
+                <a:chExt cx="466531" cy="351106"/>
+              </a:xfrm>
+            </p:grpSpPr>
+            <p:sp>
+              <p:nvSpPr>
+                <p:cNvPr id="54" name="Arrow: Chevron 53">
+                  <a:extLst>
+                    <a:ext uri="{FF2B5EF4-FFF2-40B4-BE49-F238E27FC236}">
+                      <a16:creationId xmlns:a16="http://schemas.microsoft.com/office/drawing/2014/main" id="{20E00F62-D32A-8FB7-5FEB-5D3162EC33D3}"/>
+                    </a:ext>
+                  </a:extLst>
+                </p:cNvPr>
+                <p:cNvSpPr/>
+                <p:nvPr/>
+              </p:nvSpPr>
+              <p:spPr>
+                <a:xfrm rot="5400000">
+                  <a:off x="6868031" y="4227186"/>
+                  <a:ext cx="351106" cy="466531"/>
+                </a:xfrm>
+                <a:prstGeom prst="chevron">
+                  <a:avLst>
+                    <a:gd name="adj" fmla="val 14000"/>
+                  </a:avLst>
+                </a:prstGeom>
+                <a:solidFill>
+                  <a:schemeClr val="bg1"/>
+                </a:solidFill>
+                <a:ln w="12700">
+                  <a:solidFill>
+                    <a:schemeClr val="tx1"/>
+                  </a:solidFill>
+                </a:ln>
+              </p:spPr>
+              <p:style>
+                <a:lnRef idx="2">
+                  <a:schemeClr val="accent1">
+                    <a:shade val="50000"/>
+                  </a:schemeClr>
+                </a:lnRef>
+                <a:fillRef idx="1">
+                  <a:schemeClr val="accent1"/>
+                </a:fillRef>
+                <a:effectRef idx="0">
+                  <a:schemeClr val="accent1"/>
+                </a:effectRef>
+                <a:fontRef idx="minor">
+                  <a:schemeClr val="lt1"/>
+                </a:fontRef>
+              </p:style>
+              <p:txBody>
+                <a:bodyPr tIns="0" rtlCol="0" anchor="t" anchorCtr="0"/>
+                <a:lstStyle/>
+                <a:p>
+                  <a:pPr marL="0" marR="0" lvl="0" indent="0" algn="l" defTabSz="914400" rtl="0" eaLnBrk="1" fontAlgn="auto" latinLnBrk="0" hangingPunct="1">
+                    <a:lnSpc>
+                      <a:spcPct val="100000"/>
+                    </a:lnSpc>
+                    <a:spcBef>
+                      <a:spcPts val="0"/>
+                    </a:spcBef>
+                    <a:spcAft>
+                      <a:spcPts val="0"/>
+                    </a:spcAft>
+                    <a:buClrTx/>
+                    <a:buSzTx/>
+                    <a:buFontTx/>
+                    <a:buNone/>
+                    <a:tabLst/>
+                    <a:defRPr/>
+                  </a:pPr>
+                  <a:endParaRPr kumimoji="0" lang="en-US" sz="1000" b="0" i="0" u="none" strike="noStrike" kern="1200" cap="none" spc="0" normalizeH="0" baseline="0" noProof="0">
+                    <a:ln>
+                      <a:noFill/>
+                    </a:ln>
+                    <a:solidFill>
+                      <a:prstClr val="black"/>
+                    </a:solidFill>
+                    <a:effectLst/>
+                    <a:uLnTx/>
+                    <a:uFillTx/>
+                    <a:ea typeface="+mn-ea"/>
+                    <a:cs typeface="+mn-cs"/>
+                  </a:endParaRPr>
+                </a:p>
+              </p:txBody>
+            </p:sp>
+            <p:sp>
+              <p:nvSpPr>
+                <p:cNvPr id="57" name="TextBox 56">
+                  <a:extLst>
+                    <a:ext uri="{FF2B5EF4-FFF2-40B4-BE49-F238E27FC236}">
+                      <a16:creationId xmlns:a16="http://schemas.microsoft.com/office/drawing/2014/main" id="{430F5921-AE55-FC29-BAE4-5A0B0592787C}"/>
+                    </a:ext>
+                  </a:extLst>
+                </p:cNvPr>
+                <p:cNvSpPr txBox="1"/>
+                <p:nvPr/>
+              </p:nvSpPr>
+              <p:spPr>
+                <a:xfrm>
+                  <a:off x="6837438" y="4337341"/>
+                  <a:ext cx="412292" cy="230832"/>
+                </a:xfrm>
+                <a:prstGeom prst="rect">
+                  <a:avLst/>
+                </a:prstGeom>
+                <a:noFill/>
+              </p:spPr>
+              <p:txBody>
+                <a:bodyPr wrap="square" rtlCol="0">
+                  <a:spAutoFit/>
+                </a:bodyPr>
+                <a:lstStyle/>
+                <a:p>
+                  <a:pPr marL="0" marR="0" lvl="0" indent="0" algn="l" defTabSz="914400" rtl="0" eaLnBrk="1" fontAlgn="auto" latinLnBrk="0" hangingPunct="1">
+                    <a:lnSpc>
+                      <a:spcPct val="100000"/>
+                    </a:lnSpc>
+                    <a:spcBef>
+                      <a:spcPts val="0"/>
+                    </a:spcBef>
+                    <a:spcAft>
+                      <a:spcPts val="0"/>
+                    </a:spcAft>
+                    <a:buClrTx/>
+                    <a:buSzTx/>
+                    <a:buFontTx/>
+                    <a:buNone/>
+                    <a:tabLst/>
+                    <a:defRPr/>
+                  </a:pPr>
+                  <a:r>
+                    <a:rPr kumimoji="0" lang="en-US" sz="900" b="0" i="0" u="none" strike="noStrike" kern="1200" cap="none" spc="0" normalizeH="0" baseline="0" noProof="0" dirty="0">
+                      <a:ln>
+                        <a:noFill/>
+                      </a:ln>
+                      <a:solidFill>
+                        <a:prstClr val="black"/>
+                      </a:solidFill>
+                      <a:effectLst/>
+                      <a:uLnTx/>
+                      <a:uFillTx/>
+                      <a:ea typeface="+mn-ea"/>
+                      <a:cs typeface="+mn-cs"/>
+                    </a:rPr>
+                    <a:t>host</a:t>
+                  </a:r>
+                </a:p>
+              </p:txBody>
+            </p:sp>
+          </p:grpSp>
+        </p:grpSp>
+        <p:grpSp>
+          <p:nvGrpSpPr>
+            <p:cNvPr id="145" name="Group 144">
+              <a:extLst>
+                <a:ext uri="{FF2B5EF4-FFF2-40B4-BE49-F238E27FC236}">
+                  <a16:creationId xmlns:a16="http://schemas.microsoft.com/office/drawing/2014/main" id="{006269D2-6EAF-F75E-6930-85DBED06320B}"/>
+                </a:ext>
+              </a:extLst>
+            </p:cNvPr>
+            <p:cNvGrpSpPr/>
+            <p:nvPr/>
+          </p:nvGrpSpPr>
+          <p:grpSpPr>
+            <a:xfrm>
+              <a:off x="5361297" y="2680994"/>
+              <a:ext cx="771421" cy="1177169"/>
+              <a:chOff x="5361297" y="2496148"/>
+              <a:chExt cx="771421" cy="1177169"/>
+            </a:xfrm>
+          </p:grpSpPr>
+          <p:grpSp>
+            <p:nvGrpSpPr>
+              <p:cNvPr id="144" name="Group 143">
+                <a:extLst>
+                  <a:ext uri="{FF2B5EF4-FFF2-40B4-BE49-F238E27FC236}">
+                    <a16:creationId xmlns:a16="http://schemas.microsoft.com/office/drawing/2014/main" id="{F136A3C0-E9C9-C3DD-1CBA-AC4A2BE7E202}"/>
+                  </a:ext>
+                </a:extLst>
+              </p:cNvPr>
+              <p:cNvGrpSpPr/>
+              <p:nvPr/>
+            </p:nvGrpSpPr>
+            <p:grpSpPr>
+              <a:xfrm>
+                <a:off x="5361297" y="2699218"/>
+                <a:ext cx="771421" cy="815478"/>
+                <a:chOff x="5361297" y="2699218"/>
+                <a:chExt cx="771421" cy="815478"/>
+              </a:xfrm>
+            </p:grpSpPr>
+            <p:sp>
+              <p:nvSpPr>
+                <p:cNvPr id="62" name="Rectangle 61">
+                  <a:extLst>
+                    <a:ext uri="{FF2B5EF4-FFF2-40B4-BE49-F238E27FC236}">
+                      <a16:creationId xmlns:a16="http://schemas.microsoft.com/office/drawing/2014/main" id="{86204A80-509E-EF06-FA78-41005CAEC4E1}"/>
+                    </a:ext>
+                  </a:extLst>
+                </p:cNvPr>
+                <p:cNvSpPr/>
+                <p:nvPr/>
+              </p:nvSpPr>
+              <p:spPr>
+                <a:xfrm>
+                  <a:off x="5361297" y="3021320"/>
+                  <a:ext cx="771421" cy="279919"/>
+                </a:xfrm>
+                <a:prstGeom prst="rect">
+                  <a:avLst/>
+                </a:prstGeom>
+                <a:solidFill>
+                  <a:schemeClr val="bg1">
+                    <a:lumMod val="95000"/>
+                  </a:schemeClr>
+                </a:solidFill>
+                <a:ln w="19050">
+                  <a:solidFill>
+                    <a:schemeClr val="bg2"/>
+                  </a:solidFill>
+                </a:ln>
+              </p:spPr>
+              <p:style>
+                <a:lnRef idx="2">
+                  <a:schemeClr val="accent1">
+                    <a:shade val="50000"/>
+                  </a:schemeClr>
+                </a:lnRef>
+                <a:fillRef idx="1">
+                  <a:schemeClr val="accent1"/>
+                </a:fillRef>
+                <a:effectRef idx="0">
+                  <a:schemeClr val="accent1"/>
+                </a:effectRef>
+                <a:fontRef idx="minor">
+                  <a:schemeClr val="lt1"/>
+                </a:fontRef>
+              </p:style>
+              <p:txBody>
+                <a:bodyPr lIns="0" rIns="0" rtlCol="0" anchor="ctr"/>
+                <a:lstStyle/>
+                <a:p>
+                  <a:pPr marL="0" marR="0" lvl="0" indent="0" algn="ctr" defTabSz="914400" rtl="0" eaLnBrk="1" fontAlgn="auto" latinLnBrk="0" hangingPunct="1">
+                    <a:lnSpc>
+                      <a:spcPct val="100000"/>
+                    </a:lnSpc>
+                    <a:spcBef>
+                      <a:spcPts val="0"/>
+                    </a:spcBef>
+                    <a:spcAft>
+                      <a:spcPts val="0"/>
+                    </a:spcAft>
+                    <a:buClrTx/>
+                    <a:buSzTx/>
+                    <a:buFontTx/>
+                    <a:buNone/>
+                    <a:tabLst/>
+                    <a:defRPr/>
+                  </a:pPr>
+                  <a:r>
+                    <a:rPr kumimoji="0" lang="en-US" sz="900" b="0" i="0" u="none" strike="noStrike" kern="1200" cap="none" spc="0" normalizeH="0" baseline="0" noProof="0" dirty="0" err="1">
+                      <a:ln>
+                        <a:noFill/>
+                      </a:ln>
+                      <a:solidFill>
+                        <a:prstClr val="black"/>
+                      </a:solidFill>
+                      <a:effectLst/>
+                      <a:uLnTx/>
+                      <a:uFillTx/>
+                      <a:ea typeface="+mn-ea"/>
+                      <a:cs typeface="+mn-cs"/>
+                    </a:rPr>
+                    <a:t>Kubevirt</a:t>
+                  </a:r>
+                  <a:endParaRPr kumimoji="0" lang="en-US" sz="900" b="0" i="0" u="none" strike="noStrike" kern="1200" cap="none" spc="0" normalizeH="0" baseline="0" noProof="0" dirty="0">
+                    <a:ln>
+                      <a:noFill/>
+                    </a:ln>
+                    <a:solidFill>
+                      <a:prstClr val="black"/>
+                    </a:solidFill>
+                    <a:effectLst/>
+                    <a:uLnTx/>
+                    <a:uFillTx/>
+                    <a:ea typeface="+mn-ea"/>
+                    <a:cs typeface="+mn-cs"/>
+                  </a:endParaRPr>
+                </a:p>
+              </p:txBody>
+            </p:sp>
+            <p:sp>
+              <p:nvSpPr>
+                <p:cNvPr id="63" name="Rectangle: Rounded Corners 62">
+                  <a:extLst>
+                    <a:ext uri="{FF2B5EF4-FFF2-40B4-BE49-F238E27FC236}">
+                      <a16:creationId xmlns:a16="http://schemas.microsoft.com/office/drawing/2014/main" id="{5621BE95-1B14-0E43-E3FF-7078718035A3}"/>
+                    </a:ext>
+                  </a:extLst>
+                </p:cNvPr>
+                <p:cNvSpPr/>
+                <p:nvPr/>
+              </p:nvSpPr>
+              <p:spPr>
+                <a:xfrm>
+                  <a:off x="5361297" y="2699218"/>
+                  <a:ext cx="771420" cy="815478"/>
+                </a:xfrm>
+                <a:prstGeom prst="roundRect">
+                  <a:avLst/>
+                </a:prstGeom>
+                <a:noFill/>
+                <a:ln w="19050">
+                  <a:solidFill>
+                    <a:schemeClr val="tx1"/>
+                  </a:solidFill>
+                </a:ln>
+              </p:spPr>
+              <p:style>
+                <a:lnRef idx="2">
+                  <a:schemeClr val="accent1">
+                    <a:shade val="50000"/>
+                  </a:schemeClr>
+                </a:lnRef>
+                <a:fillRef idx="1">
+                  <a:schemeClr val="accent1"/>
+                </a:fillRef>
+                <a:effectRef idx="0">
+                  <a:schemeClr val="accent1"/>
+                </a:effectRef>
+                <a:fontRef idx="minor">
+                  <a:schemeClr val="lt1"/>
+                </a:fontRef>
+              </p:style>
+              <p:txBody>
+                <a:bodyPr lIns="45720" tIns="118872" rtlCol="0" anchor="t" anchorCtr="0"/>
+                <a:lstStyle/>
+                <a:p>
+                  <a:pPr marL="0" marR="0" lvl="0" indent="0" algn="l" defTabSz="914400" rtl="0" eaLnBrk="1" fontAlgn="auto" latinLnBrk="0" hangingPunct="1">
+                    <a:lnSpc>
+                      <a:spcPct val="100000"/>
+                    </a:lnSpc>
+                    <a:spcBef>
+                      <a:spcPts val="0"/>
+                    </a:spcBef>
+                    <a:spcAft>
+                      <a:spcPts val="0"/>
+                    </a:spcAft>
+                    <a:buClrTx/>
+                    <a:buSzTx/>
+                    <a:buFontTx/>
+                    <a:buNone/>
+                    <a:tabLst/>
+                    <a:defRPr/>
+                  </a:pPr>
+                  <a:r>
+                    <a:rPr lang="en-US" sz="800" dirty="0" err="1">
+                      <a:solidFill>
+                        <a:prstClr val="black"/>
+                      </a:solidFill>
+                    </a:rPr>
+                    <a:t>kubevirt</a:t>
+                  </a:r>
+                  <a:endParaRPr kumimoji="0" lang="en-US" sz="800" b="0" i="0" u="none" strike="noStrike" kern="1200" cap="none" spc="0" normalizeH="0" baseline="0" noProof="0" dirty="0">
+                    <a:ln>
+                      <a:noFill/>
+                    </a:ln>
+                    <a:solidFill>
+                      <a:prstClr val="black"/>
+                    </a:solidFill>
+                    <a:effectLst/>
+                    <a:uLnTx/>
+                    <a:uFillTx/>
+                    <a:ea typeface="+mn-ea"/>
+                    <a:cs typeface="+mn-cs"/>
+                  </a:endParaRPr>
+                </a:p>
+              </p:txBody>
+            </p:sp>
+          </p:grpSp>
+          <p:sp>
+            <p:nvSpPr>
+              <p:cNvPr id="128" name="Flowchart: Off-page Connector 127">
+                <a:extLst>
+                  <a:ext uri="{FF2B5EF4-FFF2-40B4-BE49-F238E27FC236}">
+                    <a16:creationId xmlns:a16="http://schemas.microsoft.com/office/drawing/2014/main" id="{B25D24C6-F24F-80D0-C832-4C6D36CBF121}"/>
+                  </a:ext>
+                </a:extLst>
+              </p:cNvPr>
+              <p:cNvSpPr/>
+              <p:nvPr/>
+            </p:nvSpPr>
+            <p:spPr>
+              <a:xfrm>
+                <a:off x="5513742" y="3393398"/>
+                <a:ext cx="466531" cy="279919"/>
+              </a:xfrm>
+              <a:prstGeom prst="flowChartOffpageConnector">
+                <a:avLst/>
+              </a:prstGeom>
+              <a:solidFill>
+                <a:schemeClr val="bg1"/>
+              </a:solidFill>
+              <a:ln w="19050">
+                <a:solidFill>
+                  <a:schemeClr val="tx1"/>
+                </a:solidFill>
+              </a:ln>
+            </p:spPr>
+            <p:style>
+              <a:lnRef idx="2">
+                <a:schemeClr val="accent1">
+                  <a:shade val="50000"/>
+                </a:schemeClr>
+              </a:lnRef>
+              <a:fillRef idx="1">
+                <a:schemeClr val="accent1"/>
+              </a:fillRef>
+              <a:effectRef idx="0">
+                <a:schemeClr val="accent1"/>
+              </a:effectRef>
+              <a:fontRef idx="minor">
+                <a:schemeClr val="lt1"/>
+              </a:fontRef>
+            </p:style>
+            <p:txBody>
+              <a:bodyPr tIns="0" rtlCol="0" anchor="t" anchorCtr="0"/>
+              <a:lstStyle/>
+              <a:p>
+                <a:pPr marL="0" marR="0" lvl="0" indent="0" algn="l" defTabSz="914400" rtl="0" eaLnBrk="1" fontAlgn="auto" latinLnBrk="0" hangingPunct="1">
+                  <a:lnSpc>
+                    <a:spcPct val="100000"/>
+                  </a:lnSpc>
+                  <a:spcBef>
+                    <a:spcPts val="0"/>
+                  </a:spcBef>
+                  <a:spcAft>
+                    <a:spcPts val="0"/>
+                  </a:spcAft>
+                  <a:buClrTx/>
+                  <a:buSzTx/>
+                  <a:buFontTx/>
+                  <a:buNone/>
+                  <a:tabLst/>
+                  <a:defRPr/>
+                </a:pPr>
+                <a:endParaRPr kumimoji="0" lang="en-US" sz="1000" b="0" i="0" u="none" strike="noStrike" kern="1200" cap="none" spc="0" normalizeH="0" baseline="0" noProof="0">
+                  <a:ln>
+                    <a:noFill/>
+                  </a:ln>
+                  <a:solidFill>
+                    <a:prstClr val="black"/>
+                  </a:solidFill>
+                  <a:effectLst/>
+                  <a:uLnTx/>
+                  <a:uFillTx/>
+                  <a:ea typeface="+mn-ea"/>
+                  <a:cs typeface="+mn-cs"/>
+                </a:endParaRPr>
+              </a:p>
+            </p:txBody>
+          </p:sp>
+          <p:sp>
+            <p:nvSpPr>
+              <p:cNvPr id="129" name="TextBox 128">
+                <a:extLst>
+                  <a:ext uri="{FF2B5EF4-FFF2-40B4-BE49-F238E27FC236}">
+                    <a16:creationId xmlns:a16="http://schemas.microsoft.com/office/drawing/2014/main" id="{0F30EC9B-DEB7-7B5F-EF09-382FA8AA41BB}"/>
+                  </a:ext>
+                </a:extLst>
+              </p:cNvPr>
+              <p:cNvSpPr txBox="1"/>
+              <p:nvPr/>
+            </p:nvSpPr>
+            <p:spPr>
+              <a:xfrm>
+                <a:off x="5540861" y="3410247"/>
+                <a:ext cx="412292" cy="230832"/>
+              </a:xfrm>
+              <a:prstGeom prst="rect">
+                <a:avLst/>
+              </a:prstGeom>
+              <a:noFill/>
+            </p:spPr>
+            <p:txBody>
+              <a:bodyPr wrap="square" rtlCol="0">
+                <a:spAutoFit/>
+              </a:bodyPr>
+              <a:lstStyle/>
+              <a:p>
+                <a:pPr marL="0" marR="0" lvl="0" indent="0" algn="l" defTabSz="914400" rtl="0" eaLnBrk="1" fontAlgn="auto" latinLnBrk="0" hangingPunct="1">
+                  <a:lnSpc>
+                    <a:spcPct val="100000"/>
+                  </a:lnSpc>
+                  <a:spcBef>
+                    <a:spcPts val="0"/>
+                  </a:spcBef>
+                  <a:spcAft>
+                    <a:spcPts val="0"/>
+                  </a:spcAft>
+                  <a:buClrTx/>
+                  <a:buSzTx/>
+                  <a:buFontTx/>
+                  <a:buNone/>
+                  <a:tabLst/>
+                  <a:defRPr/>
+                </a:pPr>
+                <a:r>
+                  <a:rPr kumimoji="0" lang="en-US" sz="900" b="0" i="0" u="none" strike="noStrike" kern="1200" cap="none" spc="0" normalizeH="0" baseline="0" noProof="0" dirty="0">
+                    <a:ln>
+                      <a:noFill/>
+                    </a:ln>
+                    <a:solidFill>
+                      <a:prstClr val="black"/>
+                    </a:solidFill>
+                    <a:effectLst/>
+                    <a:uLnTx/>
+                    <a:uFillTx/>
+                    <a:ea typeface="+mn-ea"/>
+                    <a:cs typeface="+mn-cs"/>
+                  </a:rPr>
+                  <a:t>host</a:t>
+                </a:r>
+              </a:p>
+            </p:txBody>
+          </p:sp>
+          <p:grpSp>
+            <p:nvGrpSpPr>
+              <p:cNvPr id="130" name="Group 129">
+                <a:extLst>
+                  <a:ext uri="{FF2B5EF4-FFF2-40B4-BE49-F238E27FC236}">
+                    <a16:creationId xmlns:a16="http://schemas.microsoft.com/office/drawing/2014/main" id="{7C710ACB-E418-078F-ACC7-9102B94079DC}"/>
+                  </a:ext>
+                </a:extLst>
+              </p:cNvPr>
+              <p:cNvGrpSpPr/>
+              <p:nvPr/>
+            </p:nvGrpSpPr>
+            <p:grpSpPr>
+              <a:xfrm>
+                <a:off x="5513742" y="2496148"/>
+                <a:ext cx="466531" cy="351106"/>
+                <a:chOff x="6810318" y="4284899"/>
+                <a:chExt cx="466531" cy="351106"/>
+              </a:xfrm>
+            </p:grpSpPr>
+            <p:sp>
+              <p:nvSpPr>
+                <p:cNvPr id="131" name="Arrow: Chevron 130">
+                  <a:extLst>
+                    <a:ext uri="{FF2B5EF4-FFF2-40B4-BE49-F238E27FC236}">
+                      <a16:creationId xmlns:a16="http://schemas.microsoft.com/office/drawing/2014/main" id="{7FDE113D-EB39-8E5A-4E1E-DAB44EFE7840}"/>
+                    </a:ext>
+                  </a:extLst>
+                </p:cNvPr>
+                <p:cNvSpPr/>
+                <p:nvPr/>
+              </p:nvSpPr>
+              <p:spPr>
+                <a:xfrm rot="5400000">
+                  <a:off x="6868031" y="4227186"/>
+                  <a:ext cx="351106" cy="466531"/>
+                </a:xfrm>
+                <a:prstGeom prst="chevron">
+                  <a:avLst>
+                    <a:gd name="adj" fmla="val 14000"/>
+                  </a:avLst>
+                </a:prstGeom>
+                <a:solidFill>
+                  <a:schemeClr val="bg1"/>
+                </a:solidFill>
+                <a:ln w="12700">
+                  <a:solidFill>
+                    <a:schemeClr val="tx1"/>
+                  </a:solidFill>
+                </a:ln>
+              </p:spPr>
+              <p:style>
+                <a:lnRef idx="2">
+                  <a:schemeClr val="accent1">
+                    <a:shade val="50000"/>
+                  </a:schemeClr>
+                </a:lnRef>
+                <a:fillRef idx="1">
+                  <a:schemeClr val="accent1"/>
+                </a:fillRef>
+                <a:effectRef idx="0">
+                  <a:schemeClr val="accent1"/>
+                </a:effectRef>
+                <a:fontRef idx="minor">
+                  <a:schemeClr val="lt1"/>
+                </a:fontRef>
+              </p:style>
+              <p:txBody>
+                <a:bodyPr tIns="0" rtlCol="0" anchor="t" anchorCtr="0"/>
+                <a:lstStyle/>
+                <a:p>
+                  <a:pPr marL="0" marR="0" lvl="0" indent="0" algn="l" defTabSz="914400" rtl="0" eaLnBrk="1" fontAlgn="auto" latinLnBrk="0" hangingPunct="1">
+                    <a:lnSpc>
+                      <a:spcPct val="100000"/>
+                    </a:lnSpc>
+                    <a:spcBef>
+                      <a:spcPts val="0"/>
+                    </a:spcBef>
+                    <a:spcAft>
+                      <a:spcPts val="0"/>
+                    </a:spcAft>
+                    <a:buClrTx/>
+                    <a:buSzTx/>
+                    <a:buFontTx/>
+                    <a:buNone/>
+                    <a:tabLst/>
+                    <a:defRPr/>
+                  </a:pPr>
+                  <a:endParaRPr kumimoji="0" lang="en-US" sz="1000" b="0" i="0" u="none" strike="noStrike" kern="1200" cap="none" spc="0" normalizeH="0" baseline="0" noProof="0">
+                    <a:ln>
+                      <a:noFill/>
+                    </a:ln>
+                    <a:solidFill>
+                      <a:prstClr val="black"/>
+                    </a:solidFill>
+                    <a:effectLst/>
+                    <a:uLnTx/>
+                    <a:uFillTx/>
+                    <a:ea typeface="+mn-ea"/>
+                    <a:cs typeface="+mn-cs"/>
+                  </a:endParaRPr>
+                </a:p>
+              </p:txBody>
+            </p:sp>
+            <p:sp>
+              <p:nvSpPr>
+                <p:cNvPr id="132" name="TextBox 131">
+                  <a:extLst>
+                    <a:ext uri="{FF2B5EF4-FFF2-40B4-BE49-F238E27FC236}">
+                      <a16:creationId xmlns:a16="http://schemas.microsoft.com/office/drawing/2014/main" id="{4D9EC07C-A8F0-2507-EF19-2538A77FF30C}"/>
+                    </a:ext>
+                  </a:extLst>
+                </p:cNvPr>
+                <p:cNvSpPr txBox="1"/>
+                <p:nvPr/>
+              </p:nvSpPr>
+              <p:spPr>
+                <a:xfrm>
+                  <a:off x="6837438" y="4337341"/>
+                  <a:ext cx="412292" cy="230832"/>
+                </a:xfrm>
+                <a:prstGeom prst="rect">
+                  <a:avLst/>
+                </a:prstGeom>
+                <a:noFill/>
+              </p:spPr>
+              <p:txBody>
+                <a:bodyPr wrap="square" rtlCol="0">
+                  <a:spAutoFit/>
+                </a:bodyPr>
+                <a:lstStyle/>
+                <a:p>
+                  <a:pPr marL="0" marR="0" lvl="0" indent="0" algn="l" defTabSz="914400" rtl="0" eaLnBrk="1" fontAlgn="auto" latinLnBrk="0" hangingPunct="1">
+                    <a:lnSpc>
+                      <a:spcPct val="100000"/>
+                    </a:lnSpc>
+                    <a:spcBef>
+                      <a:spcPts val="0"/>
+                    </a:spcBef>
+                    <a:spcAft>
+                      <a:spcPts val="0"/>
+                    </a:spcAft>
+                    <a:buClrTx/>
+                    <a:buSzTx/>
+                    <a:buFontTx/>
+                    <a:buNone/>
+                    <a:tabLst/>
+                    <a:defRPr/>
+                  </a:pPr>
+                  <a:r>
+                    <a:rPr kumimoji="0" lang="en-US" sz="900" b="0" i="0" u="none" strike="noStrike" kern="1200" cap="none" spc="0" normalizeH="0" baseline="0" noProof="0" dirty="0">
+                      <a:ln>
+                        <a:noFill/>
+                      </a:ln>
+                      <a:solidFill>
+                        <a:prstClr val="black"/>
+                      </a:solidFill>
+                      <a:effectLst/>
+                      <a:uLnTx/>
+                      <a:uFillTx/>
+                      <a:ea typeface="+mn-ea"/>
+                      <a:cs typeface="+mn-cs"/>
+                    </a:rPr>
+                    <a:t>host</a:t>
+                  </a:r>
+                </a:p>
+              </p:txBody>
+            </p:sp>
+          </p:grpSp>
+        </p:grpSp>
+        <p:grpSp>
+          <p:nvGrpSpPr>
+            <p:cNvPr id="134" name="Group 133">
+              <a:extLst>
+                <a:ext uri="{FF2B5EF4-FFF2-40B4-BE49-F238E27FC236}">
+                  <a16:creationId xmlns:a16="http://schemas.microsoft.com/office/drawing/2014/main" id="{8EEF53A1-6892-87E7-FFFD-86DAEFBB8EDA}"/>
+                </a:ext>
+              </a:extLst>
+            </p:cNvPr>
+            <p:cNvGrpSpPr/>
+            <p:nvPr/>
+          </p:nvGrpSpPr>
+          <p:grpSpPr>
+            <a:xfrm>
+              <a:off x="4197720" y="1397252"/>
+              <a:ext cx="771421" cy="974099"/>
+              <a:chOff x="3816085" y="2671396"/>
+              <a:chExt cx="771421" cy="974099"/>
+            </a:xfrm>
+          </p:grpSpPr>
+          <p:sp>
+            <p:nvSpPr>
+              <p:cNvPr id="135" name="Rectangle 134">
+                <a:extLst>
+                  <a:ext uri="{FF2B5EF4-FFF2-40B4-BE49-F238E27FC236}">
+                    <a16:creationId xmlns:a16="http://schemas.microsoft.com/office/drawing/2014/main" id="{CA7202A9-5C92-DA0A-A504-59147E80171E}"/>
+                  </a:ext>
+                </a:extLst>
+              </p:cNvPr>
+              <p:cNvSpPr/>
+              <p:nvPr/>
+            </p:nvSpPr>
+            <p:spPr>
+              <a:xfrm>
+                <a:off x="3816085" y="2911202"/>
+                <a:ext cx="771421" cy="279919"/>
+              </a:xfrm>
+              <a:prstGeom prst="rect">
+                <a:avLst/>
+              </a:prstGeom>
+              <a:solidFill>
+                <a:schemeClr val="bg1">
+                  <a:lumMod val="95000"/>
+                </a:schemeClr>
+              </a:solidFill>
+              <a:ln w="19050">
+                <a:solidFill>
+                  <a:schemeClr val="bg2"/>
+                </a:solidFill>
+              </a:ln>
+            </p:spPr>
+            <p:style>
+              <a:lnRef idx="2">
+                <a:schemeClr val="accent1">
+                  <a:shade val="50000"/>
+                </a:schemeClr>
+              </a:lnRef>
+              <a:fillRef idx="1">
+                <a:schemeClr val="accent1"/>
+              </a:fillRef>
+              <a:effectRef idx="0">
+                <a:schemeClr val="accent1"/>
+              </a:effectRef>
+              <a:fontRef idx="minor">
+                <a:schemeClr val="lt1"/>
+              </a:fontRef>
+            </p:style>
+            <p:txBody>
+              <a:bodyPr lIns="0" rIns="0" rtlCol="0" anchor="ctr"/>
+              <a:lstStyle/>
+              <a:p>
+                <a:pPr marL="0" marR="0" lvl="0" indent="0" algn="ctr" defTabSz="914400" rtl="0" eaLnBrk="1" fontAlgn="auto" latinLnBrk="0" hangingPunct="1">
+                  <a:lnSpc>
+                    <a:spcPct val="100000"/>
+                  </a:lnSpc>
+                  <a:spcBef>
+                    <a:spcPts val="0"/>
+                  </a:spcBef>
+                  <a:spcAft>
+                    <a:spcPts val="0"/>
+                  </a:spcAft>
+                  <a:buClrTx/>
+                  <a:buSzTx/>
+                  <a:buFontTx/>
+                  <a:buNone/>
+                  <a:tabLst/>
+                  <a:defRPr/>
+                </a:pPr>
+                <a:r>
+                  <a:rPr kumimoji="0" lang="en-US" sz="900" b="0" i="0" u="none" strike="noStrike" kern="1200" cap="none" spc="0" normalizeH="0" baseline="0" noProof="0" dirty="0">
+                    <a:ln>
+                      <a:noFill/>
+                    </a:ln>
+                    <a:solidFill>
+                      <a:prstClr val="black"/>
+                    </a:solidFill>
+                    <a:effectLst/>
+                    <a:uLnTx/>
+                    <a:uFillTx/>
+                    <a:ea typeface="+mn-ea"/>
+                    <a:cs typeface="+mn-cs"/>
+                  </a:rPr>
+                  <a:t>Compute</a:t>
+                </a:r>
+              </a:p>
+              <a:p>
+                <a:pPr marL="0" marR="0" lvl="0" indent="0" algn="ctr" defTabSz="914400" rtl="0" eaLnBrk="1" fontAlgn="auto" latinLnBrk="0" hangingPunct="1">
+                  <a:lnSpc>
+                    <a:spcPct val="100000"/>
+                  </a:lnSpc>
+                  <a:spcBef>
+                    <a:spcPts val="0"/>
+                  </a:spcBef>
+                  <a:spcAft>
+                    <a:spcPts val="0"/>
+                  </a:spcAft>
+                  <a:buClrTx/>
+                  <a:buSzTx/>
+                  <a:buFontTx/>
+                  <a:buNone/>
+                  <a:tabLst/>
+                  <a:defRPr/>
+                </a:pPr>
+                <a:r>
+                  <a:rPr lang="en-US" sz="900" dirty="0">
+                    <a:solidFill>
+                      <a:prstClr val="black"/>
+                    </a:solidFill>
+                  </a:rPr>
+                  <a:t>Platform</a:t>
+                </a:r>
+                <a:endParaRPr kumimoji="0" lang="en-US" sz="900" b="0" i="0" u="none" strike="noStrike" kern="1200" cap="none" spc="0" normalizeH="0" baseline="0" noProof="0" dirty="0">
+                  <a:ln>
+                    <a:noFill/>
+                  </a:ln>
+                  <a:solidFill>
+                    <a:prstClr val="black"/>
+                  </a:solidFill>
+                  <a:effectLst/>
+                  <a:uLnTx/>
+                  <a:uFillTx/>
+                  <a:ea typeface="+mn-ea"/>
+                  <a:cs typeface="+mn-cs"/>
+                </a:endParaRPr>
+              </a:p>
+            </p:txBody>
+          </p:sp>
+          <p:sp>
+            <p:nvSpPr>
+              <p:cNvPr id="136" name="Rectangle: Rounded Corners 135">
+                <a:extLst>
+                  <a:ext uri="{FF2B5EF4-FFF2-40B4-BE49-F238E27FC236}">
+                    <a16:creationId xmlns:a16="http://schemas.microsoft.com/office/drawing/2014/main" id="{8868F47C-14F6-B93E-6B86-604834FA16F2}"/>
+                  </a:ext>
+                </a:extLst>
+              </p:cNvPr>
+              <p:cNvSpPr/>
+              <p:nvPr/>
+            </p:nvSpPr>
+            <p:spPr>
+              <a:xfrm>
+                <a:off x="3816085" y="2671396"/>
+                <a:ext cx="771420" cy="815478"/>
+              </a:xfrm>
+              <a:prstGeom prst="roundRect">
+                <a:avLst/>
+              </a:prstGeom>
+              <a:noFill/>
+              <a:ln w="19050">
+                <a:solidFill>
+                  <a:schemeClr val="tx1"/>
+                </a:solidFill>
+              </a:ln>
+            </p:spPr>
+            <p:style>
+              <a:lnRef idx="2">
+                <a:schemeClr val="accent1">
+                  <a:shade val="50000"/>
+                </a:schemeClr>
+              </a:lnRef>
+              <a:fillRef idx="1">
+                <a:schemeClr val="accent1"/>
+              </a:fillRef>
+              <a:effectRef idx="0">
+                <a:schemeClr val="accent1"/>
+              </a:effectRef>
+              <a:fontRef idx="minor">
+                <a:schemeClr val="lt1"/>
+              </a:fontRef>
+            </p:style>
+            <p:txBody>
+              <a:bodyPr tIns="0" rtlCol="0" anchor="t" anchorCtr="0"/>
+              <a:lstStyle/>
+              <a:p>
+                <a:pPr marL="0" marR="0" lvl="0" indent="0" algn="l" defTabSz="914400" rtl="0" eaLnBrk="1" fontAlgn="auto" latinLnBrk="0" hangingPunct="1">
+                  <a:lnSpc>
+                    <a:spcPct val="100000"/>
+                  </a:lnSpc>
+                  <a:spcBef>
+                    <a:spcPts val="0"/>
+                  </a:spcBef>
+                  <a:spcAft>
+                    <a:spcPts val="0"/>
+                  </a:spcAft>
+                  <a:buClrTx/>
+                  <a:buSzTx/>
+                  <a:buFontTx/>
+                  <a:buNone/>
+                  <a:tabLst/>
+                  <a:defRPr/>
+                </a:pPr>
+                <a:r>
+                  <a:rPr kumimoji="0" lang="en-US" sz="800" b="0" i="0" u="none" strike="noStrike" kern="1200" cap="none" spc="0" normalizeH="0" baseline="0" noProof="0" dirty="0">
+                    <a:ln>
+                      <a:noFill/>
+                    </a:ln>
+                    <a:solidFill>
+                      <a:prstClr val="black"/>
+                    </a:solidFill>
+                    <a:effectLst/>
+                    <a:uLnTx/>
+                    <a:uFillTx/>
+                    <a:ea typeface="+mn-ea"/>
+                    <a:cs typeface="+mn-cs"/>
+                  </a:rPr>
+                  <a:t>vm-2</a:t>
+                </a:r>
+              </a:p>
+            </p:txBody>
+          </p:sp>
+          <p:sp>
+            <p:nvSpPr>
+              <p:cNvPr id="137" name="Flowchart: Off-page Connector 136">
+                <a:extLst>
+                  <a:ext uri="{FF2B5EF4-FFF2-40B4-BE49-F238E27FC236}">
+                    <a16:creationId xmlns:a16="http://schemas.microsoft.com/office/drawing/2014/main" id="{E72D1F6C-3096-B5DA-3F77-CF3EE10B2374}"/>
+                  </a:ext>
+                </a:extLst>
+              </p:cNvPr>
+              <p:cNvSpPr/>
+              <p:nvPr/>
+            </p:nvSpPr>
+            <p:spPr>
+              <a:xfrm>
+                <a:off x="3968530" y="3365576"/>
+                <a:ext cx="466531" cy="279919"/>
+              </a:xfrm>
+              <a:prstGeom prst="flowChartOffpageConnector">
+                <a:avLst/>
+              </a:prstGeom>
+              <a:solidFill>
+                <a:schemeClr val="bg1"/>
+              </a:solidFill>
+              <a:ln w="19050">
+                <a:solidFill>
+                  <a:schemeClr val="tx1"/>
+                </a:solidFill>
+              </a:ln>
+            </p:spPr>
+            <p:style>
+              <a:lnRef idx="2">
+                <a:schemeClr val="accent1">
+                  <a:shade val="50000"/>
+                </a:schemeClr>
+              </a:lnRef>
+              <a:fillRef idx="1">
+                <a:schemeClr val="accent1"/>
+              </a:fillRef>
+              <a:effectRef idx="0">
+                <a:schemeClr val="accent1"/>
+              </a:effectRef>
+              <a:fontRef idx="minor">
+                <a:schemeClr val="lt1"/>
+              </a:fontRef>
+            </p:style>
+            <p:txBody>
+              <a:bodyPr tIns="0" rtlCol="0" anchor="t" anchorCtr="0"/>
+              <a:lstStyle/>
+              <a:p>
+                <a:pPr marL="0" marR="0" lvl="0" indent="0" algn="l" defTabSz="914400" rtl="0" eaLnBrk="1" fontAlgn="auto" latinLnBrk="0" hangingPunct="1">
+                  <a:lnSpc>
+                    <a:spcPct val="100000"/>
+                  </a:lnSpc>
+                  <a:spcBef>
+                    <a:spcPts val="0"/>
+                  </a:spcBef>
+                  <a:spcAft>
+                    <a:spcPts val="0"/>
+                  </a:spcAft>
+                  <a:buClrTx/>
+                  <a:buSzTx/>
+                  <a:buFontTx/>
+                  <a:buNone/>
+                  <a:tabLst/>
+                  <a:defRPr/>
+                </a:pPr>
+                <a:endParaRPr kumimoji="0" lang="en-US" sz="1000" b="0" i="0" u="none" strike="noStrike" kern="1200" cap="none" spc="0" normalizeH="0" baseline="0" noProof="0">
+                  <a:ln>
+                    <a:noFill/>
+                  </a:ln>
+                  <a:solidFill>
+                    <a:prstClr val="black"/>
+                  </a:solidFill>
+                  <a:effectLst/>
+                  <a:uLnTx/>
+                  <a:uFillTx/>
+                  <a:ea typeface="+mn-ea"/>
+                  <a:cs typeface="+mn-cs"/>
+                </a:endParaRPr>
+              </a:p>
+            </p:txBody>
+          </p:sp>
+          <p:sp>
+            <p:nvSpPr>
+              <p:cNvPr id="138" name="TextBox 137">
+                <a:extLst>
+                  <a:ext uri="{FF2B5EF4-FFF2-40B4-BE49-F238E27FC236}">
+                    <a16:creationId xmlns:a16="http://schemas.microsoft.com/office/drawing/2014/main" id="{F62A2BC1-5FB2-49A8-D113-DCC8963D1E2E}"/>
+                  </a:ext>
+                </a:extLst>
+              </p:cNvPr>
+              <p:cNvSpPr txBox="1"/>
+              <p:nvPr/>
+            </p:nvSpPr>
+            <p:spPr>
+              <a:xfrm>
+                <a:off x="3995649" y="3382425"/>
+                <a:ext cx="412292" cy="230832"/>
+              </a:xfrm>
+              <a:prstGeom prst="rect">
+                <a:avLst/>
+              </a:prstGeom>
+              <a:noFill/>
+            </p:spPr>
+            <p:txBody>
+              <a:bodyPr wrap="square" rtlCol="0">
+                <a:spAutoFit/>
+              </a:bodyPr>
+              <a:lstStyle/>
+              <a:p>
+                <a:pPr marL="0" marR="0" lvl="0" indent="0" algn="l" defTabSz="914400" rtl="0" eaLnBrk="1" fontAlgn="auto" latinLnBrk="0" hangingPunct="1">
+                  <a:lnSpc>
+                    <a:spcPct val="100000"/>
+                  </a:lnSpc>
+                  <a:spcBef>
+                    <a:spcPts val="0"/>
+                  </a:spcBef>
+                  <a:spcAft>
+                    <a:spcPts val="0"/>
+                  </a:spcAft>
+                  <a:buClrTx/>
+                  <a:buSzTx/>
+                  <a:buFontTx/>
+                  <a:buNone/>
+                  <a:tabLst/>
+                  <a:defRPr/>
+                </a:pPr>
+                <a:r>
+                  <a:rPr kumimoji="0" lang="en-US" sz="900" b="0" i="0" u="none" strike="noStrike" kern="1200" cap="none" spc="0" normalizeH="0" baseline="0" noProof="0" dirty="0">
+                    <a:ln>
+                      <a:noFill/>
+                    </a:ln>
+                    <a:solidFill>
+                      <a:prstClr val="black"/>
+                    </a:solidFill>
+                    <a:effectLst/>
+                    <a:uLnTx/>
+                    <a:uFillTx/>
+                    <a:ea typeface="+mn-ea"/>
+                    <a:cs typeface="+mn-cs"/>
+                  </a:rPr>
+                  <a:t>host</a:t>
+                </a:r>
+              </a:p>
+            </p:txBody>
+          </p:sp>
+        </p:grpSp>
+        <p:grpSp>
+          <p:nvGrpSpPr>
+            <p:cNvPr id="139" name="Group 138">
+              <a:extLst>
+                <a:ext uri="{FF2B5EF4-FFF2-40B4-BE49-F238E27FC236}">
+                  <a16:creationId xmlns:a16="http://schemas.microsoft.com/office/drawing/2014/main" id="{D19AD911-C3B0-5BAA-3E01-9EDDB42030B5}"/>
+                </a:ext>
+              </a:extLst>
+            </p:cNvPr>
+            <p:cNvGrpSpPr/>
+            <p:nvPr/>
+          </p:nvGrpSpPr>
+          <p:grpSpPr>
+            <a:xfrm>
+              <a:off x="5361297" y="1397252"/>
+              <a:ext cx="771421" cy="974099"/>
+              <a:chOff x="3816085" y="2671396"/>
+              <a:chExt cx="771421" cy="974099"/>
+            </a:xfrm>
+          </p:grpSpPr>
+          <p:sp>
+            <p:nvSpPr>
+              <p:cNvPr id="140" name="Rectangle 139">
+                <a:extLst>
+                  <a:ext uri="{FF2B5EF4-FFF2-40B4-BE49-F238E27FC236}">
+                    <a16:creationId xmlns:a16="http://schemas.microsoft.com/office/drawing/2014/main" id="{604642F9-5430-0677-C911-B02ACF0C3C08}"/>
+                  </a:ext>
+                </a:extLst>
+              </p:cNvPr>
+              <p:cNvSpPr/>
+              <p:nvPr/>
+            </p:nvSpPr>
+            <p:spPr>
+              <a:xfrm>
+                <a:off x="3816085" y="2911202"/>
+                <a:ext cx="771421" cy="279919"/>
+              </a:xfrm>
+              <a:prstGeom prst="rect">
+                <a:avLst/>
+              </a:prstGeom>
+              <a:solidFill>
+                <a:schemeClr val="bg1">
+                  <a:lumMod val="95000"/>
+                </a:schemeClr>
+              </a:solidFill>
+              <a:ln w="19050">
+                <a:solidFill>
+                  <a:schemeClr val="bg2"/>
+                </a:solidFill>
+              </a:ln>
+            </p:spPr>
+            <p:style>
+              <a:lnRef idx="2">
+                <a:schemeClr val="accent1">
+                  <a:shade val="50000"/>
+                </a:schemeClr>
+              </a:lnRef>
+              <a:fillRef idx="1">
+                <a:schemeClr val="accent1"/>
+              </a:fillRef>
+              <a:effectRef idx="0">
+                <a:schemeClr val="accent1"/>
+              </a:effectRef>
+              <a:fontRef idx="minor">
+                <a:schemeClr val="lt1"/>
+              </a:fontRef>
+            </p:style>
+            <p:txBody>
+              <a:bodyPr lIns="0" rIns="0" rtlCol="0" anchor="ctr"/>
+              <a:lstStyle/>
+              <a:p>
+                <a:pPr marL="0" marR="0" lvl="0" indent="0" algn="ctr" defTabSz="914400" rtl="0" eaLnBrk="1" fontAlgn="auto" latinLnBrk="0" hangingPunct="1">
+                  <a:lnSpc>
+                    <a:spcPct val="100000"/>
+                  </a:lnSpc>
+                  <a:spcBef>
+                    <a:spcPts val="0"/>
+                  </a:spcBef>
+                  <a:spcAft>
+                    <a:spcPts val="0"/>
+                  </a:spcAft>
+                  <a:buClrTx/>
+                  <a:buSzTx/>
+                  <a:buFontTx/>
+                  <a:buNone/>
+                  <a:tabLst/>
+                  <a:defRPr/>
+                </a:pPr>
+                <a:r>
+                  <a:rPr kumimoji="0" lang="en-US" sz="900" b="0" i="0" u="none" strike="noStrike" kern="1200" cap="none" spc="0" normalizeH="0" baseline="0" noProof="0" dirty="0">
+                    <a:ln>
+                      <a:noFill/>
+                    </a:ln>
+                    <a:solidFill>
+                      <a:prstClr val="black"/>
+                    </a:solidFill>
+                    <a:effectLst/>
+                    <a:uLnTx/>
+                    <a:uFillTx/>
+                    <a:ea typeface="+mn-ea"/>
+                    <a:cs typeface="+mn-cs"/>
+                  </a:rPr>
+                  <a:t>Compute</a:t>
+                </a:r>
+              </a:p>
+              <a:p>
+                <a:pPr marL="0" marR="0" lvl="0" indent="0" algn="ctr" defTabSz="914400" rtl="0" eaLnBrk="1" fontAlgn="auto" latinLnBrk="0" hangingPunct="1">
+                  <a:lnSpc>
+                    <a:spcPct val="100000"/>
+                  </a:lnSpc>
+                  <a:spcBef>
+                    <a:spcPts val="0"/>
+                  </a:spcBef>
+                  <a:spcAft>
+                    <a:spcPts val="0"/>
+                  </a:spcAft>
+                  <a:buClrTx/>
+                  <a:buSzTx/>
+                  <a:buFontTx/>
+                  <a:buNone/>
+                  <a:tabLst/>
+                  <a:defRPr/>
+                </a:pPr>
+                <a:r>
+                  <a:rPr lang="en-US" sz="900" dirty="0">
+                    <a:solidFill>
+                      <a:prstClr val="black"/>
+                    </a:solidFill>
+                  </a:rPr>
+                  <a:t>Platform</a:t>
+                </a:r>
+                <a:endParaRPr kumimoji="0" lang="en-US" sz="900" b="0" i="0" u="none" strike="noStrike" kern="1200" cap="none" spc="0" normalizeH="0" baseline="0" noProof="0" dirty="0">
+                  <a:ln>
+                    <a:noFill/>
+                  </a:ln>
+                  <a:solidFill>
+                    <a:prstClr val="black"/>
+                  </a:solidFill>
+                  <a:effectLst/>
+                  <a:uLnTx/>
+                  <a:uFillTx/>
+                  <a:ea typeface="+mn-ea"/>
+                  <a:cs typeface="+mn-cs"/>
+                </a:endParaRPr>
+              </a:p>
+            </p:txBody>
+          </p:sp>
+          <p:sp>
+            <p:nvSpPr>
+              <p:cNvPr id="141" name="Rectangle: Rounded Corners 140">
+                <a:extLst>
+                  <a:ext uri="{FF2B5EF4-FFF2-40B4-BE49-F238E27FC236}">
+                    <a16:creationId xmlns:a16="http://schemas.microsoft.com/office/drawing/2014/main" id="{6EA74882-2540-F271-43E1-3F970B1DCD02}"/>
+                  </a:ext>
+                </a:extLst>
+              </p:cNvPr>
+              <p:cNvSpPr/>
+              <p:nvPr/>
+            </p:nvSpPr>
+            <p:spPr>
+              <a:xfrm>
+                <a:off x="3816085" y="2671396"/>
+                <a:ext cx="771420" cy="815478"/>
+              </a:xfrm>
+              <a:prstGeom prst="roundRect">
+                <a:avLst/>
+              </a:prstGeom>
+              <a:noFill/>
+              <a:ln w="19050">
+                <a:solidFill>
+                  <a:schemeClr val="tx1"/>
+                </a:solidFill>
+              </a:ln>
+            </p:spPr>
+            <p:style>
+              <a:lnRef idx="2">
+                <a:schemeClr val="accent1">
+                  <a:shade val="50000"/>
+                </a:schemeClr>
+              </a:lnRef>
+              <a:fillRef idx="1">
+                <a:schemeClr val="accent1"/>
+              </a:fillRef>
+              <a:effectRef idx="0">
+                <a:schemeClr val="accent1"/>
+              </a:effectRef>
+              <a:fontRef idx="minor">
+                <a:schemeClr val="lt1"/>
+              </a:fontRef>
+            </p:style>
+            <p:txBody>
+              <a:bodyPr tIns="0" rtlCol="0" anchor="t" anchorCtr="0"/>
+              <a:lstStyle/>
+              <a:p>
+                <a:pPr marL="0" marR="0" lvl="0" indent="0" algn="l" defTabSz="914400" rtl="0" eaLnBrk="1" fontAlgn="auto" latinLnBrk="0" hangingPunct="1">
+                  <a:lnSpc>
+                    <a:spcPct val="100000"/>
+                  </a:lnSpc>
+                  <a:spcBef>
+                    <a:spcPts val="0"/>
+                  </a:spcBef>
+                  <a:spcAft>
+                    <a:spcPts val="0"/>
+                  </a:spcAft>
+                  <a:buClrTx/>
+                  <a:buSzTx/>
+                  <a:buFontTx/>
+                  <a:buNone/>
+                  <a:tabLst/>
+                  <a:defRPr/>
+                </a:pPr>
+                <a:r>
+                  <a:rPr kumimoji="0" lang="en-US" sz="800" b="0" i="0" u="none" strike="noStrike" kern="1200" cap="none" spc="0" normalizeH="0" baseline="0" noProof="0" dirty="0">
+                    <a:ln>
+                      <a:noFill/>
+                    </a:ln>
+                    <a:solidFill>
+                      <a:prstClr val="black"/>
+                    </a:solidFill>
+                    <a:effectLst/>
+                    <a:uLnTx/>
+                    <a:uFillTx/>
+                    <a:ea typeface="+mn-ea"/>
+                    <a:cs typeface="+mn-cs"/>
+                  </a:rPr>
+                  <a:t>vm-3</a:t>
+                </a:r>
+              </a:p>
+            </p:txBody>
+          </p:sp>
+          <p:sp>
+            <p:nvSpPr>
+              <p:cNvPr id="142" name="Flowchart: Off-page Connector 141">
+                <a:extLst>
+                  <a:ext uri="{FF2B5EF4-FFF2-40B4-BE49-F238E27FC236}">
+                    <a16:creationId xmlns:a16="http://schemas.microsoft.com/office/drawing/2014/main" id="{EC43F799-86E6-68F4-7588-0D29EA9AFC45}"/>
+                  </a:ext>
+                </a:extLst>
+              </p:cNvPr>
+              <p:cNvSpPr/>
+              <p:nvPr/>
+            </p:nvSpPr>
+            <p:spPr>
+              <a:xfrm>
+                <a:off x="3968530" y="3365576"/>
+                <a:ext cx="466531" cy="279919"/>
+              </a:xfrm>
+              <a:prstGeom prst="flowChartOffpageConnector">
+                <a:avLst/>
+              </a:prstGeom>
+              <a:solidFill>
+                <a:schemeClr val="bg1"/>
+              </a:solidFill>
+              <a:ln w="19050">
+                <a:solidFill>
+                  <a:schemeClr val="tx1"/>
+                </a:solidFill>
+              </a:ln>
+            </p:spPr>
+            <p:style>
+              <a:lnRef idx="2">
+                <a:schemeClr val="accent1">
+                  <a:shade val="50000"/>
+                </a:schemeClr>
+              </a:lnRef>
+              <a:fillRef idx="1">
+                <a:schemeClr val="accent1"/>
+              </a:fillRef>
+              <a:effectRef idx="0">
+                <a:schemeClr val="accent1"/>
+              </a:effectRef>
+              <a:fontRef idx="minor">
+                <a:schemeClr val="lt1"/>
+              </a:fontRef>
+            </p:style>
+            <p:txBody>
+              <a:bodyPr tIns="0" rtlCol="0" anchor="t" anchorCtr="0"/>
+              <a:lstStyle/>
+              <a:p>
+                <a:pPr marL="0" marR="0" lvl="0" indent="0" algn="l" defTabSz="914400" rtl="0" eaLnBrk="1" fontAlgn="auto" latinLnBrk="0" hangingPunct="1">
+                  <a:lnSpc>
+                    <a:spcPct val="100000"/>
+                  </a:lnSpc>
+                  <a:spcBef>
+                    <a:spcPts val="0"/>
+                  </a:spcBef>
+                  <a:spcAft>
+                    <a:spcPts val="0"/>
+                  </a:spcAft>
+                  <a:buClrTx/>
+                  <a:buSzTx/>
+                  <a:buFontTx/>
+                  <a:buNone/>
+                  <a:tabLst/>
+                  <a:defRPr/>
+                </a:pPr>
+                <a:endParaRPr kumimoji="0" lang="en-US" sz="1000" b="0" i="0" u="none" strike="noStrike" kern="1200" cap="none" spc="0" normalizeH="0" baseline="0" noProof="0">
+                  <a:ln>
+                    <a:noFill/>
+                  </a:ln>
+                  <a:solidFill>
+                    <a:prstClr val="black"/>
+                  </a:solidFill>
+                  <a:effectLst/>
+                  <a:uLnTx/>
+                  <a:uFillTx/>
+                  <a:ea typeface="+mn-ea"/>
+                  <a:cs typeface="+mn-cs"/>
+                </a:endParaRPr>
+              </a:p>
+            </p:txBody>
+          </p:sp>
+          <p:sp>
+            <p:nvSpPr>
+              <p:cNvPr id="143" name="TextBox 142">
+                <a:extLst>
+                  <a:ext uri="{FF2B5EF4-FFF2-40B4-BE49-F238E27FC236}">
+                    <a16:creationId xmlns:a16="http://schemas.microsoft.com/office/drawing/2014/main" id="{0BE06079-08F4-64BC-128C-1603C6B4F6D1}"/>
+                  </a:ext>
+                </a:extLst>
+              </p:cNvPr>
+              <p:cNvSpPr txBox="1"/>
+              <p:nvPr/>
+            </p:nvSpPr>
+            <p:spPr>
+              <a:xfrm>
+                <a:off x="3995649" y="3382425"/>
+                <a:ext cx="412292" cy="230832"/>
+              </a:xfrm>
+              <a:prstGeom prst="rect">
+                <a:avLst/>
+              </a:prstGeom>
+              <a:noFill/>
+            </p:spPr>
+            <p:txBody>
+              <a:bodyPr wrap="square" rtlCol="0">
+                <a:spAutoFit/>
+              </a:bodyPr>
+              <a:lstStyle/>
+              <a:p>
+                <a:pPr marL="0" marR="0" lvl="0" indent="0" algn="l" defTabSz="914400" rtl="0" eaLnBrk="1" fontAlgn="auto" latinLnBrk="0" hangingPunct="1">
+                  <a:lnSpc>
+                    <a:spcPct val="100000"/>
+                  </a:lnSpc>
+                  <a:spcBef>
+                    <a:spcPts val="0"/>
+                  </a:spcBef>
+                  <a:spcAft>
+                    <a:spcPts val="0"/>
+                  </a:spcAft>
+                  <a:buClrTx/>
+                  <a:buSzTx/>
+                  <a:buFontTx/>
+                  <a:buNone/>
+                  <a:tabLst/>
+                  <a:defRPr/>
+                </a:pPr>
+                <a:r>
+                  <a:rPr kumimoji="0" lang="en-US" sz="900" b="0" i="0" u="none" strike="noStrike" kern="1200" cap="none" spc="0" normalizeH="0" baseline="0" noProof="0" dirty="0">
+                    <a:ln>
+                      <a:noFill/>
+                    </a:ln>
+                    <a:solidFill>
+                      <a:prstClr val="black"/>
+                    </a:solidFill>
+                    <a:effectLst/>
+                    <a:uLnTx/>
+                    <a:uFillTx/>
+                    <a:ea typeface="+mn-ea"/>
+                    <a:cs typeface="+mn-cs"/>
+                  </a:rPr>
+                  <a:t>host</a:t>
+                </a:r>
+              </a:p>
+            </p:txBody>
+          </p:sp>
+        </p:grpSp>
+        <p:cxnSp>
+          <p:nvCxnSpPr>
+            <p:cNvPr id="154" name="Straight Arrow Connector 153">
+              <a:extLst>
+                <a:ext uri="{FF2B5EF4-FFF2-40B4-BE49-F238E27FC236}">
+                  <a16:creationId xmlns:a16="http://schemas.microsoft.com/office/drawing/2014/main" id="{5F100C27-844A-9943-2959-E46955931F9F}"/>
+                </a:ext>
+              </a:extLst>
+            </p:cNvPr>
+            <p:cNvCxnSpPr>
+              <a:cxnSpLocks/>
+            </p:cNvCxnSpPr>
+            <p:nvPr/>
+          </p:nvCxnSpPr>
+          <p:spPr>
+            <a:xfrm flipV="1">
+              <a:off x="4583430" y="3854875"/>
+              <a:ext cx="0" cy="362085"/>
+            </a:xfrm>
+            <a:prstGeom prst="straightConnector1">
+              <a:avLst/>
+            </a:prstGeom>
+            <a:ln w="12700">
+              <a:solidFill>
+                <a:schemeClr val="tx1"/>
+              </a:solidFill>
+              <a:headEnd type="triangle" w="med" len="med"/>
+              <a:tailEnd type="none" w="med" len="med"/>
+            </a:ln>
+          </p:spPr>
+          <p:style>
+            <a:lnRef idx="1">
+              <a:schemeClr val="accent1"/>
+            </a:lnRef>
+            <a:fillRef idx="0">
+              <a:schemeClr val="accent1"/>
+            </a:fillRef>
+            <a:effectRef idx="0">
+              <a:schemeClr val="accent1"/>
+            </a:effectRef>
+            <a:fontRef idx="minor">
+              <a:schemeClr val="tx1"/>
+            </a:fontRef>
+          </p:style>
+        </p:cxnSp>
+        <p:cxnSp>
+          <p:nvCxnSpPr>
+            <p:cNvPr id="155" name="Straight Arrow Connector 154">
+              <a:extLst>
+                <a:ext uri="{FF2B5EF4-FFF2-40B4-BE49-F238E27FC236}">
+                  <a16:creationId xmlns:a16="http://schemas.microsoft.com/office/drawing/2014/main" id="{74F64149-13FF-03CC-1CBB-34C9BD7B1887}"/>
+                </a:ext>
+              </a:extLst>
+            </p:cNvPr>
+            <p:cNvCxnSpPr>
+              <a:cxnSpLocks/>
+            </p:cNvCxnSpPr>
+            <p:nvPr/>
+          </p:nvCxnSpPr>
+          <p:spPr>
+            <a:xfrm flipV="1">
+              <a:off x="5747007" y="2371350"/>
+              <a:ext cx="0" cy="362085"/>
+            </a:xfrm>
+            <a:prstGeom prst="straightConnector1">
+              <a:avLst/>
+            </a:prstGeom>
+            <a:ln w="12700">
+              <a:solidFill>
+                <a:schemeClr val="tx1"/>
+              </a:solidFill>
+              <a:headEnd type="triangle" w="med" len="med"/>
+              <a:tailEnd type="none" w="med" len="med"/>
+            </a:ln>
+          </p:spPr>
+          <p:style>
+            <a:lnRef idx="1">
+              <a:schemeClr val="accent1"/>
+            </a:lnRef>
+            <a:fillRef idx="0">
+              <a:schemeClr val="accent1"/>
+            </a:fillRef>
+            <a:effectRef idx="0">
+              <a:schemeClr val="accent1"/>
+            </a:effectRef>
+            <a:fontRef idx="minor">
+              <a:schemeClr val="tx1"/>
+            </a:fontRef>
+          </p:style>
+        </p:cxnSp>
+        <p:cxnSp>
+          <p:nvCxnSpPr>
+            <p:cNvPr id="157" name="Straight Arrow Connector 156">
+              <a:extLst>
+                <a:ext uri="{FF2B5EF4-FFF2-40B4-BE49-F238E27FC236}">
+                  <a16:creationId xmlns:a16="http://schemas.microsoft.com/office/drawing/2014/main" id="{91C0F347-28D6-5FC8-706A-1710DA078346}"/>
+                </a:ext>
+              </a:extLst>
+            </p:cNvPr>
+            <p:cNvCxnSpPr>
+              <a:cxnSpLocks/>
+            </p:cNvCxnSpPr>
+            <p:nvPr/>
+          </p:nvCxnSpPr>
+          <p:spPr>
+            <a:xfrm flipV="1">
+              <a:off x="5747007" y="3859119"/>
+              <a:ext cx="0" cy="362085"/>
+            </a:xfrm>
+            <a:prstGeom prst="straightConnector1">
+              <a:avLst/>
+            </a:prstGeom>
+            <a:ln w="12700">
+              <a:solidFill>
+                <a:schemeClr val="tx1"/>
+              </a:solidFill>
+              <a:headEnd type="triangle" w="med" len="med"/>
+              <a:tailEnd type="none" w="med" len="med"/>
+            </a:ln>
+          </p:spPr>
+          <p:style>
+            <a:lnRef idx="1">
+              <a:schemeClr val="accent1"/>
+            </a:lnRef>
+            <a:fillRef idx="0">
+              <a:schemeClr val="accent1"/>
+            </a:fillRef>
+            <a:effectRef idx="0">
+              <a:schemeClr val="accent1"/>
+            </a:effectRef>
+            <a:fontRef idx="minor">
+              <a:schemeClr val="tx1"/>
+            </a:fontRef>
+          </p:style>
+        </p:cxnSp>
+      </p:grpSp>
+    </p:spTree>
+    <p:extLst>
+      <p:ext uri="{BB962C8B-B14F-4D97-AF65-F5344CB8AC3E}">
+        <p14:creationId xmlns:p14="http://schemas.microsoft.com/office/powerpoint/2010/main" val="388922257"/>
+      </p:ext>
+    </p:extLst>
+  </p:cSld>
+  <p:clrMapOvr>
+    <a:masterClrMapping/>
+  </p:clrMapOvr>
+</p:sld>
+</file>
+
 <file path=ppt/theme/theme1.xml><?xml version="1.0" encoding="utf-8"?>
 <a:theme xmlns:a="http://schemas.openxmlformats.org/drawingml/2006/main" name="Office Theme">
   <a:themeElements>

--- a/profiles/community/tosca/platform/sources/platforms.pptx
+++ b/profiles/community/tosca/platform/sources/platforms.pptx
@@ -6,7 +6,11 @@
   </p:sldMasterIdLst>
   <p:sldIdLst>
     <p:sldId id="256" r:id="rId2"/>
-    <p:sldId id="272" r:id="rId3"/>
+    <p:sldId id="274" r:id="rId3"/>
+    <p:sldId id="275" r:id="rId4"/>
+    <p:sldId id="278" r:id="rId5"/>
+    <p:sldId id="277" r:id="rId6"/>
+    <p:sldId id="276" r:id="rId7"/>
   </p:sldIdLst>
   <p:sldSz cx="12192000" cy="6858000"/>
   <p:notesSz cx="6858000" cy="9144000"/>
@@ -260,7 +264,7 @@
           <a:p>
             <a:fld id="{5BAF7096-B8B4-4A3B-8A26-165AAEF12400}" type="datetimeFigureOut">
               <a:rPr lang="en-US" smtClean="0"/>
-              <a:t>10/24/2025</a:t>
+              <a:t>12/3/2025</a:t>
             </a:fld>
             <a:endParaRPr lang="en-US"/>
           </a:p>
@@ -458,7 +462,7 @@
           <a:p>
             <a:fld id="{5BAF7096-B8B4-4A3B-8A26-165AAEF12400}" type="datetimeFigureOut">
               <a:rPr lang="en-US" smtClean="0"/>
-              <a:t>10/24/2025</a:t>
+              <a:t>12/3/2025</a:t>
             </a:fld>
             <a:endParaRPr lang="en-US"/>
           </a:p>
@@ -666,7 +670,7 @@
           <a:p>
             <a:fld id="{5BAF7096-B8B4-4A3B-8A26-165AAEF12400}" type="datetimeFigureOut">
               <a:rPr lang="en-US" smtClean="0"/>
-              <a:t>10/24/2025</a:t>
+              <a:t>12/3/2025</a:t>
             </a:fld>
             <a:endParaRPr lang="en-US"/>
           </a:p>
@@ -864,7 +868,7 @@
           <a:p>
             <a:fld id="{5BAF7096-B8B4-4A3B-8A26-165AAEF12400}" type="datetimeFigureOut">
               <a:rPr lang="en-US" smtClean="0"/>
-              <a:t>10/24/2025</a:t>
+              <a:t>12/3/2025</a:t>
             </a:fld>
             <a:endParaRPr lang="en-US"/>
           </a:p>
@@ -1139,7 +1143,7 @@
           <a:p>
             <a:fld id="{5BAF7096-B8B4-4A3B-8A26-165AAEF12400}" type="datetimeFigureOut">
               <a:rPr lang="en-US" smtClean="0"/>
-              <a:t>10/24/2025</a:t>
+              <a:t>12/3/2025</a:t>
             </a:fld>
             <a:endParaRPr lang="en-US"/>
           </a:p>
@@ -1404,7 +1408,7 @@
           <a:p>
             <a:fld id="{5BAF7096-B8B4-4A3B-8A26-165AAEF12400}" type="datetimeFigureOut">
               <a:rPr lang="en-US" smtClean="0"/>
-              <a:t>10/24/2025</a:t>
+              <a:t>12/3/2025</a:t>
             </a:fld>
             <a:endParaRPr lang="en-US"/>
           </a:p>
@@ -1816,7 +1820,7 @@
           <a:p>
             <a:fld id="{5BAF7096-B8B4-4A3B-8A26-165AAEF12400}" type="datetimeFigureOut">
               <a:rPr lang="en-US" smtClean="0"/>
-              <a:t>10/24/2025</a:t>
+              <a:t>12/3/2025</a:t>
             </a:fld>
             <a:endParaRPr lang="en-US"/>
           </a:p>
@@ -1957,7 +1961,7 @@
           <a:p>
             <a:fld id="{5BAF7096-B8B4-4A3B-8A26-165AAEF12400}" type="datetimeFigureOut">
               <a:rPr lang="en-US" smtClean="0"/>
-              <a:t>10/24/2025</a:t>
+              <a:t>12/3/2025</a:t>
             </a:fld>
             <a:endParaRPr lang="en-US"/>
           </a:p>
@@ -2070,7 +2074,7 @@
           <a:p>
             <a:fld id="{5BAF7096-B8B4-4A3B-8A26-165AAEF12400}" type="datetimeFigureOut">
               <a:rPr lang="en-US" smtClean="0"/>
-              <a:t>10/24/2025</a:t>
+              <a:t>12/3/2025</a:t>
             </a:fld>
             <a:endParaRPr lang="en-US"/>
           </a:p>
@@ -2381,7 +2385,7 @@
           <a:p>
             <a:fld id="{5BAF7096-B8B4-4A3B-8A26-165AAEF12400}" type="datetimeFigureOut">
               <a:rPr lang="en-US" smtClean="0"/>
-              <a:t>10/24/2025</a:t>
+              <a:t>12/3/2025</a:t>
             </a:fld>
             <a:endParaRPr lang="en-US"/>
           </a:p>
@@ -2669,7 +2673,7 @@
           <a:p>
             <a:fld id="{5BAF7096-B8B4-4A3B-8A26-165AAEF12400}" type="datetimeFigureOut">
               <a:rPr lang="en-US" smtClean="0"/>
-              <a:t>10/24/2025</a:t>
+              <a:t>12/3/2025</a:t>
             </a:fld>
             <a:endParaRPr lang="en-US"/>
           </a:p>
@@ -2910,7 +2914,7 @@
           <a:p>
             <a:fld id="{5BAF7096-B8B4-4A3B-8A26-165AAEF12400}" type="datetimeFigureOut">
               <a:rPr lang="en-US" smtClean="0"/>
-              <a:t>10/24/2025</a:t>
+              <a:t>12/3/2025</a:t>
             </a:fld>
             <a:endParaRPr lang="en-US"/>
           </a:p>
@@ -3779,10 +3783,10 @@
       </p:grpSpPr>
       <p:grpSp>
         <p:nvGrpSpPr>
-          <p:cNvPr id="158" name="Group 157">
+          <p:cNvPr id="6" name="Group 5">
             <a:extLst>
               <a:ext uri="{FF2B5EF4-FFF2-40B4-BE49-F238E27FC236}">
-                <a16:creationId xmlns:a16="http://schemas.microsoft.com/office/drawing/2014/main" id="{89B5453C-5C0C-A119-4649-6648B96F22D2}"/>
+                <a16:creationId xmlns:a16="http://schemas.microsoft.com/office/drawing/2014/main" id="{92F106FD-D07E-7530-A055-8542F2235629}"/>
               </a:ext>
             </a:extLst>
           </p:cNvPr>
@@ -3791,10 +3795,10 @@
         </p:nvGrpSpPr>
         <p:grpSpPr>
           <a:xfrm>
-            <a:off x="4546712" y="1548208"/>
-            <a:ext cx="3098576" cy="3761585"/>
-            <a:chOff x="3034142" y="1397252"/>
-            <a:chExt cx="3098576" cy="3761585"/>
+            <a:off x="5710290" y="2341905"/>
+            <a:ext cx="771421" cy="2174190"/>
+            <a:chOff x="4546712" y="1548208"/>
+            <a:chExt cx="771421" cy="2174190"/>
           </a:xfrm>
         </p:grpSpPr>
         <p:grpSp>
@@ -3811,7 +3815,7 @@
           </p:nvGrpSpPr>
           <p:grpSpPr>
             <a:xfrm>
-              <a:off x="3034142" y="4167805"/>
+              <a:off x="4546712" y="2731366"/>
               <a:ext cx="771421" cy="991032"/>
               <a:chOff x="3816079" y="4223863"/>
               <a:chExt cx="771421" cy="991032"/>
@@ -4156,10 +4160,10 @@
         </p:grpSp>
         <p:grpSp>
           <p:nvGrpSpPr>
-            <p:cNvPr id="8" name="Group 7">
+            <p:cNvPr id="28" name="Group 27">
               <a:extLst>
                 <a:ext uri="{FF2B5EF4-FFF2-40B4-BE49-F238E27FC236}">
-                  <a16:creationId xmlns:a16="http://schemas.microsoft.com/office/drawing/2014/main" id="{75829CF0-3931-A621-680C-EF9B941C8C0E}"/>
+                  <a16:creationId xmlns:a16="http://schemas.microsoft.com/office/drawing/2014/main" id="{CA303DF7-B63A-A462-3056-B4A35CEA272B}"/>
                 </a:ext>
               </a:extLst>
             </p:cNvPr>
@@ -4168,18 +4172,18 @@
           </p:nvGrpSpPr>
           <p:grpSpPr>
             <a:xfrm>
-              <a:off x="5361297" y="4167805"/>
-              <a:ext cx="771421" cy="991032"/>
-              <a:chOff x="3816079" y="4223863"/>
-              <a:chExt cx="771421" cy="991032"/>
+              <a:off x="4546712" y="1548208"/>
+              <a:ext cx="771421" cy="974099"/>
+              <a:chOff x="3816085" y="2671396"/>
+              <a:chExt cx="771421" cy="974099"/>
             </a:xfrm>
           </p:grpSpPr>
           <p:sp>
             <p:nvSpPr>
-              <p:cNvPr id="9" name="Rectangle 8">
+              <p:cNvPr id="29" name="Rectangle 28">
                 <a:extLst>
                   <a:ext uri="{FF2B5EF4-FFF2-40B4-BE49-F238E27FC236}">
-                    <a16:creationId xmlns:a16="http://schemas.microsoft.com/office/drawing/2014/main" id="{25A33A85-1F93-5D96-66D3-70B1C94C1F75}"/>
+                    <a16:creationId xmlns:a16="http://schemas.microsoft.com/office/drawing/2014/main" id="{785F5931-2EF8-FDA6-3705-9DD1486D46A7}"/>
                   </a:ext>
                 </a:extLst>
               </p:cNvPr>
@@ -4188,8 +4192,8 @@
             </p:nvSpPr>
             <p:spPr>
               <a:xfrm>
-                <a:off x="3816079" y="4722603"/>
-                <a:ext cx="771421" cy="250978"/>
+                <a:off x="3816085" y="2911202"/>
+                <a:ext cx="771421" cy="279919"/>
               </a:xfrm>
               <a:prstGeom prst="rect">
                 <a:avLst/>
@@ -4256,7 +4260,7 @@
                     <a:ea typeface="+mn-ea"/>
                     <a:cs typeface="+mn-cs"/>
                   </a:rPr>
-                  <a:t>Kubernetes</a:t>
+                  <a:t>Compute</a:t>
                 </a:r>
               </a:p>
               <a:p>
@@ -4278,30 +4282,35 @@
                   <a:defRPr/>
                 </a:pPr>
                 <a:r>
-                  <a:rPr kumimoji="0" lang="en-US" sz="900" b="0" i="0" u="none" strike="noStrike" kern="1200" cap="none" spc="0" normalizeH="0" baseline="0" noProof="0" dirty="0">
-                    <a:ln>
-                      <a:noFill/>
-                    </a:ln>
+                  <a:rPr lang="en-US" sz="900" dirty="0">
                     <a:solidFill>
                       <a:prstClr val="black"/>
                     </a:solidFill>
-                    <a:effectLst/>
-                    <a:uLnTx/>
-                    <a:uFillTx/>
-                    <a:ea typeface="+mn-ea"/>
-                    <a:cs typeface="+mn-cs"/>
                   </a:rPr>
-                  <a:t>Cluster</a:t>
+                  <a:t>Platform</a:t>
                 </a:r>
+                <a:endParaRPr kumimoji="0" lang="en-US" sz="900" b="0" i="0" u="none" strike="noStrike" kern="1200" cap="none" spc="0" normalizeH="0" baseline="0" noProof="0" dirty="0">
+                  <a:ln>
+                    <a:noFill/>
+                  </a:ln>
+                  <a:solidFill>
+                    <a:prstClr val="black"/>
+                  </a:solidFill>
+                  <a:effectLst/>
+                  <a:uLnTx/>
+                  <a:uFillTx/>
+                  <a:ea typeface="+mn-ea"/>
+                  <a:cs typeface="+mn-cs"/>
+                </a:endParaRPr>
               </a:p>
             </p:txBody>
           </p:sp>
           <p:sp>
             <p:nvSpPr>
-              <p:cNvPr id="10" name="Rectangle: Rounded Corners 9">
+              <p:cNvPr id="30" name="Rectangle: Rounded Corners 29">
                 <a:extLst>
                   <a:ext uri="{FF2B5EF4-FFF2-40B4-BE49-F238E27FC236}">
-                    <a16:creationId xmlns:a16="http://schemas.microsoft.com/office/drawing/2014/main" id="{21F7507A-F404-BB35-01A6-D62B2F5616CF}"/>
+                    <a16:creationId xmlns:a16="http://schemas.microsoft.com/office/drawing/2014/main" id="{06639B89-A87E-6F94-BBA8-64CCA7390726}"/>
                   </a:ext>
                 </a:extLst>
               </p:cNvPr>
@@ -4310,8 +4319,8 @@
             </p:nvSpPr>
             <p:spPr>
               <a:xfrm>
-                <a:off x="3816080" y="4399416"/>
-                <a:ext cx="771420" cy="815479"/>
+                <a:off x="3816085" y="2671396"/>
+                <a:ext cx="771420" cy="815478"/>
               </a:xfrm>
               <a:prstGeom prst="roundRect">
                 <a:avLst/>
@@ -4340,7 +4349,7 @@
               </a:fontRef>
             </p:style>
             <p:txBody>
-              <a:bodyPr lIns="45720" tIns="0" bIns="9144" rtlCol="0" anchor="b" anchorCtr="0"/>
+              <a:bodyPr tIns="0" rtlCol="0" anchor="t" anchorCtr="0"/>
               <a:lstStyle/>
               <a:p>
                 <a:pPr marL="0" marR="0" lvl="0" indent="0" algn="l" defTabSz="914400" rtl="0" eaLnBrk="1" fontAlgn="auto" latinLnBrk="0" hangingPunct="1">
@@ -4361,12 +4370,20 @@
                   <a:defRPr/>
                 </a:pPr>
                 <a:r>
-                  <a:rPr lang="en-US" sz="800" dirty="0">
+                  <a:rPr kumimoji="0" lang="en-US" sz="800" b="0" i="0" u="none" strike="noStrike" kern="1200" cap="none" spc="0" normalizeH="0" baseline="0" noProof="0" dirty="0" err="1">
+                    <a:ln>
+                      <a:noFill/>
+                    </a:ln>
                     <a:solidFill>
                       <a:prstClr val="black"/>
                     </a:solidFill>
+                    <a:effectLst/>
+                    <a:uLnTx/>
+                    <a:uFillTx/>
+                    <a:ea typeface="+mn-ea"/>
+                    <a:cs typeface="+mn-cs"/>
                   </a:rPr>
-                  <a:t>cluster-1</a:t>
+                  <a:t>vm</a:t>
                 </a:r>
                 <a:endParaRPr kumimoji="0" lang="en-US" sz="800" b="0" i="0" u="none" strike="noStrike" kern="1200" cap="none" spc="0" normalizeH="0" baseline="0" noProof="0" dirty="0">
                   <a:ln>
@@ -4386,10 +4403,10 @@
           </p:sp>
           <p:sp>
             <p:nvSpPr>
-              <p:cNvPr id="11" name="Arrow: Chevron 10">
+              <p:cNvPr id="31" name="Flowchart: Off-page Connector 30">
                 <a:extLst>
                   <a:ext uri="{FF2B5EF4-FFF2-40B4-BE49-F238E27FC236}">
-                    <a16:creationId xmlns:a16="http://schemas.microsoft.com/office/drawing/2014/main" id="{339FCE90-7024-46D1-CB09-B07EF4A3D32F}"/>
+                    <a16:creationId xmlns:a16="http://schemas.microsoft.com/office/drawing/2014/main" id="{88BA0694-B850-BC67-B211-A0691D4970B1}"/>
                   </a:ext>
                 </a:extLst>
               </p:cNvPr>
@@ -4397,19 +4414,17 @@
               <p:nvPr/>
             </p:nvSpPr>
             <p:spPr>
-              <a:xfrm rot="5400000">
-                <a:off x="4026243" y="4166150"/>
-                <a:ext cx="351106" cy="466531"/>
+              <a:xfrm>
+                <a:off x="3968530" y="3365576"/>
+                <a:ext cx="466531" cy="279919"/>
               </a:xfrm>
-              <a:prstGeom prst="chevron">
-                <a:avLst>
-                  <a:gd name="adj" fmla="val 14000"/>
-                </a:avLst>
+              <a:prstGeom prst="flowChartOffpageConnector">
+                <a:avLst/>
               </a:prstGeom>
               <a:solidFill>
                 <a:schemeClr val="bg1"/>
               </a:solidFill>
-              <a:ln w="12700">
+              <a:ln w="19050">
                 <a:solidFill>
                   <a:schemeClr val="tx1"/>
                 </a:solidFill>
@@ -4470,10 +4485,10 @@
           </p:sp>
           <p:sp>
             <p:nvSpPr>
-              <p:cNvPr id="12" name="TextBox 11">
+              <p:cNvPr id="32" name="TextBox 31">
                 <a:extLst>
                   <a:ext uri="{FF2B5EF4-FFF2-40B4-BE49-F238E27FC236}">
-                    <a16:creationId xmlns:a16="http://schemas.microsoft.com/office/drawing/2014/main" id="{1354BC33-2392-2DBD-DACC-495B8EDF5CFA}"/>
+                    <a16:creationId xmlns:a16="http://schemas.microsoft.com/office/drawing/2014/main" id="{B1073C08-2ABA-B500-FE04-02D5BE3A9AC5}"/>
                   </a:ext>
                 </a:extLst>
               </p:cNvPr>
@@ -4482,7 +4497,7 @@
             </p:nvSpPr>
             <p:spPr>
               <a:xfrm>
-                <a:off x="3995650" y="4276305"/>
+                <a:off x="3995649" y="3382425"/>
                 <a:ext cx="412292" cy="230832"/>
               </a:xfrm>
               <a:prstGeom prst="rect">
@@ -4533,6 +4548,102 @@
             </p:txBody>
           </p:sp>
         </p:grpSp>
+        <p:cxnSp>
+          <p:nvCxnSpPr>
+            <p:cNvPr id="24" name="Straight Arrow Connector 23">
+              <a:extLst>
+                <a:ext uri="{FF2B5EF4-FFF2-40B4-BE49-F238E27FC236}">
+                  <a16:creationId xmlns:a16="http://schemas.microsoft.com/office/drawing/2014/main" id="{341A0520-D1E1-318F-B30B-A65B79A5C2D5}"/>
+                </a:ext>
+              </a:extLst>
+            </p:cNvPr>
+            <p:cNvCxnSpPr>
+              <a:cxnSpLocks/>
+            </p:cNvCxnSpPr>
+            <p:nvPr/>
+          </p:nvCxnSpPr>
+          <p:spPr>
+            <a:xfrm flipH="1" flipV="1">
+              <a:off x="4924812" y="2504552"/>
+              <a:ext cx="760" cy="261501"/>
+            </a:xfrm>
+            <a:prstGeom prst="straightConnector1">
+              <a:avLst/>
+            </a:prstGeom>
+            <a:ln w="12700">
+              <a:solidFill>
+                <a:schemeClr val="tx1"/>
+              </a:solidFill>
+              <a:headEnd type="triangle" w="med" len="med"/>
+              <a:tailEnd type="none" w="med" len="med"/>
+            </a:ln>
+          </p:spPr>
+          <p:style>
+            <a:lnRef idx="1">
+              <a:schemeClr val="accent1"/>
+            </a:lnRef>
+            <a:fillRef idx="0">
+              <a:schemeClr val="accent1"/>
+            </a:fillRef>
+            <a:effectRef idx="0">
+              <a:schemeClr val="accent1"/>
+            </a:effectRef>
+            <a:fontRef idx="minor">
+              <a:schemeClr val="tx1"/>
+            </a:fontRef>
+          </p:style>
+        </p:cxnSp>
+      </p:grpSp>
+    </p:spTree>
+    <p:extLst>
+      <p:ext uri="{BB962C8B-B14F-4D97-AF65-F5344CB8AC3E}">
+        <p14:creationId xmlns:p14="http://schemas.microsoft.com/office/powerpoint/2010/main" val="1931311636"/>
+      </p:ext>
+    </p:extLst>
+  </p:cSld>
+  <p:clrMapOvr>
+    <a:masterClrMapping/>
+  </p:clrMapOvr>
+</p:sld>
+</file>
+
+<file path=ppt/slides/slide3.xml><?xml version="1.0" encoding="utf-8"?>
+<p:sld xmlns:a="http://schemas.openxmlformats.org/drawingml/2006/main" xmlns:r="http://schemas.openxmlformats.org/officeDocument/2006/relationships" xmlns:p="http://schemas.openxmlformats.org/presentationml/2006/main">
+  <p:cSld>
+    <p:spTree>
+      <p:nvGrpSpPr>
+        <p:cNvPr id="1" name=""/>
+        <p:cNvGrpSpPr/>
+        <p:nvPr/>
+      </p:nvGrpSpPr>
+      <p:grpSpPr>
+        <a:xfrm>
+          <a:off x="0" y="0"/>
+          <a:ext cx="0" cy="0"/>
+          <a:chOff x="0" y="0"/>
+          <a:chExt cx="0" cy="0"/>
+        </a:xfrm>
+      </p:grpSpPr>
+      <p:grpSp>
+        <p:nvGrpSpPr>
+          <p:cNvPr id="6" name="Group 5">
+            <a:extLst>
+              <a:ext uri="{FF2B5EF4-FFF2-40B4-BE49-F238E27FC236}">
+                <a16:creationId xmlns:a16="http://schemas.microsoft.com/office/drawing/2014/main" id="{7B9CB248-1F47-096F-CB49-497D3FC17E3F}"/>
+              </a:ext>
+            </a:extLst>
+          </p:cNvPr>
+          <p:cNvGrpSpPr/>
+          <p:nvPr/>
+        </p:nvGrpSpPr>
+        <p:grpSpPr>
+          <a:xfrm>
+            <a:off x="5710290" y="1648792"/>
+            <a:ext cx="771421" cy="3560417"/>
+            <a:chOff x="5710290" y="1548208"/>
+            <a:chExt cx="771421" cy="3560417"/>
+          </a:xfrm>
+        </p:grpSpPr>
         <p:grpSp>
           <p:nvGrpSpPr>
             <p:cNvPr id="18" name="Group 17">
@@ -4547,7 +4658,7 @@
           </p:nvGrpSpPr>
           <p:grpSpPr>
             <a:xfrm>
-              <a:off x="4197720" y="4167805"/>
+              <a:off x="5710290" y="4117593"/>
               <a:ext cx="771421" cy="991032"/>
               <a:chOff x="3816079" y="4223863"/>
               <a:chExt cx="771421" cy="991032"/>
@@ -4900,477 +5011,6 @@
         </p:grpSp>
         <p:grpSp>
           <p:nvGrpSpPr>
-            <p:cNvPr id="28" name="Group 27">
-              <a:extLst>
-                <a:ext uri="{FF2B5EF4-FFF2-40B4-BE49-F238E27FC236}">
-                  <a16:creationId xmlns:a16="http://schemas.microsoft.com/office/drawing/2014/main" id="{CA303DF7-B63A-A462-3056-B4A35CEA272B}"/>
-                </a:ext>
-              </a:extLst>
-            </p:cNvPr>
-            <p:cNvGrpSpPr/>
-            <p:nvPr/>
-          </p:nvGrpSpPr>
-          <p:grpSpPr>
-            <a:xfrm>
-              <a:off x="3034142" y="1397252"/>
-              <a:ext cx="771421" cy="974099"/>
-              <a:chOff x="3816085" y="2671396"/>
-              <a:chExt cx="771421" cy="974099"/>
-            </a:xfrm>
-          </p:grpSpPr>
-          <p:sp>
-            <p:nvSpPr>
-              <p:cNvPr id="29" name="Rectangle 28">
-                <a:extLst>
-                  <a:ext uri="{FF2B5EF4-FFF2-40B4-BE49-F238E27FC236}">
-                    <a16:creationId xmlns:a16="http://schemas.microsoft.com/office/drawing/2014/main" id="{785F5931-2EF8-FDA6-3705-9DD1486D46A7}"/>
-                  </a:ext>
-                </a:extLst>
-              </p:cNvPr>
-              <p:cNvSpPr/>
-              <p:nvPr/>
-            </p:nvSpPr>
-            <p:spPr>
-              <a:xfrm>
-                <a:off x="3816085" y="2911202"/>
-                <a:ext cx="771421" cy="279919"/>
-              </a:xfrm>
-              <a:prstGeom prst="rect">
-                <a:avLst/>
-              </a:prstGeom>
-              <a:solidFill>
-                <a:schemeClr val="bg1">
-                  <a:lumMod val="95000"/>
-                </a:schemeClr>
-              </a:solidFill>
-              <a:ln w="19050">
-                <a:solidFill>
-                  <a:schemeClr val="bg2"/>
-                </a:solidFill>
-              </a:ln>
-            </p:spPr>
-            <p:style>
-              <a:lnRef idx="2">
-                <a:schemeClr val="accent1">
-                  <a:shade val="50000"/>
-                </a:schemeClr>
-              </a:lnRef>
-              <a:fillRef idx="1">
-                <a:schemeClr val="accent1"/>
-              </a:fillRef>
-              <a:effectRef idx="0">
-                <a:schemeClr val="accent1"/>
-              </a:effectRef>
-              <a:fontRef idx="minor">
-                <a:schemeClr val="lt1"/>
-              </a:fontRef>
-            </p:style>
-            <p:txBody>
-              <a:bodyPr lIns="0" rIns="0" rtlCol="0" anchor="ctr"/>
-              <a:lstStyle/>
-              <a:p>
-                <a:pPr marL="0" marR="0" lvl="0" indent="0" algn="ctr" defTabSz="914400" rtl="0" eaLnBrk="1" fontAlgn="auto" latinLnBrk="0" hangingPunct="1">
-                  <a:lnSpc>
-                    <a:spcPct val="100000"/>
-                  </a:lnSpc>
-                  <a:spcBef>
-                    <a:spcPts val="0"/>
-                  </a:spcBef>
-                  <a:spcAft>
-                    <a:spcPts val="0"/>
-                  </a:spcAft>
-                  <a:buClrTx/>
-                  <a:buSzTx/>
-                  <a:buFontTx/>
-                  <a:buNone/>
-                  <a:tabLst/>
-                  <a:defRPr/>
-                </a:pPr>
-                <a:r>
-                  <a:rPr kumimoji="0" lang="en-US" sz="900" b="0" i="0" u="none" strike="noStrike" kern="1200" cap="none" spc="0" normalizeH="0" baseline="0" noProof="0" dirty="0">
-                    <a:ln>
-                      <a:noFill/>
-                    </a:ln>
-                    <a:solidFill>
-                      <a:prstClr val="black"/>
-                    </a:solidFill>
-                    <a:effectLst/>
-                    <a:uLnTx/>
-                    <a:uFillTx/>
-                    <a:ea typeface="+mn-ea"/>
-                    <a:cs typeface="+mn-cs"/>
-                  </a:rPr>
-                  <a:t>Compute</a:t>
-                </a:r>
-              </a:p>
-              <a:p>
-                <a:pPr marL="0" marR="0" lvl="0" indent="0" algn="ctr" defTabSz="914400" rtl="0" eaLnBrk="1" fontAlgn="auto" latinLnBrk="0" hangingPunct="1">
-                  <a:lnSpc>
-                    <a:spcPct val="100000"/>
-                  </a:lnSpc>
-                  <a:spcBef>
-                    <a:spcPts val="0"/>
-                  </a:spcBef>
-                  <a:spcAft>
-                    <a:spcPts val="0"/>
-                  </a:spcAft>
-                  <a:buClrTx/>
-                  <a:buSzTx/>
-                  <a:buFontTx/>
-                  <a:buNone/>
-                  <a:tabLst/>
-                  <a:defRPr/>
-                </a:pPr>
-                <a:r>
-                  <a:rPr lang="en-US" sz="900" dirty="0">
-                    <a:solidFill>
-                      <a:prstClr val="black"/>
-                    </a:solidFill>
-                  </a:rPr>
-                  <a:t>Platform</a:t>
-                </a:r>
-                <a:endParaRPr kumimoji="0" lang="en-US" sz="900" b="0" i="0" u="none" strike="noStrike" kern="1200" cap="none" spc="0" normalizeH="0" baseline="0" noProof="0" dirty="0">
-                  <a:ln>
-                    <a:noFill/>
-                  </a:ln>
-                  <a:solidFill>
-                    <a:prstClr val="black"/>
-                  </a:solidFill>
-                  <a:effectLst/>
-                  <a:uLnTx/>
-                  <a:uFillTx/>
-                  <a:ea typeface="+mn-ea"/>
-                  <a:cs typeface="+mn-cs"/>
-                </a:endParaRPr>
-              </a:p>
-            </p:txBody>
-          </p:sp>
-          <p:sp>
-            <p:nvSpPr>
-              <p:cNvPr id="30" name="Rectangle: Rounded Corners 29">
-                <a:extLst>
-                  <a:ext uri="{FF2B5EF4-FFF2-40B4-BE49-F238E27FC236}">
-                    <a16:creationId xmlns:a16="http://schemas.microsoft.com/office/drawing/2014/main" id="{06639B89-A87E-6F94-BBA8-64CCA7390726}"/>
-                  </a:ext>
-                </a:extLst>
-              </p:cNvPr>
-              <p:cNvSpPr/>
-              <p:nvPr/>
-            </p:nvSpPr>
-            <p:spPr>
-              <a:xfrm>
-                <a:off x="3816085" y="2671396"/>
-                <a:ext cx="771420" cy="815478"/>
-              </a:xfrm>
-              <a:prstGeom prst="roundRect">
-                <a:avLst/>
-              </a:prstGeom>
-              <a:noFill/>
-              <a:ln w="19050">
-                <a:solidFill>
-                  <a:schemeClr val="tx1"/>
-                </a:solidFill>
-              </a:ln>
-            </p:spPr>
-            <p:style>
-              <a:lnRef idx="2">
-                <a:schemeClr val="accent1">
-                  <a:shade val="50000"/>
-                </a:schemeClr>
-              </a:lnRef>
-              <a:fillRef idx="1">
-                <a:schemeClr val="accent1"/>
-              </a:fillRef>
-              <a:effectRef idx="0">
-                <a:schemeClr val="accent1"/>
-              </a:effectRef>
-              <a:fontRef idx="minor">
-                <a:schemeClr val="lt1"/>
-              </a:fontRef>
-            </p:style>
-            <p:txBody>
-              <a:bodyPr tIns="0" rtlCol="0" anchor="t" anchorCtr="0"/>
-              <a:lstStyle/>
-              <a:p>
-                <a:pPr marL="0" marR="0" lvl="0" indent="0" algn="l" defTabSz="914400" rtl="0" eaLnBrk="1" fontAlgn="auto" latinLnBrk="0" hangingPunct="1">
-                  <a:lnSpc>
-                    <a:spcPct val="100000"/>
-                  </a:lnSpc>
-                  <a:spcBef>
-                    <a:spcPts val="0"/>
-                  </a:spcBef>
-                  <a:spcAft>
-                    <a:spcPts val="0"/>
-                  </a:spcAft>
-                  <a:buClrTx/>
-                  <a:buSzTx/>
-                  <a:buFontTx/>
-                  <a:buNone/>
-                  <a:tabLst/>
-                  <a:defRPr/>
-                </a:pPr>
-                <a:r>
-                  <a:rPr kumimoji="0" lang="en-US" sz="800" b="0" i="0" u="none" strike="noStrike" kern="1200" cap="none" spc="0" normalizeH="0" baseline="0" noProof="0" dirty="0">
-                    <a:ln>
-                      <a:noFill/>
-                    </a:ln>
-                    <a:solidFill>
-                      <a:prstClr val="black"/>
-                    </a:solidFill>
-                    <a:effectLst/>
-                    <a:uLnTx/>
-                    <a:uFillTx/>
-                    <a:ea typeface="+mn-ea"/>
-                    <a:cs typeface="+mn-cs"/>
-                  </a:rPr>
-                  <a:t>vm-1</a:t>
-                </a:r>
-              </a:p>
-            </p:txBody>
-          </p:sp>
-          <p:sp>
-            <p:nvSpPr>
-              <p:cNvPr id="31" name="Flowchart: Off-page Connector 30">
-                <a:extLst>
-                  <a:ext uri="{FF2B5EF4-FFF2-40B4-BE49-F238E27FC236}">
-                    <a16:creationId xmlns:a16="http://schemas.microsoft.com/office/drawing/2014/main" id="{88BA0694-B850-BC67-B211-A0691D4970B1}"/>
-                  </a:ext>
-                </a:extLst>
-              </p:cNvPr>
-              <p:cNvSpPr/>
-              <p:nvPr/>
-            </p:nvSpPr>
-            <p:spPr>
-              <a:xfrm>
-                <a:off x="3968530" y="3365576"/>
-                <a:ext cx="466531" cy="279919"/>
-              </a:xfrm>
-              <a:prstGeom prst="flowChartOffpageConnector">
-                <a:avLst/>
-              </a:prstGeom>
-              <a:solidFill>
-                <a:schemeClr val="bg1"/>
-              </a:solidFill>
-              <a:ln w="19050">
-                <a:solidFill>
-                  <a:schemeClr val="tx1"/>
-                </a:solidFill>
-              </a:ln>
-            </p:spPr>
-            <p:style>
-              <a:lnRef idx="2">
-                <a:schemeClr val="accent1">
-                  <a:shade val="50000"/>
-                </a:schemeClr>
-              </a:lnRef>
-              <a:fillRef idx="1">
-                <a:schemeClr val="accent1"/>
-              </a:fillRef>
-              <a:effectRef idx="0">
-                <a:schemeClr val="accent1"/>
-              </a:effectRef>
-              <a:fontRef idx="minor">
-                <a:schemeClr val="lt1"/>
-              </a:fontRef>
-            </p:style>
-            <p:txBody>
-              <a:bodyPr tIns="0" rtlCol="0" anchor="t" anchorCtr="0"/>
-              <a:lstStyle/>
-              <a:p>
-                <a:pPr marL="0" marR="0" lvl="0" indent="0" algn="l" defTabSz="914400" rtl="0" eaLnBrk="1" fontAlgn="auto" latinLnBrk="0" hangingPunct="1">
-                  <a:lnSpc>
-                    <a:spcPct val="100000"/>
-                  </a:lnSpc>
-                  <a:spcBef>
-                    <a:spcPts val="0"/>
-                  </a:spcBef>
-                  <a:spcAft>
-                    <a:spcPts val="0"/>
-                  </a:spcAft>
-                  <a:buClrTx/>
-                  <a:buSzTx/>
-                  <a:buFontTx/>
-                  <a:buNone/>
-                  <a:tabLst/>
-                  <a:defRPr/>
-                </a:pPr>
-                <a:endParaRPr kumimoji="0" lang="en-US" sz="1000" b="0" i="0" u="none" strike="noStrike" kern="1200" cap="none" spc="0" normalizeH="0" baseline="0" noProof="0">
-                  <a:ln>
-                    <a:noFill/>
-                  </a:ln>
-                  <a:solidFill>
-                    <a:prstClr val="black"/>
-                  </a:solidFill>
-                  <a:effectLst/>
-                  <a:uLnTx/>
-                  <a:uFillTx/>
-                  <a:ea typeface="+mn-ea"/>
-                  <a:cs typeface="+mn-cs"/>
-                </a:endParaRPr>
-              </a:p>
-            </p:txBody>
-          </p:sp>
-          <p:sp>
-            <p:nvSpPr>
-              <p:cNvPr id="32" name="TextBox 31">
-                <a:extLst>
-                  <a:ext uri="{FF2B5EF4-FFF2-40B4-BE49-F238E27FC236}">
-                    <a16:creationId xmlns:a16="http://schemas.microsoft.com/office/drawing/2014/main" id="{B1073C08-2ABA-B500-FE04-02D5BE3A9AC5}"/>
-                  </a:ext>
-                </a:extLst>
-              </p:cNvPr>
-              <p:cNvSpPr txBox="1"/>
-              <p:nvPr/>
-            </p:nvSpPr>
-            <p:spPr>
-              <a:xfrm>
-                <a:off x="3995649" y="3382425"/>
-                <a:ext cx="412292" cy="230832"/>
-              </a:xfrm>
-              <a:prstGeom prst="rect">
-                <a:avLst/>
-              </a:prstGeom>
-              <a:noFill/>
-            </p:spPr>
-            <p:txBody>
-              <a:bodyPr wrap="square" rtlCol="0">
-                <a:spAutoFit/>
-              </a:bodyPr>
-              <a:lstStyle/>
-              <a:p>
-                <a:pPr marL="0" marR="0" lvl="0" indent="0" algn="l" defTabSz="914400" rtl="0" eaLnBrk="1" fontAlgn="auto" latinLnBrk="0" hangingPunct="1">
-                  <a:lnSpc>
-                    <a:spcPct val="100000"/>
-                  </a:lnSpc>
-                  <a:spcBef>
-                    <a:spcPts val="0"/>
-                  </a:spcBef>
-                  <a:spcAft>
-                    <a:spcPts val="0"/>
-                  </a:spcAft>
-                  <a:buClrTx/>
-                  <a:buSzTx/>
-                  <a:buFontTx/>
-                  <a:buNone/>
-                  <a:tabLst/>
-                  <a:defRPr/>
-                </a:pPr>
-                <a:r>
-                  <a:rPr kumimoji="0" lang="en-US" sz="900" b="0" i="0" u="none" strike="noStrike" kern="1200" cap="none" spc="0" normalizeH="0" baseline="0" noProof="0" dirty="0">
-                    <a:ln>
-                      <a:noFill/>
-                    </a:ln>
-                    <a:solidFill>
-                      <a:prstClr val="black"/>
-                    </a:solidFill>
-                    <a:effectLst/>
-                    <a:uLnTx/>
-                    <a:uFillTx/>
-                    <a:ea typeface="+mn-ea"/>
-                    <a:cs typeface="+mn-cs"/>
-                  </a:rPr>
-                  <a:t>host</a:t>
-                </a:r>
-              </a:p>
-            </p:txBody>
-          </p:sp>
-        </p:grpSp>
-        <p:cxnSp>
-          <p:nvCxnSpPr>
-            <p:cNvPr id="153" name="Straight Arrow Connector 152">
-              <a:extLst>
-                <a:ext uri="{FF2B5EF4-FFF2-40B4-BE49-F238E27FC236}">
-                  <a16:creationId xmlns:a16="http://schemas.microsoft.com/office/drawing/2014/main" id="{984D0B08-A38E-44AC-4609-1708EC216A0F}"/>
-                </a:ext>
-              </a:extLst>
-            </p:cNvPr>
-            <p:cNvCxnSpPr>
-              <a:cxnSpLocks/>
-              <a:stCxn id="57" idx="0"/>
-              <a:endCxn id="137" idx="2"/>
-            </p:cNvCxnSpPr>
-            <p:nvPr/>
-          </p:nvCxnSpPr>
-          <p:spPr>
-            <a:xfrm flipV="1">
-              <a:off x="4583431" y="2371351"/>
-              <a:ext cx="0" cy="362085"/>
-            </a:xfrm>
-            <a:prstGeom prst="straightConnector1">
-              <a:avLst/>
-            </a:prstGeom>
-            <a:ln w="12700">
-              <a:solidFill>
-                <a:schemeClr val="tx1"/>
-              </a:solidFill>
-              <a:headEnd type="triangle" w="med" len="med"/>
-              <a:tailEnd type="none" w="med" len="med"/>
-            </a:ln>
-          </p:spPr>
-          <p:style>
-            <a:lnRef idx="1">
-              <a:schemeClr val="accent1"/>
-            </a:lnRef>
-            <a:fillRef idx="0">
-              <a:schemeClr val="accent1"/>
-            </a:fillRef>
-            <a:effectRef idx="0">
-              <a:schemeClr val="accent1"/>
-            </a:effectRef>
-            <a:fontRef idx="minor">
-              <a:schemeClr val="tx1"/>
-            </a:fontRef>
-          </p:style>
-        </p:cxnSp>
-        <p:cxnSp>
-          <p:nvCxnSpPr>
-            <p:cNvPr id="162" name="Straight Arrow Connector 161">
-              <a:extLst>
-                <a:ext uri="{FF2B5EF4-FFF2-40B4-BE49-F238E27FC236}">
-                  <a16:creationId xmlns:a16="http://schemas.microsoft.com/office/drawing/2014/main" id="{45D5E0C4-BF17-5CB4-4628-E9920D169DCC}"/>
-                </a:ext>
-              </a:extLst>
-            </p:cNvPr>
-            <p:cNvCxnSpPr>
-              <a:cxnSpLocks/>
-              <a:stCxn id="4" idx="1"/>
-              <a:endCxn id="31" idx="2"/>
-            </p:cNvCxnSpPr>
-            <p:nvPr/>
-          </p:nvCxnSpPr>
-          <p:spPr>
-            <a:xfrm flipH="1" flipV="1">
-              <a:off x="3419853" y="2371351"/>
-              <a:ext cx="6" cy="1845609"/>
-            </a:xfrm>
-            <a:prstGeom prst="straightConnector1">
-              <a:avLst/>
-            </a:prstGeom>
-            <a:ln w="12700">
-              <a:solidFill>
-                <a:schemeClr val="tx1"/>
-              </a:solidFill>
-              <a:headEnd type="triangle" w="med" len="med"/>
-              <a:tailEnd type="none" w="med" len="med"/>
-            </a:ln>
-          </p:spPr>
-          <p:style>
-            <a:lnRef idx="1">
-              <a:schemeClr val="accent1"/>
-            </a:lnRef>
-            <a:fillRef idx="0">
-              <a:schemeClr val="accent1"/>
-            </a:fillRef>
-            <a:effectRef idx="0">
-              <a:schemeClr val="accent1"/>
-            </a:effectRef>
-            <a:fontRef idx="minor">
-              <a:schemeClr val="tx1"/>
-            </a:fontRef>
-          </p:style>
-        </p:cxnSp>
-        <p:grpSp>
-          <p:nvGrpSpPr>
             <p:cNvPr id="147" name="Group 146">
               <a:extLst>
                 <a:ext uri="{FF2B5EF4-FFF2-40B4-BE49-F238E27FC236}">
@@ -5383,7 +5023,7 @@
           </p:nvGrpSpPr>
           <p:grpSpPr>
             <a:xfrm>
-              <a:off x="4197720" y="2680994"/>
+              <a:off x="5710290" y="2731366"/>
               <a:ext cx="771421" cy="1177169"/>
               <a:chOff x="4115528" y="2620040"/>
               <a:chExt cx="771421" cy="1177169"/>
@@ -5916,6 +5556,4246 @@
         </p:grpSp>
         <p:grpSp>
           <p:nvGrpSpPr>
+            <p:cNvPr id="134" name="Group 133">
+              <a:extLst>
+                <a:ext uri="{FF2B5EF4-FFF2-40B4-BE49-F238E27FC236}">
+                  <a16:creationId xmlns:a16="http://schemas.microsoft.com/office/drawing/2014/main" id="{8EEF53A1-6892-87E7-FFFD-86DAEFBB8EDA}"/>
+                </a:ext>
+              </a:extLst>
+            </p:cNvPr>
+            <p:cNvGrpSpPr/>
+            <p:nvPr/>
+          </p:nvGrpSpPr>
+          <p:grpSpPr>
+            <a:xfrm>
+              <a:off x="5710290" y="1548208"/>
+              <a:ext cx="771421" cy="974099"/>
+              <a:chOff x="3816085" y="2671396"/>
+              <a:chExt cx="771421" cy="974099"/>
+            </a:xfrm>
+          </p:grpSpPr>
+          <p:sp>
+            <p:nvSpPr>
+              <p:cNvPr id="135" name="Rectangle 134">
+                <a:extLst>
+                  <a:ext uri="{FF2B5EF4-FFF2-40B4-BE49-F238E27FC236}">
+                    <a16:creationId xmlns:a16="http://schemas.microsoft.com/office/drawing/2014/main" id="{CA7202A9-5C92-DA0A-A504-59147E80171E}"/>
+                  </a:ext>
+                </a:extLst>
+              </p:cNvPr>
+              <p:cNvSpPr/>
+              <p:nvPr/>
+            </p:nvSpPr>
+            <p:spPr>
+              <a:xfrm>
+                <a:off x="3816085" y="2911202"/>
+                <a:ext cx="771421" cy="279919"/>
+              </a:xfrm>
+              <a:prstGeom prst="rect">
+                <a:avLst/>
+              </a:prstGeom>
+              <a:solidFill>
+                <a:schemeClr val="bg1">
+                  <a:lumMod val="95000"/>
+                </a:schemeClr>
+              </a:solidFill>
+              <a:ln w="19050">
+                <a:solidFill>
+                  <a:schemeClr val="bg2"/>
+                </a:solidFill>
+              </a:ln>
+            </p:spPr>
+            <p:style>
+              <a:lnRef idx="2">
+                <a:schemeClr val="accent1">
+                  <a:shade val="50000"/>
+                </a:schemeClr>
+              </a:lnRef>
+              <a:fillRef idx="1">
+                <a:schemeClr val="accent1"/>
+              </a:fillRef>
+              <a:effectRef idx="0">
+                <a:schemeClr val="accent1"/>
+              </a:effectRef>
+              <a:fontRef idx="minor">
+                <a:schemeClr val="lt1"/>
+              </a:fontRef>
+            </p:style>
+            <p:txBody>
+              <a:bodyPr lIns="0" rIns="0" rtlCol="0" anchor="ctr"/>
+              <a:lstStyle/>
+              <a:p>
+                <a:pPr marL="0" marR="0" lvl="0" indent="0" algn="ctr" defTabSz="914400" rtl="0" eaLnBrk="1" fontAlgn="auto" latinLnBrk="0" hangingPunct="1">
+                  <a:lnSpc>
+                    <a:spcPct val="100000"/>
+                  </a:lnSpc>
+                  <a:spcBef>
+                    <a:spcPts val="0"/>
+                  </a:spcBef>
+                  <a:spcAft>
+                    <a:spcPts val="0"/>
+                  </a:spcAft>
+                  <a:buClrTx/>
+                  <a:buSzTx/>
+                  <a:buFontTx/>
+                  <a:buNone/>
+                  <a:tabLst/>
+                  <a:defRPr/>
+                </a:pPr>
+                <a:r>
+                  <a:rPr kumimoji="0" lang="en-US" sz="900" b="0" i="0" u="none" strike="noStrike" kern="1200" cap="none" spc="0" normalizeH="0" baseline="0" noProof="0" dirty="0">
+                    <a:ln>
+                      <a:noFill/>
+                    </a:ln>
+                    <a:solidFill>
+                      <a:prstClr val="black"/>
+                    </a:solidFill>
+                    <a:effectLst/>
+                    <a:uLnTx/>
+                    <a:uFillTx/>
+                    <a:ea typeface="+mn-ea"/>
+                    <a:cs typeface="+mn-cs"/>
+                  </a:rPr>
+                  <a:t>Compute</a:t>
+                </a:r>
+              </a:p>
+              <a:p>
+                <a:pPr marL="0" marR="0" lvl="0" indent="0" algn="ctr" defTabSz="914400" rtl="0" eaLnBrk="1" fontAlgn="auto" latinLnBrk="0" hangingPunct="1">
+                  <a:lnSpc>
+                    <a:spcPct val="100000"/>
+                  </a:lnSpc>
+                  <a:spcBef>
+                    <a:spcPts val="0"/>
+                  </a:spcBef>
+                  <a:spcAft>
+                    <a:spcPts val="0"/>
+                  </a:spcAft>
+                  <a:buClrTx/>
+                  <a:buSzTx/>
+                  <a:buFontTx/>
+                  <a:buNone/>
+                  <a:tabLst/>
+                  <a:defRPr/>
+                </a:pPr>
+                <a:r>
+                  <a:rPr lang="en-US" sz="900" dirty="0">
+                    <a:solidFill>
+                      <a:prstClr val="black"/>
+                    </a:solidFill>
+                  </a:rPr>
+                  <a:t>Platform</a:t>
+                </a:r>
+                <a:endParaRPr kumimoji="0" lang="en-US" sz="900" b="0" i="0" u="none" strike="noStrike" kern="1200" cap="none" spc="0" normalizeH="0" baseline="0" noProof="0" dirty="0">
+                  <a:ln>
+                    <a:noFill/>
+                  </a:ln>
+                  <a:solidFill>
+                    <a:prstClr val="black"/>
+                  </a:solidFill>
+                  <a:effectLst/>
+                  <a:uLnTx/>
+                  <a:uFillTx/>
+                  <a:ea typeface="+mn-ea"/>
+                  <a:cs typeface="+mn-cs"/>
+                </a:endParaRPr>
+              </a:p>
+            </p:txBody>
+          </p:sp>
+          <p:sp>
+            <p:nvSpPr>
+              <p:cNvPr id="136" name="Rectangle: Rounded Corners 135">
+                <a:extLst>
+                  <a:ext uri="{FF2B5EF4-FFF2-40B4-BE49-F238E27FC236}">
+                    <a16:creationId xmlns:a16="http://schemas.microsoft.com/office/drawing/2014/main" id="{8868F47C-14F6-B93E-6B86-604834FA16F2}"/>
+                  </a:ext>
+                </a:extLst>
+              </p:cNvPr>
+              <p:cNvSpPr/>
+              <p:nvPr/>
+            </p:nvSpPr>
+            <p:spPr>
+              <a:xfrm>
+                <a:off x="3816085" y="2671396"/>
+                <a:ext cx="771420" cy="815478"/>
+              </a:xfrm>
+              <a:prstGeom prst="roundRect">
+                <a:avLst/>
+              </a:prstGeom>
+              <a:noFill/>
+              <a:ln w="19050">
+                <a:solidFill>
+                  <a:schemeClr val="tx1"/>
+                </a:solidFill>
+              </a:ln>
+            </p:spPr>
+            <p:style>
+              <a:lnRef idx="2">
+                <a:schemeClr val="accent1">
+                  <a:shade val="50000"/>
+                </a:schemeClr>
+              </a:lnRef>
+              <a:fillRef idx="1">
+                <a:schemeClr val="accent1"/>
+              </a:fillRef>
+              <a:effectRef idx="0">
+                <a:schemeClr val="accent1"/>
+              </a:effectRef>
+              <a:fontRef idx="minor">
+                <a:schemeClr val="lt1"/>
+              </a:fontRef>
+            </p:style>
+            <p:txBody>
+              <a:bodyPr tIns="0" rtlCol="0" anchor="t" anchorCtr="0"/>
+              <a:lstStyle/>
+              <a:p>
+                <a:pPr marL="0" marR="0" lvl="0" indent="0" algn="l" defTabSz="914400" rtl="0" eaLnBrk="1" fontAlgn="auto" latinLnBrk="0" hangingPunct="1">
+                  <a:lnSpc>
+                    <a:spcPct val="100000"/>
+                  </a:lnSpc>
+                  <a:spcBef>
+                    <a:spcPts val="0"/>
+                  </a:spcBef>
+                  <a:spcAft>
+                    <a:spcPts val="0"/>
+                  </a:spcAft>
+                  <a:buClrTx/>
+                  <a:buSzTx/>
+                  <a:buFontTx/>
+                  <a:buNone/>
+                  <a:tabLst/>
+                  <a:defRPr/>
+                </a:pPr>
+                <a:r>
+                  <a:rPr kumimoji="0" lang="en-US" sz="800" b="0" i="0" u="none" strike="noStrike" kern="1200" cap="none" spc="0" normalizeH="0" baseline="0" noProof="0" dirty="0" err="1">
+                    <a:ln>
+                      <a:noFill/>
+                    </a:ln>
+                    <a:solidFill>
+                      <a:prstClr val="black"/>
+                    </a:solidFill>
+                    <a:effectLst/>
+                    <a:uLnTx/>
+                    <a:uFillTx/>
+                    <a:ea typeface="+mn-ea"/>
+                    <a:cs typeface="+mn-cs"/>
+                  </a:rPr>
+                  <a:t>vm</a:t>
+                </a:r>
+                <a:endParaRPr kumimoji="0" lang="en-US" sz="800" b="0" i="0" u="none" strike="noStrike" kern="1200" cap="none" spc="0" normalizeH="0" baseline="0" noProof="0" dirty="0">
+                  <a:ln>
+                    <a:noFill/>
+                  </a:ln>
+                  <a:solidFill>
+                    <a:prstClr val="black"/>
+                  </a:solidFill>
+                  <a:effectLst/>
+                  <a:uLnTx/>
+                  <a:uFillTx/>
+                  <a:ea typeface="+mn-ea"/>
+                  <a:cs typeface="+mn-cs"/>
+                </a:endParaRPr>
+              </a:p>
+            </p:txBody>
+          </p:sp>
+          <p:sp>
+            <p:nvSpPr>
+              <p:cNvPr id="137" name="Flowchart: Off-page Connector 136">
+                <a:extLst>
+                  <a:ext uri="{FF2B5EF4-FFF2-40B4-BE49-F238E27FC236}">
+                    <a16:creationId xmlns:a16="http://schemas.microsoft.com/office/drawing/2014/main" id="{E72D1F6C-3096-B5DA-3F77-CF3EE10B2374}"/>
+                  </a:ext>
+                </a:extLst>
+              </p:cNvPr>
+              <p:cNvSpPr/>
+              <p:nvPr/>
+            </p:nvSpPr>
+            <p:spPr>
+              <a:xfrm>
+                <a:off x="3968530" y="3365576"/>
+                <a:ext cx="466531" cy="279919"/>
+              </a:xfrm>
+              <a:prstGeom prst="flowChartOffpageConnector">
+                <a:avLst/>
+              </a:prstGeom>
+              <a:solidFill>
+                <a:schemeClr val="bg1"/>
+              </a:solidFill>
+              <a:ln w="19050">
+                <a:solidFill>
+                  <a:schemeClr val="tx1"/>
+                </a:solidFill>
+              </a:ln>
+            </p:spPr>
+            <p:style>
+              <a:lnRef idx="2">
+                <a:schemeClr val="accent1">
+                  <a:shade val="50000"/>
+                </a:schemeClr>
+              </a:lnRef>
+              <a:fillRef idx="1">
+                <a:schemeClr val="accent1"/>
+              </a:fillRef>
+              <a:effectRef idx="0">
+                <a:schemeClr val="accent1"/>
+              </a:effectRef>
+              <a:fontRef idx="minor">
+                <a:schemeClr val="lt1"/>
+              </a:fontRef>
+            </p:style>
+            <p:txBody>
+              <a:bodyPr tIns="0" rtlCol="0" anchor="t" anchorCtr="0"/>
+              <a:lstStyle/>
+              <a:p>
+                <a:pPr marL="0" marR="0" lvl="0" indent="0" algn="l" defTabSz="914400" rtl="0" eaLnBrk="1" fontAlgn="auto" latinLnBrk="0" hangingPunct="1">
+                  <a:lnSpc>
+                    <a:spcPct val="100000"/>
+                  </a:lnSpc>
+                  <a:spcBef>
+                    <a:spcPts val="0"/>
+                  </a:spcBef>
+                  <a:spcAft>
+                    <a:spcPts val="0"/>
+                  </a:spcAft>
+                  <a:buClrTx/>
+                  <a:buSzTx/>
+                  <a:buFontTx/>
+                  <a:buNone/>
+                  <a:tabLst/>
+                  <a:defRPr/>
+                </a:pPr>
+                <a:endParaRPr kumimoji="0" lang="en-US" sz="1000" b="0" i="0" u="none" strike="noStrike" kern="1200" cap="none" spc="0" normalizeH="0" baseline="0" noProof="0">
+                  <a:ln>
+                    <a:noFill/>
+                  </a:ln>
+                  <a:solidFill>
+                    <a:prstClr val="black"/>
+                  </a:solidFill>
+                  <a:effectLst/>
+                  <a:uLnTx/>
+                  <a:uFillTx/>
+                  <a:ea typeface="+mn-ea"/>
+                  <a:cs typeface="+mn-cs"/>
+                </a:endParaRPr>
+              </a:p>
+            </p:txBody>
+          </p:sp>
+          <p:sp>
+            <p:nvSpPr>
+              <p:cNvPr id="138" name="TextBox 137">
+                <a:extLst>
+                  <a:ext uri="{FF2B5EF4-FFF2-40B4-BE49-F238E27FC236}">
+                    <a16:creationId xmlns:a16="http://schemas.microsoft.com/office/drawing/2014/main" id="{F62A2BC1-5FB2-49A8-D113-DCC8963D1E2E}"/>
+                  </a:ext>
+                </a:extLst>
+              </p:cNvPr>
+              <p:cNvSpPr txBox="1"/>
+              <p:nvPr/>
+            </p:nvSpPr>
+            <p:spPr>
+              <a:xfrm>
+                <a:off x="3995649" y="3382425"/>
+                <a:ext cx="412292" cy="230832"/>
+              </a:xfrm>
+              <a:prstGeom prst="rect">
+                <a:avLst/>
+              </a:prstGeom>
+              <a:noFill/>
+            </p:spPr>
+            <p:txBody>
+              <a:bodyPr wrap="square" rtlCol="0">
+                <a:spAutoFit/>
+              </a:bodyPr>
+              <a:lstStyle/>
+              <a:p>
+                <a:pPr marL="0" marR="0" lvl="0" indent="0" algn="l" defTabSz="914400" rtl="0" eaLnBrk="1" fontAlgn="auto" latinLnBrk="0" hangingPunct="1">
+                  <a:lnSpc>
+                    <a:spcPct val="100000"/>
+                  </a:lnSpc>
+                  <a:spcBef>
+                    <a:spcPts val="0"/>
+                  </a:spcBef>
+                  <a:spcAft>
+                    <a:spcPts val="0"/>
+                  </a:spcAft>
+                  <a:buClrTx/>
+                  <a:buSzTx/>
+                  <a:buFontTx/>
+                  <a:buNone/>
+                  <a:tabLst/>
+                  <a:defRPr/>
+                </a:pPr>
+                <a:r>
+                  <a:rPr kumimoji="0" lang="en-US" sz="900" b="0" i="0" u="none" strike="noStrike" kern="1200" cap="none" spc="0" normalizeH="0" baseline="0" noProof="0" dirty="0">
+                    <a:ln>
+                      <a:noFill/>
+                    </a:ln>
+                    <a:solidFill>
+                      <a:prstClr val="black"/>
+                    </a:solidFill>
+                    <a:effectLst/>
+                    <a:uLnTx/>
+                    <a:uFillTx/>
+                    <a:ea typeface="+mn-ea"/>
+                    <a:cs typeface="+mn-cs"/>
+                  </a:rPr>
+                  <a:t>host</a:t>
+                </a:r>
+              </a:p>
+            </p:txBody>
+          </p:sp>
+        </p:grpSp>
+        <p:cxnSp>
+          <p:nvCxnSpPr>
+            <p:cNvPr id="157" name="Straight Arrow Connector 156">
+              <a:extLst>
+                <a:ext uri="{FF2B5EF4-FFF2-40B4-BE49-F238E27FC236}">
+                  <a16:creationId xmlns:a16="http://schemas.microsoft.com/office/drawing/2014/main" id="{91C0F347-28D6-5FC8-706A-1710DA078346}"/>
+                </a:ext>
+              </a:extLst>
+            </p:cNvPr>
+            <p:cNvCxnSpPr>
+              <a:cxnSpLocks/>
+              <a:stCxn id="57" idx="0"/>
+            </p:cNvCxnSpPr>
+            <p:nvPr/>
+          </p:nvCxnSpPr>
+          <p:spPr>
+            <a:xfrm flipH="1" flipV="1">
+              <a:off x="6095241" y="2522307"/>
+              <a:ext cx="760" cy="261501"/>
+            </a:xfrm>
+            <a:prstGeom prst="straightConnector1">
+              <a:avLst/>
+            </a:prstGeom>
+            <a:ln w="12700">
+              <a:solidFill>
+                <a:schemeClr val="tx1"/>
+              </a:solidFill>
+              <a:headEnd type="triangle" w="med" len="med"/>
+              <a:tailEnd type="none" w="med" len="med"/>
+            </a:ln>
+          </p:spPr>
+          <p:style>
+            <a:lnRef idx="1">
+              <a:schemeClr val="accent1"/>
+            </a:lnRef>
+            <a:fillRef idx="0">
+              <a:schemeClr val="accent1"/>
+            </a:fillRef>
+            <a:effectRef idx="0">
+              <a:schemeClr val="accent1"/>
+            </a:effectRef>
+            <a:fontRef idx="minor">
+              <a:schemeClr val="tx1"/>
+            </a:fontRef>
+          </p:style>
+        </p:cxnSp>
+        <p:cxnSp>
+          <p:nvCxnSpPr>
+            <p:cNvPr id="17" name="Straight Arrow Connector 16">
+              <a:extLst>
+                <a:ext uri="{FF2B5EF4-FFF2-40B4-BE49-F238E27FC236}">
+                  <a16:creationId xmlns:a16="http://schemas.microsoft.com/office/drawing/2014/main" id="{E58D11E9-E884-B98D-C7B8-50308964A9BB}"/>
+                </a:ext>
+              </a:extLst>
+            </p:cNvPr>
+            <p:cNvCxnSpPr>
+              <a:cxnSpLocks/>
+            </p:cNvCxnSpPr>
+            <p:nvPr/>
+          </p:nvCxnSpPr>
+          <p:spPr>
+            <a:xfrm flipH="1" flipV="1">
+              <a:off x="6092198" y="3884011"/>
+              <a:ext cx="760" cy="261501"/>
+            </a:xfrm>
+            <a:prstGeom prst="straightConnector1">
+              <a:avLst/>
+            </a:prstGeom>
+            <a:ln w="12700">
+              <a:solidFill>
+                <a:schemeClr val="tx1"/>
+              </a:solidFill>
+              <a:headEnd type="triangle" w="med" len="med"/>
+              <a:tailEnd type="none" w="med" len="med"/>
+            </a:ln>
+          </p:spPr>
+          <p:style>
+            <a:lnRef idx="1">
+              <a:schemeClr val="accent1"/>
+            </a:lnRef>
+            <a:fillRef idx="0">
+              <a:schemeClr val="accent1"/>
+            </a:fillRef>
+            <a:effectRef idx="0">
+              <a:schemeClr val="accent1"/>
+            </a:effectRef>
+            <a:fontRef idx="minor">
+              <a:schemeClr val="tx1"/>
+            </a:fontRef>
+          </p:style>
+        </p:cxnSp>
+      </p:grpSp>
+    </p:spTree>
+    <p:extLst>
+      <p:ext uri="{BB962C8B-B14F-4D97-AF65-F5344CB8AC3E}">
+        <p14:creationId xmlns:p14="http://schemas.microsoft.com/office/powerpoint/2010/main" val="4207821660"/>
+      </p:ext>
+    </p:extLst>
+  </p:cSld>
+  <p:clrMapOvr>
+    <a:masterClrMapping/>
+  </p:clrMapOvr>
+</p:sld>
+</file>
+
+<file path=ppt/slides/slide4.xml><?xml version="1.0" encoding="utf-8"?>
+<p:sld xmlns:a="http://schemas.openxmlformats.org/drawingml/2006/main" xmlns:r="http://schemas.openxmlformats.org/officeDocument/2006/relationships" xmlns:p="http://schemas.openxmlformats.org/presentationml/2006/main">
+  <p:cSld>
+    <p:spTree>
+      <p:nvGrpSpPr>
+        <p:cNvPr id="1" name=""/>
+        <p:cNvGrpSpPr/>
+        <p:nvPr/>
+      </p:nvGrpSpPr>
+      <p:grpSpPr>
+        <a:xfrm>
+          <a:off x="0" y="0"/>
+          <a:ext cx="0" cy="0"/>
+          <a:chOff x="0" y="0"/>
+          <a:chExt cx="0" cy="0"/>
+        </a:xfrm>
+      </p:grpSpPr>
+      <p:grpSp>
+        <p:nvGrpSpPr>
+          <p:cNvPr id="2" name="Group 1">
+            <a:extLst>
+              <a:ext uri="{FF2B5EF4-FFF2-40B4-BE49-F238E27FC236}">
+                <a16:creationId xmlns:a16="http://schemas.microsoft.com/office/drawing/2014/main" id="{8165D0B7-B119-73EE-16D6-BE83092F115C}"/>
+              </a:ext>
+            </a:extLst>
+          </p:cNvPr>
+          <p:cNvGrpSpPr/>
+          <p:nvPr/>
+        </p:nvGrpSpPr>
+        <p:grpSpPr>
+          <a:xfrm>
+            <a:off x="5710290" y="2244919"/>
+            <a:ext cx="771421" cy="2368163"/>
+            <a:chOff x="5710290" y="3520515"/>
+            <a:chExt cx="771421" cy="2368163"/>
+          </a:xfrm>
+        </p:grpSpPr>
+        <p:grpSp>
+          <p:nvGrpSpPr>
+            <p:cNvPr id="18" name="Group 17">
+              <a:extLst>
+                <a:ext uri="{FF2B5EF4-FFF2-40B4-BE49-F238E27FC236}">
+                  <a16:creationId xmlns:a16="http://schemas.microsoft.com/office/drawing/2014/main" id="{0965E86A-1C94-A558-145A-CBC2E89E62AD}"/>
+                </a:ext>
+              </a:extLst>
+            </p:cNvPr>
+            <p:cNvGrpSpPr/>
+            <p:nvPr/>
+          </p:nvGrpSpPr>
+          <p:grpSpPr>
+            <a:xfrm>
+              <a:off x="5710290" y="4897646"/>
+              <a:ext cx="771421" cy="991032"/>
+              <a:chOff x="3816079" y="4223863"/>
+              <a:chExt cx="771421" cy="991032"/>
+            </a:xfrm>
+          </p:grpSpPr>
+          <p:sp>
+            <p:nvSpPr>
+              <p:cNvPr id="19" name="Rectangle 18">
+                <a:extLst>
+                  <a:ext uri="{FF2B5EF4-FFF2-40B4-BE49-F238E27FC236}">
+                    <a16:creationId xmlns:a16="http://schemas.microsoft.com/office/drawing/2014/main" id="{D1423ABE-B95A-39BF-B25A-51AE295D7BCC}"/>
+                  </a:ext>
+                </a:extLst>
+              </p:cNvPr>
+              <p:cNvSpPr/>
+              <p:nvPr/>
+            </p:nvSpPr>
+            <p:spPr>
+              <a:xfrm>
+                <a:off x="3816079" y="4722603"/>
+                <a:ext cx="771421" cy="250978"/>
+              </a:xfrm>
+              <a:prstGeom prst="rect">
+                <a:avLst/>
+              </a:prstGeom>
+              <a:solidFill>
+                <a:schemeClr val="bg1">
+                  <a:lumMod val="95000"/>
+                </a:schemeClr>
+              </a:solidFill>
+              <a:ln w="19050">
+                <a:solidFill>
+                  <a:schemeClr val="bg2"/>
+                </a:solidFill>
+              </a:ln>
+            </p:spPr>
+            <p:style>
+              <a:lnRef idx="2">
+                <a:schemeClr val="accent1">
+                  <a:shade val="50000"/>
+                </a:schemeClr>
+              </a:lnRef>
+              <a:fillRef idx="1">
+                <a:schemeClr val="accent1"/>
+              </a:fillRef>
+              <a:effectRef idx="0">
+                <a:schemeClr val="accent1"/>
+              </a:effectRef>
+              <a:fontRef idx="minor">
+                <a:schemeClr val="lt1"/>
+              </a:fontRef>
+            </p:style>
+            <p:txBody>
+              <a:bodyPr lIns="0" rIns="0" rtlCol="0" anchor="ctr"/>
+              <a:lstStyle/>
+              <a:p>
+                <a:pPr marL="0" marR="0" lvl="0" indent="0" algn="ctr" defTabSz="914400" rtl="0" eaLnBrk="1" fontAlgn="auto" latinLnBrk="0" hangingPunct="1">
+                  <a:lnSpc>
+                    <a:spcPct val="100000"/>
+                  </a:lnSpc>
+                  <a:spcBef>
+                    <a:spcPts val="0"/>
+                  </a:spcBef>
+                  <a:spcAft>
+                    <a:spcPts val="0"/>
+                  </a:spcAft>
+                  <a:buClrTx/>
+                  <a:buSzTx/>
+                  <a:buFontTx/>
+                  <a:buNone/>
+                  <a:tabLst/>
+                  <a:defRPr/>
+                </a:pPr>
+                <a:r>
+                  <a:rPr kumimoji="0" lang="en-US" sz="900" b="0" i="0" u="none" strike="noStrike" kern="1200" cap="none" spc="0" normalizeH="0" baseline="0" noProof="0" dirty="0">
+                    <a:ln>
+                      <a:noFill/>
+                    </a:ln>
+                    <a:solidFill>
+                      <a:prstClr val="black"/>
+                    </a:solidFill>
+                    <a:effectLst/>
+                    <a:uLnTx/>
+                    <a:uFillTx/>
+                    <a:ea typeface="+mn-ea"/>
+                    <a:cs typeface="+mn-cs"/>
+                  </a:rPr>
+                  <a:t>Compute</a:t>
+                </a:r>
+              </a:p>
+              <a:p>
+                <a:pPr marL="0" marR="0" lvl="0" indent="0" algn="ctr" defTabSz="914400" rtl="0" eaLnBrk="1" fontAlgn="auto" latinLnBrk="0" hangingPunct="1">
+                  <a:lnSpc>
+                    <a:spcPct val="100000"/>
+                  </a:lnSpc>
+                  <a:spcBef>
+                    <a:spcPts val="0"/>
+                  </a:spcBef>
+                  <a:spcAft>
+                    <a:spcPts val="0"/>
+                  </a:spcAft>
+                  <a:buClrTx/>
+                  <a:buSzTx/>
+                  <a:buFontTx/>
+                  <a:buNone/>
+                  <a:tabLst/>
+                  <a:defRPr/>
+                </a:pPr>
+                <a:r>
+                  <a:rPr kumimoji="0" lang="en-US" sz="900" b="0" i="0" u="none" strike="noStrike" kern="1200" cap="none" spc="0" normalizeH="0" baseline="0" noProof="0" dirty="0">
+                    <a:ln>
+                      <a:noFill/>
+                    </a:ln>
+                    <a:solidFill>
+                      <a:prstClr val="black"/>
+                    </a:solidFill>
+                    <a:effectLst/>
+                    <a:uLnTx/>
+                    <a:uFillTx/>
+                    <a:ea typeface="+mn-ea"/>
+                    <a:cs typeface="+mn-cs"/>
+                  </a:rPr>
+                  <a:t>Platform</a:t>
+                </a:r>
+              </a:p>
+            </p:txBody>
+          </p:sp>
+          <p:sp>
+            <p:nvSpPr>
+              <p:cNvPr id="20" name="Rectangle: Rounded Corners 19">
+                <a:extLst>
+                  <a:ext uri="{FF2B5EF4-FFF2-40B4-BE49-F238E27FC236}">
+                    <a16:creationId xmlns:a16="http://schemas.microsoft.com/office/drawing/2014/main" id="{78CF353B-5D46-A40D-867F-63CF5553D636}"/>
+                  </a:ext>
+                </a:extLst>
+              </p:cNvPr>
+              <p:cNvSpPr/>
+              <p:nvPr/>
+            </p:nvSpPr>
+            <p:spPr>
+              <a:xfrm>
+                <a:off x="3816080" y="4399416"/>
+                <a:ext cx="771420" cy="815479"/>
+              </a:xfrm>
+              <a:prstGeom prst="roundRect">
+                <a:avLst/>
+              </a:prstGeom>
+              <a:noFill/>
+              <a:ln w="19050">
+                <a:solidFill>
+                  <a:schemeClr val="tx1"/>
+                </a:solidFill>
+              </a:ln>
+            </p:spPr>
+            <p:style>
+              <a:lnRef idx="2">
+                <a:schemeClr val="accent1">
+                  <a:shade val="50000"/>
+                </a:schemeClr>
+              </a:lnRef>
+              <a:fillRef idx="1">
+                <a:schemeClr val="accent1"/>
+              </a:fillRef>
+              <a:effectRef idx="0">
+                <a:schemeClr val="accent1"/>
+              </a:effectRef>
+              <a:fontRef idx="minor">
+                <a:schemeClr val="lt1"/>
+              </a:fontRef>
+            </p:style>
+            <p:txBody>
+              <a:bodyPr lIns="45720" tIns="0" bIns="9144" rtlCol="0" anchor="b" anchorCtr="0"/>
+              <a:lstStyle/>
+              <a:p>
+                <a:pPr lvl="0">
+                  <a:defRPr/>
+                </a:pPr>
+                <a:r>
+                  <a:rPr lang="en-US" sz="800" dirty="0">
+                    <a:solidFill>
+                      <a:prstClr val="black"/>
+                    </a:solidFill>
+                  </a:rPr>
+                  <a:t>server-1</a:t>
+                </a:r>
+                <a:endParaRPr kumimoji="0" lang="en-US" sz="800" b="0" i="0" u="none" strike="noStrike" kern="1200" cap="none" spc="0" normalizeH="0" baseline="0" noProof="0" dirty="0">
+                  <a:ln>
+                    <a:noFill/>
+                  </a:ln>
+                  <a:solidFill>
+                    <a:prstClr val="black"/>
+                  </a:solidFill>
+                  <a:effectLst/>
+                  <a:uLnTx/>
+                  <a:uFillTx/>
+                  <a:ea typeface="+mn-ea"/>
+                  <a:cs typeface="+mn-cs"/>
+                </a:endParaRPr>
+              </a:p>
+            </p:txBody>
+          </p:sp>
+          <p:sp>
+            <p:nvSpPr>
+              <p:cNvPr id="21" name="Arrow: Chevron 20">
+                <a:extLst>
+                  <a:ext uri="{FF2B5EF4-FFF2-40B4-BE49-F238E27FC236}">
+                    <a16:creationId xmlns:a16="http://schemas.microsoft.com/office/drawing/2014/main" id="{C60B1716-C9A4-F253-E974-95F1F394129E}"/>
+                  </a:ext>
+                </a:extLst>
+              </p:cNvPr>
+              <p:cNvSpPr/>
+              <p:nvPr/>
+            </p:nvSpPr>
+            <p:spPr>
+              <a:xfrm rot="5400000">
+                <a:off x="4026243" y="4166150"/>
+                <a:ext cx="351106" cy="466531"/>
+              </a:xfrm>
+              <a:prstGeom prst="chevron">
+                <a:avLst>
+                  <a:gd name="adj" fmla="val 14000"/>
+                </a:avLst>
+              </a:prstGeom>
+              <a:solidFill>
+                <a:schemeClr val="bg1"/>
+              </a:solidFill>
+              <a:ln w="12700">
+                <a:solidFill>
+                  <a:schemeClr val="tx1"/>
+                </a:solidFill>
+              </a:ln>
+            </p:spPr>
+            <p:style>
+              <a:lnRef idx="2">
+                <a:schemeClr val="accent1">
+                  <a:shade val="50000"/>
+                </a:schemeClr>
+              </a:lnRef>
+              <a:fillRef idx="1">
+                <a:schemeClr val="accent1"/>
+              </a:fillRef>
+              <a:effectRef idx="0">
+                <a:schemeClr val="accent1"/>
+              </a:effectRef>
+              <a:fontRef idx="minor">
+                <a:schemeClr val="lt1"/>
+              </a:fontRef>
+            </p:style>
+            <p:txBody>
+              <a:bodyPr tIns="0" rtlCol="0" anchor="t" anchorCtr="0"/>
+              <a:lstStyle/>
+              <a:p>
+                <a:pPr marL="0" marR="0" lvl="0" indent="0" algn="l" defTabSz="914400" rtl="0" eaLnBrk="1" fontAlgn="auto" latinLnBrk="0" hangingPunct="1">
+                  <a:lnSpc>
+                    <a:spcPct val="100000"/>
+                  </a:lnSpc>
+                  <a:spcBef>
+                    <a:spcPts val="0"/>
+                  </a:spcBef>
+                  <a:spcAft>
+                    <a:spcPts val="0"/>
+                  </a:spcAft>
+                  <a:buClrTx/>
+                  <a:buSzTx/>
+                  <a:buFontTx/>
+                  <a:buNone/>
+                  <a:tabLst/>
+                  <a:defRPr/>
+                </a:pPr>
+                <a:endParaRPr kumimoji="0" lang="en-US" sz="1000" b="0" i="0" u="none" strike="noStrike" kern="1200" cap="none" spc="0" normalizeH="0" baseline="0" noProof="0">
+                  <a:ln>
+                    <a:noFill/>
+                  </a:ln>
+                  <a:solidFill>
+                    <a:prstClr val="black"/>
+                  </a:solidFill>
+                  <a:effectLst/>
+                  <a:uLnTx/>
+                  <a:uFillTx/>
+                  <a:ea typeface="+mn-ea"/>
+                  <a:cs typeface="+mn-cs"/>
+                </a:endParaRPr>
+              </a:p>
+            </p:txBody>
+          </p:sp>
+          <p:sp>
+            <p:nvSpPr>
+              <p:cNvPr id="22" name="TextBox 21">
+                <a:extLst>
+                  <a:ext uri="{FF2B5EF4-FFF2-40B4-BE49-F238E27FC236}">
+                    <a16:creationId xmlns:a16="http://schemas.microsoft.com/office/drawing/2014/main" id="{F268AEC8-6C38-0232-0F56-5A4E5946BD1B}"/>
+                  </a:ext>
+                </a:extLst>
+              </p:cNvPr>
+              <p:cNvSpPr txBox="1"/>
+              <p:nvPr/>
+            </p:nvSpPr>
+            <p:spPr>
+              <a:xfrm>
+                <a:off x="3995650" y="4276305"/>
+                <a:ext cx="412292" cy="230832"/>
+              </a:xfrm>
+              <a:prstGeom prst="rect">
+                <a:avLst/>
+              </a:prstGeom>
+              <a:noFill/>
+            </p:spPr>
+            <p:txBody>
+              <a:bodyPr wrap="square" rtlCol="0">
+                <a:spAutoFit/>
+              </a:bodyPr>
+              <a:lstStyle/>
+              <a:p>
+                <a:pPr marL="0" marR="0" lvl="0" indent="0" algn="l" defTabSz="914400" rtl="0" eaLnBrk="1" fontAlgn="auto" latinLnBrk="0" hangingPunct="1">
+                  <a:lnSpc>
+                    <a:spcPct val="100000"/>
+                  </a:lnSpc>
+                  <a:spcBef>
+                    <a:spcPts val="0"/>
+                  </a:spcBef>
+                  <a:spcAft>
+                    <a:spcPts val="0"/>
+                  </a:spcAft>
+                  <a:buClrTx/>
+                  <a:buSzTx/>
+                  <a:buFontTx/>
+                  <a:buNone/>
+                  <a:tabLst/>
+                  <a:defRPr/>
+                </a:pPr>
+                <a:r>
+                  <a:rPr kumimoji="0" lang="en-US" sz="900" b="0" i="0" u="none" strike="noStrike" kern="1200" cap="none" spc="0" normalizeH="0" baseline="0" noProof="0" dirty="0">
+                    <a:ln>
+                      <a:noFill/>
+                    </a:ln>
+                    <a:solidFill>
+                      <a:prstClr val="black"/>
+                    </a:solidFill>
+                    <a:effectLst/>
+                    <a:uLnTx/>
+                    <a:uFillTx/>
+                    <a:ea typeface="+mn-ea"/>
+                    <a:cs typeface="+mn-cs"/>
+                  </a:rPr>
+                  <a:t>host</a:t>
+                </a:r>
+              </a:p>
+            </p:txBody>
+          </p:sp>
+        </p:grpSp>
+        <p:grpSp>
+          <p:nvGrpSpPr>
+            <p:cNvPr id="147" name="Group 146">
+              <a:extLst>
+                <a:ext uri="{FF2B5EF4-FFF2-40B4-BE49-F238E27FC236}">
+                  <a16:creationId xmlns:a16="http://schemas.microsoft.com/office/drawing/2014/main" id="{0375C6D9-01BE-B248-9FB8-0C3F014FEF4F}"/>
+                </a:ext>
+              </a:extLst>
+            </p:cNvPr>
+            <p:cNvGrpSpPr/>
+            <p:nvPr/>
+          </p:nvGrpSpPr>
+          <p:grpSpPr>
+            <a:xfrm>
+              <a:off x="5710290" y="3520515"/>
+              <a:ext cx="771421" cy="1177169"/>
+              <a:chOff x="4115528" y="2620040"/>
+              <a:chExt cx="771421" cy="1177169"/>
+            </a:xfrm>
+          </p:grpSpPr>
+          <p:grpSp>
+            <p:nvGrpSpPr>
+              <p:cNvPr id="146" name="Group 145">
+                <a:extLst>
+                  <a:ext uri="{FF2B5EF4-FFF2-40B4-BE49-F238E27FC236}">
+                    <a16:creationId xmlns:a16="http://schemas.microsoft.com/office/drawing/2014/main" id="{21372C5F-6019-6E0C-9508-4E8A358AF2EE}"/>
+                  </a:ext>
+                </a:extLst>
+              </p:cNvPr>
+              <p:cNvGrpSpPr/>
+              <p:nvPr/>
+            </p:nvGrpSpPr>
+            <p:grpSpPr>
+              <a:xfrm>
+                <a:off x="4115528" y="2823110"/>
+                <a:ext cx="771421" cy="815478"/>
+                <a:chOff x="4115528" y="2823110"/>
+                <a:chExt cx="771421" cy="815478"/>
+              </a:xfrm>
+            </p:grpSpPr>
+            <p:sp>
+              <p:nvSpPr>
+                <p:cNvPr id="34" name="Rectangle 33">
+                  <a:extLst>
+                    <a:ext uri="{FF2B5EF4-FFF2-40B4-BE49-F238E27FC236}">
+                      <a16:creationId xmlns:a16="http://schemas.microsoft.com/office/drawing/2014/main" id="{AC8C008F-40AE-7B56-066D-358A9B134B49}"/>
+                    </a:ext>
+                  </a:extLst>
+                </p:cNvPr>
+                <p:cNvSpPr/>
+                <p:nvPr/>
+              </p:nvSpPr>
+              <p:spPr>
+                <a:xfrm>
+                  <a:off x="4115528" y="3145212"/>
+                  <a:ext cx="771421" cy="279919"/>
+                </a:xfrm>
+                <a:prstGeom prst="rect">
+                  <a:avLst/>
+                </a:prstGeom>
+                <a:solidFill>
+                  <a:schemeClr val="bg1">
+                    <a:lumMod val="95000"/>
+                  </a:schemeClr>
+                </a:solidFill>
+                <a:ln w="19050">
+                  <a:solidFill>
+                    <a:schemeClr val="bg2"/>
+                  </a:solidFill>
+                </a:ln>
+              </p:spPr>
+              <p:style>
+                <a:lnRef idx="2">
+                  <a:schemeClr val="accent1">
+                    <a:shade val="50000"/>
+                  </a:schemeClr>
+                </a:lnRef>
+                <a:fillRef idx="1">
+                  <a:schemeClr val="accent1"/>
+                </a:fillRef>
+                <a:effectRef idx="0">
+                  <a:schemeClr val="accent1"/>
+                </a:effectRef>
+                <a:fontRef idx="minor">
+                  <a:schemeClr val="lt1"/>
+                </a:fontRef>
+              </p:style>
+              <p:txBody>
+                <a:bodyPr lIns="0" rIns="0" rtlCol="0" anchor="ctr"/>
+                <a:lstStyle/>
+                <a:p>
+                  <a:pPr marL="0" marR="0" lvl="0" indent="0" algn="ctr" defTabSz="914400" rtl="0" eaLnBrk="1" fontAlgn="auto" latinLnBrk="0" hangingPunct="1">
+                    <a:lnSpc>
+                      <a:spcPct val="100000"/>
+                    </a:lnSpc>
+                    <a:spcBef>
+                      <a:spcPts val="0"/>
+                    </a:spcBef>
+                    <a:spcAft>
+                      <a:spcPts val="0"/>
+                    </a:spcAft>
+                    <a:buClrTx/>
+                    <a:buSzTx/>
+                    <a:buFontTx/>
+                    <a:buNone/>
+                    <a:tabLst/>
+                    <a:defRPr/>
+                  </a:pPr>
+                  <a:r>
+                    <a:rPr kumimoji="0" lang="en-US" sz="900" b="0" i="0" u="none" strike="noStrike" kern="1200" cap="none" spc="0" normalizeH="0" baseline="0" noProof="0" dirty="0">
+                      <a:ln>
+                        <a:noFill/>
+                      </a:ln>
+                      <a:solidFill>
+                        <a:prstClr val="black"/>
+                      </a:solidFill>
+                      <a:effectLst/>
+                      <a:uLnTx/>
+                      <a:uFillTx/>
+                      <a:ea typeface="+mn-ea"/>
+                      <a:cs typeface="+mn-cs"/>
+                    </a:rPr>
+                    <a:t>Kubernetes Cluster</a:t>
+                  </a:r>
+                </a:p>
+              </p:txBody>
+            </p:sp>
+            <p:sp>
+              <p:nvSpPr>
+                <p:cNvPr id="35" name="Rectangle: Rounded Corners 34">
+                  <a:extLst>
+                    <a:ext uri="{FF2B5EF4-FFF2-40B4-BE49-F238E27FC236}">
+                      <a16:creationId xmlns:a16="http://schemas.microsoft.com/office/drawing/2014/main" id="{DFBFC135-6FE4-4904-9572-E0043D70EBD6}"/>
+                    </a:ext>
+                  </a:extLst>
+                </p:cNvPr>
+                <p:cNvSpPr/>
+                <p:nvPr/>
+              </p:nvSpPr>
+              <p:spPr>
+                <a:xfrm>
+                  <a:off x="4115528" y="2823110"/>
+                  <a:ext cx="771420" cy="815478"/>
+                </a:xfrm>
+                <a:prstGeom prst="roundRect">
+                  <a:avLst/>
+                </a:prstGeom>
+                <a:noFill/>
+                <a:ln w="19050">
+                  <a:solidFill>
+                    <a:schemeClr val="tx1"/>
+                  </a:solidFill>
+                </a:ln>
+              </p:spPr>
+              <p:style>
+                <a:lnRef idx="2">
+                  <a:schemeClr val="accent1">
+                    <a:shade val="50000"/>
+                  </a:schemeClr>
+                </a:lnRef>
+                <a:fillRef idx="1">
+                  <a:schemeClr val="accent1"/>
+                </a:fillRef>
+                <a:effectRef idx="0">
+                  <a:schemeClr val="accent1"/>
+                </a:effectRef>
+                <a:fontRef idx="minor">
+                  <a:schemeClr val="lt1"/>
+                </a:fontRef>
+              </p:style>
+              <p:txBody>
+                <a:bodyPr lIns="45720" tIns="118872" rtlCol="0" anchor="t" anchorCtr="0"/>
+                <a:lstStyle/>
+                <a:p>
+                  <a:pPr marL="0" marR="0" lvl="0" indent="0" algn="l" defTabSz="914400" rtl="0" eaLnBrk="1" fontAlgn="auto" latinLnBrk="0" hangingPunct="1">
+                    <a:lnSpc>
+                      <a:spcPct val="100000"/>
+                    </a:lnSpc>
+                    <a:spcBef>
+                      <a:spcPts val="0"/>
+                    </a:spcBef>
+                    <a:spcAft>
+                      <a:spcPts val="0"/>
+                    </a:spcAft>
+                    <a:buClrTx/>
+                    <a:buSzTx/>
+                    <a:buFontTx/>
+                    <a:buNone/>
+                    <a:tabLst/>
+                    <a:defRPr/>
+                  </a:pPr>
+                  <a:r>
+                    <a:rPr lang="en-US" sz="800" dirty="0">
+                      <a:solidFill>
+                        <a:prstClr val="black"/>
+                      </a:solidFill>
+                    </a:rPr>
+                    <a:t>cluster-1</a:t>
+                  </a:r>
+                  <a:endParaRPr kumimoji="0" lang="en-US" sz="800" b="0" i="0" u="none" strike="noStrike" kern="1200" cap="none" spc="0" normalizeH="0" baseline="0" noProof="0" dirty="0">
+                    <a:ln>
+                      <a:noFill/>
+                    </a:ln>
+                    <a:solidFill>
+                      <a:prstClr val="black"/>
+                    </a:solidFill>
+                    <a:effectLst/>
+                    <a:uLnTx/>
+                    <a:uFillTx/>
+                    <a:ea typeface="+mn-ea"/>
+                    <a:cs typeface="+mn-cs"/>
+                  </a:endParaRPr>
+                </a:p>
+              </p:txBody>
+            </p:sp>
+          </p:grpSp>
+          <p:sp>
+            <p:nvSpPr>
+              <p:cNvPr id="36" name="Flowchart: Off-page Connector 35">
+                <a:extLst>
+                  <a:ext uri="{FF2B5EF4-FFF2-40B4-BE49-F238E27FC236}">
+                    <a16:creationId xmlns:a16="http://schemas.microsoft.com/office/drawing/2014/main" id="{200F0872-23D3-5A7D-8660-9DA58F7CD82D}"/>
+                  </a:ext>
+                </a:extLst>
+              </p:cNvPr>
+              <p:cNvSpPr/>
+              <p:nvPr/>
+            </p:nvSpPr>
+            <p:spPr>
+              <a:xfrm>
+                <a:off x="4267973" y="3517290"/>
+                <a:ext cx="466531" cy="279919"/>
+              </a:xfrm>
+              <a:prstGeom prst="flowChartOffpageConnector">
+                <a:avLst/>
+              </a:prstGeom>
+              <a:solidFill>
+                <a:schemeClr val="bg1"/>
+              </a:solidFill>
+              <a:ln w="19050">
+                <a:solidFill>
+                  <a:schemeClr val="tx1"/>
+                </a:solidFill>
+              </a:ln>
+            </p:spPr>
+            <p:style>
+              <a:lnRef idx="2">
+                <a:schemeClr val="accent1">
+                  <a:shade val="50000"/>
+                </a:schemeClr>
+              </a:lnRef>
+              <a:fillRef idx="1">
+                <a:schemeClr val="accent1"/>
+              </a:fillRef>
+              <a:effectRef idx="0">
+                <a:schemeClr val="accent1"/>
+              </a:effectRef>
+              <a:fontRef idx="minor">
+                <a:schemeClr val="lt1"/>
+              </a:fontRef>
+            </p:style>
+            <p:txBody>
+              <a:bodyPr tIns="0" rtlCol="0" anchor="t" anchorCtr="0"/>
+              <a:lstStyle/>
+              <a:p>
+                <a:pPr marL="0" marR="0" lvl="0" indent="0" algn="l" defTabSz="914400" rtl="0" eaLnBrk="1" fontAlgn="auto" latinLnBrk="0" hangingPunct="1">
+                  <a:lnSpc>
+                    <a:spcPct val="100000"/>
+                  </a:lnSpc>
+                  <a:spcBef>
+                    <a:spcPts val="0"/>
+                  </a:spcBef>
+                  <a:spcAft>
+                    <a:spcPts val="0"/>
+                  </a:spcAft>
+                  <a:buClrTx/>
+                  <a:buSzTx/>
+                  <a:buFontTx/>
+                  <a:buNone/>
+                  <a:tabLst/>
+                  <a:defRPr/>
+                </a:pPr>
+                <a:endParaRPr kumimoji="0" lang="en-US" sz="1000" b="0" i="0" u="none" strike="noStrike" kern="1200" cap="none" spc="0" normalizeH="0" baseline="0" noProof="0">
+                  <a:ln>
+                    <a:noFill/>
+                  </a:ln>
+                  <a:solidFill>
+                    <a:prstClr val="black"/>
+                  </a:solidFill>
+                  <a:effectLst/>
+                  <a:uLnTx/>
+                  <a:uFillTx/>
+                  <a:ea typeface="+mn-ea"/>
+                  <a:cs typeface="+mn-cs"/>
+                </a:endParaRPr>
+              </a:p>
+            </p:txBody>
+          </p:sp>
+          <p:sp>
+            <p:nvSpPr>
+              <p:cNvPr id="37" name="TextBox 36">
+                <a:extLst>
+                  <a:ext uri="{FF2B5EF4-FFF2-40B4-BE49-F238E27FC236}">
+                    <a16:creationId xmlns:a16="http://schemas.microsoft.com/office/drawing/2014/main" id="{75E9CD42-DACD-5EDE-FB72-AF6D27C6718E}"/>
+                  </a:ext>
+                </a:extLst>
+              </p:cNvPr>
+              <p:cNvSpPr txBox="1"/>
+              <p:nvPr/>
+            </p:nvSpPr>
+            <p:spPr>
+              <a:xfrm>
+                <a:off x="4295092" y="3534139"/>
+                <a:ext cx="412292" cy="230832"/>
+              </a:xfrm>
+              <a:prstGeom prst="rect">
+                <a:avLst/>
+              </a:prstGeom>
+              <a:noFill/>
+            </p:spPr>
+            <p:txBody>
+              <a:bodyPr wrap="square" rtlCol="0">
+                <a:spAutoFit/>
+              </a:bodyPr>
+              <a:lstStyle/>
+              <a:p>
+                <a:pPr marL="0" marR="0" lvl="0" indent="0" algn="l" defTabSz="914400" rtl="0" eaLnBrk="1" fontAlgn="auto" latinLnBrk="0" hangingPunct="1">
+                  <a:lnSpc>
+                    <a:spcPct val="100000"/>
+                  </a:lnSpc>
+                  <a:spcBef>
+                    <a:spcPts val="0"/>
+                  </a:spcBef>
+                  <a:spcAft>
+                    <a:spcPts val="0"/>
+                  </a:spcAft>
+                  <a:buClrTx/>
+                  <a:buSzTx/>
+                  <a:buFontTx/>
+                  <a:buNone/>
+                  <a:tabLst/>
+                  <a:defRPr/>
+                </a:pPr>
+                <a:r>
+                  <a:rPr kumimoji="0" lang="en-US" sz="900" b="0" i="0" u="none" strike="noStrike" kern="1200" cap="none" spc="0" normalizeH="0" baseline="0" noProof="0" dirty="0">
+                    <a:ln>
+                      <a:noFill/>
+                    </a:ln>
+                    <a:solidFill>
+                      <a:prstClr val="black"/>
+                    </a:solidFill>
+                    <a:effectLst/>
+                    <a:uLnTx/>
+                    <a:uFillTx/>
+                    <a:ea typeface="+mn-ea"/>
+                    <a:cs typeface="+mn-cs"/>
+                  </a:rPr>
+                  <a:t>host</a:t>
+                </a:r>
+              </a:p>
+            </p:txBody>
+          </p:sp>
+          <p:grpSp>
+            <p:nvGrpSpPr>
+              <p:cNvPr id="58" name="Group 57">
+                <a:extLst>
+                  <a:ext uri="{FF2B5EF4-FFF2-40B4-BE49-F238E27FC236}">
+                    <a16:creationId xmlns:a16="http://schemas.microsoft.com/office/drawing/2014/main" id="{F6FF56A3-16B1-831C-57CE-9919876BB236}"/>
+                  </a:ext>
+                </a:extLst>
+              </p:cNvPr>
+              <p:cNvGrpSpPr/>
+              <p:nvPr/>
+            </p:nvGrpSpPr>
+            <p:grpSpPr>
+              <a:xfrm>
+                <a:off x="4267973" y="2620040"/>
+                <a:ext cx="466531" cy="351106"/>
+                <a:chOff x="6810318" y="4284899"/>
+                <a:chExt cx="466531" cy="351106"/>
+              </a:xfrm>
+            </p:grpSpPr>
+            <p:sp>
+              <p:nvSpPr>
+                <p:cNvPr id="54" name="Arrow: Chevron 53">
+                  <a:extLst>
+                    <a:ext uri="{FF2B5EF4-FFF2-40B4-BE49-F238E27FC236}">
+                      <a16:creationId xmlns:a16="http://schemas.microsoft.com/office/drawing/2014/main" id="{20E00F62-D32A-8FB7-5FEB-5D3162EC33D3}"/>
+                    </a:ext>
+                  </a:extLst>
+                </p:cNvPr>
+                <p:cNvSpPr/>
+                <p:nvPr/>
+              </p:nvSpPr>
+              <p:spPr>
+                <a:xfrm rot="5400000">
+                  <a:off x="6868031" y="4227186"/>
+                  <a:ext cx="351106" cy="466531"/>
+                </a:xfrm>
+                <a:prstGeom prst="chevron">
+                  <a:avLst>
+                    <a:gd name="adj" fmla="val 14000"/>
+                  </a:avLst>
+                </a:prstGeom>
+                <a:solidFill>
+                  <a:schemeClr val="bg1"/>
+                </a:solidFill>
+                <a:ln w="12700">
+                  <a:solidFill>
+                    <a:schemeClr val="tx1"/>
+                  </a:solidFill>
+                </a:ln>
+              </p:spPr>
+              <p:style>
+                <a:lnRef idx="2">
+                  <a:schemeClr val="accent1">
+                    <a:shade val="50000"/>
+                  </a:schemeClr>
+                </a:lnRef>
+                <a:fillRef idx="1">
+                  <a:schemeClr val="accent1"/>
+                </a:fillRef>
+                <a:effectRef idx="0">
+                  <a:schemeClr val="accent1"/>
+                </a:effectRef>
+                <a:fontRef idx="minor">
+                  <a:schemeClr val="lt1"/>
+                </a:fontRef>
+              </p:style>
+              <p:txBody>
+                <a:bodyPr tIns="0" rtlCol="0" anchor="t" anchorCtr="0"/>
+                <a:lstStyle/>
+                <a:p>
+                  <a:pPr marL="0" marR="0" lvl="0" indent="0" algn="l" defTabSz="914400" rtl="0" eaLnBrk="1" fontAlgn="auto" latinLnBrk="0" hangingPunct="1">
+                    <a:lnSpc>
+                      <a:spcPct val="100000"/>
+                    </a:lnSpc>
+                    <a:spcBef>
+                      <a:spcPts val="0"/>
+                    </a:spcBef>
+                    <a:spcAft>
+                      <a:spcPts val="0"/>
+                    </a:spcAft>
+                    <a:buClrTx/>
+                    <a:buSzTx/>
+                    <a:buFontTx/>
+                    <a:buNone/>
+                    <a:tabLst/>
+                    <a:defRPr/>
+                  </a:pPr>
+                  <a:endParaRPr kumimoji="0" lang="en-US" sz="1000" b="0" i="0" u="none" strike="noStrike" kern="1200" cap="none" spc="0" normalizeH="0" baseline="0" noProof="0">
+                    <a:ln>
+                      <a:noFill/>
+                    </a:ln>
+                    <a:solidFill>
+                      <a:prstClr val="black"/>
+                    </a:solidFill>
+                    <a:effectLst/>
+                    <a:uLnTx/>
+                    <a:uFillTx/>
+                    <a:ea typeface="+mn-ea"/>
+                    <a:cs typeface="+mn-cs"/>
+                  </a:endParaRPr>
+                </a:p>
+              </p:txBody>
+            </p:sp>
+            <p:sp>
+              <p:nvSpPr>
+                <p:cNvPr id="57" name="TextBox 56">
+                  <a:extLst>
+                    <a:ext uri="{FF2B5EF4-FFF2-40B4-BE49-F238E27FC236}">
+                      <a16:creationId xmlns:a16="http://schemas.microsoft.com/office/drawing/2014/main" id="{430F5921-AE55-FC29-BAE4-5A0B0592787C}"/>
+                    </a:ext>
+                  </a:extLst>
+                </p:cNvPr>
+                <p:cNvSpPr txBox="1"/>
+                <p:nvPr/>
+              </p:nvSpPr>
+              <p:spPr>
+                <a:xfrm>
+                  <a:off x="6837438" y="4337341"/>
+                  <a:ext cx="412292" cy="230832"/>
+                </a:xfrm>
+                <a:prstGeom prst="rect">
+                  <a:avLst/>
+                </a:prstGeom>
+                <a:noFill/>
+              </p:spPr>
+              <p:txBody>
+                <a:bodyPr wrap="square" rtlCol="0">
+                  <a:spAutoFit/>
+                </a:bodyPr>
+                <a:lstStyle/>
+                <a:p>
+                  <a:pPr marL="0" marR="0" lvl="0" indent="0" algn="l" defTabSz="914400" rtl="0" eaLnBrk="1" fontAlgn="auto" latinLnBrk="0" hangingPunct="1">
+                    <a:lnSpc>
+                      <a:spcPct val="100000"/>
+                    </a:lnSpc>
+                    <a:spcBef>
+                      <a:spcPts val="0"/>
+                    </a:spcBef>
+                    <a:spcAft>
+                      <a:spcPts val="0"/>
+                    </a:spcAft>
+                    <a:buClrTx/>
+                    <a:buSzTx/>
+                    <a:buFontTx/>
+                    <a:buNone/>
+                    <a:tabLst/>
+                    <a:defRPr/>
+                  </a:pPr>
+                  <a:r>
+                    <a:rPr kumimoji="0" lang="en-US" sz="900" b="0" i="0" u="none" strike="noStrike" kern="1200" cap="none" spc="0" normalizeH="0" baseline="0" noProof="0" dirty="0">
+                      <a:ln>
+                        <a:noFill/>
+                      </a:ln>
+                      <a:solidFill>
+                        <a:prstClr val="black"/>
+                      </a:solidFill>
+                      <a:effectLst/>
+                      <a:uLnTx/>
+                      <a:uFillTx/>
+                      <a:ea typeface="+mn-ea"/>
+                      <a:cs typeface="+mn-cs"/>
+                    </a:rPr>
+                    <a:t>host</a:t>
+                  </a:r>
+                </a:p>
+              </p:txBody>
+            </p:sp>
+          </p:grpSp>
+        </p:grpSp>
+        <p:cxnSp>
+          <p:nvCxnSpPr>
+            <p:cNvPr id="17" name="Straight Arrow Connector 16">
+              <a:extLst>
+                <a:ext uri="{FF2B5EF4-FFF2-40B4-BE49-F238E27FC236}">
+                  <a16:creationId xmlns:a16="http://schemas.microsoft.com/office/drawing/2014/main" id="{E58D11E9-E884-B98D-C7B8-50308964A9BB}"/>
+                </a:ext>
+              </a:extLst>
+            </p:cNvPr>
+            <p:cNvCxnSpPr>
+              <a:cxnSpLocks/>
+            </p:cNvCxnSpPr>
+            <p:nvPr/>
+          </p:nvCxnSpPr>
+          <p:spPr>
+            <a:xfrm flipH="1" flipV="1">
+              <a:off x="6092198" y="4682352"/>
+              <a:ext cx="760" cy="261501"/>
+            </a:xfrm>
+            <a:prstGeom prst="straightConnector1">
+              <a:avLst/>
+            </a:prstGeom>
+            <a:ln w="12700">
+              <a:solidFill>
+                <a:schemeClr val="tx1"/>
+              </a:solidFill>
+              <a:headEnd type="triangle" w="med" len="med"/>
+              <a:tailEnd type="none" w="med" len="med"/>
+            </a:ln>
+          </p:spPr>
+          <p:style>
+            <a:lnRef idx="1">
+              <a:schemeClr val="accent1"/>
+            </a:lnRef>
+            <a:fillRef idx="0">
+              <a:schemeClr val="accent1"/>
+            </a:fillRef>
+            <a:effectRef idx="0">
+              <a:schemeClr val="accent1"/>
+            </a:effectRef>
+            <a:fontRef idx="minor">
+              <a:schemeClr val="tx1"/>
+            </a:fontRef>
+          </p:style>
+        </p:cxnSp>
+      </p:grpSp>
+    </p:spTree>
+    <p:extLst>
+      <p:ext uri="{BB962C8B-B14F-4D97-AF65-F5344CB8AC3E}">
+        <p14:creationId xmlns:p14="http://schemas.microsoft.com/office/powerpoint/2010/main" val="1664753410"/>
+      </p:ext>
+    </p:extLst>
+  </p:cSld>
+  <p:clrMapOvr>
+    <a:masterClrMapping/>
+  </p:clrMapOvr>
+</p:sld>
+</file>
+
+<file path=ppt/slides/slide5.xml><?xml version="1.0" encoding="utf-8"?>
+<p:sld xmlns:a="http://schemas.openxmlformats.org/drawingml/2006/main" xmlns:r="http://schemas.openxmlformats.org/officeDocument/2006/relationships" xmlns:p="http://schemas.openxmlformats.org/presentationml/2006/main">
+  <p:cSld>
+    <p:spTree>
+      <p:nvGrpSpPr>
+        <p:cNvPr id="1" name=""/>
+        <p:cNvGrpSpPr/>
+        <p:nvPr/>
+      </p:nvGrpSpPr>
+      <p:grpSpPr>
+        <a:xfrm>
+          <a:off x="0" y="0"/>
+          <a:ext cx="0" cy="0"/>
+          <a:chOff x="0" y="0"/>
+          <a:chExt cx="0" cy="0"/>
+        </a:xfrm>
+      </p:grpSpPr>
+      <p:cxnSp>
+        <p:nvCxnSpPr>
+          <p:cNvPr id="17" name="Straight Arrow Connector 16">
+            <a:extLst>
+              <a:ext uri="{FF2B5EF4-FFF2-40B4-BE49-F238E27FC236}">
+                <a16:creationId xmlns:a16="http://schemas.microsoft.com/office/drawing/2014/main" id="{E58D11E9-E884-B98D-C7B8-50308964A9BB}"/>
+              </a:ext>
+            </a:extLst>
+          </p:cNvPr>
+          <p:cNvCxnSpPr>
+            <a:cxnSpLocks/>
+            <a:endCxn id="37" idx="2"/>
+          </p:cNvCxnSpPr>
+          <p:nvPr/>
+        </p:nvCxnSpPr>
+        <p:spPr>
+          <a:xfrm flipH="1" flipV="1">
+            <a:off x="6148358" y="3389850"/>
+            <a:ext cx="760" cy="278384"/>
+          </a:xfrm>
+          <a:prstGeom prst="straightConnector1">
+            <a:avLst/>
+          </a:prstGeom>
+          <a:ln w="12700">
+            <a:solidFill>
+              <a:schemeClr val="tx1"/>
+            </a:solidFill>
+            <a:headEnd type="triangle" w="med" len="med"/>
+            <a:tailEnd type="none" w="med" len="med"/>
+          </a:ln>
+        </p:spPr>
+        <p:style>
+          <a:lnRef idx="1">
+            <a:schemeClr val="accent1"/>
+          </a:lnRef>
+          <a:fillRef idx="0">
+            <a:schemeClr val="accent1"/>
+          </a:fillRef>
+          <a:effectRef idx="0">
+            <a:schemeClr val="accent1"/>
+          </a:effectRef>
+          <a:fontRef idx="minor">
+            <a:schemeClr val="tx1"/>
+          </a:fontRef>
+        </p:style>
+      </p:cxnSp>
+      <p:grpSp>
+        <p:nvGrpSpPr>
+          <p:cNvPr id="14" name="Group 13">
+            <a:extLst>
+              <a:ext uri="{FF2B5EF4-FFF2-40B4-BE49-F238E27FC236}">
+                <a16:creationId xmlns:a16="http://schemas.microsoft.com/office/drawing/2014/main" id="{6FDC8F7F-F5A3-B7A0-63DA-957D62F5E191}"/>
+              </a:ext>
+            </a:extLst>
+          </p:cNvPr>
+          <p:cNvGrpSpPr/>
+          <p:nvPr/>
+        </p:nvGrpSpPr>
+        <p:grpSpPr>
+          <a:xfrm>
+            <a:off x="4476934" y="3622050"/>
+            <a:ext cx="3342849" cy="991032"/>
+            <a:chOff x="4476934" y="3622050"/>
+            <a:chExt cx="3342849" cy="991032"/>
+          </a:xfrm>
+        </p:grpSpPr>
+        <p:grpSp>
+          <p:nvGrpSpPr>
+            <p:cNvPr id="18" name="Group 17">
+              <a:extLst>
+                <a:ext uri="{FF2B5EF4-FFF2-40B4-BE49-F238E27FC236}">
+                  <a16:creationId xmlns:a16="http://schemas.microsoft.com/office/drawing/2014/main" id="{0965E86A-1C94-A558-145A-CBC2E89E62AD}"/>
+                </a:ext>
+              </a:extLst>
+            </p:cNvPr>
+            <p:cNvGrpSpPr/>
+            <p:nvPr/>
+          </p:nvGrpSpPr>
+          <p:grpSpPr>
+            <a:xfrm>
+              <a:off x="5762648" y="3622050"/>
+              <a:ext cx="771421" cy="991032"/>
+              <a:chOff x="3816079" y="4223863"/>
+              <a:chExt cx="771421" cy="991032"/>
+            </a:xfrm>
+          </p:grpSpPr>
+          <p:sp>
+            <p:nvSpPr>
+              <p:cNvPr id="19" name="Rectangle 18">
+                <a:extLst>
+                  <a:ext uri="{FF2B5EF4-FFF2-40B4-BE49-F238E27FC236}">
+                    <a16:creationId xmlns:a16="http://schemas.microsoft.com/office/drawing/2014/main" id="{D1423ABE-B95A-39BF-B25A-51AE295D7BCC}"/>
+                  </a:ext>
+                </a:extLst>
+              </p:cNvPr>
+              <p:cNvSpPr/>
+              <p:nvPr/>
+            </p:nvSpPr>
+            <p:spPr>
+              <a:xfrm>
+                <a:off x="3816079" y="4722603"/>
+                <a:ext cx="771421" cy="250978"/>
+              </a:xfrm>
+              <a:prstGeom prst="rect">
+                <a:avLst/>
+              </a:prstGeom>
+              <a:solidFill>
+                <a:schemeClr val="bg1">
+                  <a:lumMod val="95000"/>
+                </a:schemeClr>
+              </a:solidFill>
+              <a:ln w="19050">
+                <a:solidFill>
+                  <a:schemeClr val="bg2"/>
+                </a:solidFill>
+              </a:ln>
+            </p:spPr>
+            <p:style>
+              <a:lnRef idx="2">
+                <a:schemeClr val="accent1">
+                  <a:shade val="50000"/>
+                </a:schemeClr>
+              </a:lnRef>
+              <a:fillRef idx="1">
+                <a:schemeClr val="accent1"/>
+              </a:fillRef>
+              <a:effectRef idx="0">
+                <a:schemeClr val="accent1"/>
+              </a:effectRef>
+              <a:fontRef idx="minor">
+                <a:schemeClr val="lt1"/>
+              </a:fontRef>
+            </p:style>
+            <p:txBody>
+              <a:bodyPr lIns="0" rIns="0" rtlCol="0" anchor="ctr"/>
+              <a:lstStyle/>
+              <a:p>
+                <a:pPr marL="0" marR="0" lvl="0" indent="0" algn="ctr" defTabSz="914400" rtl="0" eaLnBrk="1" fontAlgn="auto" latinLnBrk="0" hangingPunct="1">
+                  <a:lnSpc>
+                    <a:spcPct val="100000"/>
+                  </a:lnSpc>
+                  <a:spcBef>
+                    <a:spcPts val="0"/>
+                  </a:spcBef>
+                  <a:spcAft>
+                    <a:spcPts val="0"/>
+                  </a:spcAft>
+                  <a:buClrTx/>
+                  <a:buSzTx/>
+                  <a:buFontTx/>
+                  <a:buNone/>
+                  <a:tabLst/>
+                  <a:defRPr/>
+                </a:pPr>
+                <a:r>
+                  <a:rPr kumimoji="0" lang="en-US" sz="900" b="0" i="0" u="none" strike="noStrike" kern="1200" cap="none" spc="0" normalizeH="0" baseline="0" noProof="0" dirty="0">
+                    <a:ln>
+                      <a:noFill/>
+                    </a:ln>
+                    <a:solidFill>
+                      <a:prstClr val="black"/>
+                    </a:solidFill>
+                    <a:effectLst/>
+                    <a:uLnTx/>
+                    <a:uFillTx/>
+                    <a:ea typeface="+mn-ea"/>
+                    <a:cs typeface="+mn-cs"/>
+                  </a:rPr>
+                  <a:t>Compute</a:t>
+                </a:r>
+              </a:p>
+              <a:p>
+                <a:pPr marL="0" marR="0" lvl="0" indent="0" algn="ctr" defTabSz="914400" rtl="0" eaLnBrk="1" fontAlgn="auto" latinLnBrk="0" hangingPunct="1">
+                  <a:lnSpc>
+                    <a:spcPct val="100000"/>
+                  </a:lnSpc>
+                  <a:spcBef>
+                    <a:spcPts val="0"/>
+                  </a:spcBef>
+                  <a:spcAft>
+                    <a:spcPts val="0"/>
+                  </a:spcAft>
+                  <a:buClrTx/>
+                  <a:buSzTx/>
+                  <a:buFontTx/>
+                  <a:buNone/>
+                  <a:tabLst/>
+                  <a:defRPr/>
+                </a:pPr>
+                <a:r>
+                  <a:rPr kumimoji="0" lang="en-US" sz="900" b="0" i="0" u="none" strike="noStrike" kern="1200" cap="none" spc="0" normalizeH="0" baseline="0" noProof="0" dirty="0">
+                    <a:ln>
+                      <a:noFill/>
+                    </a:ln>
+                    <a:solidFill>
+                      <a:prstClr val="black"/>
+                    </a:solidFill>
+                    <a:effectLst/>
+                    <a:uLnTx/>
+                    <a:uFillTx/>
+                    <a:ea typeface="+mn-ea"/>
+                    <a:cs typeface="+mn-cs"/>
+                  </a:rPr>
+                  <a:t>Platform</a:t>
+                </a:r>
+              </a:p>
+            </p:txBody>
+          </p:sp>
+          <p:sp>
+            <p:nvSpPr>
+              <p:cNvPr id="20" name="Rectangle: Rounded Corners 19">
+                <a:extLst>
+                  <a:ext uri="{FF2B5EF4-FFF2-40B4-BE49-F238E27FC236}">
+                    <a16:creationId xmlns:a16="http://schemas.microsoft.com/office/drawing/2014/main" id="{78CF353B-5D46-A40D-867F-63CF5553D636}"/>
+                  </a:ext>
+                </a:extLst>
+              </p:cNvPr>
+              <p:cNvSpPr/>
+              <p:nvPr/>
+            </p:nvSpPr>
+            <p:spPr>
+              <a:xfrm>
+                <a:off x="3816080" y="4399416"/>
+                <a:ext cx="771420" cy="815479"/>
+              </a:xfrm>
+              <a:prstGeom prst="roundRect">
+                <a:avLst/>
+              </a:prstGeom>
+              <a:noFill/>
+              <a:ln w="19050">
+                <a:solidFill>
+                  <a:schemeClr val="tx1"/>
+                </a:solidFill>
+              </a:ln>
+            </p:spPr>
+            <p:style>
+              <a:lnRef idx="2">
+                <a:schemeClr val="accent1">
+                  <a:shade val="50000"/>
+                </a:schemeClr>
+              </a:lnRef>
+              <a:fillRef idx="1">
+                <a:schemeClr val="accent1"/>
+              </a:fillRef>
+              <a:effectRef idx="0">
+                <a:schemeClr val="accent1"/>
+              </a:effectRef>
+              <a:fontRef idx="minor">
+                <a:schemeClr val="lt1"/>
+              </a:fontRef>
+            </p:style>
+            <p:txBody>
+              <a:bodyPr lIns="45720" tIns="0" bIns="9144" rtlCol="0" anchor="b" anchorCtr="0"/>
+              <a:lstStyle/>
+              <a:p>
+                <a:pPr lvl="0">
+                  <a:defRPr/>
+                </a:pPr>
+                <a:r>
+                  <a:rPr lang="en-US" sz="800" dirty="0">
+                    <a:solidFill>
+                      <a:prstClr val="black"/>
+                    </a:solidFill>
+                  </a:rPr>
+                  <a:t>server-2</a:t>
+                </a:r>
+                <a:endParaRPr kumimoji="0" lang="en-US" sz="800" b="0" i="0" u="none" strike="noStrike" kern="1200" cap="none" spc="0" normalizeH="0" baseline="0" noProof="0" dirty="0">
+                  <a:ln>
+                    <a:noFill/>
+                  </a:ln>
+                  <a:solidFill>
+                    <a:prstClr val="black"/>
+                  </a:solidFill>
+                  <a:effectLst/>
+                  <a:uLnTx/>
+                  <a:uFillTx/>
+                  <a:ea typeface="+mn-ea"/>
+                  <a:cs typeface="+mn-cs"/>
+                </a:endParaRPr>
+              </a:p>
+            </p:txBody>
+          </p:sp>
+          <p:sp>
+            <p:nvSpPr>
+              <p:cNvPr id="21" name="Arrow: Chevron 20">
+                <a:extLst>
+                  <a:ext uri="{FF2B5EF4-FFF2-40B4-BE49-F238E27FC236}">
+                    <a16:creationId xmlns:a16="http://schemas.microsoft.com/office/drawing/2014/main" id="{C60B1716-C9A4-F253-E974-95F1F394129E}"/>
+                  </a:ext>
+                </a:extLst>
+              </p:cNvPr>
+              <p:cNvSpPr/>
+              <p:nvPr/>
+            </p:nvSpPr>
+            <p:spPr>
+              <a:xfrm rot="5400000">
+                <a:off x="4026243" y="4166150"/>
+                <a:ext cx="351106" cy="466531"/>
+              </a:xfrm>
+              <a:prstGeom prst="chevron">
+                <a:avLst>
+                  <a:gd name="adj" fmla="val 14000"/>
+                </a:avLst>
+              </a:prstGeom>
+              <a:solidFill>
+                <a:schemeClr val="bg1"/>
+              </a:solidFill>
+              <a:ln w="12700">
+                <a:solidFill>
+                  <a:schemeClr val="tx1"/>
+                </a:solidFill>
+              </a:ln>
+            </p:spPr>
+            <p:style>
+              <a:lnRef idx="2">
+                <a:schemeClr val="accent1">
+                  <a:shade val="50000"/>
+                </a:schemeClr>
+              </a:lnRef>
+              <a:fillRef idx="1">
+                <a:schemeClr val="accent1"/>
+              </a:fillRef>
+              <a:effectRef idx="0">
+                <a:schemeClr val="accent1"/>
+              </a:effectRef>
+              <a:fontRef idx="minor">
+                <a:schemeClr val="lt1"/>
+              </a:fontRef>
+            </p:style>
+            <p:txBody>
+              <a:bodyPr tIns="0" rtlCol="0" anchor="t" anchorCtr="0"/>
+              <a:lstStyle/>
+              <a:p>
+                <a:pPr marL="0" marR="0" lvl="0" indent="0" algn="l" defTabSz="914400" rtl="0" eaLnBrk="1" fontAlgn="auto" latinLnBrk="0" hangingPunct="1">
+                  <a:lnSpc>
+                    <a:spcPct val="100000"/>
+                  </a:lnSpc>
+                  <a:spcBef>
+                    <a:spcPts val="0"/>
+                  </a:spcBef>
+                  <a:spcAft>
+                    <a:spcPts val="0"/>
+                  </a:spcAft>
+                  <a:buClrTx/>
+                  <a:buSzTx/>
+                  <a:buFontTx/>
+                  <a:buNone/>
+                  <a:tabLst/>
+                  <a:defRPr/>
+                </a:pPr>
+                <a:endParaRPr kumimoji="0" lang="en-US" sz="1000" b="0" i="0" u="none" strike="noStrike" kern="1200" cap="none" spc="0" normalizeH="0" baseline="0" noProof="0">
+                  <a:ln>
+                    <a:noFill/>
+                  </a:ln>
+                  <a:solidFill>
+                    <a:prstClr val="black"/>
+                  </a:solidFill>
+                  <a:effectLst/>
+                  <a:uLnTx/>
+                  <a:uFillTx/>
+                  <a:ea typeface="+mn-ea"/>
+                  <a:cs typeface="+mn-cs"/>
+                </a:endParaRPr>
+              </a:p>
+            </p:txBody>
+          </p:sp>
+          <p:sp>
+            <p:nvSpPr>
+              <p:cNvPr id="22" name="TextBox 21">
+                <a:extLst>
+                  <a:ext uri="{FF2B5EF4-FFF2-40B4-BE49-F238E27FC236}">
+                    <a16:creationId xmlns:a16="http://schemas.microsoft.com/office/drawing/2014/main" id="{F268AEC8-6C38-0232-0F56-5A4E5946BD1B}"/>
+                  </a:ext>
+                </a:extLst>
+              </p:cNvPr>
+              <p:cNvSpPr txBox="1"/>
+              <p:nvPr/>
+            </p:nvSpPr>
+            <p:spPr>
+              <a:xfrm>
+                <a:off x="3995650" y="4276305"/>
+                <a:ext cx="412292" cy="230832"/>
+              </a:xfrm>
+              <a:prstGeom prst="rect">
+                <a:avLst/>
+              </a:prstGeom>
+              <a:noFill/>
+            </p:spPr>
+            <p:txBody>
+              <a:bodyPr wrap="square" rtlCol="0">
+                <a:spAutoFit/>
+              </a:bodyPr>
+              <a:lstStyle/>
+              <a:p>
+                <a:pPr marL="0" marR="0" lvl="0" indent="0" algn="l" defTabSz="914400" rtl="0" eaLnBrk="1" fontAlgn="auto" latinLnBrk="0" hangingPunct="1">
+                  <a:lnSpc>
+                    <a:spcPct val="100000"/>
+                  </a:lnSpc>
+                  <a:spcBef>
+                    <a:spcPts val="0"/>
+                  </a:spcBef>
+                  <a:spcAft>
+                    <a:spcPts val="0"/>
+                  </a:spcAft>
+                  <a:buClrTx/>
+                  <a:buSzTx/>
+                  <a:buFontTx/>
+                  <a:buNone/>
+                  <a:tabLst/>
+                  <a:defRPr/>
+                </a:pPr>
+                <a:r>
+                  <a:rPr kumimoji="0" lang="en-US" sz="900" b="0" i="0" u="none" strike="noStrike" kern="1200" cap="none" spc="0" normalizeH="0" baseline="0" noProof="0" dirty="0">
+                    <a:ln>
+                      <a:noFill/>
+                    </a:ln>
+                    <a:solidFill>
+                      <a:prstClr val="black"/>
+                    </a:solidFill>
+                    <a:effectLst/>
+                    <a:uLnTx/>
+                    <a:uFillTx/>
+                    <a:ea typeface="+mn-ea"/>
+                    <a:cs typeface="+mn-cs"/>
+                  </a:rPr>
+                  <a:t>host</a:t>
+                </a:r>
+              </a:p>
+            </p:txBody>
+          </p:sp>
+        </p:grpSp>
+        <p:grpSp>
+          <p:nvGrpSpPr>
+            <p:cNvPr id="3" name="Group 2">
+              <a:extLst>
+                <a:ext uri="{FF2B5EF4-FFF2-40B4-BE49-F238E27FC236}">
+                  <a16:creationId xmlns:a16="http://schemas.microsoft.com/office/drawing/2014/main" id="{3A99F461-7629-9323-0DE9-021B01CABE83}"/>
+                </a:ext>
+              </a:extLst>
+            </p:cNvPr>
+            <p:cNvGrpSpPr/>
+            <p:nvPr/>
+          </p:nvGrpSpPr>
+          <p:grpSpPr>
+            <a:xfrm>
+              <a:off x="4476934" y="3622050"/>
+              <a:ext cx="771421" cy="991032"/>
+              <a:chOff x="3816079" y="4223863"/>
+              <a:chExt cx="771421" cy="991032"/>
+            </a:xfrm>
+          </p:grpSpPr>
+          <p:sp>
+            <p:nvSpPr>
+              <p:cNvPr id="4" name="Rectangle 3">
+                <a:extLst>
+                  <a:ext uri="{FF2B5EF4-FFF2-40B4-BE49-F238E27FC236}">
+                    <a16:creationId xmlns:a16="http://schemas.microsoft.com/office/drawing/2014/main" id="{3F6342D2-2BD2-3F2F-12EC-A146021CED14}"/>
+                  </a:ext>
+                </a:extLst>
+              </p:cNvPr>
+              <p:cNvSpPr/>
+              <p:nvPr/>
+            </p:nvSpPr>
+            <p:spPr>
+              <a:xfrm>
+                <a:off x="3816079" y="4722603"/>
+                <a:ext cx="771421" cy="250978"/>
+              </a:xfrm>
+              <a:prstGeom prst="rect">
+                <a:avLst/>
+              </a:prstGeom>
+              <a:solidFill>
+                <a:schemeClr val="bg1">
+                  <a:lumMod val="95000"/>
+                </a:schemeClr>
+              </a:solidFill>
+              <a:ln w="19050">
+                <a:solidFill>
+                  <a:schemeClr val="bg2"/>
+                </a:solidFill>
+              </a:ln>
+            </p:spPr>
+            <p:style>
+              <a:lnRef idx="2">
+                <a:schemeClr val="accent1">
+                  <a:shade val="50000"/>
+                </a:schemeClr>
+              </a:lnRef>
+              <a:fillRef idx="1">
+                <a:schemeClr val="accent1"/>
+              </a:fillRef>
+              <a:effectRef idx="0">
+                <a:schemeClr val="accent1"/>
+              </a:effectRef>
+              <a:fontRef idx="minor">
+                <a:schemeClr val="lt1"/>
+              </a:fontRef>
+            </p:style>
+            <p:txBody>
+              <a:bodyPr lIns="0" rIns="0" rtlCol="0" anchor="ctr"/>
+              <a:lstStyle/>
+              <a:p>
+                <a:pPr marL="0" marR="0" lvl="0" indent="0" algn="ctr" defTabSz="914400" rtl="0" eaLnBrk="1" fontAlgn="auto" latinLnBrk="0" hangingPunct="1">
+                  <a:lnSpc>
+                    <a:spcPct val="100000"/>
+                  </a:lnSpc>
+                  <a:spcBef>
+                    <a:spcPts val="0"/>
+                  </a:spcBef>
+                  <a:spcAft>
+                    <a:spcPts val="0"/>
+                  </a:spcAft>
+                  <a:buClrTx/>
+                  <a:buSzTx/>
+                  <a:buFontTx/>
+                  <a:buNone/>
+                  <a:tabLst/>
+                  <a:defRPr/>
+                </a:pPr>
+                <a:r>
+                  <a:rPr kumimoji="0" lang="en-US" sz="900" b="0" i="0" u="none" strike="noStrike" kern="1200" cap="none" spc="0" normalizeH="0" baseline="0" noProof="0" dirty="0">
+                    <a:ln>
+                      <a:noFill/>
+                    </a:ln>
+                    <a:solidFill>
+                      <a:prstClr val="black"/>
+                    </a:solidFill>
+                    <a:effectLst/>
+                    <a:uLnTx/>
+                    <a:uFillTx/>
+                    <a:ea typeface="+mn-ea"/>
+                    <a:cs typeface="+mn-cs"/>
+                  </a:rPr>
+                  <a:t>Compute</a:t>
+                </a:r>
+              </a:p>
+              <a:p>
+                <a:pPr marL="0" marR="0" lvl="0" indent="0" algn="ctr" defTabSz="914400" rtl="0" eaLnBrk="1" fontAlgn="auto" latinLnBrk="0" hangingPunct="1">
+                  <a:lnSpc>
+                    <a:spcPct val="100000"/>
+                  </a:lnSpc>
+                  <a:spcBef>
+                    <a:spcPts val="0"/>
+                  </a:spcBef>
+                  <a:spcAft>
+                    <a:spcPts val="0"/>
+                  </a:spcAft>
+                  <a:buClrTx/>
+                  <a:buSzTx/>
+                  <a:buFontTx/>
+                  <a:buNone/>
+                  <a:tabLst/>
+                  <a:defRPr/>
+                </a:pPr>
+                <a:r>
+                  <a:rPr kumimoji="0" lang="en-US" sz="900" b="0" i="0" u="none" strike="noStrike" kern="1200" cap="none" spc="0" normalizeH="0" baseline="0" noProof="0" dirty="0">
+                    <a:ln>
+                      <a:noFill/>
+                    </a:ln>
+                    <a:solidFill>
+                      <a:prstClr val="black"/>
+                    </a:solidFill>
+                    <a:effectLst/>
+                    <a:uLnTx/>
+                    <a:uFillTx/>
+                    <a:ea typeface="+mn-ea"/>
+                    <a:cs typeface="+mn-cs"/>
+                  </a:rPr>
+                  <a:t>Platform</a:t>
+                </a:r>
+              </a:p>
+            </p:txBody>
+          </p:sp>
+          <p:sp>
+            <p:nvSpPr>
+              <p:cNvPr id="5" name="Rectangle: Rounded Corners 4">
+                <a:extLst>
+                  <a:ext uri="{FF2B5EF4-FFF2-40B4-BE49-F238E27FC236}">
+                    <a16:creationId xmlns:a16="http://schemas.microsoft.com/office/drawing/2014/main" id="{C2B03128-B2AD-BACE-B928-B415473EEF22}"/>
+                  </a:ext>
+                </a:extLst>
+              </p:cNvPr>
+              <p:cNvSpPr/>
+              <p:nvPr/>
+            </p:nvSpPr>
+            <p:spPr>
+              <a:xfrm>
+                <a:off x="3816080" y="4399416"/>
+                <a:ext cx="771420" cy="815479"/>
+              </a:xfrm>
+              <a:prstGeom prst="roundRect">
+                <a:avLst/>
+              </a:prstGeom>
+              <a:noFill/>
+              <a:ln w="19050">
+                <a:solidFill>
+                  <a:schemeClr val="tx1"/>
+                </a:solidFill>
+              </a:ln>
+            </p:spPr>
+            <p:style>
+              <a:lnRef idx="2">
+                <a:schemeClr val="accent1">
+                  <a:shade val="50000"/>
+                </a:schemeClr>
+              </a:lnRef>
+              <a:fillRef idx="1">
+                <a:schemeClr val="accent1"/>
+              </a:fillRef>
+              <a:effectRef idx="0">
+                <a:schemeClr val="accent1"/>
+              </a:effectRef>
+              <a:fontRef idx="minor">
+                <a:schemeClr val="lt1"/>
+              </a:fontRef>
+            </p:style>
+            <p:txBody>
+              <a:bodyPr lIns="45720" tIns="0" bIns="9144" rtlCol="0" anchor="b" anchorCtr="0"/>
+              <a:lstStyle/>
+              <a:p>
+                <a:pPr lvl="0">
+                  <a:defRPr/>
+                </a:pPr>
+                <a:r>
+                  <a:rPr lang="en-US" sz="800" dirty="0">
+                    <a:solidFill>
+                      <a:prstClr val="black"/>
+                    </a:solidFill>
+                  </a:rPr>
+                  <a:t>server-1</a:t>
+                </a:r>
+                <a:endParaRPr kumimoji="0" lang="en-US" sz="800" b="0" i="0" u="none" strike="noStrike" kern="1200" cap="none" spc="0" normalizeH="0" baseline="0" noProof="0" dirty="0">
+                  <a:ln>
+                    <a:noFill/>
+                  </a:ln>
+                  <a:solidFill>
+                    <a:prstClr val="black"/>
+                  </a:solidFill>
+                  <a:effectLst/>
+                  <a:uLnTx/>
+                  <a:uFillTx/>
+                  <a:ea typeface="+mn-ea"/>
+                  <a:cs typeface="+mn-cs"/>
+                </a:endParaRPr>
+              </a:p>
+            </p:txBody>
+          </p:sp>
+          <p:sp>
+            <p:nvSpPr>
+              <p:cNvPr id="7" name="Arrow: Chevron 6">
+                <a:extLst>
+                  <a:ext uri="{FF2B5EF4-FFF2-40B4-BE49-F238E27FC236}">
+                    <a16:creationId xmlns:a16="http://schemas.microsoft.com/office/drawing/2014/main" id="{D68E7360-61B8-BE90-9A3F-11434C632E45}"/>
+                  </a:ext>
+                </a:extLst>
+              </p:cNvPr>
+              <p:cNvSpPr/>
+              <p:nvPr/>
+            </p:nvSpPr>
+            <p:spPr>
+              <a:xfrm rot="5400000">
+                <a:off x="4026243" y="4166150"/>
+                <a:ext cx="351106" cy="466531"/>
+              </a:xfrm>
+              <a:prstGeom prst="chevron">
+                <a:avLst>
+                  <a:gd name="adj" fmla="val 14000"/>
+                </a:avLst>
+              </a:prstGeom>
+              <a:solidFill>
+                <a:schemeClr val="bg1"/>
+              </a:solidFill>
+              <a:ln w="12700">
+                <a:solidFill>
+                  <a:schemeClr val="tx1"/>
+                </a:solidFill>
+              </a:ln>
+            </p:spPr>
+            <p:style>
+              <a:lnRef idx="2">
+                <a:schemeClr val="accent1">
+                  <a:shade val="50000"/>
+                </a:schemeClr>
+              </a:lnRef>
+              <a:fillRef idx="1">
+                <a:schemeClr val="accent1"/>
+              </a:fillRef>
+              <a:effectRef idx="0">
+                <a:schemeClr val="accent1"/>
+              </a:effectRef>
+              <a:fontRef idx="minor">
+                <a:schemeClr val="lt1"/>
+              </a:fontRef>
+            </p:style>
+            <p:txBody>
+              <a:bodyPr tIns="0" rtlCol="0" anchor="t" anchorCtr="0"/>
+              <a:lstStyle/>
+              <a:p>
+                <a:pPr marL="0" marR="0" lvl="0" indent="0" algn="l" defTabSz="914400" rtl="0" eaLnBrk="1" fontAlgn="auto" latinLnBrk="0" hangingPunct="1">
+                  <a:lnSpc>
+                    <a:spcPct val="100000"/>
+                  </a:lnSpc>
+                  <a:spcBef>
+                    <a:spcPts val="0"/>
+                  </a:spcBef>
+                  <a:spcAft>
+                    <a:spcPts val="0"/>
+                  </a:spcAft>
+                  <a:buClrTx/>
+                  <a:buSzTx/>
+                  <a:buFontTx/>
+                  <a:buNone/>
+                  <a:tabLst/>
+                  <a:defRPr/>
+                </a:pPr>
+                <a:endParaRPr kumimoji="0" lang="en-US" sz="1000" b="0" i="0" u="none" strike="noStrike" kern="1200" cap="none" spc="0" normalizeH="0" baseline="0" noProof="0">
+                  <a:ln>
+                    <a:noFill/>
+                  </a:ln>
+                  <a:solidFill>
+                    <a:prstClr val="black"/>
+                  </a:solidFill>
+                  <a:effectLst/>
+                  <a:uLnTx/>
+                  <a:uFillTx/>
+                  <a:ea typeface="+mn-ea"/>
+                  <a:cs typeface="+mn-cs"/>
+                </a:endParaRPr>
+              </a:p>
+            </p:txBody>
+          </p:sp>
+          <p:sp>
+            <p:nvSpPr>
+              <p:cNvPr id="8" name="TextBox 7">
+                <a:extLst>
+                  <a:ext uri="{FF2B5EF4-FFF2-40B4-BE49-F238E27FC236}">
+                    <a16:creationId xmlns:a16="http://schemas.microsoft.com/office/drawing/2014/main" id="{E486CB13-0C54-5DB4-1664-F45F6DBBDDAF}"/>
+                  </a:ext>
+                </a:extLst>
+              </p:cNvPr>
+              <p:cNvSpPr txBox="1"/>
+              <p:nvPr/>
+            </p:nvSpPr>
+            <p:spPr>
+              <a:xfrm>
+                <a:off x="3995650" y="4276305"/>
+                <a:ext cx="412292" cy="230832"/>
+              </a:xfrm>
+              <a:prstGeom prst="rect">
+                <a:avLst/>
+              </a:prstGeom>
+              <a:noFill/>
+            </p:spPr>
+            <p:txBody>
+              <a:bodyPr wrap="square" rtlCol="0">
+                <a:spAutoFit/>
+              </a:bodyPr>
+              <a:lstStyle/>
+              <a:p>
+                <a:pPr marL="0" marR="0" lvl="0" indent="0" algn="l" defTabSz="914400" rtl="0" eaLnBrk="1" fontAlgn="auto" latinLnBrk="0" hangingPunct="1">
+                  <a:lnSpc>
+                    <a:spcPct val="100000"/>
+                  </a:lnSpc>
+                  <a:spcBef>
+                    <a:spcPts val="0"/>
+                  </a:spcBef>
+                  <a:spcAft>
+                    <a:spcPts val="0"/>
+                  </a:spcAft>
+                  <a:buClrTx/>
+                  <a:buSzTx/>
+                  <a:buFontTx/>
+                  <a:buNone/>
+                  <a:tabLst/>
+                  <a:defRPr/>
+                </a:pPr>
+                <a:r>
+                  <a:rPr kumimoji="0" lang="en-US" sz="900" b="0" i="0" u="none" strike="noStrike" kern="1200" cap="none" spc="0" normalizeH="0" baseline="0" noProof="0" dirty="0">
+                    <a:ln>
+                      <a:noFill/>
+                    </a:ln>
+                    <a:solidFill>
+                      <a:prstClr val="black"/>
+                    </a:solidFill>
+                    <a:effectLst/>
+                    <a:uLnTx/>
+                    <a:uFillTx/>
+                    <a:ea typeface="+mn-ea"/>
+                    <a:cs typeface="+mn-cs"/>
+                  </a:rPr>
+                  <a:t>host</a:t>
+                </a:r>
+              </a:p>
+            </p:txBody>
+          </p:sp>
+        </p:grpSp>
+        <p:grpSp>
+          <p:nvGrpSpPr>
+            <p:cNvPr id="9" name="Group 8">
+              <a:extLst>
+                <a:ext uri="{FF2B5EF4-FFF2-40B4-BE49-F238E27FC236}">
+                  <a16:creationId xmlns:a16="http://schemas.microsoft.com/office/drawing/2014/main" id="{38983788-9062-D8A3-6D54-EADBC6687F98}"/>
+                </a:ext>
+              </a:extLst>
+            </p:cNvPr>
+            <p:cNvGrpSpPr/>
+            <p:nvPr/>
+          </p:nvGrpSpPr>
+          <p:grpSpPr>
+            <a:xfrm>
+              <a:off x="7048362" y="3622050"/>
+              <a:ext cx="771421" cy="991032"/>
+              <a:chOff x="3816079" y="4223863"/>
+              <a:chExt cx="771421" cy="991032"/>
+            </a:xfrm>
+          </p:grpSpPr>
+          <p:sp>
+            <p:nvSpPr>
+              <p:cNvPr id="10" name="Rectangle 9">
+                <a:extLst>
+                  <a:ext uri="{FF2B5EF4-FFF2-40B4-BE49-F238E27FC236}">
+                    <a16:creationId xmlns:a16="http://schemas.microsoft.com/office/drawing/2014/main" id="{5F76869A-41B1-B995-EFA4-2EE7542BA307}"/>
+                  </a:ext>
+                </a:extLst>
+              </p:cNvPr>
+              <p:cNvSpPr/>
+              <p:nvPr/>
+            </p:nvSpPr>
+            <p:spPr>
+              <a:xfrm>
+                <a:off x="3816079" y="4722603"/>
+                <a:ext cx="771421" cy="250978"/>
+              </a:xfrm>
+              <a:prstGeom prst="rect">
+                <a:avLst/>
+              </a:prstGeom>
+              <a:solidFill>
+                <a:schemeClr val="bg1">
+                  <a:lumMod val="95000"/>
+                </a:schemeClr>
+              </a:solidFill>
+              <a:ln w="19050">
+                <a:solidFill>
+                  <a:schemeClr val="bg2"/>
+                </a:solidFill>
+              </a:ln>
+            </p:spPr>
+            <p:style>
+              <a:lnRef idx="2">
+                <a:schemeClr val="accent1">
+                  <a:shade val="50000"/>
+                </a:schemeClr>
+              </a:lnRef>
+              <a:fillRef idx="1">
+                <a:schemeClr val="accent1"/>
+              </a:fillRef>
+              <a:effectRef idx="0">
+                <a:schemeClr val="accent1"/>
+              </a:effectRef>
+              <a:fontRef idx="minor">
+                <a:schemeClr val="lt1"/>
+              </a:fontRef>
+            </p:style>
+            <p:txBody>
+              <a:bodyPr lIns="0" rIns="0" rtlCol="0" anchor="ctr"/>
+              <a:lstStyle/>
+              <a:p>
+                <a:pPr marL="0" marR="0" lvl="0" indent="0" algn="ctr" defTabSz="914400" rtl="0" eaLnBrk="1" fontAlgn="auto" latinLnBrk="0" hangingPunct="1">
+                  <a:lnSpc>
+                    <a:spcPct val="100000"/>
+                  </a:lnSpc>
+                  <a:spcBef>
+                    <a:spcPts val="0"/>
+                  </a:spcBef>
+                  <a:spcAft>
+                    <a:spcPts val="0"/>
+                  </a:spcAft>
+                  <a:buClrTx/>
+                  <a:buSzTx/>
+                  <a:buFontTx/>
+                  <a:buNone/>
+                  <a:tabLst/>
+                  <a:defRPr/>
+                </a:pPr>
+                <a:r>
+                  <a:rPr kumimoji="0" lang="en-US" sz="900" b="0" i="0" u="none" strike="noStrike" kern="1200" cap="none" spc="0" normalizeH="0" baseline="0" noProof="0" dirty="0">
+                    <a:ln>
+                      <a:noFill/>
+                    </a:ln>
+                    <a:solidFill>
+                      <a:prstClr val="black"/>
+                    </a:solidFill>
+                    <a:effectLst/>
+                    <a:uLnTx/>
+                    <a:uFillTx/>
+                    <a:ea typeface="+mn-ea"/>
+                    <a:cs typeface="+mn-cs"/>
+                  </a:rPr>
+                  <a:t>Compute</a:t>
+                </a:r>
+              </a:p>
+              <a:p>
+                <a:pPr marL="0" marR="0" lvl="0" indent="0" algn="ctr" defTabSz="914400" rtl="0" eaLnBrk="1" fontAlgn="auto" latinLnBrk="0" hangingPunct="1">
+                  <a:lnSpc>
+                    <a:spcPct val="100000"/>
+                  </a:lnSpc>
+                  <a:spcBef>
+                    <a:spcPts val="0"/>
+                  </a:spcBef>
+                  <a:spcAft>
+                    <a:spcPts val="0"/>
+                  </a:spcAft>
+                  <a:buClrTx/>
+                  <a:buSzTx/>
+                  <a:buFontTx/>
+                  <a:buNone/>
+                  <a:tabLst/>
+                  <a:defRPr/>
+                </a:pPr>
+                <a:r>
+                  <a:rPr kumimoji="0" lang="en-US" sz="900" b="0" i="0" u="none" strike="noStrike" kern="1200" cap="none" spc="0" normalizeH="0" baseline="0" noProof="0" dirty="0">
+                    <a:ln>
+                      <a:noFill/>
+                    </a:ln>
+                    <a:solidFill>
+                      <a:prstClr val="black"/>
+                    </a:solidFill>
+                    <a:effectLst/>
+                    <a:uLnTx/>
+                    <a:uFillTx/>
+                    <a:ea typeface="+mn-ea"/>
+                    <a:cs typeface="+mn-cs"/>
+                  </a:rPr>
+                  <a:t>Platform</a:t>
+                </a:r>
+              </a:p>
+            </p:txBody>
+          </p:sp>
+          <p:sp>
+            <p:nvSpPr>
+              <p:cNvPr id="11" name="Rectangle: Rounded Corners 10">
+                <a:extLst>
+                  <a:ext uri="{FF2B5EF4-FFF2-40B4-BE49-F238E27FC236}">
+                    <a16:creationId xmlns:a16="http://schemas.microsoft.com/office/drawing/2014/main" id="{50C4CF9E-9098-7414-E53A-3622FDF1F2C1}"/>
+                  </a:ext>
+                </a:extLst>
+              </p:cNvPr>
+              <p:cNvSpPr/>
+              <p:nvPr/>
+            </p:nvSpPr>
+            <p:spPr>
+              <a:xfrm>
+                <a:off x="3816080" y="4399416"/>
+                <a:ext cx="771420" cy="815479"/>
+              </a:xfrm>
+              <a:prstGeom prst="roundRect">
+                <a:avLst/>
+              </a:prstGeom>
+              <a:noFill/>
+              <a:ln w="19050">
+                <a:solidFill>
+                  <a:schemeClr val="tx1"/>
+                </a:solidFill>
+              </a:ln>
+            </p:spPr>
+            <p:style>
+              <a:lnRef idx="2">
+                <a:schemeClr val="accent1">
+                  <a:shade val="50000"/>
+                </a:schemeClr>
+              </a:lnRef>
+              <a:fillRef idx="1">
+                <a:schemeClr val="accent1"/>
+              </a:fillRef>
+              <a:effectRef idx="0">
+                <a:schemeClr val="accent1"/>
+              </a:effectRef>
+              <a:fontRef idx="minor">
+                <a:schemeClr val="lt1"/>
+              </a:fontRef>
+            </p:style>
+            <p:txBody>
+              <a:bodyPr lIns="45720" tIns="0" bIns="9144" rtlCol="0" anchor="b" anchorCtr="0"/>
+              <a:lstStyle/>
+              <a:p>
+                <a:pPr lvl="0">
+                  <a:defRPr/>
+                </a:pPr>
+                <a:r>
+                  <a:rPr lang="en-US" sz="800" dirty="0">
+                    <a:solidFill>
+                      <a:prstClr val="black"/>
+                    </a:solidFill>
+                  </a:rPr>
+                  <a:t>server-3</a:t>
+                </a:r>
+                <a:endParaRPr kumimoji="0" lang="en-US" sz="800" b="0" i="0" u="none" strike="noStrike" kern="1200" cap="none" spc="0" normalizeH="0" baseline="0" noProof="0" dirty="0">
+                  <a:ln>
+                    <a:noFill/>
+                  </a:ln>
+                  <a:solidFill>
+                    <a:prstClr val="black"/>
+                  </a:solidFill>
+                  <a:effectLst/>
+                  <a:uLnTx/>
+                  <a:uFillTx/>
+                  <a:ea typeface="+mn-ea"/>
+                  <a:cs typeface="+mn-cs"/>
+                </a:endParaRPr>
+              </a:p>
+            </p:txBody>
+          </p:sp>
+          <p:sp>
+            <p:nvSpPr>
+              <p:cNvPr id="12" name="Arrow: Chevron 11">
+                <a:extLst>
+                  <a:ext uri="{FF2B5EF4-FFF2-40B4-BE49-F238E27FC236}">
+                    <a16:creationId xmlns:a16="http://schemas.microsoft.com/office/drawing/2014/main" id="{C6A56CA5-FF15-FDAB-A65C-821691A8EA13}"/>
+                  </a:ext>
+                </a:extLst>
+              </p:cNvPr>
+              <p:cNvSpPr/>
+              <p:nvPr/>
+            </p:nvSpPr>
+            <p:spPr>
+              <a:xfrm rot="5400000">
+                <a:off x="4026243" y="4166150"/>
+                <a:ext cx="351106" cy="466531"/>
+              </a:xfrm>
+              <a:prstGeom prst="chevron">
+                <a:avLst>
+                  <a:gd name="adj" fmla="val 14000"/>
+                </a:avLst>
+              </a:prstGeom>
+              <a:solidFill>
+                <a:schemeClr val="bg1"/>
+              </a:solidFill>
+              <a:ln w="12700">
+                <a:solidFill>
+                  <a:schemeClr val="tx1"/>
+                </a:solidFill>
+              </a:ln>
+            </p:spPr>
+            <p:style>
+              <a:lnRef idx="2">
+                <a:schemeClr val="accent1">
+                  <a:shade val="50000"/>
+                </a:schemeClr>
+              </a:lnRef>
+              <a:fillRef idx="1">
+                <a:schemeClr val="accent1"/>
+              </a:fillRef>
+              <a:effectRef idx="0">
+                <a:schemeClr val="accent1"/>
+              </a:effectRef>
+              <a:fontRef idx="minor">
+                <a:schemeClr val="lt1"/>
+              </a:fontRef>
+            </p:style>
+            <p:txBody>
+              <a:bodyPr tIns="0" rtlCol="0" anchor="t" anchorCtr="0"/>
+              <a:lstStyle/>
+              <a:p>
+                <a:pPr marL="0" marR="0" lvl="0" indent="0" algn="l" defTabSz="914400" rtl="0" eaLnBrk="1" fontAlgn="auto" latinLnBrk="0" hangingPunct="1">
+                  <a:lnSpc>
+                    <a:spcPct val="100000"/>
+                  </a:lnSpc>
+                  <a:spcBef>
+                    <a:spcPts val="0"/>
+                  </a:spcBef>
+                  <a:spcAft>
+                    <a:spcPts val="0"/>
+                  </a:spcAft>
+                  <a:buClrTx/>
+                  <a:buSzTx/>
+                  <a:buFontTx/>
+                  <a:buNone/>
+                  <a:tabLst/>
+                  <a:defRPr/>
+                </a:pPr>
+                <a:endParaRPr kumimoji="0" lang="en-US" sz="1000" b="0" i="0" u="none" strike="noStrike" kern="1200" cap="none" spc="0" normalizeH="0" baseline="0" noProof="0">
+                  <a:ln>
+                    <a:noFill/>
+                  </a:ln>
+                  <a:solidFill>
+                    <a:prstClr val="black"/>
+                  </a:solidFill>
+                  <a:effectLst/>
+                  <a:uLnTx/>
+                  <a:uFillTx/>
+                  <a:ea typeface="+mn-ea"/>
+                  <a:cs typeface="+mn-cs"/>
+                </a:endParaRPr>
+              </a:p>
+            </p:txBody>
+          </p:sp>
+          <p:sp>
+            <p:nvSpPr>
+              <p:cNvPr id="13" name="TextBox 12">
+                <a:extLst>
+                  <a:ext uri="{FF2B5EF4-FFF2-40B4-BE49-F238E27FC236}">
+                    <a16:creationId xmlns:a16="http://schemas.microsoft.com/office/drawing/2014/main" id="{19BA00EF-8EEE-B0E7-013E-E70BE9F3FCFF}"/>
+                  </a:ext>
+                </a:extLst>
+              </p:cNvPr>
+              <p:cNvSpPr txBox="1"/>
+              <p:nvPr/>
+            </p:nvSpPr>
+            <p:spPr>
+              <a:xfrm>
+                <a:off x="3995650" y="4276305"/>
+                <a:ext cx="412292" cy="230832"/>
+              </a:xfrm>
+              <a:prstGeom prst="rect">
+                <a:avLst/>
+              </a:prstGeom>
+              <a:noFill/>
+            </p:spPr>
+            <p:txBody>
+              <a:bodyPr wrap="square" rtlCol="0">
+                <a:spAutoFit/>
+              </a:bodyPr>
+              <a:lstStyle/>
+              <a:p>
+                <a:pPr marL="0" marR="0" lvl="0" indent="0" algn="l" defTabSz="914400" rtl="0" eaLnBrk="1" fontAlgn="auto" latinLnBrk="0" hangingPunct="1">
+                  <a:lnSpc>
+                    <a:spcPct val="100000"/>
+                  </a:lnSpc>
+                  <a:spcBef>
+                    <a:spcPts val="0"/>
+                  </a:spcBef>
+                  <a:spcAft>
+                    <a:spcPts val="0"/>
+                  </a:spcAft>
+                  <a:buClrTx/>
+                  <a:buSzTx/>
+                  <a:buFontTx/>
+                  <a:buNone/>
+                  <a:tabLst/>
+                  <a:defRPr/>
+                </a:pPr>
+                <a:r>
+                  <a:rPr kumimoji="0" lang="en-US" sz="900" b="0" i="0" u="none" strike="noStrike" kern="1200" cap="none" spc="0" normalizeH="0" baseline="0" noProof="0" dirty="0">
+                    <a:ln>
+                      <a:noFill/>
+                    </a:ln>
+                    <a:solidFill>
+                      <a:prstClr val="black"/>
+                    </a:solidFill>
+                    <a:effectLst/>
+                    <a:uLnTx/>
+                    <a:uFillTx/>
+                    <a:ea typeface="+mn-ea"/>
+                    <a:cs typeface="+mn-cs"/>
+                  </a:rPr>
+                  <a:t>host</a:t>
+                </a:r>
+              </a:p>
+            </p:txBody>
+          </p:sp>
+        </p:grpSp>
+      </p:grpSp>
+      <p:cxnSp>
+        <p:nvCxnSpPr>
+          <p:cNvPr id="15" name="Straight Arrow Connector 14">
+            <a:extLst>
+              <a:ext uri="{FF2B5EF4-FFF2-40B4-BE49-F238E27FC236}">
+                <a16:creationId xmlns:a16="http://schemas.microsoft.com/office/drawing/2014/main" id="{9CE2AA60-048F-9707-B8D4-AC1533057B60}"/>
+              </a:ext>
+            </a:extLst>
+          </p:cNvPr>
+          <p:cNvCxnSpPr>
+            <a:cxnSpLocks/>
+            <a:stCxn id="7" idx="1"/>
+            <a:endCxn id="36" idx="2"/>
+          </p:cNvCxnSpPr>
+          <p:nvPr/>
+        </p:nvCxnSpPr>
+        <p:spPr>
+          <a:xfrm flipV="1">
+            <a:off x="4862651" y="3422088"/>
+            <a:ext cx="1285708" cy="249117"/>
+          </a:xfrm>
+          <a:prstGeom prst="straightConnector1">
+            <a:avLst/>
+          </a:prstGeom>
+          <a:ln w="12700">
+            <a:solidFill>
+              <a:schemeClr val="tx1"/>
+            </a:solidFill>
+            <a:headEnd type="triangle" w="med" len="med"/>
+            <a:tailEnd type="none" w="med" len="med"/>
+          </a:ln>
+        </p:spPr>
+        <p:style>
+          <a:lnRef idx="1">
+            <a:schemeClr val="accent1"/>
+          </a:lnRef>
+          <a:fillRef idx="0">
+            <a:schemeClr val="accent1"/>
+          </a:fillRef>
+          <a:effectRef idx="0">
+            <a:schemeClr val="accent1"/>
+          </a:effectRef>
+          <a:fontRef idx="minor">
+            <a:schemeClr val="tx1"/>
+          </a:fontRef>
+        </p:style>
+      </p:cxnSp>
+      <p:cxnSp>
+        <p:nvCxnSpPr>
+          <p:cNvPr id="25" name="Straight Arrow Connector 24">
+            <a:extLst>
+              <a:ext uri="{FF2B5EF4-FFF2-40B4-BE49-F238E27FC236}">
+                <a16:creationId xmlns:a16="http://schemas.microsoft.com/office/drawing/2014/main" id="{EE661CC2-B4A9-39AC-6DFE-1DFC81B81F03}"/>
+              </a:ext>
+            </a:extLst>
+          </p:cNvPr>
+          <p:cNvCxnSpPr>
+            <a:cxnSpLocks/>
+            <a:stCxn id="12" idx="1"/>
+            <a:endCxn id="36" idx="2"/>
+          </p:cNvCxnSpPr>
+          <p:nvPr/>
+        </p:nvCxnSpPr>
+        <p:spPr>
+          <a:xfrm flipH="1" flipV="1">
+            <a:off x="6148359" y="3422088"/>
+            <a:ext cx="1285720" cy="249117"/>
+          </a:xfrm>
+          <a:prstGeom prst="straightConnector1">
+            <a:avLst/>
+          </a:prstGeom>
+          <a:ln w="12700">
+            <a:solidFill>
+              <a:schemeClr val="tx1"/>
+            </a:solidFill>
+            <a:headEnd type="triangle" w="med" len="med"/>
+            <a:tailEnd type="none" w="med" len="med"/>
+          </a:ln>
+        </p:spPr>
+        <p:style>
+          <a:lnRef idx="1">
+            <a:schemeClr val="accent1"/>
+          </a:lnRef>
+          <a:fillRef idx="0">
+            <a:schemeClr val="accent1"/>
+          </a:fillRef>
+          <a:effectRef idx="0">
+            <a:schemeClr val="accent1"/>
+          </a:effectRef>
+          <a:fontRef idx="minor">
+            <a:schemeClr val="tx1"/>
+          </a:fontRef>
+        </p:style>
+      </p:cxnSp>
+      <p:grpSp>
+        <p:nvGrpSpPr>
+          <p:cNvPr id="147" name="Group 146">
+            <a:extLst>
+              <a:ext uri="{FF2B5EF4-FFF2-40B4-BE49-F238E27FC236}">
+                <a16:creationId xmlns:a16="http://schemas.microsoft.com/office/drawing/2014/main" id="{0375C6D9-01BE-B248-9FB8-0C3F014FEF4F}"/>
+              </a:ext>
+            </a:extLst>
+          </p:cNvPr>
+          <p:cNvGrpSpPr/>
+          <p:nvPr/>
+        </p:nvGrpSpPr>
+        <p:grpSpPr>
+          <a:xfrm>
+            <a:off x="5762648" y="2244919"/>
+            <a:ext cx="771421" cy="1177169"/>
+            <a:chOff x="4115528" y="2620040"/>
+            <a:chExt cx="771421" cy="1177169"/>
+          </a:xfrm>
+        </p:grpSpPr>
+        <p:grpSp>
+          <p:nvGrpSpPr>
+            <p:cNvPr id="146" name="Group 145">
+              <a:extLst>
+                <a:ext uri="{FF2B5EF4-FFF2-40B4-BE49-F238E27FC236}">
+                  <a16:creationId xmlns:a16="http://schemas.microsoft.com/office/drawing/2014/main" id="{21372C5F-6019-6E0C-9508-4E8A358AF2EE}"/>
+                </a:ext>
+              </a:extLst>
+            </p:cNvPr>
+            <p:cNvGrpSpPr/>
+            <p:nvPr/>
+          </p:nvGrpSpPr>
+          <p:grpSpPr>
+            <a:xfrm>
+              <a:off x="4115528" y="2823110"/>
+              <a:ext cx="771421" cy="815478"/>
+              <a:chOff x="4115528" y="2823110"/>
+              <a:chExt cx="771421" cy="815478"/>
+            </a:xfrm>
+          </p:grpSpPr>
+          <p:sp>
+            <p:nvSpPr>
+              <p:cNvPr id="34" name="Rectangle 33">
+                <a:extLst>
+                  <a:ext uri="{FF2B5EF4-FFF2-40B4-BE49-F238E27FC236}">
+                    <a16:creationId xmlns:a16="http://schemas.microsoft.com/office/drawing/2014/main" id="{AC8C008F-40AE-7B56-066D-358A9B134B49}"/>
+                  </a:ext>
+                </a:extLst>
+              </p:cNvPr>
+              <p:cNvSpPr/>
+              <p:nvPr/>
+            </p:nvSpPr>
+            <p:spPr>
+              <a:xfrm>
+                <a:off x="4115528" y="3145212"/>
+                <a:ext cx="771421" cy="279919"/>
+              </a:xfrm>
+              <a:prstGeom prst="rect">
+                <a:avLst/>
+              </a:prstGeom>
+              <a:solidFill>
+                <a:schemeClr val="bg1">
+                  <a:lumMod val="95000"/>
+                </a:schemeClr>
+              </a:solidFill>
+              <a:ln w="19050">
+                <a:solidFill>
+                  <a:schemeClr val="bg2"/>
+                </a:solidFill>
+              </a:ln>
+            </p:spPr>
+            <p:style>
+              <a:lnRef idx="2">
+                <a:schemeClr val="accent1">
+                  <a:shade val="50000"/>
+                </a:schemeClr>
+              </a:lnRef>
+              <a:fillRef idx="1">
+                <a:schemeClr val="accent1"/>
+              </a:fillRef>
+              <a:effectRef idx="0">
+                <a:schemeClr val="accent1"/>
+              </a:effectRef>
+              <a:fontRef idx="minor">
+                <a:schemeClr val="lt1"/>
+              </a:fontRef>
+            </p:style>
+            <p:txBody>
+              <a:bodyPr lIns="0" rIns="0" rtlCol="0" anchor="ctr"/>
+              <a:lstStyle/>
+              <a:p>
+                <a:pPr marL="0" marR="0" lvl="0" indent="0" algn="ctr" defTabSz="914400" rtl="0" eaLnBrk="1" fontAlgn="auto" latinLnBrk="0" hangingPunct="1">
+                  <a:lnSpc>
+                    <a:spcPct val="100000"/>
+                  </a:lnSpc>
+                  <a:spcBef>
+                    <a:spcPts val="0"/>
+                  </a:spcBef>
+                  <a:spcAft>
+                    <a:spcPts val="0"/>
+                  </a:spcAft>
+                  <a:buClrTx/>
+                  <a:buSzTx/>
+                  <a:buFontTx/>
+                  <a:buNone/>
+                  <a:tabLst/>
+                  <a:defRPr/>
+                </a:pPr>
+                <a:r>
+                  <a:rPr kumimoji="0" lang="en-US" sz="900" b="0" i="0" u="none" strike="noStrike" kern="1200" cap="none" spc="0" normalizeH="0" baseline="0" noProof="0" dirty="0">
+                    <a:ln>
+                      <a:noFill/>
+                    </a:ln>
+                    <a:solidFill>
+                      <a:prstClr val="black"/>
+                    </a:solidFill>
+                    <a:effectLst/>
+                    <a:uLnTx/>
+                    <a:uFillTx/>
+                    <a:ea typeface="+mn-ea"/>
+                    <a:cs typeface="+mn-cs"/>
+                  </a:rPr>
+                  <a:t>Kubernetes Cluster</a:t>
+                </a:r>
+              </a:p>
+            </p:txBody>
+          </p:sp>
+          <p:sp>
+            <p:nvSpPr>
+              <p:cNvPr id="35" name="Rectangle: Rounded Corners 34">
+                <a:extLst>
+                  <a:ext uri="{FF2B5EF4-FFF2-40B4-BE49-F238E27FC236}">
+                    <a16:creationId xmlns:a16="http://schemas.microsoft.com/office/drawing/2014/main" id="{DFBFC135-6FE4-4904-9572-E0043D70EBD6}"/>
+                  </a:ext>
+                </a:extLst>
+              </p:cNvPr>
+              <p:cNvSpPr/>
+              <p:nvPr/>
+            </p:nvSpPr>
+            <p:spPr>
+              <a:xfrm>
+                <a:off x="4115528" y="2823110"/>
+                <a:ext cx="771420" cy="815478"/>
+              </a:xfrm>
+              <a:prstGeom prst="roundRect">
+                <a:avLst/>
+              </a:prstGeom>
+              <a:noFill/>
+              <a:ln w="19050">
+                <a:solidFill>
+                  <a:schemeClr val="tx1"/>
+                </a:solidFill>
+              </a:ln>
+            </p:spPr>
+            <p:style>
+              <a:lnRef idx="2">
+                <a:schemeClr val="accent1">
+                  <a:shade val="50000"/>
+                </a:schemeClr>
+              </a:lnRef>
+              <a:fillRef idx="1">
+                <a:schemeClr val="accent1"/>
+              </a:fillRef>
+              <a:effectRef idx="0">
+                <a:schemeClr val="accent1"/>
+              </a:effectRef>
+              <a:fontRef idx="minor">
+                <a:schemeClr val="lt1"/>
+              </a:fontRef>
+            </p:style>
+            <p:txBody>
+              <a:bodyPr lIns="45720" tIns="118872" rtlCol="0" anchor="t" anchorCtr="0"/>
+              <a:lstStyle/>
+              <a:p>
+                <a:pPr marL="0" marR="0" lvl="0" indent="0" algn="l" defTabSz="914400" rtl="0" eaLnBrk="1" fontAlgn="auto" latinLnBrk="0" hangingPunct="1">
+                  <a:lnSpc>
+                    <a:spcPct val="100000"/>
+                  </a:lnSpc>
+                  <a:spcBef>
+                    <a:spcPts val="0"/>
+                  </a:spcBef>
+                  <a:spcAft>
+                    <a:spcPts val="0"/>
+                  </a:spcAft>
+                  <a:buClrTx/>
+                  <a:buSzTx/>
+                  <a:buFontTx/>
+                  <a:buNone/>
+                  <a:tabLst/>
+                  <a:defRPr/>
+                </a:pPr>
+                <a:r>
+                  <a:rPr lang="en-US" sz="800" dirty="0">
+                    <a:solidFill>
+                      <a:prstClr val="black"/>
+                    </a:solidFill>
+                  </a:rPr>
+                  <a:t>cluster-1</a:t>
+                </a:r>
+                <a:endParaRPr kumimoji="0" lang="en-US" sz="800" b="0" i="0" u="none" strike="noStrike" kern="1200" cap="none" spc="0" normalizeH="0" baseline="0" noProof="0" dirty="0">
+                  <a:ln>
+                    <a:noFill/>
+                  </a:ln>
+                  <a:solidFill>
+                    <a:prstClr val="black"/>
+                  </a:solidFill>
+                  <a:effectLst/>
+                  <a:uLnTx/>
+                  <a:uFillTx/>
+                  <a:ea typeface="+mn-ea"/>
+                  <a:cs typeface="+mn-cs"/>
+                </a:endParaRPr>
+              </a:p>
+            </p:txBody>
+          </p:sp>
+        </p:grpSp>
+        <p:sp>
+          <p:nvSpPr>
+            <p:cNvPr id="36" name="Flowchart: Off-page Connector 35">
+              <a:extLst>
+                <a:ext uri="{FF2B5EF4-FFF2-40B4-BE49-F238E27FC236}">
+                  <a16:creationId xmlns:a16="http://schemas.microsoft.com/office/drawing/2014/main" id="{200F0872-23D3-5A7D-8660-9DA58F7CD82D}"/>
+                </a:ext>
+              </a:extLst>
+            </p:cNvPr>
+            <p:cNvSpPr/>
+            <p:nvPr/>
+          </p:nvSpPr>
+          <p:spPr>
+            <a:xfrm>
+              <a:off x="4267973" y="3517290"/>
+              <a:ext cx="466531" cy="279919"/>
+            </a:xfrm>
+            <a:prstGeom prst="flowChartOffpageConnector">
+              <a:avLst/>
+            </a:prstGeom>
+            <a:solidFill>
+              <a:schemeClr val="bg1"/>
+            </a:solidFill>
+            <a:ln w="19050">
+              <a:solidFill>
+                <a:schemeClr val="tx1"/>
+              </a:solidFill>
+            </a:ln>
+          </p:spPr>
+          <p:style>
+            <a:lnRef idx="2">
+              <a:schemeClr val="accent1">
+                <a:shade val="50000"/>
+              </a:schemeClr>
+            </a:lnRef>
+            <a:fillRef idx="1">
+              <a:schemeClr val="accent1"/>
+            </a:fillRef>
+            <a:effectRef idx="0">
+              <a:schemeClr val="accent1"/>
+            </a:effectRef>
+            <a:fontRef idx="minor">
+              <a:schemeClr val="lt1"/>
+            </a:fontRef>
+          </p:style>
+          <p:txBody>
+            <a:bodyPr tIns="0" rtlCol="0" anchor="t" anchorCtr="0"/>
+            <a:lstStyle/>
+            <a:p>
+              <a:pPr marL="0" marR="0" lvl="0" indent="0" algn="l" defTabSz="914400" rtl="0" eaLnBrk="1" fontAlgn="auto" latinLnBrk="0" hangingPunct="1">
+                <a:lnSpc>
+                  <a:spcPct val="100000"/>
+                </a:lnSpc>
+                <a:spcBef>
+                  <a:spcPts val="0"/>
+                </a:spcBef>
+                <a:spcAft>
+                  <a:spcPts val="0"/>
+                </a:spcAft>
+                <a:buClrTx/>
+                <a:buSzTx/>
+                <a:buFontTx/>
+                <a:buNone/>
+                <a:tabLst/>
+                <a:defRPr/>
+              </a:pPr>
+              <a:endParaRPr kumimoji="0" lang="en-US" sz="1000" b="0" i="0" u="none" strike="noStrike" kern="1200" cap="none" spc="0" normalizeH="0" baseline="0" noProof="0">
+                <a:ln>
+                  <a:noFill/>
+                </a:ln>
+                <a:solidFill>
+                  <a:prstClr val="black"/>
+                </a:solidFill>
+                <a:effectLst/>
+                <a:uLnTx/>
+                <a:uFillTx/>
+                <a:ea typeface="+mn-ea"/>
+                <a:cs typeface="+mn-cs"/>
+              </a:endParaRPr>
+            </a:p>
+          </p:txBody>
+        </p:sp>
+        <p:sp>
+          <p:nvSpPr>
+            <p:cNvPr id="37" name="TextBox 36">
+              <a:extLst>
+                <a:ext uri="{FF2B5EF4-FFF2-40B4-BE49-F238E27FC236}">
+                  <a16:creationId xmlns:a16="http://schemas.microsoft.com/office/drawing/2014/main" id="{75E9CD42-DACD-5EDE-FB72-AF6D27C6718E}"/>
+                </a:ext>
+              </a:extLst>
+            </p:cNvPr>
+            <p:cNvSpPr txBox="1"/>
+            <p:nvPr/>
+          </p:nvSpPr>
+          <p:spPr>
+            <a:xfrm>
+              <a:off x="4295092" y="3534139"/>
+              <a:ext cx="412292" cy="230832"/>
+            </a:xfrm>
+            <a:prstGeom prst="rect">
+              <a:avLst/>
+            </a:prstGeom>
+            <a:noFill/>
+          </p:spPr>
+          <p:txBody>
+            <a:bodyPr wrap="square" rtlCol="0">
+              <a:spAutoFit/>
+            </a:bodyPr>
+            <a:lstStyle/>
+            <a:p>
+              <a:pPr marL="0" marR="0" lvl="0" indent="0" algn="l" defTabSz="914400" rtl="0" eaLnBrk="1" fontAlgn="auto" latinLnBrk="0" hangingPunct="1">
+                <a:lnSpc>
+                  <a:spcPct val="100000"/>
+                </a:lnSpc>
+                <a:spcBef>
+                  <a:spcPts val="0"/>
+                </a:spcBef>
+                <a:spcAft>
+                  <a:spcPts val="0"/>
+                </a:spcAft>
+                <a:buClrTx/>
+                <a:buSzTx/>
+                <a:buFontTx/>
+                <a:buNone/>
+                <a:tabLst/>
+                <a:defRPr/>
+              </a:pPr>
+              <a:r>
+                <a:rPr kumimoji="0" lang="en-US" sz="900" b="0" i="0" u="none" strike="noStrike" kern="1200" cap="none" spc="0" normalizeH="0" baseline="0" noProof="0" dirty="0">
+                  <a:ln>
+                    <a:noFill/>
+                  </a:ln>
+                  <a:solidFill>
+                    <a:prstClr val="black"/>
+                  </a:solidFill>
+                  <a:effectLst/>
+                  <a:uLnTx/>
+                  <a:uFillTx/>
+                  <a:ea typeface="+mn-ea"/>
+                  <a:cs typeface="+mn-cs"/>
+                </a:rPr>
+                <a:t>host</a:t>
+              </a:r>
+            </a:p>
+          </p:txBody>
+        </p:sp>
+        <p:grpSp>
+          <p:nvGrpSpPr>
+            <p:cNvPr id="58" name="Group 57">
+              <a:extLst>
+                <a:ext uri="{FF2B5EF4-FFF2-40B4-BE49-F238E27FC236}">
+                  <a16:creationId xmlns:a16="http://schemas.microsoft.com/office/drawing/2014/main" id="{F6FF56A3-16B1-831C-57CE-9919876BB236}"/>
+                </a:ext>
+              </a:extLst>
+            </p:cNvPr>
+            <p:cNvGrpSpPr/>
+            <p:nvPr/>
+          </p:nvGrpSpPr>
+          <p:grpSpPr>
+            <a:xfrm>
+              <a:off x="4267973" y="2620040"/>
+              <a:ext cx="466531" cy="351106"/>
+              <a:chOff x="6810318" y="4284899"/>
+              <a:chExt cx="466531" cy="351106"/>
+            </a:xfrm>
+          </p:grpSpPr>
+          <p:sp>
+            <p:nvSpPr>
+              <p:cNvPr id="54" name="Arrow: Chevron 53">
+                <a:extLst>
+                  <a:ext uri="{FF2B5EF4-FFF2-40B4-BE49-F238E27FC236}">
+                    <a16:creationId xmlns:a16="http://schemas.microsoft.com/office/drawing/2014/main" id="{20E00F62-D32A-8FB7-5FEB-5D3162EC33D3}"/>
+                  </a:ext>
+                </a:extLst>
+              </p:cNvPr>
+              <p:cNvSpPr/>
+              <p:nvPr/>
+            </p:nvSpPr>
+            <p:spPr>
+              <a:xfrm rot="5400000">
+                <a:off x="6868031" y="4227186"/>
+                <a:ext cx="351106" cy="466531"/>
+              </a:xfrm>
+              <a:prstGeom prst="chevron">
+                <a:avLst>
+                  <a:gd name="adj" fmla="val 14000"/>
+                </a:avLst>
+              </a:prstGeom>
+              <a:solidFill>
+                <a:schemeClr val="bg1"/>
+              </a:solidFill>
+              <a:ln w="12700">
+                <a:solidFill>
+                  <a:schemeClr val="tx1"/>
+                </a:solidFill>
+              </a:ln>
+            </p:spPr>
+            <p:style>
+              <a:lnRef idx="2">
+                <a:schemeClr val="accent1">
+                  <a:shade val="50000"/>
+                </a:schemeClr>
+              </a:lnRef>
+              <a:fillRef idx="1">
+                <a:schemeClr val="accent1"/>
+              </a:fillRef>
+              <a:effectRef idx="0">
+                <a:schemeClr val="accent1"/>
+              </a:effectRef>
+              <a:fontRef idx="minor">
+                <a:schemeClr val="lt1"/>
+              </a:fontRef>
+            </p:style>
+            <p:txBody>
+              <a:bodyPr tIns="0" rtlCol="0" anchor="t" anchorCtr="0"/>
+              <a:lstStyle/>
+              <a:p>
+                <a:pPr marL="0" marR="0" lvl="0" indent="0" algn="l" defTabSz="914400" rtl="0" eaLnBrk="1" fontAlgn="auto" latinLnBrk="0" hangingPunct="1">
+                  <a:lnSpc>
+                    <a:spcPct val="100000"/>
+                  </a:lnSpc>
+                  <a:spcBef>
+                    <a:spcPts val="0"/>
+                  </a:spcBef>
+                  <a:spcAft>
+                    <a:spcPts val="0"/>
+                  </a:spcAft>
+                  <a:buClrTx/>
+                  <a:buSzTx/>
+                  <a:buFontTx/>
+                  <a:buNone/>
+                  <a:tabLst/>
+                  <a:defRPr/>
+                </a:pPr>
+                <a:endParaRPr kumimoji="0" lang="en-US" sz="1000" b="0" i="0" u="none" strike="noStrike" kern="1200" cap="none" spc="0" normalizeH="0" baseline="0" noProof="0">
+                  <a:ln>
+                    <a:noFill/>
+                  </a:ln>
+                  <a:solidFill>
+                    <a:prstClr val="black"/>
+                  </a:solidFill>
+                  <a:effectLst/>
+                  <a:uLnTx/>
+                  <a:uFillTx/>
+                  <a:ea typeface="+mn-ea"/>
+                  <a:cs typeface="+mn-cs"/>
+                </a:endParaRPr>
+              </a:p>
+            </p:txBody>
+          </p:sp>
+          <p:sp>
+            <p:nvSpPr>
+              <p:cNvPr id="57" name="TextBox 56">
+                <a:extLst>
+                  <a:ext uri="{FF2B5EF4-FFF2-40B4-BE49-F238E27FC236}">
+                    <a16:creationId xmlns:a16="http://schemas.microsoft.com/office/drawing/2014/main" id="{430F5921-AE55-FC29-BAE4-5A0B0592787C}"/>
+                  </a:ext>
+                </a:extLst>
+              </p:cNvPr>
+              <p:cNvSpPr txBox="1"/>
+              <p:nvPr/>
+            </p:nvSpPr>
+            <p:spPr>
+              <a:xfrm>
+                <a:off x="6837438" y="4337341"/>
+                <a:ext cx="412292" cy="230832"/>
+              </a:xfrm>
+              <a:prstGeom prst="rect">
+                <a:avLst/>
+              </a:prstGeom>
+              <a:noFill/>
+            </p:spPr>
+            <p:txBody>
+              <a:bodyPr wrap="square" rtlCol="0">
+                <a:spAutoFit/>
+              </a:bodyPr>
+              <a:lstStyle/>
+              <a:p>
+                <a:pPr marL="0" marR="0" lvl="0" indent="0" algn="l" defTabSz="914400" rtl="0" eaLnBrk="1" fontAlgn="auto" latinLnBrk="0" hangingPunct="1">
+                  <a:lnSpc>
+                    <a:spcPct val="100000"/>
+                  </a:lnSpc>
+                  <a:spcBef>
+                    <a:spcPts val="0"/>
+                  </a:spcBef>
+                  <a:spcAft>
+                    <a:spcPts val="0"/>
+                  </a:spcAft>
+                  <a:buClrTx/>
+                  <a:buSzTx/>
+                  <a:buFontTx/>
+                  <a:buNone/>
+                  <a:tabLst/>
+                  <a:defRPr/>
+                </a:pPr>
+                <a:r>
+                  <a:rPr kumimoji="0" lang="en-US" sz="900" b="0" i="0" u="none" strike="noStrike" kern="1200" cap="none" spc="0" normalizeH="0" baseline="0" noProof="0" dirty="0">
+                    <a:ln>
+                      <a:noFill/>
+                    </a:ln>
+                    <a:solidFill>
+                      <a:prstClr val="black"/>
+                    </a:solidFill>
+                    <a:effectLst/>
+                    <a:uLnTx/>
+                    <a:uFillTx/>
+                    <a:ea typeface="+mn-ea"/>
+                    <a:cs typeface="+mn-cs"/>
+                  </a:rPr>
+                  <a:t>host</a:t>
+                </a:r>
+              </a:p>
+            </p:txBody>
+          </p:sp>
+        </p:grpSp>
+      </p:grpSp>
+    </p:spTree>
+    <p:extLst>
+      <p:ext uri="{BB962C8B-B14F-4D97-AF65-F5344CB8AC3E}">
+        <p14:creationId xmlns:p14="http://schemas.microsoft.com/office/powerpoint/2010/main" val="3881308953"/>
+      </p:ext>
+    </p:extLst>
+  </p:cSld>
+  <p:clrMapOvr>
+    <a:masterClrMapping/>
+  </p:clrMapOvr>
+</p:sld>
+</file>
+
+<file path=ppt/slides/slide6.xml><?xml version="1.0" encoding="utf-8"?>
+<p:sld xmlns:a="http://schemas.openxmlformats.org/drawingml/2006/main" xmlns:r="http://schemas.openxmlformats.org/officeDocument/2006/relationships" xmlns:p="http://schemas.openxmlformats.org/presentationml/2006/main">
+  <p:cSld>
+    <p:spTree>
+      <p:nvGrpSpPr>
+        <p:cNvPr id="1" name=""/>
+        <p:cNvGrpSpPr/>
+        <p:nvPr/>
+      </p:nvGrpSpPr>
+      <p:grpSpPr>
+        <a:xfrm>
+          <a:off x="0" y="0"/>
+          <a:ext cx="0" cy="0"/>
+          <a:chOff x="0" y="0"/>
+          <a:chExt cx="0" cy="0"/>
+        </a:xfrm>
+      </p:grpSpPr>
+      <p:grpSp>
+        <p:nvGrpSpPr>
+          <p:cNvPr id="6" name="Group 5">
+            <a:extLst>
+              <a:ext uri="{FF2B5EF4-FFF2-40B4-BE49-F238E27FC236}">
+                <a16:creationId xmlns:a16="http://schemas.microsoft.com/office/drawing/2014/main" id="{F031641E-738C-E67C-8966-137FA17844B6}"/>
+              </a:ext>
+            </a:extLst>
+          </p:cNvPr>
+          <p:cNvGrpSpPr/>
+          <p:nvPr/>
+        </p:nvGrpSpPr>
+        <p:grpSpPr>
+          <a:xfrm>
+            <a:off x="5710290" y="969323"/>
+            <a:ext cx="771421" cy="4919355"/>
+            <a:chOff x="6873867" y="1548208"/>
+            <a:chExt cx="771421" cy="4919355"/>
+          </a:xfrm>
+        </p:grpSpPr>
+        <p:grpSp>
+          <p:nvGrpSpPr>
+            <p:cNvPr id="18" name="Group 17">
+              <a:extLst>
+                <a:ext uri="{FF2B5EF4-FFF2-40B4-BE49-F238E27FC236}">
+                  <a16:creationId xmlns:a16="http://schemas.microsoft.com/office/drawing/2014/main" id="{0965E86A-1C94-A558-145A-CBC2E89E62AD}"/>
+                </a:ext>
+              </a:extLst>
+            </p:cNvPr>
+            <p:cNvGrpSpPr/>
+            <p:nvPr/>
+          </p:nvGrpSpPr>
+          <p:grpSpPr>
+            <a:xfrm>
+              <a:off x="6873867" y="5476531"/>
+              <a:ext cx="771421" cy="991032"/>
+              <a:chOff x="3816079" y="4223863"/>
+              <a:chExt cx="771421" cy="991032"/>
+            </a:xfrm>
+          </p:grpSpPr>
+          <p:sp>
+            <p:nvSpPr>
+              <p:cNvPr id="19" name="Rectangle 18">
+                <a:extLst>
+                  <a:ext uri="{FF2B5EF4-FFF2-40B4-BE49-F238E27FC236}">
+                    <a16:creationId xmlns:a16="http://schemas.microsoft.com/office/drawing/2014/main" id="{D1423ABE-B95A-39BF-B25A-51AE295D7BCC}"/>
+                  </a:ext>
+                </a:extLst>
+              </p:cNvPr>
+              <p:cNvSpPr/>
+              <p:nvPr/>
+            </p:nvSpPr>
+            <p:spPr>
+              <a:xfrm>
+                <a:off x="3816079" y="4722603"/>
+                <a:ext cx="771421" cy="250978"/>
+              </a:xfrm>
+              <a:prstGeom prst="rect">
+                <a:avLst/>
+              </a:prstGeom>
+              <a:solidFill>
+                <a:schemeClr val="bg1">
+                  <a:lumMod val="95000"/>
+                </a:schemeClr>
+              </a:solidFill>
+              <a:ln w="19050">
+                <a:solidFill>
+                  <a:schemeClr val="bg2"/>
+                </a:solidFill>
+              </a:ln>
+            </p:spPr>
+            <p:style>
+              <a:lnRef idx="2">
+                <a:schemeClr val="accent1">
+                  <a:shade val="50000"/>
+                </a:schemeClr>
+              </a:lnRef>
+              <a:fillRef idx="1">
+                <a:schemeClr val="accent1"/>
+              </a:fillRef>
+              <a:effectRef idx="0">
+                <a:schemeClr val="accent1"/>
+              </a:effectRef>
+              <a:fontRef idx="minor">
+                <a:schemeClr val="lt1"/>
+              </a:fontRef>
+            </p:style>
+            <p:txBody>
+              <a:bodyPr lIns="0" rIns="0" rtlCol="0" anchor="ctr"/>
+              <a:lstStyle/>
+              <a:p>
+                <a:pPr marL="0" marR="0" lvl="0" indent="0" algn="ctr" defTabSz="914400" rtl="0" eaLnBrk="1" fontAlgn="auto" latinLnBrk="0" hangingPunct="1">
+                  <a:lnSpc>
+                    <a:spcPct val="100000"/>
+                  </a:lnSpc>
+                  <a:spcBef>
+                    <a:spcPts val="0"/>
+                  </a:spcBef>
+                  <a:spcAft>
+                    <a:spcPts val="0"/>
+                  </a:spcAft>
+                  <a:buClrTx/>
+                  <a:buSzTx/>
+                  <a:buFontTx/>
+                  <a:buNone/>
+                  <a:tabLst/>
+                  <a:defRPr/>
+                </a:pPr>
+                <a:r>
+                  <a:rPr kumimoji="0" lang="en-US" sz="900" b="0" i="0" u="none" strike="noStrike" kern="1200" cap="none" spc="0" normalizeH="0" baseline="0" noProof="0" dirty="0">
+                    <a:ln>
+                      <a:noFill/>
+                    </a:ln>
+                    <a:solidFill>
+                      <a:prstClr val="black"/>
+                    </a:solidFill>
+                    <a:effectLst/>
+                    <a:uLnTx/>
+                    <a:uFillTx/>
+                    <a:ea typeface="+mn-ea"/>
+                    <a:cs typeface="+mn-cs"/>
+                  </a:rPr>
+                  <a:t>Compute</a:t>
+                </a:r>
+              </a:p>
+              <a:p>
+                <a:pPr marL="0" marR="0" lvl="0" indent="0" algn="ctr" defTabSz="914400" rtl="0" eaLnBrk="1" fontAlgn="auto" latinLnBrk="0" hangingPunct="1">
+                  <a:lnSpc>
+                    <a:spcPct val="100000"/>
+                  </a:lnSpc>
+                  <a:spcBef>
+                    <a:spcPts val="0"/>
+                  </a:spcBef>
+                  <a:spcAft>
+                    <a:spcPts val="0"/>
+                  </a:spcAft>
+                  <a:buClrTx/>
+                  <a:buSzTx/>
+                  <a:buFontTx/>
+                  <a:buNone/>
+                  <a:tabLst/>
+                  <a:defRPr/>
+                </a:pPr>
+                <a:r>
+                  <a:rPr kumimoji="0" lang="en-US" sz="900" b="0" i="0" u="none" strike="noStrike" kern="1200" cap="none" spc="0" normalizeH="0" baseline="0" noProof="0" dirty="0">
+                    <a:ln>
+                      <a:noFill/>
+                    </a:ln>
+                    <a:solidFill>
+                      <a:prstClr val="black"/>
+                    </a:solidFill>
+                    <a:effectLst/>
+                    <a:uLnTx/>
+                    <a:uFillTx/>
+                    <a:ea typeface="+mn-ea"/>
+                    <a:cs typeface="+mn-cs"/>
+                  </a:rPr>
+                  <a:t>Platform</a:t>
+                </a:r>
+              </a:p>
+            </p:txBody>
+          </p:sp>
+          <p:sp>
+            <p:nvSpPr>
+              <p:cNvPr id="20" name="Rectangle: Rounded Corners 19">
+                <a:extLst>
+                  <a:ext uri="{FF2B5EF4-FFF2-40B4-BE49-F238E27FC236}">
+                    <a16:creationId xmlns:a16="http://schemas.microsoft.com/office/drawing/2014/main" id="{78CF353B-5D46-A40D-867F-63CF5553D636}"/>
+                  </a:ext>
+                </a:extLst>
+              </p:cNvPr>
+              <p:cNvSpPr/>
+              <p:nvPr/>
+            </p:nvSpPr>
+            <p:spPr>
+              <a:xfrm>
+                <a:off x="3816080" y="4399416"/>
+                <a:ext cx="771420" cy="815479"/>
+              </a:xfrm>
+              <a:prstGeom prst="roundRect">
+                <a:avLst/>
+              </a:prstGeom>
+              <a:noFill/>
+              <a:ln w="19050">
+                <a:solidFill>
+                  <a:schemeClr val="tx1"/>
+                </a:solidFill>
+              </a:ln>
+            </p:spPr>
+            <p:style>
+              <a:lnRef idx="2">
+                <a:schemeClr val="accent1">
+                  <a:shade val="50000"/>
+                </a:schemeClr>
+              </a:lnRef>
+              <a:fillRef idx="1">
+                <a:schemeClr val="accent1"/>
+              </a:fillRef>
+              <a:effectRef idx="0">
+                <a:schemeClr val="accent1"/>
+              </a:effectRef>
+              <a:fontRef idx="minor">
+                <a:schemeClr val="lt1"/>
+              </a:fontRef>
+            </p:style>
+            <p:txBody>
+              <a:bodyPr lIns="45720" tIns="0" bIns="9144" rtlCol="0" anchor="b" anchorCtr="0"/>
+              <a:lstStyle/>
+              <a:p>
+                <a:pPr lvl="0">
+                  <a:defRPr/>
+                </a:pPr>
+                <a:r>
+                  <a:rPr lang="en-US" sz="800" dirty="0">
+                    <a:solidFill>
+                      <a:prstClr val="black"/>
+                    </a:solidFill>
+                  </a:rPr>
+                  <a:t>server-1</a:t>
+                </a:r>
+                <a:endParaRPr kumimoji="0" lang="en-US" sz="800" b="0" i="0" u="none" strike="noStrike" kern="1200" cap="none" spc="0" normalizeH="0" baseline="0" noProof="0" dirty="0">
+                  <a:ln>
+                    <a:noFill/>
+                  </a:ln>
+                  <a:solidFill>
+                    <a:prstClr val="black"/>
+                  </a:solidFill>
+                  <a:effectLst/>
+                  <a:uLnTx/>
+                  <a:uFillTx/>
+                  <a:ea typeface="+mn-ea"/>
+                  <a:cs typeface="+mn-cs"/>
+                </a:endParaRPr>
+              </a:p>
+            </p:txBody>
+          </p:sp>
+          <p:sp>
+            <p:nvSpPr>
+              <p:cNvPr id="21" name="Arrow: Chevron 20">
+                <a:extLst>
+                  <a:ext uri="{FF2B5EF4-FFF2-40B4-BE49-F238E27FC236}">
+                    <a16:creationId xmlns:a16="http://schemas.microsoft.com/office/drawing/2014/main" id="{C60B1716-C9A4-F253-E974-95F1F394129E}"/>
+                  </a:ext>
+                </a:extLst>
+              </p:cNvPr>
+              <p:cNvSpPr/>
+              <p:nvPr/>
+            </p:nvSpPr>
+            <p:spPr>
+              <a:xfrm rot="5400000">
+                <a:off x="4026243" y="4166150"/>
+                <a:ext cx="351106" cy="466531"/>
+              </a:xfrm>
+              <a:prstGeom prst="chevron">
+                <a:avLst>
+                  <a:gd name="adj" fmla="val 14000"/>
+                </a:avLst>
+              </a:prstGeom>
+              <a:solidFill>
+                <a:schemeClr val="bg1"/>
+              </a:solidFill>
+              <a:ln w="12700">
+                <a:solidFill>
+                  <a:schemeClr val="tx1"/>
+                </a:solidFill>
+              </a:ln>
+            </p:spPr>
+            <p:style>
+              <a:lnRef idx="2">
+                <a:schemeClr val="accent1">
+                  <a:shade val="50000"/>
+                </a:schemeClr>
+              </a:lnRef>
+              <a:fillRef idx="1">
+                <a:schemeClr val="accent1"/>
+              </a:fillRef>
+              <a:effectRef idx="0">
+                <a:schemeClr val="accent1"/>
+              </a:effectRef>
+              <a:fontRef idx="minor">
+                <a:schemeClr val="lt1"/>
+              </a:fontRef>
+            </p:style>
+            <p:txBody>
+              <a:bodyPr tIns="0" rtlCol="0" anchor="t" anchorCtr="0"/>
+              <a:lstStyle/>
+              <a:p>
+                <a:pPr marL="0" marR="0" lvl="0" indent="0" algn="l" defTabSz="914400" rtl="0" eaLnBrk="1" fontAlgn="auto" latinLnBrk="0" hangingPunct="1">
+                  <a:lnSpc>
+                    <a:spcPct val="100000"/>
+                  </a:lnSpc>
+                  <a:spcBef>
+                    <a:spcPts val="0"/>
+                  </a:spcBef>
+                  <a:spcAft>
+                    <a:spcPts val="0"/>
+                  </a:spcAft>
+                  <a:buClrTx/>
+                  <a:buSzTx/>
+                  <a:buFontTx/>
+                  <a:buNone/>
+                  <a:tabLst/>
+                  <a:defRPr/>
+                </a:pPr>
+                <a:endParaRPr kumimoji="0" lang="en-US" sz="1000" b="0" i="0" u="none" strike="noStrike" kern="1200" cap="none" spc="0" normalizeH="0" baseline="0" noProof="0">
+                  <a:ln>
+                    <a:noFill/>
+                  </a:ln>
+                  <a:solidFill>
+                    <a:prstClr val="black"/>
+                  </a:solidFill>
+                  <a:effectLst/>
+                  <a:uLnTx/>
+                  <a:uFillTx/>
+                  <a:ea typeface="+mn-ea"/>
+                  <a:cs typeface="+mn-cs"/>
+                </a:endParaRPr>
+              </a:p>
+            </p:txBody>
+          </p:sp>
+          <p:sp>
+            <p:nvSpPr>
+              <p:cNvPr id="22" name="TextBox 21">
+                <a:extLst>
+                  <a:ext uri="{FF2B5EF4-FFF2-40B4-BE49-F238E27FC236}">
+                    <a16:creationId xmlns:a16="http://schemas.microsoft.com/office/drawing/2014/main" id="{F268AEC8-6C38-0232-0F56-5A4E5946BD1B}"/>
+                  </a:ext>
+                </a:extLst>
+              </p:cNvPr>
+              <p:cNvSpPr txBox="1"/>
+              <p:nvPr/>
+            </p:nvSpPr>
+            <p:spPr>
+              <a:xfrm>
+                <a:off x="3995650" y="4276305"/>
+                <a:ext cx="412292" cy="230832"/>
+              </a:xfrm>
+              <a:prstGeom prst="rect">
+                <a:avLst/>
+              </a:prstGeom>
+              <a:noFill/>
+            </p:spPr>
+            <p:txBody>
+              <a:bodyPr wrap="square" rtlCol="0">
+                <a:spAutoFit/>
+              </a:bodyPr>
+              <a:lstStyle/>
+              <a:p>
+                <a:pPr marL="0" marR="0" lvl="0" indent="0" algn="l" defTabSz="914400" rtl="0" eaLnBrk="1" fontAlgn="auto" latinLnBrk="0" hangingPunct="1">
+                  <a:lnSpc>
+                    <a:spcPct val="100000"/>
+                  </a:lnSpc>
+                  <a:spcBef>
+                    <a:spcPts val="0"/>
+                  </a:spcBef>
+                  <a:spcAft>
+                    <a:spcPts val="0"/>
+                  </a:spcAft>
+                  <a:buClrTx/>
+                  <a:buSzTx/>
+                  <a:buFontTx/>
+                  <a:buNone/>
+                  <a:tabLst/>
+                  <a:defRPr/>
+                </a:pPr>
+                <a:r>
+                  <a:rPr kumimoji="0" lang="en-US" sz="900" b="0" i="0" u="none" strike="noStrike" kern="1200" cap="none" spc="0" normalizeH="0" baseline="0" noProof="0" dirty="0">
+                    <a:ln>
+                      <a:noFill/>
+                    </a:ln>
+                    <a:solidFill>
+                      <a:prstClr val="black"/>
+                    </a:solidFill>
+                    <a:effectLst/>
+                    <a:uLnTx/>
+                    <a:uFillTx/>
+                    <a:ea typeface="+mn-ea"/>
+                    <a:cs typeface="+mn-cs"/>
+                  </a:rPr>
+                  <a:t>host</a:t>
+                </a:r>
+              </a:p>
+            </p:txBody>
+          </p:sp>
+        </p:grpSp>
+        <p:grpSp>
+          <p:nvGrpSpPr>
+            <p:cNvPr id="147" name="Group 146">
+              <a:extLst>
+                <a:ext uri="{FF2B5EF4-FFF2-40B4-BE49-F238E27FC236}">
+                  <a16:creationId xmlns:a16="http://schemas.microsoft.com/office/drawing/2014/main" id="{0375C6D9-01BE-B248-9FB8-0C3F014FEF4F}"/>
+                </a:ext>
+              </a:extLst>
+            </p:cNvPr>
+            <p:cNvGrpSpPr/>
+            <p:nvPr/>
+          </p:nvGrpSpPr>
+          <p:grpSpPr>
+            <a:xfrm>
+              <a:off x="6873867" y="4099400"/>
+              <a:ext cx="771421" cy="1177169"/>
+              <a:chOff x="4115528" y="2620040"/>
+              <a:chExt cx="771421" cy="1177169"/>
+            </a:xfrm>
+          </p:grpSpPr>
+          <p:grpSp>
+            <p:nvGrpSpPr>
+              <p:cNvPr id="146" name="Group 145">
+                <a:extLst>
+                  <a:ext uri="{FF2B5EF4-FFF2-40B4-BE49-F238E27FC236}">
+                    <a16:creationId xmlns:a16="http://schemas.microsoft.com/office/drawing/2014/main" id="{21372C5F-6019-6E0C-9508-4E8A358AF2EE}"/>
+                  </a:ext>
+                </a:extLst>
+              </p:cNvPr>
+              <p:cNvGrpSpPr/>
+              <p:nvPr/>
+            </p:nvGrpSpPr>
+            <p:grpSpPr>
+              <a:xfrm>
+                <a:off x="4115528" y="2823110"/>
+                <a:ext cx="771421" cy="815478"/>
+                <a:chOff x="4115528" y="2823110"/>
+                <a:chExt cx="771421" cy="815478"/>
+              </a:xfrm>
+            </p:grpSpPr>
+            <p:sp>
+              <p:nvSpPr>
+                <p:cNvPr id="34" name="Rectangle 33">
+                  <a:extLst>
+                    <a:ext uri="{FF2B5EF4-FFF2-40B4-BE49-F238E27FC236}">
+                      <a16:creationId xmlns:a16="http://schemas.microsoft.com/office/drawing/2014/main" id="{AC8C008F-40AE-7B56-066D-358A9B134B49}"/>
+                    </a:ext>
+                  </a:extLst>
+                </p:cNvPr>
+                <p:cNvSpPr/>
+                <p:nvPr/>
+              </p:nvSpPr>
+              <p:spPr>
+                <a:xfrm>
+                  <a:off x="4115528" y="3145212"/>
+                  <a:ext cx="771421" cy="279919"/>
+                </a:xfrm>
+                <a:prstGeom prst="rect">
+                  <a:avLst/>
+                </a:prstGeom>
+                <a:solidFill>
+                  <a:schemeClr val="bg1">
+                    <a:lumMod val="95000"/>
+                  </a:schemeClr>
+                </a:solidFill>
+                <a:ln w="19050">
+                  <a:solidFill>
+                    <a:schemeClr val="bg2"/>
+                  </a:solidFill>
+                </a:ln>
+              </p:spPr>
+              <p:style>
+                <a:lnRef idx="2">
+                  <a:schemeClr val="accent1">
+                    <a:shade val="50000"/>
+                  </a:schemeClr>
+                </a:lnRef>
+                <a:fillRef idx="1">
+                  <a:schemeClr val="accent1"/>
+                </a:fillRef>
+                <a:effectRef idx="0">
+                  <a:schemeClr val="accent1"/>
+                </a:effectRef>
+                <a:fontRef idx="minor">
+                  <a:schemeClr val="lt1"/>
+                </a:fontRef>
+              </p:style>
+              <p:txBody>
+                <a:bodyPr lIns="0" rIns="0" rtlCol="0" anchor="ctr"/>
+                <a:lstStyle/>
+                <a:p>
+                  <a:pPr marL="0" marR="0" lvl="0" indent="0" algn="ctr" defTabSz="914400" rtl="0" eaLnBrk="1" fontAlgn="auto" latinLnBrk="0" hangingPunct="1">
+                    <a:lnSpc>
+                      <a:spcPct val="100000"/>
+                    </a:lnSpc>
+                    <a:spcBef>
+                      <a:spcPts val="0"/>
+                    </a:spcBef>
+                    <a:spcAft>
+                      <a:spcPts val="0"/>
+                    </a:spcAft>
+                    <a:buClrTx/>
+                    <a:buSzTx/>
+                    <a:buFontTx/>
+                    <a:buNone/>
+                    <a:tabLst/>
+                    <a:defRPr/>
+                  </a:pPr>
+                  <a:r>
+                    <a:rPr kumimoji="0" lang="en-US" sz="900" b="0" i="0" u="none" strike="noStrike" kern="1200" cap="none" spc="0" normalizeH="0" baseline="0" noProof="0" dirty="0">
+                      <a:ln>
+                        <a:noFill/>
+                      </a:ln>
+                      <a:solidFill>
+                        <a:prstClr val="black"/>
+                      </a:solidFill>
+                      <a:effectLst/>
+                      <a:uLnTx/>
+                      <a:uFillTx/>
+                      <a:ea typeface="+mn-ea"/>
+                      <a:cs typeface="+mn-cs"/>
+                    </a:rPr>
+                    <a:t>Kubernetes Cluster</a:t>
+                  </a:r>
+                </a:p>
+              </p:txBody>
+            </p:sp>
+            <p:sp>
+              <p:nvSpPr>
+                <p:cNvPr id="35" name="Rectangle: Rounded Corners 34">
+                  <a:extLst>
+                    <a:ext uri="{FF2B5EF4-FFF2-40B4-BE49-F238E27FC236}">
+                      <a16:creationId xmlns:a16="http://schemas.microsoft.com/office/drawing/2014/main" id="{DFBFC135-6FE4-4904-9572-E0043D70EBD6}"/>
+                    </a:ext>
+                  </a:extLst>
+                </p:cNvPr>
+                <p:cNvSpPr/>
+                <p:nvPr/>
+              </p:nvSpPr>
+              <p:spPr>
+                <a:xfrm>
+                  <a:off x="4115528" y="2823110"/>
+                  <a:ext cx="771420" cy="815478"/>
+                </a:xfrm>
+                <a:prstGeom prst="roundRect">
+                  <a:avLst/>
+                </a:prstGeom>
+                <a:noFill/>
+                <a:ln w="19050">
+                  <a:solidFill>
+                    <a:schemeClr val="tx1"/>
+                  </a:solidFill>
+                </a:ln>
+              </p:spPr>
+              <p:style>
+                <a:lnRef idx="2">
+                  <a:schemeClr val="accent1">
+                    <a:shade val="50000"/>
+                  </a:schemeClr>
+                </a:lnRef>
+                <a:fillRef idx="1">
+                  <a:schemeClr val="accent1"/>
+                </a:fillRef>
+                <a:effectRef idx="0">
+                  <a:schemeClr val="accent1"/>
+                </a:effectRef>
+                <a:fontRef idx="minor">
+                  <a:schemeClr val="lt1"/>
+                </a:fontRef>
+              </p:style>
+              <p:txBody>
+                <a:bodyPr lIns="45720" tIns="118872" rtlCol="0" anchor="t" anchorCtr="0"/>
+                <a:lstStyle/>
+                <a:p>
+                  <a:pPr marL="0" marR="0" lvl="0" indent="0" algn="l" defTabSz="914400" rtl="0" eaLnBrk="1" fontAlgn="auto" latinLnBrk="0" hangingPunct="1">
+                    <a:lnSpc>
+                      <a:spcPct val="100000"/>
+                    </a:lnSpc>
+                    <a:spcBef>
+                      <a:spcPts val="0"/>
+                    </a:spcBef>
+                    <a:spcAft>
+                      <a:spcPts val="0"/>
+                    </a:spcAft>
+                    <a:buClrTx/>
+                    <a:buSzTx/>
+                    <a:buFontTx/>
+                    <a:buNone/>
+                    <a:tabLst/>
+                    <a:defRPr/>
+                  </a:pPr>
+                  <a:r>
+                    <a:rPr lang="en-US" sz="800" dirty="0">
+                      <a:solidFill>
+                        <a:prstClr val="black"/>
+                      </a:solidFill>
+                    </a:rPr>
+                    <a:t>cluster-1</a:t>
+                  </a:r>
+                  <a:endParaRPr kumimoji="0" lang="en-US" sz="800" b="0" i="0" u="none" strike="noStrike" kern="1200" cap="none" spc="0" normalizeH="0" baseline="0" noProof="0" dirty="0">
+                    <a:ln>
+                      <a:noFill/>
+                    </a:ln>
+                    <a:solidFill>
+                      <a:prstClr val="black"/>
+                    </a:solidFill>
+                    <a:effectLst/>
+                    <a:uLnTx/>
+                    <a:uFillTx/>
+                    <a:ea typeface="+mn-ea"/>
+                    <a:cs typeface="+mn-cs"/>
+                  </a:endParaRPr>
+                </a:p>
+              </p:txBody>
+            </p:sp>
+          </p:grpSp>
+          <p:sp>
+            <p:nvSpPr>
+              <p:cNvPr id="36" name="Flowchart: Off-page Connector 35">
+                <a:extLst>
+                  <a:ext uri="{FF2B5EF4-FFF2-40B4-BE49-F238E27FC236}">
+                    <a16:creationId xmlns:a16="http://schemas.microsoft.com/office/drawing/2014/main" id="{200F0872-23D3-5A7D-8660-9DA58F7CD82D}"/>
+                  </a:ext>
+                </a:extLst>
+              </p:cNvPr>
+              <p:cNvSpPr/>
+              <p:nvPr/>
+            </p:nvSpPr>
+            <p:spPr>
+              <a:xfrm>
+                <a:off x="4267973" y="3517290"/>
+                <a:ext cx="466531" cy="279919"/>
+              </a:xfrm>
+              <a:prstGeom prst="flowChartOffpageConnector">
+                <a:avLst/>
+              </a:prstGeom>
+              <a:solidFill>
+                <a:schemeClr val="bg1"/>
+              </a:solidFill>
+              <a:ln w="19050">
+                <a:solidFill>
+                  <a:schemeClr val="tx1"/>
+                </a:solidFill>
+              </a:ln>
+            </p:spPr>
+            <p:style>
+              <a:lnRef idx="2">
+                <a:schemeClr val="accent1">
+                  <a:shade val="50000"/>
+                </a:schemeClr>
+              </a:lnRef>
+              <a:fillRef idx="1">
+                <a:schemeClr val="accent1"/>
+              </a:fillRef>
+              <a:effectRef idx="0">
+                <a:schemeClr val="accent1"/>
+              </a:effectRef>
+              <a:fontRef idx="minor">
+                <a:schemeClr val="lt1"/>
+              </a:fontRef>
+            </p:style>
+            <p:txBody>
+              <a:bodyPr tIns="0" rtlCol="0" anchor="t" anchorCtr="0"/>
+              <a:lstStyle/>
+              <a:p>
+                <a:pPr marL="0" marR="0" lvl="0" indent="0" algn="l" defTabSz="914400" rtl="0" eaLnBrk="1" fontAlgn="auto" latinLnBrk="0" hangingPunct="1">
+                  <a:lnSpc>
+                    <a:spcPct val="100000"/>
+                  </a:lnSpc>
+                  <a:spcBef>
+                    <a:spcPts val="0"/>
+                  </a:spcBef>
+                  <a:spcAft>
+                    <a:spcPts val="0"/>
+                  </a:spcAft>
+                  <a:buClrTx/>
+                  <a:buSzTx/>
+                  <a:buFontTx/>
+                  <a:buNone/>
+                  <a:tabLst/>
+                  <a:defRPr/>
+                </a:pPr>
+                <a:endParaRPr kumimoji="0" lang="en-US" sz="1000" b="0" i="0" u="none" strike="noStrike" kern="1200" cap="none" spc="0" normalizeH="0" baseline="0" noProof="0">
+                  <a:ln>
+                    <a:noFill/>
+                  </a:ln>
+                  <a:solidFill>
+                    <a:prstClr val="black"/>
+                  </a:solidFill>
+                  <a:effectLst/>
+                  <a:uLnTx/>
+                  <a:uFillTx/>
+                  <a:ea typeface="+mn-ea"/>
+                  <a:cs typeface="+mn-cs"/>
+                </a:endParaRPr>
+              </a:p>
+            </p:txBody>
+          </p:sp>
+          <p:sp>
+            <p:nvSpPr>
+              <p:cNvPr id="37" name="TextBox 36">
+                <a:extLst>
+                  <a:ext uri="{FF2B5EF4-FFF2-40B4-BE49-F238E27FC236}">
+                    <a16:creationId xmlns:a16="http://schemas.microsoft.com/office/drawing/2014/main" id="{75E9CD42-DACD-5EDE-FB72-AF6D27C6718E}"/>
+                  </a:ext>
+                </a:extLst>
+              </p:cNvPr>
+              <p:cNvSpPr txBox="1"/>
+              <p:nvPr/>
+            </p:nvSpPr>
+            <p:spPr>
+              <a:xfrm>
+                <a:off x="4295092" y="3534139"/>
+                <a:ext cx="412292" cy="230832"/>
+              </a:xfrm>
+              <a:prstGeom prst="rect">
+                <a:avLst/>
+              </a:prstGeom>
+              <a:noFill/>
+            </p:spPr>
+            <p:txBody>
+              <a:bodyPr wrap="square" rtlCol="0">
+                <a:spAutoFit/>
+              </a:bodyPr>
+              <a:lstStyle/>
+              <a:p>
+                <a:pPr marL="0" marR="0" lvl="0" indent="0" algn="l" defTabSz="914400" rtl="0" eaLnBrk="1" fontAlgn="auto" latinLnBrk="0" hangingPunct="1">
+                  <a:lnSpc>
+                    <a:spcPct val="100000"/>
+                  </a:lnSpc>
+                  <a:spcBef>
+                    <a:spcPts val="0"/>
+                  </a:spcBef>
+                  <a:spcAft>
+                    <a:spcPts val="0"/>
+                  </a:spcAft>
+                  <a:buClrTx/>
+                  <a:buSzTx/>
+                  <a:buFontTx/>
+                  <a:buNone/>
+                  <a:tabLst/>
+                  <a:defRPr/>
+                </a:pPr>
+                <a:r>
+                  <a:rPr kumimoji="0" lang="en-US" sz="900" b="0" i="0" u="none" strike="noStrike" kern="1200" cap="none" spc="0" normalizeH="0" baseline="0" noProof="0" dirty="0">
+                    <a:ln>
+                      <a:noFill/>
+                    </a:ln>
+                    <a:solidFill>
+                      <a:prstClr val="black"/>
+                    </a:solidFill>
+                    <a:effectLst/>
+                    <a:uLnTx/>
+                    <a:uFillTx/>
+                    <a:ea typeface="+mn-ea"/>
+                    <a:cs typeface="+mn-cs"/>
+                  </a:rPr>
+                  <a:t>host</a:t>
+                </a:r>
+              </a:p>
+            </p:txBody>
+          </p:sp>
+          <p:grpSp>
+            <p:nvGrpSpPr>
+              <p:cNvPr id="58" name="Group 57">
+                <a:extLst>
+                  <a:ext uri="{FF2B5EF4-FFF2-40B4-BE49-F238E27FC236}">
+                    <a16:creationId xmlns:a16="http://schemas.microsoft.com/office/drawing/2014/main" id="{F6FF56A3-16B1-831C-57CE-9919876BB236}"/>
+                  </a:ext>
+                </a:extLst>
+              </p:cNvPr>
+              <p:cNvGrpSpPr/>
+              <p:nvPr/>
+            </p:nvGrpSpPr>
+            <p:grpSpPr>
+              <a:xfrm>
+                <a:off x="4267973" y="2620040"/>
+                <a:ext cx="466531" cy="351106"/>
+                <a:chOff x="6810318" y="4284899"/>
+                <a:chExt cx="466531" cy="351106"/>
+              </a:xfrm>
+            </p:grpSpPr>
+            <p:sp>
+              <p:nvSpPr>
+                <p:cNvPr id="54" name="Arrow: Chevron 53">
+                  <a:extLst>
+                    <a:ext uri="{FF2B5EF4-FFF2-40B4-BE49-F238E27FC236}">
+                      <a16:creationId xmlns:a16="http://schemas.microsoft.com/office/drawing/2014/main" id="{20E00F62-D32A-8FB7-5FEB-5D3162EC33D3}"/>
+                    </a:ext>
+                  </a:extLst>
+                </p:cNvPr>
+                <p:cNvSpPr/>
+                <p:nvPr/>
+              </p:nvSpPr>
+              <p:spPr>
+                <a:xfrm rot="5400000">
+                  <a:off x="6868031" y="4227186"/>
+                  <a:ext cx="351106" cy="466531"/>
+                </a:xfrm>
+                <a:prstGeom prst="chevron">
+                  <a:avLst>
+                    <a:gd name="adj" fmla="val 14000"/>
+                  </a:avLst>
+                </a:prstGeom>
+                <a:solidFill>
+                  <a:schemeClr val="bg1"/>
+                </a:solidFill>
+                <a:ln w="12700">
+                  <a:solidFill>
+                    <a:schemeClr val="tx1"/>
+                  </a:solidFill>
+                </a:ln>
+              </p:spPr>
+              <p:style>
+                <a:lnRef idx="2">
+                  <a:schemeClr val="accent1">
+                    <a:shade val="50000"/>
+                  </a:schemeClr>
+                </a:lnRef>
+                <a:fillRef idx="1">
+                  <a:schemeClr val="accent1"/>
+                </a:fillRef>
+                <a:effectRef idx="0">
+                  <a:schemeClr val="accent1"/>
+                </a:effectRef>
+                <a:fontRef idx="minor">
+                  <a:schemeClr val="lt1"/>
+                </a:fontRef>
+              </p:style>
+              <p:txBody>
+                <a:bodyPr tIns="0" rtlCol="0" anchor="t" anchorCtr="0"/>
+                <a:lstStyle/>
+                <a:p>
+                  <a:pPr marL="0" marR="0" lvl="0" indent="0" algn="l" defTabSz="914400" rtl="0" eaLnBrk="1" fontAlgn="auto" latinLnBrk="0" hangingPunct="1">
+                    <a:lnSpc>
+                      <a:spcPct val="100000"/>
+                    </a:lnSpc>
+                    <a:spcBef>
+                      <a:spcPts val="0"/>
+                    </a:spcBef>
+                    <a:spcAft>
+                      <a:spcPts val="0"/>
+                    </a:spcAft>
+                    <a:buClrTx/>
+                    <a:buSzTx/>
+                    <a:buFontTx/>
+                    <a:buNone/>
+                    <a:tabLst/>
+                    <a:defRPr/>
+                  </a:pPr>
+                  <a:endParaRPr kumimoji="0" lang="en-US" sz="1000" b="0" i="0" u="none" strike="noStrike" kern="1200" cap="none" spc="0" normalizeH="0" baseline="0" noProof="0">
+                    <a:ln>
+                      <a:noFill/>
+                    </a:ln>
+                    <a:solidFill>
+                      <a:prstClr val="black"/>
+                    </a:solidFill>
+                    <a:effectLst/>
+                    <a:uLnTx/>
+                    <a:uFillTx/>
+                    <a:ea typeface="+mn-ea"/>
+                    <a:cs typeface="+mn-cs"/>
+                  </a:endParaRPr>
+                </a:p>
+              </p:txBody>
+            </p:sp>
+            <p:sp>
+              <p:nvSpPr>
+                <p:cNvPr id="57" name="TextBox 56">
+                  <a:extLst>
+                    <a:ext uri="{FF2B5EF4-FFF2-40B4-BE49-F238E27FC236}">
+                      <a16:creationId xmlns:a16="http://schemas.microsoft.com/office/drawing/2014/main" id="{430F5921-AE55-FC29-BAE4-5A0B0592787C}"/>
+                    </a:ext>
+                  </a:extLst>
+                </p:cNvPr>
+                <p:cNvSpPr txBox="1"/>
+                <p:nvPr/>
+              </p:nvSpPr>
+              <p:spPr>
+                <a:xfrm>
+                  <a:off x="6837438" y="4337341"/>
+                  <a:ext cx="412292" cy="230832"/>
+                </a:xfrm>
+                <a:prstGeom prst="rect">
+                  <a:avLst/>
+                </a:prstGeom>
+                <a:noFill/>
+              </p:spPr>
+              <p:txBody>
+                <a:bodyPr wrap="square" rtlCol="0">
+                  <a:spAutoFit/>
+                </a:bodyPr>
+                <a:lstStyle/>
+                <a:p>
+                  <a:pPr marL="0" marR="0" lvl="0" indent="0" algn="l" defTabSz="914400" rtl="0" eaLnBrk="1" fontAlgn="auto" latinLnBrk="0" hangingPunct="1">
+                    <a:lnSpc>
+                      <a:spcPct val="100000"/>
+                    </a:lnSpc>
+                    <a:spcBef>
+                      <a:spcPts val="0"/>
+                    </a:spcBef>
+                    <a:spcAft>
+                      <a:spcPts val="0"/>
+                    </a:spcAft>
+                    <a:buClrTx/>
+                    <a:buSzTx/>
+                    <a:buFontTx/>
+                    <a:buNone/>
+                    <a:tabLst/>
+                    <a:defRPr/>
+                  </a:pPr>
+                  <a:r>
+                    <a:rPr kumimoji="0" lang="en-US" sz="900" b="0" i="0" u="none" strike="noStrike" kern="1200" cap="none" spc="0" normalizeH="0" baseline="0" noProof="0" dirty="0">
+                      <a:ln>
+                        <a:noFill/>
+                      </a:ln>
+                      <a:solidFill>
+                        <a:prstClr val="black"/>
+                      </a:solidFill>
+                      <a:effectLst/>
+                      <a:uLnTx/>
+                      <a:uFillTx/>
+                      <a:ea typeface="+mn-ea"/>
+                      <a:cs typeface="+mn-cs"/>
+                    </a:rPr>
+                    <a:t>host</a:t>
+                  </a:r>
+                </a:p>
+              </p:txBody>
+            </p:sp>
+          </p:grpSp>
+        </p:grpSp>
+        <p:grpSp>
+          <p:nvGrpSpPr>
             <p:cNvPr id="145" name="Group 144">
               <a:extLst>
                 <a:ext uri="{FF2B5EF4-FFF2-40B4-BE49-F238E27FC236}">
@@ -5928,7 +9808,7 @@
           </p:nvGrpSpPr>
           <p:grpSpPr>
             <a:xfrm>
-              <a:off x="5361297" y="2680994"/>
+              <a:off x="6873867" y="2722269"/>
               <a:ext cx="771421" cy="1177169"/>
               <a:chOff x="5361297" y="2496148"/>
               <a:chExt cx="771421" cy="1177169"/>
@@ -6461,383 +10341,6 @@
         </p:grpSp>
         <p:grpSp>
           <p:nvGrpSpPr>
-            <p:cNvPr id="134" name="Group 133">
-              <a:extLst>
-                <a:ext uri="{FF2B5EF4-FFF2-40B4-BE49-F238E27FC236}">
-                  <a16:creationId xmlns:a16="http://schemas.microsoft.com/office/drawing/2014/main" id="{8EEF53A1-6892-87E7-FFFD-86DAEFBB8EDA}"/>
-                </a:ext>
-              </a:extLst>
-            </p:cNvPr>
-            <p:cNvGrpSpPr/>
-            <p:nvPr/>
-          </p:nvGrpSpPr>
-          <p:grpSpPr>
-            <a:xfrm>
-              <a:off x="4197720" y="1397252"/>
-              <a:ext cx="771421" cy="974099"/>
-              <a:chOff x="3816085" y="2671396"/>
-              <a:chExt cx="771421" cy="974099"/>
-            </a:xfrm>
-          </p:grpSpPr>
-          <p:sp>
-            <p:nvSpPr>
-              <p:cNvPr id="135" name="Rectangle 134">
-                <a:extLst>
-                  <a:ext uri="{FF2B5EF4-FFF2-40B4-BE49-F238E27FC236}">
-                    <a16:creationId xmlns:a16="http://schemas.microsoft.com/office/drawing/2014/main" id="{CA7202A9-5C92-DA0A-A504-59147E80171E}"/>
-                  </a:ext>
-                </a:extLst>
-              </p:cNvPr>
-              <p:cNvSpPr/>
-              <p:nvPr/>
-            </p:nvSpPr>
-            <p:spPr>
-              <a:xfrm>
-                <a:off x="3816085" y="2911202"/>
-                <a:ext cx="771421" cy="279919"/>
-              </a:xfrm>
-              <a:prstGeom prst="rect">
-                <a:avLst/>
-              </a:prstGeom>
-              <a:solidFill>
-                <a:schemeClr val="bg1">
-                  <a:lumMod val="95000"/>
-                </a:schemeClr>
-              </a:solidFill>
-              <a:ln w="19050">
-                <a:solidFill>
-                  <a:schemeClr val="bg2"/>
-                </a:solidFill>
-              </a:ln>
-            </p:spPr>
-            <p:style>
-              <a:lnRef idx="2">
-                <a:schemeClr val="accent1">
-                  <a:shade val="50000"/>
-                </a:schemeClr>
-              </a:lnRef>
-              <a:fillRef idx="1">
-                <a:schemeClr val="accent1"/>
-              </a:fillRef>
-              <a:effectRef idx="0">
-                <a:schemeClr val="accent1"/>
-              </a:effectRef>
-              <a:fontRef idx="minor">
-                <a:schemeClr val="lt1"/>
-              </a:fontRef>
-            </p:style>
-            <p:txBody>
-              <a:bodyPr lIns="0" rIns="0" rtlCol="0" anchor="ctr"/>
-              <a:lstStyle/>
-              <a:p>
-                <a:pPr marL="0" marR="0" lvl="0" indent="0" algn="ctr" defTabSz="914400" rtl="0" eaLnBrk="1" fontAlgn="auto" latinLnBrk="0" hangingPunct="1">
-                  <a:lnSpc>
-                    <a:spcPct val="100000"/>
-                  </a:lnSpc>
-                  <a:spcBef>
-                    <a:spcPts val="0"/>
-                  </a:spcBef>
-                  <a:spcAft>
-                    <a:spcPts val="0"/>
-                  </a:spcAft>
-                  <a:buClrTx/>
-                  <a:buSzTx/>
-                  <a:buFontTx/>
-                  <a:buNone/>
-                  <a:tabLst/>
-                  <a:defRPr/>
-                </a:pPr>
-                <a:r>
-                  <a:rPr kumimoji="0" lang="en-US" sz="900" b="0" i="0" u="none" strike="noStrike" kern="1200" cap="none" spc="0" normalizeH="0" baseline="0" noProof="0" dirty="0">
-                    <a:ln>
-                      <a:noFill/>
-                    </a:ln>
-                    <a:solidFill>
-                      <a:prstClr val="black"/>
-                    </a:solidFill>
-                    <a:effectLst/>
-                    <a:uLnTx/>
-                    <a:uFillTx/>
-                    <a:ea typeface="+mn-ea"/>
-                    <a:cs typeface="+mn-cs"/>
-                  </a:rPr>
-                  <a:t>Compute</a:t>
-                </a:r>
-              </a:p>
-              <a:p>
-                <a:pPr marL="0" marR="0" lvl="0" indent="0" algn="ctr" defTabSz="914400" rtl="0" eaLnBrk="1" fontAlgn="auto" latinLnBrk="0" hangingPunct="1">
-                  <a:lnSpc>
-                    <a:spcPct val="100000"/>
-                  </a:lnSpc>
-                  <a:spcBef>
-                    <a:spcPts val="0"/>
-                  </a:spcBef>
-                  <a:spcAft>
-                    <a:spcPts val="0"/>
-                  </a:spcAft>
-                  <a:buClrTx/>
-                  <a:buSzTx/>
-                  <a:buFontTx/>
-                  <a:buNone/>
-                  <a:tabLst/>
-                  <a:defRPr/>
-                </a:pPr>
-                <a:r>
-                  <a:rPr lang="en-US" sz="900" dirty="0">
-                    <a:solidFill>
-                      <a:prstClr val="black"/>
-                    </a:solidFill>
-                  </a:rPr>
-                  <a:t>Platform</a:t>
-                </a:r>
-                <a:endParaRPr kumimoji="0" lang="en-US" sz="900" b="0" i="0" u="none" strike="noStrike" kern="1200" cap="none" spc="0" normalizeH="0" baseline="0" noProof="0" dirty="0">
-                  <a:ln>
-                    <a:noFill/>
-                  </a:ln>
-                  <a:solidFill>
-                    <a:prstClr val="black"/>
-                  </a:solidFill>
-                  <a:effectLst/>
-                  <a:uLnTx/>
-                  <a:uFillTx/>
-                  <a:ea typeface="+mn-ea"/>
-                  <a:cs typeface="+mn-cs"/>
-                </a:endParaRPr>
-              </a:p>
-            </p:txBody>
-          </p:sp>
-          <p:sp>
-            <p:nvSpPr>
-              <p:cNvPr id="136" name="Rectangle: Rounded Corners 135">
-                <a:extLst>
-                  <a:ext uri="{FF2B5EF4-FFF2-40B4-BE49-F238E27FC236}">
-                    <a16:creationId xmlns:a16="http://schemas.microsoft.com/office/drawing/2014/main" id="{8868F47C-14F6-B93E-6B86-604834FA16F2}"/>
-                  </a:ext>
-                </a:extLst>
-              </p:cNvPr>
-              <p:cNvSpPr/>
-              <p:nvPr/>
-            </p:nvSpPr>
-            <p:spPr>
-              <a:xfrm>
-                <a:off x="3816085" y="2671396"/>
-                <a:ext cx="771420" cy="815478"/>
-              </a:xfrm>
-              <a:prstGeom prst="roundRect">
-                <a:avLst/>
-              </a:prstGeom>
-              <a:noFill/>
-              <a:ln w="19050">
-                <a:solidFill>
-                  <a:schemeClr val="tx1"/>
-                </a:solidFill>
-              </a:ln>
-            </p:spPr>
-            <p:style>
-              <a:lnRef idx="2">
-                <a:schemeClr val="accent1">
-                  <a:shade val="50000"/>
-                </a:schemeClr>
-              </a:lnRef>
-              <a:fillRef idx="1">
-                <a:schemeClr val="accent1"/>
-              </a:fillRef>
-              <a:effectRef idx="0">
-                <a:schemeClr val="accent1"/>
-              </a:effectRef>
-              <a:fontRef idx="minor">
-                <a:schemeClr val="lt1"/>
-              </a:fontRef>
-            </p:style>
-            <p:txBody>
-              <a:bodyPr tIns="0" rtlCol="0" anchor="t" anchorCtr="0"/>
-              <a:lstStyle/>
-              <a:p>
-                <a:pPr marL="0" marR="0" lvl="0" indent="0" algn="l" defTabSz="914400" rtl="0" eaLnBrk="1" fontAlgn="auto" latinLnBrk="0" hangingPunct="1">
-                  <a:lnSpc>
-                    <a:spcPct val="100000"/>
-                  </a:lnSpc>
-                  <a:spcBef>
-                    <a:spcPts val="0"/>
-                  </a:spcBef>
-                  <a:spcAft>
-                    <a:spcPts val="0"/>
-                  </a:spcAft>
-                  <a:buClrTx/>
-                  <a:buSzTx/>
-                  <a:buFontTx/>
-                  <a:buNone/>
-                  <a:tabLst/>
-                  <a:defRPr/>
-                </a:pPr>
-                <a:r>
-                  <a:rPr kumimoji="0" lang="en-US" sz="800" b="0" i="0" u="none" strike="noStrike" kern="1200" cap="none" spc="0" normalizeH="0" baseline="0" noProof="0" dirty="0">
-                    <a:ln>
-                      <a:noFill/>
-                    </a:ln>
-                    <a:solidFill>
-                      <a:prstClr val="black"/>
-                    </a:solidFill>
-                    <a:effectLst/>
-                    <a:uLnTx/>
-                    <a:uFillTx/>
-                    <a:ea typeface="+mn-ea"/>
-                    <a:cs typeface="+mn-cs"/>
-                  </a:rPr>
-                  <a:t>vm-2</a:t>
-                </a:r>
-              </a:p>
-            </p:txBody>
-          </p:sp>
-          <p:sp>
-            <p:nvSpPr>
-              <p:cNvPr id="137" name="Flowchart: Off-page Connector 136">
-                <a:extLst>
-                  <a:ext uri="{FF2B5EF4-FFF2-40B4-BE49-F238E27FC236}">
-                    <a16:creationId xmlns:a16="http://schemas.microsoft.com/office/drawing/2014/main" id="{E72D1F6C-3096-B5DA-3F77-CF3EE10B2374}"/>
-                  </a:ext>
-                </a:extLst>
-              </p:cNvPr>
-              <p:cNvSpPr/>
-              <p:nvPr/>
-            </p:nvSpPr>
-            <p:spPr>
-              <a:xfrm>
-                <a:off x="3968530" y="3365576"/>
-                <a:ext cx="466531" cy="279919"/>
-              </a:xfrm>
-              <a:prstGeom prst="flowChartOffpageConnector">
-                <a:avLst/>
-              </a:prstGeom>
-              <a:solidFill>
-                <a:schemeClr val="bg1"/>
-              </a:solidFill>
-              <a:ln w="19050">
-                <a:solidFill>
-                  <a:schemeClr val="tx1"/>
-                </a:solidFill>
-              </a:ln>
-            </p:spPr>
-            <p:style>
-              <a:lnRef idx="2">
-                <a:schemeClr val="accent1">
-                  <a:shade val="50000"/>
-                </a:schemeClr>
-              </a:lnRef>
-              <a:fillRef idx="1">
-                <a:schemeClr val="accent1"/>
-              </a:fillRef>
-              <a:effectRef idx="0">
-                <a:schemeClr val="accent1"/>
-              </a:effectRef>
-              <a:fontRef idx="minor">
-                <a:schemeClr val="lt1"/>
-              </a:fontRef>
-            </p:style>
-            <p:txBody>
-              <a:bodyPr tIns="0" rtlCol="0" anchor="t" anchorCtr="0"/>
-              <a:lstStyle/>
-              <a:p>
-                <a:pPr marL="0" marR="0" lvl="0" indent="0" algn="l" defTabSz="914400" rtl="0" eaLnBrk="1" fontAlgn="auto" latinLnBrk="0" hangingPunct="1">
-                  <a:lnSpc>
-                    <a:spcPct val="100000"/>
-                  </a:lnSpc>
-                  <a:spcBef>
-                    <a:spcPts val="0"/>
-                  </a:spcBef>
-                  <a:spcAft>
-                    <a:spcPts val="0"/>
-                  </a:spcAft>
-                  <a:buClrTx/>
-                  <a:buSzTx/>
-                  <a:buFontTx/>
-                  <a:buNone/>
-                  <a:tabLst/>
-                  <a:defRPr/>
-                </a:pPr>
-                <a:endParaRPr kumimoji="0" lang="en-US" sz="1000" b="0" i="0" u="none" strike="noStrike" kern="1200" cap="none" spc="0" normalizeH="0" baseline="0" noProof="0">
-                  <a:ln>
-                    <a:noFill/>
-                  </a:ln>
-                  <a:solidFill>
-                    <a:prstClr val="black"/>
-                  </a:solidFill>
-                  <a:effectLst/>
-                  <a:uLnTx/>
-                  <a:uFillTx/>
-                  <a:ea typeface="+mn-ea"/>
-                  <a:cs typeface="+mn-cs"/>
-                </a:endParaRPr>
-              </a:p>
-            </p:txBody>
-          </p:sp>
-          <p:sp>
-            <p:nvSpPr>
-              <p:cNvPr id="138" name="TextBox 137">
-                <a:extLst>
-                  <a:ext uri="{FF2B5EF4-FFF2-40B4-BE49-F238E27FC236}">
-                    <a16:creationId xmlns:a16="http://schemas.microsoft.com/office/drawing/2014/main" id="{F62A2BC1-5FB2-49A8-D113-DCC8963D1E2E}"/>
-                  </a:ext>
-                </a:extLst>
-              </p:cNvPr>
-              <p:cNvSpPr txBox="1"/>
-              <p:nvPr/>
-            </p:nvSpPr>
-            <p:spPr>
-              <a:xfrm>
-                <a:off x="3995649" y="3382425"/>
-                <a:ext cx="412292" cy="230832"/>
-              </a:xfrm>
-              <a:prstGeom prst="rect">
-                <a:avLst/>
-              </a:prstGeom>
-              <a:noFill/>
-            </p:spPr>
-            <p:txBody>
-              <a:bodyPr wrap="square" rtlCol="0">
-                <a:spAutoFit/>
-              </a:bodyPr>
-              <a:lstStyle/>
-              <a:p>
-                <a:pPr marL="0" marR="0" lvl="0" indent="0" algn="l" defTabSz="914400" rtl="0" eaLnBrk="1" fontAlgn="auto" latinLnBrk="0" hangingPunct="1">
-                  <a:lnSpc>
-                    <a:spcPct val="100000"/>
-                  </a:lnSpc>
-                  <a:spcBef>
-                    <a:spcPts val="0"/>
-                  </a:spcBef>
-                  <a:spcAft>
-                    <a:spcPts val="0"/>
-                  </a:spcAft>
-                  <a:buClrTx/>
-                  <a:buSzTx/>
-                  <a:buFontTx/>
-                  <a:buNone/>
-                  <a:tabLst/>
-                  <a:defRPr/>
-                </a:pPr>
-                <a:r>
-                  <a:rPr kumimoji="0" lang="en-US" sz="900" b="0" i="0" u="none" strike="noStrike" kern="1200" cap="none" spc="0" normalizeH="0" baseline="0" noProof="0" dirty="0">
-                    <a:ln>
-                      <a:noFill/>
-                    </a:ln>
-                    <a:solidFill>
-                      <a:prstClr val="black"/>
-                    </a:solidFill>
-                    <a:effectLst/>
-                    <a:uLnTx/>
-                    <a:uFillTx/>
-                    <a:ea typeface="+mn-ea"/>
-                    <a:cs typeface="+mn-cs"/>
-                  </a:rPr>
-                  <a:t>host</a:t>
-                </a:r>
-              </a:p>
-            </p:txBody>
-          </p:sp>
-        </p:grpSp>
-        <p:grpSp>
-          <p:nvGrpSpPr>
             <p:cNvPr id="139" name="Group 138">
               <a:extLst>
                 <a:ext uri="{FF2B5EF4-FFF2-40B4-BE49-F238E27FC236}">
@@ -6850,7 +10353,7 @@
           </p:nvGrpSpPr>
           <p:grpSpPr>
             <a:xfrm>
-              <a:off x="5361297" y="1397252"/>
+              <a:off x="6873867" y="1548208"/>
               <a:ext cx="771421" cy="974099"/>
               <a:chOff x="3816085" y="2671396"/>
               <a:chExt cx="771421" cy="974099"/>
@@ -7048,7 +10551,7 @@
                   <a:defRPr/>
                 </a:pPr>
                 <a:r>
-                  <a:rPr kumimoji="0" lang="en-US" sz="800" b="0" i="0" u="none" strike="noStrike" kern="1200" cap="none" spc="0" normalizeH="0" baseline="0" noProof="0" dirty="0">
+                  <a:rPr kumimoji="0" lang="en-US" sz="800" b="0" i="0" u="none" strike="noStrike" kern="1200" cap="none" spc="0" normalizeH="0" baseline="0" noProof="0" dirty="0" err="1">
                     <a:ln>
                       <a:noFill/>
                     </a:ln>
@@ -7061,8 +10564,21 @@
                     <a:ea typeface="+mn-ea"/>
                     <a:cs typeface="+mn-cs"/>
                   </a:rPr>
-                  <a:t>vm-3</a:t>
+                  <a:t>vm</a:t>
                 </a:r>
+                <a:endParaRPr kumimoji="0" lang="en-US" sz="800" b="0" i="0" u="none" strike="noStrike" kern="1200" cap="none" spc="0" normalizeH="0" baseline="0" noProof="0" dirty="0">
+                  <a:ln>
+                    <a:noFill/>
+                  </a:ln>
+                  <a:solidFill>
+                    <a:prstClr val="black"/>
+                  </a:solidFill>
+                  <a:effectLst/>
+                  <a:uLnTx/>
+                  <a:uFillTx/>
+                  <a:ea typeface="+mn-ea"/>
+                  <a:cs typeface="+mn-cs"/>
+                </a:endParaRPr>
               </a:p>
             </p:txBody>
           </p:sp>
@@ -7215,22 +10731,23 @@
         </p:grpSp>
         <p:cxnSp>
           <p:nvCxnSpPr>
-            <p:cNvPr id="154" name="Straight Arrow Connector 153">
+            <p:cNvPr id="157" name="Straight Arrow Connector 156">
               <a:extLst>
                 <a:ext uri="{FF2B5EF4-FFF2-40B4-BE49-F238E27FC236}">
-                  <a16:creationId xmlns:a16="http://schemas.microsoft.com/office/drawing/2014/main" id="{5F100C27-844A-9943-2959-E46955931F9F}"/>
+                  <a16:creationId xmlns:a16="http://schemas.microsoft.com/office/drawing/2014/main" id="{91C0F347-28D6-5FC8-706A-1710DA078346}"/>
                 </a:ext>
               </a:extLst>
             </p:cNvPr>
             <p:cNvCxnSpPr>
               <a:cxnSpLocks/>
+              <a:stCxn id="57" idx="0"/>
             </p:cNvCxnSpPr>
             <p:nvPr/>
           </p:nvCxnSpPr>
           <p:spPr>
-            <a:xfrm flipV="1">
-              <a:off x="4583430" y="3854875"/>
-              <a:ext cx="0" cy="362085"/>
+            <a:xfrm flipH="1" flipV="1">
+              <a:off x="7258818" y="3881245"/>
+              <a:ext cx="760" cy="270597"/>
             </a:xfrm>
             <a:prstGeom prst="straightConnector1">
               <a:avLst/>
@@ -7260,10 +10777,10 @@
         </p:cxnSp>
         <p:cxnSp>
           <p:nvCxnSpPr>
-            <p:cNvPr id="155" name="Straight Arrow Connector 154">
+            <p:cNvPr id="16" name="Straight Arrow Connector 15">
               <a:extLst>
                 <a:ext uri="{FF2B5EF4-FFF2-40B4-BE49-F238E27FC236}">
-                  <a16:creationId xmlns:a16="http://schemas.microsoft.com/office/drawing/2014/main" id="{74F64149-13FF-03CC-1CBB-34C9BD7B1887}"/>
+                  <a16:creationId xmlns:a16="http://schemas.microsoft.com/office/drawing/2014/main" id="{1C5AA650-2DDB-0A50-E127-5798B328556C}"/>
                 </a:ext>
               </a:extLst>
             </p:cNvPr>
@@ -7273,9 +10790,9 @@
             <p:nvPr/>
           </p:nvCxnSpPr>
           <p:spPr>
-            <a:xfrm flipV="1">
-              <a:off x="5747007" y="2371350"/>
-              <a:ext cx="0" cy="362085"/>
+            <a:xfrm flipH="1" flipV="1">
+              <a:off x="7258053" y="2532421"/>
+              <a:ext cx="760" cy="261501"/>
             </a:xfrm>
             <a:prstGeom prst="straightConnector1">
               <a:avLst/>
@@ -7305,10 +10822,10 @@
         </p:cxnSp>
         <p:cxnSp>
           <p:nvCxnSpPr>
-            <p:cNvPr id="157" name="Straight Arrow Connector 156">
+            <p:cNvPr id="17" name="Straight Arrow Connector 16">
               <a:extLst>
                 <a:ext uri="{FF2B5EF4-FFF2-40B4-BE49-F238E27FC236}">
-                  <a16:creationId xmlns:a16="http://schemas.microsoft.com/office/drawing/2014/main" id="{91C0F347-28D6-5FC8-706A-1710DA078346}"/>
+                  <a16:creationId xmlns:a16="http://schemas.microsoft.com/office/drawing/2014/main" id="{E58D11E9-E884-B98D-C7B8-50308964A9BB}"/>
                 </a:ext>
               </a:extLst>
             </p:cNvPr>
@@ -7318,9 +10835,9 @@
             <p:nvPr/>
           </p:nvCxnSpPr>
           <p:spPr>
-            <a:xfrm flipV="1">
-              <a:off x="5747007" y="3859119"/>
-              <a:ext cx="0" cy="362085"/>
+            <a:xfrm flipH="1" flipV="1">
+              <a:off x="7255775" y="5261237"/>
+              <a:ext cx="760" cy="261501"/>
             </a:xfrm>
             <a:prstGeom prst="straightConnector1">
               <a:avLst/>
@@ -7352,7 +10869,7 @@
     </p:spTree>
     <p:extLst>
       <p:ext uri="{BB962C8B-B14F-4D97-AF65-F5344CB8AC3E}">
-        <p14:creationId xmlns:p14="http://schemas.microsoft.com/office/powerpoint/2010/main" val="388922257"/>
+        <p14:creationId xmlns:p14="http://schemas.microsoft.com/office/powerpoint/2010/main" val="2669653796"/>
       </p:ext>
     </p:extLst>
   </p:cSld>

--- a/profiles/community/tosca/platform/sources/platforms.pptx
+++ b/profiles/community/tosca/platform/sources/platforms.pptx
@@ -10,7 +10,8 @@
     <p:sldId id="275" r:id="rId4"/>
     <p:sldId id="278" r:id="rId5"/>
     <p:sldId id="277" r:id="rId6"/>
-    <p:sldId id="276" r:id="rId7"/>
+    <p:sldId id="279" r:id="rId7"/>
+    <p:sldId id="276" r:id="rId8"/>
   </p:sldIdLst>
   <p:sldSz cx="12192000" cy="6858000"/>
   <p:notesSz cx="6858000" cy="9144000"/>
@@ -264,7 +265,7 @@
           <a:p>
             <a:fld id="{5BAF7096-B8B4-4A3B-8A26-165AAEF12400}" type="datetimeFigureOut">
               <a:rPr lang="en-US" smtClean="0"/>
-              <a:t>12/3/2025</a:t>
+              <a:t>1/14/2026</a:t>
             </a:fld>
             <a:endParaRPr lang="en-US"/>
           </a:p>
@@ -462,7 +463,7 @@
           <a:p>
             <a:fld id="{5BAF7096-B8B4-4A3B-8A26-165AAEF12400}" type="datetimeFigureOut">
               <a:rPr lang="en-US" smtClean="0"/>
-              <a:t>12/3/2025</a:t>
+              <a:t>1/14/2026</a:t>
             </a:fld>
             <a:endParaRPr lang="en-US"/>
           </a:p>
@@ -670,7 +671,7 @@
           <a:p>
             <a:fld id="{5BAF7096-B8B4-4A3B-8A26-165AAEF12400}" type="datetimeFigureOut">
               <a:rPr lang="en-US" smtClean="0"/>
-              <a:t>12/3/2025</a:t>
+              <a:t>1/14/2026</a:t>
             </a:fld>
             <a:endParaRPr lang="en-US"/>
           </a:p>
@@ -868,7 +869,7 @@
           <a:p>
             <a:fld id="{5BAF7096-B8B4-4A3B-8A26-165AAEF12400}" type="datetimeFigureOut">
               <a:rPr lang="en-US" smtClean="0"/>
-              <a:t>12/3/2025</a:t>
+              <a:t>1/14/2026</a:t>
             </a:fld>
             <a:endParaRPr lang="en-US"/>
           </a:p>
@@ -1143,7 +1144,7 @@
           <a:p>
             <a:fld id="{5BAF7096-B8B4-4A3B-8A26-165AAEF12400}" type="datetimeFigureOut">
               <a:rPr lang="en-US" smtClean="0"/>
-              <a:t>12/3/2025</a:t>
+              <a:t>1/14/2026</a:t>
             </a:fld>
             <a:endParaRPr lang="en-US"/>
           </a:p>
@@ -1408,7 +1409,7 @@
           <a:p>
             <a:fld id="{5BAF7096-B8B4-4A3B-8A26-165AAEF12400}" type="datetimeFigureOut">
               <a:rPr lang="en-US" smtClean="0"/>
-              <a:t>12/3/2025</a:t>
+              <a:t>1/14/2026</a:t>
             </a:fld>
             <a:endParaRPr lang="en-US"/>
           </a:p>
@@ -1820,7 +1821,7 @@
           <a:p>
             <a:fld id="{5BAF7096-B8B4-4A3B-8A26-165AAEF12400}" type="datetimeFigureOut">
               <a:rPr lang="en-US" smtClean="0"/>
-              <a:t>12/3/2025</a:t>
+              <a:t>1/14/2026</a:t>
             </a:fld>
             <a:endParaRPr lang="en-US"/>
           </a:p>
@@ -1961,7 +1962,7 @@
           <a:p>
             <a:fld id="{5BAF7096-B8B4-4A3B-8A26-165AAEF12400}" type="datetimeFigureOut">
               <a:rPr lang="en-US" smtClean="0"/>
-              <a:t>12/3/2025</a:t>
+              <a:t>1/14/2026</a:t>
             </a:fld>
             <a:endParaRPr lang="en-US"/>
           </a:p>
@@ -2074,7 +2075,7 @@
           <a:p>
             <a:fld id="{5BAF7096-B8B4-4A3B-8A26-165AAEF12400}" type="datetimeFigureOut">
               <a:rPr lang="en-US" smtClean="0"/>
-              <a:t>12/3/2025</a:t>
+              <a:t>1/14/2026</a:t>
             </a:fld>
             <a:endParaRPr lang="en-US"/>
           </a:p>
@@ -2385,7 +2386,7 @@
           <a:p>
             <a:fld id="{5BAF7096-B8B4-4A3B-8A26-165AAEF12400}" type="datetimeFigureOut">
               <a:rPr lang="en-US" smtClean="0"/>
-              <a:t>12/3/2025</a:t>
+              <a:t>1/14/2026</a:t>
             </a:fld>
             <a:endParaRPr lang="en-US"/>
           </a:p>
@@ -2673,7 +2674,7 @@
           <a:p>
             <a:fld id="{5BAF7096-B8B4-4A3B-8A26-165AAEF12400}" type="datetimeFigureOut">
               <a:rPr lang="en-US" smtClean="0"/>
-              <a:t>12/3/2025</a:t>
+              <a:t>1/14/2026</a:t>
             </a:fld>
             <a:endParaRPr lang="en-US"/>
           </a:p>
@@ -2914,7 +2915,7 @@
           <a:p>
             <a:fld id="{5BAF7096-B8B4-4A3B-8A26-165AAEF12400}" type="datetimeFigureOut">
               <a:rPr lang="en-US" smtClean="0"/>
-              <a:t>12/3/2025</a:t>
+              <a:t>1/14/2026</a:t>
             </a:fld>
             <a:endParaRPr lang="en-US"/>
           </a:p>
@@ -10869,6 +10870,2242 @@
     </p:spTree>
     <p:extLst>
       <p:ext uri="{BB962C8B-B14F-4D97-AF65-F5344CB8AC3E}">
+        <p14:creationId xmlns:p14="http://schemas.microsoft.com/office/powerpoint/2010/main" val="3438471303"/>
+      </p:ext>
+    </p:extLst>
+  </p:cSld>
+  <p:clrMapOvr>
+    <a:masterClrMapping/>
+  </p:clrMapOvr>
+</p:sld>
+</file>
+
+<file path=ppt/slides/slide7.xml><?xml version="1.0" encoding="utf-8"?>
+<p:sld xmlns:a="http://schemas.openxmlformats.org/drawingml/2006/main" xmlns:r="http://schemas.openxmlformats.org/officeDocument/2006/relationships" xmlns:p="http://schemas.openxmlformats.org/presentationml/2006/main">
+  <p:cSld>
+    <p:spTree>
+      <p:nvGrpSpPr>
+        <p:cNvPr id="1" name=""/>
+        <p:cNvGrpSpPr/>
+        <p:nvPr/>
+      </p:nvGrpSpPr>
+      <p:grpSpPr>
+        <a:xfrm>
+          <a:off x="0" y="0"/>
+          <a:ext cx="0" cy="0"/>
+          <a:chOff x="0" y="0"/>
+          <a:chExt cx="0" cy="0"/>
+        </a:xfrm>
+      </p:grpSpPr>
+      <p:grpSp>
+        <p:nvGrpSpPr>
+          <p:cNvPr id="18" name="Group 17">
+            <a:extLst>
+              <a:ext uri="{FF2B5EF4-FFF2-40B4-BE49-F238E27FC236}">
+                <a16:creationId xmlns:a16="http://schemas.microsoft.com/office/drawing/2014/main" id="{0965E86A-1C94-A558-145A-CBC2E89E62AD}"/>
+              </a:ext>
+            </a:extLst>
+          </p:cNvPr>
+          <p:cNvGrpSpPr/>
+          <p:nvPr/>
+        </p:nvGrpSpPr>
+        <p:grpSpPr>
+          <a:xfrm>
+            <a:off x="5600935" y="4897646"/>
+            <a:ext cx="771421" cy="991032"/>
+            <a:chOff x="3816079" y="4223863"/>
+            <a:chExt cx="771421" cy="991032"/>
+          </a:xfrm>
+        </p:grpSpPr>
+        <p:sp>
+          <p:nvSpPr>
+            <p:cNvPr id="19" name="Rectangle 18">
+              <a:extLst>
+                <a:ext uri="{FF2B5EF4-FFF2-40B4-BE49-F238E27FC236}">
+                  <a16:creationId xmlns:a16="http://schemas.microsoft.com/office/drawing/2014/main" id="{D1423ABE-B95A-39BF-B25A-51AE295D7BCC}"/>
+                </a:ext>
+              </a:extLst>
+            </p:cNvPr>
+            <p:cNvSpPr/>
+            <p:nvPr/>
+          </p:nvSpPr>
+          <p:spPr>
+            <a:xfrm>
+              <a:off x="3816079" y="4722603"/>
+              <a:ext cx="771421" cy="250978"/>
+            </a:xfrm>
+            <a:prstGeom prst="rect">
+              <a:avLst/>
+            </a:prstGeom>
+            <a:solidFill>
+              <a:schemeClr val="bg1">
+                <a:lumMod val="95000"/>
+              </a:schemeClr>
+            </a:solidFill>
+            <a:ln w="19050">
+              <a:solidFill>
+                <a:schemeClr val="bg2"/>
+              </a:solidFill>
+            </a:ln>
+          </p:spPr>
+          <p:style>
+            <a:lnRef idx="2">
+              <a:schemeClr val="accent1">
+                <a:shade val="50000"/>
+              </a:schemeClr>
+            </a:lnRef>
+            <a:fillRef idx="1">
+              <a:schemeClr val="accent1"/>
+            </a:fillRef>
+            <a:effectRef idx="0">
+              <a:schemeClr val="accent1"/>
+            </a:effectRef>
+            <a:fontRef idx="minor">
+              <a:schemeClr val="lt1"/>
+            </a:fontRef>
+          </p:style>
+          <p:txBody>
+            <a:bodyPr lIns="0" rIns="0" rtlCol="0" anchor="ctr"/>
+            <a:lstStyle/>
+            <a:p>
+              <a:pPr marL="0" marR="0" lvl="0" indent="0" algn="ctr" defTabSz="914400" rtl="0" eaLnBrk="1" fontAlgn="auto" latinLnBrk="0" hangingPunct="1">
+                <a:lnSpc>
+                  <a:spcPct val="100000"/>
+                </a:lnSpc>
+                <a:spcBef>
+                  <a:spcPts val="0"/>
+                </a:spcBef>
+                <a:spcAft>
+                  <a:spcPts val="0"/>
+                </a:spcAft>
+                <a:buClrTx/>
+                <a:buSzTx/>
+                <a:buFontTx/>
+                <a:buNone/>
+                <a:tabLst/>
+                <a:defRPr/>
+              </a:pPr>
+              <a:r>
+                <a:rPr kumimoji="0" lang="en-US" sz="900" b="0" i="0" u="none" strike="noStrike" kern="1200" cap="none" spc="0" normalizeH="0" baseline="0" noProof="0" dirty="0">
+                  <a:ln>
+                    <a:noFill/>
+                  </a:ln>
+                  <a:solidFill>
+                    <a:prstClr val="black"/>
+                  </a:solidFill>
+                  <a:effectLst/>
+                  <a:uLnTx/>
+                  <a:uFillTx/>
+                  <a:ea typeface="+mn-ea"/>
+                  <a:cs typeface="+mn-cs"/>
+                </a:rPr>
+                <a:t>Compute</a:t>
+              </a:r>
+            </a:p>
+            <a:p>
+              <a:pPr marL="0" marR="0" lvl="0" indent="0" algn="ctr" defTabSz="914400" rtl="0" eaLnBrk="1" fontAlgn="auto" latinLnBrk="0" hangingPunct="1">
+                <a:lnSpc>
+                  <a:spcPct val="100000"/>
+                </a:lnSpc>
+                <a:spcBef>
+                  <a:spcPts val="0"/>
+                </a:spcBef>
+                <a:spcAft>
+                  <a:spcPts val="0"/>
+                </a:spcAft>
+                <a:buClrTx/>
+                <a:buSzTx/>
+                <a:buFontTx/>
+                <a:buNone/>
+                <a:tabLst/>
+                <a:defRPr/>
+              </a:pPr>
+              <a:r>
+                <a:rPr kumimoji="0" lang="en-US" sz="900" b="0" i="0" u="none" strike="noStrike" kern="1200" cap="none" spc="0" normalizeH="0" baseline="0" noProof="0" dirty="0">
+                  <a:ln>
+                    <a:noFill/>
+                  </a:ln>
+                  <a:solidFill>
+                    <a:prstClr val="black"/>
+                  </a:solidFill>
+                  <a:effectLst/>
+                  <a:uLnTx/>
+                  <a:uFillTx/>
+                  <a:ea typeface="+mn-ea"/>
+                  <a:cs typeface="+mn-cs"/>
+                </a:rPr>
+                <a:t>Platform</a:t>
+              </a:r>
+            </a:p>
+          </p:txBody>
+        </p:sp>
+        <p:sp>
+          <p:nvSpPr>
+            <p:cNvPr id="20" name="Rectangle: Rounded Corners 19">
+              <a:extLst>
+                <a:ext uri="{FF2B5EF4-FFF2-40B4-BE49-F238E27FC236}">
+                  <a16:creationId xmlns:a16="http://schemas.microsoft.com/office/drawing/2014/main" id="{78CF353B-5D46-A40D-867F-63CF5553D636}"/>
+                </a:ext>
+              </a:extLst>
+            </p:cNvPr>
+            <p:cNvSpPr/>
+            <p:nvPr/>
+          </p:nvSpPr>
+          <p:spPr>
+            <a:xfrm>
+              <a:off x="3816080" y="4399416"/>
+              <a:ext cx="771420" cy="815479"/>
+            </a:xfrm>
+            <a:prstGeom prst="roundRect">
+              <a:avLst/>
+            </a:prstGeom>
+            <a:noFill/>
+            <a:ln w="19050">
+              <a:solidFill>
+                <a:schemeClr val="tx1"/>
+              </a:solidFill>
+            </a:ln>
+          </p:spPr>
+          <p:style>
+            <a:lnRef idx="2">
+              <a:schemeClr val="accent1">
+                <a:shade val="50000"/>
+              </a:schemeClr>
+            </a:lnRef>
+            <a:fillRef idx="1">
+              <a:schemeClr val="accent1"/>
+            </a:fillRef>
+            <a:effectRef idx="0">
+              <a:schemeClr val="accent1"/>
+            </a:effectRef>
+            <a:fontRef idx="minor">
+              <a:schemeClr val="lt1"/>
+            </a:fontRef>
+          </p:style>
+          <p:txBody>
+            <a:bodyPr lIns="45720" tIns="0" bIns="9144" rtlCol="0" anchor="b" anchorCtr="0"/>
+            <a:lstStyle/>
+            <a:p>
+              <a:pPr lvl="0">
+                <a:defRPr/>
+              </a:pPr>
+              <a:r>
+                <a:rPr lang="en-US" sz="800" dirty="0">
+                  <a:solidFill>
+                    <a:prstClr val="black"/>
+                  </a:solidFill>
+                </a:rPr>
+                <a:t>server-1</a:t>
+              </a:r>
+              <a:endParaRPr kumimoji="0" lang="en-US" sz="800" b="0" i="0" u="none" strike="noStrike" kern="1200" cap="none" spc="0" normalizeH="0" baseline="0" noProof="0" dirty="0">
+                <a:ln>
+                  <a:noFill/>
+                </a:ln>
+                <a:solidFill>
+                  <a:prstClr val="black"/>
+                </a:solidFill>
+                <a:effectLst/>
+                <a:uLnTx/>
+                <a:uFillTx/>
+                <a:ea typeface="+mn-ea"/>
+                <a:cs typeface="+mn-cs"/>
+              </a:endParaRPr>
+            </a:p>
+          </p:txBody>
+        </p:sp>
+        <p:sp>
+          <p:nvSpPr>
+            <p:cNvPr id="21" name="Arrow: Chevron 20">
+              <a:extLst>
+                <a:ext uri="{FF2B5EF4-FFF2-40B4-BE49-F238E27FC236}">
+                  <a16:creationId xmlns:a16="http://schemas.microsoft.com/office/drawing/2014/main" id="{C60B1716-C9A4-F253-E974-95F1F394129E}"/>
+                </a:ext>
+              </a:extLst>
+            </p:cNvPr>
+            <p:cNvSpPr/>
+            <p:nvPr/>
+          </p:nvSpPr>
+          <p:spPr>
+            <a:xfrm rot="5400000">
+              <a:off x="4026243" y="4166150"/>
+              <a:ext cx="351106" cy="466531"/>
+            </a:xfrm>
+            <a:prstGeom prst="chevron">
+              <a:avLst>
+                <a:gd name="adj" fmla="val 14000"/>
+              </a:avLst>
+            </a:prstGeom>
+            <a:solidFill>
+              <a:schemeClr val="bg1"/>
+            </a:solidFill>
+            <a:ln w="12700">
+              <a:solidFill>
+                <a:schemeClr val="tx1"/>
+              </a:solidFill>
+            </a:ln>
+          </p:spPr>
+          <p:style>
+            <a:lnRef idx="2">
+              <a:schemeClr val="accent1">
+                <a:shade val="50000"/>
+              </a:schemeClr>
+            </a:lnRef>
+            <a:fillRef idx="1">
+              <a:schemeClr val="accent1"/>
+            </a:fillRef>
+            <a:effectRef idx="0">
+              <a:schemeClr val="accent1"/>
+            </a:effectRef>
+            <a:fontRef idx="minor">
+              <a:schemeClr val="lt1"/>
+            </a:fontRef>
+          </p:style>
+          <p:txBody>
+            <a:bodyPr tIns="0" rtlCol="0" anchor="t" anchorCtr="0"/>
+            <a:lstStyle/>
+            <a:p>
+              <a:pPr marL="0" marR="0" lvl="0" indent="0" algn="l" defTabSz="914400" rtl="0" eaLnBrk="1" fontAlgn="auto" latinLnBrk="0" hangingPunct="1">
+                <a:lnSpc>
+                  <a:spcPct val="100000"/>
+                </a:lnSpc>
+                <a:spcBef>
+                  <a:spcPts val="0"/>
+                </a:spcBef>
+                <a:spcAft>
+                  <a:spcPts val="0"/>
+                </a:spcAft>
+                <a:buClrTx/>
+                <a:buSzTx/>
+                <a:buFontTx/>
+                <a:buNone/>
+                <a:tabLst/>
+                <a:defRPr/>
+              </a:pPr>
+              <a:endParaRPr kumimoji="0" lang="en-US" sz="1000" b="0" i="0" u="none" strike="noStrike" kern="1200" cap="none" spc="0" normalizeH="0" baseline="0" noProof="0">
+                <a:ln>
+                  <a:noFill/>
+                </a:ln>
+                <a:solidFill>
+                  <a:prstClr val="black"/>
+                </a:solidFill>
+                <a:effectLst/>
+                <a:uLnTx/>
+                <a:uFillTx/>
+                <a:ea typeface="+mn-ea"/>
+                <a:cs typeface="+mn-cs"/>
+              </a:endParaRPr>
+            </a:p>
+          </p:txBody>
+        </p:sp>
+        <p:sp>
+          <p:nvSpPr>
+            <p:cNvPr id="22" name="TextBox 21">
+              <a:extLst>
+                <a:ext uri="{FF2B5EF4-FFF2-40B4-BE49-F238E27FC236}">
+                  <a16:creationId xmlns:a16="http://schemas.microsoft.com/office/drawing/2014/main" id="{F268AEC8-6C38-0232-0F56-5A4E5946BD1B}"/>
+                </a:ext>
+              </a:extLst>
+            </p:cNvPr>
+            <p:cNvSpPr txBox="1"/>
+            <p:nvPr/>
+          </p:nvSpPr>
+          <p:spPr>
+            <a:xfrm>
+              <a:off x="3995650" y="4276305"/>
+              <a:ext cx="412292" cy="230832"/>
+            </a:xfrm>
+            <a:prstGeom prst="rect">
+              <a:avLst/>
+            </a:prstGeom>
+            <a:noFill/>
+          </p:spPr>
+          <p:txBody>
+            <a:bodyPr wrap="square" rtlCol="0">
+              <a:spAutoFit/>
+            </a:bodyPr>
+            <a:lstStyle/>
+            <a:p>
+              <a:pPr marL="0" marR="0" lvl="0" indent="0" algn="l" defTabSz="914400" rtl="0" eaLnBrk="1" fontAlgn="auto" latinLnBrk="0" hangingPunct="1">
+                <a:lnSpc>
+                  <a:spcPct val="100000"/>
+                </a:lnSpc>
+                <a:spcBef>
+                  <a:spcPts val="0"/>
+                </a:spcBef>
+                <a:spcAft>
+                  <a:spcPts val="0"/>
+                </a:spcAft>
+                <a:buClrTx/>
+                <a:buSzTx/>
+                <a:buFontTx/>
+                <a:buNone/>
+                <a:tabLst/>
+                <a:defRPr/>
+              </a:pPr>
+              <a:r>
+                <a:rPr kumimoji="0" lang="en-US" sz="900" b="0" i="0" u="none" strike="noStrike" kern="1200" cap="none" spc="0" normalizeH="0" baseline="0" noProof="0" dirty="0">
+                  <a:ln>
+                    <a:noFill/>
+                  </a:ln>
+                  <a:solidFill>
+                    <a:prstClr val="black"/>
+                  </a:solidFill>
+                  <a:effectLst/>
+                  <a:uLnTx/>
+                  <a:uFillTx/>
+                  <a:ea typeface="+mn-ea"/>
+                  <a:cs typeface="+mn-cs"/>
+                </a:rPr>
+                <a:t>host</a:t>
+              </a:r>
+            </a:p>
+          </p:txBody>
+        </p:sp>
+      </p:grpSp>
+      <p:cxnSp>
+        <p:nvCxnSpPr>
+          <p:cNvPr id="157" name="Straight Arrow Connector 156">
+            <a:extLst>
+              <a:ext uri="{FF2B5EF4-FFF2-40B4-BE49-F238E27FC236}">
+                <a16:creationId xmlns:a16="http://schemas.microsoft.com/office/drawing/2014/main" id="{91C0F347-28D6-5FC8-706A-1710DA078346}"/>
+              </a:ext>
+            </a:extLst>
+          </p:cNvPr>
+          <p:cNvCxnSpPr>
+            <a:cxnSpLocks/>
+            <a:stCxn id="10" idx="0"/>
+            <a:endCxn id="27" idx="2"/>
+          </p:cNvCxnSpPr>
+          <p:nvPr/>
+        </p:nvCxnSpPr>
+        <p:spPr>
+          <a:xfrm flipH="1" flipV="1">
+            <a:off x="5688387" y="3195158"/>
+            <a:ext cx="789522" cy="312363"/>
+          </a:xfrm>
+          <a:prstGeom prst="straightConnector1">
+            <a:avLst/>
+          </a:prstGeom>
+          <a:ln w="12700">
+            <a:solidFill>
+              <a:schemeClr val="tx1"/>
+            </a:solidFill>
+            <a:headEnd type="triangle" w="med" len="med"/>
+            <a:tailEnd type="none" w="med" len="med"/>
+          </a:ln>
+        </p:spPr>
+        <p:style>
+          <a:lnRef idx="1">
+            <a:schemeClr val="accent1"/>
+          </a:lnRef>
+          <a:fillRef idx="0">
+            <a:schemeClr val="accent1"/>
+          </a:fillRef>
+          <a:effectRef idx="0">
+            <a:schemeClr val="accent1"/>
+          </a:effectRef>
+          <a:fontRef idx="minor">
+            <a:schemeClr val="tx1"/>
+          </a:fontRef>
+        </p:style>
+      </p:cxnSp>
+      <p:cxnSp>
+        <p:nvCxnSpPr>
+          <p:cNvPr id="17" name="Straight Arrow Connector 16">
+            <a:extLst>
+              <a:ext uri="{FF2B5EF4-FFF2-40B4-BE49-F238E27FC236}">
+                <a16:creationId xmlns:a16="http://schemas.microsoft.com/office/drawing/2014/main" id="{E58D11E9-E884-B98D-C7B8-50308964A9BB}"/>
+              </a:ext>
+            </a:extLst>
+          </p:cNvPr>
+          <p:cNvCxnSpPr>
+            <a:cxnSpLocks/>
+            <a:stCxn id="22" idx="0"/>
+            <a:endCxn id="37" idx="2"/>
+          </p:cNvCxnSpPr>
+          <p:nvPr/>
+        </p:nvCxnSpPr>
+        <p:spPr>
+          <a:xfrm flipV="1">
+            <a:off x="5986652" y="4634056"/>
+            <a:ext cx="491256" cy="316032"/>
+          </a:xfrm>
+          <a:prstGeom prst="straightConnector1">
+            <a:avLst/>
+          </a:prstGeom>
+          <a:ln w="12700">
+            <a:solidFill>
+              <a:schemeClr val="tx1"/>
+            </a:solidFill>
+            <a:headEnd type="triangle" w="med" len="med"/>
+            <a:tailEnd type="none" w="med" len="med"/>
+          </a:ln>
+        </p:spPr>
+        <p:style>
+          <a:lnRef idx="1">
+            <a:schemeClr val="accent1"/>
+          </a:lnRef>
+          <a:fillRef idx="0">
+            <a:schemeClr val="accent1"/>
+          </a:fillRef>
+          <a:effectRef idx="0">
+            <a:schemeClr val="accent1"/>
+          </a:effectRef>
+          <a:fontRef idx="minor">
+            <a:schemeClr val="tx1"/>
+          </a:fontRef>
+        </p:style>
+      </p:cxnSp>
+      <p:cxnSp>
+        <p:nvCxnSpPr>
+          <p:cNvPr id="4" name="Straight Arrow Connector 3">
+            <a:extLst>
+              <a:ext uri="{FF2B5EF4-FFF2-40B4-BE49-F238E27FC236}">
+                <a16:creationId xmlns:a16="http://schemas.microsoft.com/office/drawing/2014/main" id="{DC2ECF99-429F-AEDC-EECA-CE21A58CA59B}"/>
+              </a:ext>
+            </a:extLst>
+          </p:cNvPr>
+          <p:cNvCxnSpPr>
+            <a:cxnSpLocks/>
+            <a:stCxn id="21" idx="1"/>
+            <a:endCxn id="23" idx="2"/>
+          </p:cNvCxnSpPr>
+          <p:nvPr/>
+        </p:nvCxnSpPr>
+        <p:spPr>
+          <a:xfrm flipH="1" flipV="1">
+            <a:off x="5302975" y="3195158"/>
+            <a:ext cx="683677" cy="1751643"/>
+          </a:xfrm>
+          <a:prstGeom prst="straightConnector1">
+            <a:avLst/>
+          </a:prstGeom>
+          <a:ln w="12700">
+            <a:solidFill>
+              <a:schemeClr val="tx1"/>
+            </a:solidFill>
+            <a:headEnd type="triangle" w="med" len="med"/>
+            <a:tailEnd type="none" w="med" len="med"/>
+          </a:ln>
+        </p:spPr>
+        <p:style>
+          <a:lnRef idx="1">
+            <a:schemeClr val="accent1"/>
+          </a:lnRef>
+          <a:fillRef idx="0">
+            <a:schemeClr val="accent1"/>
+          </a:fillRef>
+          <a:effectRef idx="0">
+            <a:schemeClr val="accent1"/>
+          </a:effectRef>
+          <a:fontRef idx="minor">
+            <a:schemeClr val="tx1"/>
+          </a:fontRef>
+        </p:style>
+      </p:cxnSp>
+      <p:grpSp>
+        <p:nvGrpSpPr>
+          <p:cNvPr id="31" name="Group 30">
+            <a:extLst>
+              <a:ext uri="{FF2B5EF4-FFF2-40B4-BE49-F238E27FC236}">
+                <a16:creationId xmlns:a16="http://schemas.microsoft.com/office/drawing/2014/main" id="{77832EC5-4820-7807-59DB-9302AC44E342}"/>
+              </a:ext>
+            </a:extLst>
+          </p:cNvPr>
+          <p:cNvGrpSpPr/>
+          <p:nvPr/>
+        </p:nvGrpSpPr>
+        <p:grpSpPr>
+          <a:xfrm>
+            <a:off x="6092198" y="3455079"/>
+            <a:ext cx="771421" cy="1211215"/>
+            <a:chOff x="6092198" y="3344244"/>
+            <a:chExt cx="771421" cy="1211215"/>
+          </a:xfrm>
+        </p:grpSpPr>
+        <p:grpSp>
+          <p:nvGrpSpPr>
+            <p:cNvPr id="146" name="Group 145">
+              <a:extLst>
+                <a:ext uri="{FF2B5EF4-FFF2-40B4-BE49-F238E27FC236}">
+                  <a16:creationId xmlns:a16="http://schemas.microsoft.com/office/drawing/2014/main" id="{21372C5F-6019-6E0C-9508-4E8A358AF2EE}"/>
+                </a:ext>
+              </a:extLst>
+            </p:cNvPr>
+            <p:cNvGrpSpPr/>
+            <p:nvPr/>
+          </p:nvGrpSpPr>
+          <p:grpSpPr>
+            <a:xfrm>
+              <a:off x="6092198" y="3581360"/>
+              <a:ext cx="771421" cy="815478"/>
+              <a:chOff x="4115528" y="2823110"/>
+              <a:chExt cx="771421" cy="815478"/>
+            </a:xfrm>
+          </p:grpSpPr>
+          <p:sp>
+            <p:nvSpPr>
+              <p:cNvPr id="34" name="Rectangle 33">
+                <a:extLst>
+                  <a:ext uri="{FF2B5EF4-FFF2-40B4-BE49-F238E27FC236}">
+                    <a16:creationId xmlns:a16="http://schemas.microsoft.com/office/drawing/2014/main" id="{AC8C008F-40AE-7B56-066D-358A9B134B49}"/>
+                  </a:ext>
+                </a:extLst>
+              </p:cNvPr>
+              <p:cNvSpPr/>
+              <p:nvPr/>
+            </p:nvSpPr>
+            <p:spPr>
+              <a:xfrm>
+                <a:off x="4115528" y="3145212"/>
+                <a:ext cx="771421" cy="279919"/>
+              </a:xfrm>
+              <a:prstGeom prst="rect">
+                <a:avLst/>
+              </a:prstGeom>
+              <a:solidFill>
+                <a:schemeClr val="bg1">
+                  <a:lumMod val="95000"/>
+                </a:schemeClr>
+              </a:solidFill>
+              <a:ln w="19050">
+                <a:solidFill>
+                  <a:schemeClr val="bg2"/>
+                </a:solidFill>
+              </a:ln>
+            </p:spPr>
+            <p:style>
+              <a:lnRef idx="2">
+                <a:schemeClr val="accent1">
+                  <a:shade val="50000"/>
+                </a:schemeClr>
+              </a:lnRef>
+              <a:fillRef idx="1">
+                <a:schemeClr val="accent1"/>
+              </a:fillRef>
+              <a:effectRef idx="0">
+                <a:schemeClr val="accent1"/>
+              </a:effectRef>
+              <a:fontRef idx="minor">
+                <a:schemeClr val="lt1"/>
+              </a:fontRef>
+            </p:style>
+            <p:txBody>
+              <a:bodyPr lIns="0" rIns="0" rtlCol="0" anchor="ctr"/>
+              <a:lstStyle/>
+              <a:p>
+                <a:pPr marL="0" marR="0" lvl="0" indent="0" algn="ctr" defTabSz="914400" rtl="0" eaLnBrk="1" fontAlgn="auto" latinLnBrk="0" hangingPunct="1">
+                  <a:lnSpc>
+                    <a:spcPct val="100000"/>
+                  </a:lnSpc>
+                  <a:spcBef>
+                    <a:spcPts val="0"/>
+                  </a:spcBef>
+                  <a:spcAft>
+                    <a:spcPts val="0"/>
+                  </a:spcAft>
+                  <a:buClrTx/>
+                  <a:buSzTx/>
+                  <a:buFontTx/>
+                  <a:buNone/>
+                  <a:tabLst/>
+                  <a:defRPr/>
+                </a:pPr>
+                <a:r>
+                  <a:rPr kumimoji="0" lang="en-US" sz="900" b="0" i="0" u="none" strike="noStrike" kern="1200" cap="none" spc="0" normalizeH="0" baseline="0" noProof="0" dirty="0">
+                    <a:ln>
+                      <a:noFill/>
+                    </a:ln>
+                    <a:solidFill>
+                      <a:prstClr val="black"/>
+                    </a:solidFill>
+                    <a:effectLst/>
+                    <a:uLnTx/>
+                    <a:uFillTx/>
+                    <a:ea typeface="+mn-ea"/>
+                    <a:cs typeface="+mn-cs"/>
+                  </a:rPr>
+                  <a:t>Kubernetes Cluster</a:t>
+                </a:r>
+              </a:p>
+            </p:txBody>
+          </p:sp>
+          <p:sp>
+            <p:nvSpPr>
+              <p:cNvPr id="35" name="Rectangle: Rounded Corners 34">
+                <a:extLst>
+                  <a:ext uri="{FF2B5EF4-FFF2-40B4-BE49-F238E27FC236}">
+                    <a16:creationId xmlns:a16="http://schemas.microsoft.com/office/drawing/2014/main" id="{DFBFC135-6FE4-4904-9572-E0043D70EBD6}"/>
+                  </a:ext>
+                </a:extLst>
+              </p:cNvPr>
+              <p:cNvSpPr/>
+              <p:nvPr/>
+            </p:nvSpPr>
+            <p:spPr>
+              <a:xfrm>
+                <a:off x="4115528" y="2823110"/>
+                <a:ext cx="771420" cy="815478"/>
+              </a:xfrm>
+              <a:prstGeom prst="roundRect">
+                <a:avLst/>
+              </a:prstGeom>
+              <a:noFill/>
+              <a:ln w="19050">
+                <a:solidFill>
+                  <a:schemeClr val="tx1"/>
+                </a:solidFill>
+              </a:ln>
+            </p:spPr>
+            <p:style>
+              <a:lnRef idx="2">
+                <a:schemeClr val="accent1">
+                  <a:shade val="50000"/>
+                </a:schemeClr>
+              </a:lnRef>
+              <a:fillRef idx="1">
+                <a:schemeClr val="accent1"/>
+              </a:fillRef>
+              <a:effectRef idx="0">
+                <a:schemeClr val="accent1"/>
+              </a:effectRef>
+              <a:fontRef idx="minor">
+                <a:schemeClr val="lt1"/>
+              </a:fontRef>
+            </p:style>
+            <p:txBody>
+              <a:bodyPr lIns="45720" tIns="118872" rtlCol="0" anchor="t" anchorCtr="0"/>
+              <a:lstStyle/>
+              <a:p>
+                <a:pPr marL="0" marR="0" lvl="0" indent="0" algn="l" defTabSz="914400" rtl="0" eaLnBrk="1" fontAlgn="auto" latinLnBrk="0" hangingPunct="1">
+                  <a:lnSpc>
+                    <a:spcPct val="100000"/>
+                  </a:lnSpc>
+                  <a:spcBef>
+                    <a:spcPts val="0"/>
+                  </a:spcBef>
+                  <a:spcAft>
+                    <a:spcPts val="0"/>
+                  </a:spcAft>
+                  <a:buClrTx/>
+                  <a:buSzTx/>
+                  <a:buFontTx/>
+                  <a:buNone/>
+                  <a:tabLst/>
+                  <a:defRPr/>
+                </a:pPr>
+                <a:r>
+                  <a:rPr lang="en-US" sz="800" dirty="0">
+                    <a:solidFill>
+                      <a:prstClr val="black"/>
+                    </a:solidFill>
+                  </a:rPr>
+                  <a:t>cluster-1</a:t>
+                </a:r>
+                <a:endParaRPr kumimoji="0" lang="en-US" sz="800" b="0" i="0" u="none" strike="noStrike" kern="1200" cap="none" spc="0" normalizeH="0" baseline="0" noProof="0" dirty="0">
+                  <a:ln>
+                    <a:noFill/>
+                  </a:ln>
+                  <a:solidFill>
+                    <a:prstClr val="black"/>
+                  </a:solidFill>
+                  <a:effectLst/>
+                  <a:uLnTx/>
+                  <a:uFillTx/>
+                  <a:ea typeface="+mn-ea"/>
+                  <a:cs typeface="+mn-cs"/>
+                </a:endParaRPr>
+              </a:p>
+            </p:txBody>
+          </p:sp>
+        </p:grpSp>
+        <p:sp>
+          <p:nvSpPr>
+            <p:cNvPr id="36" name="Flowchart: Off-page Connector 35">
+              <a:extLst>
+                <a:ext uri="{FF2B5EF4-FFF2-40B4-BE49-F238E27FC236}">
+                  <a16:creationId xmlns:a16="http://schemas.microsoft.com/office/drawing/2014/main" id="{200F0872-23D3-5A7D-8660-9DA58F7CD82D}"/>
+                </a:ext>
+              </a:extLst>
+            </p:cNvPr>
+            <p:cNvSpPr/>
+            <p:nvPr/>
+          </p:nvSpPr>
+          <p:spPr>
+            <a:xfrm>
+              <a:off x="6244643" y="4275540"/>
+              <a:ext cx="466531" cy="279919"/>
+            </a:xfrm>
+            <a:prstGeom prst="flowChartOffpageConnector">
+              <a:avLst/>
+            </a:prstGeom>
+            <a:solidFill>
+              <a:schemeClr val="bg1"/>
+            </a:solidFill>
+            <a:ln w="19050">
+              <a:solidFill>
+                <a:schemeClr val="tx1"/>
+              </a:solidFill>
+            </a:ln>
+          </p:spPr>
+          <p:style>
+            <a:lnRef idx="2">
+              <a:schemeClr val="accent1">
+                <a:shade val="50000"/>
+              </a:schemeClr>
+            </a:lnRef>
+            <a:fillRef idx="1">
+              <a:schemeClr val="accent1"/>
+            </a:fillRef>
+            <a:effectRef idx="0">
+              <a:schemeClr val="accent1"/>
+            </a:effectRef>
+            <a:fontRef idx="minor">
+              <a:schemeClr val="lt1"/>
+            </a:fontRef>
+          </p:style>
+          <p:txBody>
+            <a:bodyPr tIns="0" rtlCol="0" anchor="t" anchorCtr="0"/>
+            <a:lstStyle/>
+            <a:p>
+              <a:pPr marL="0" marR="0" lvl="0" indent="0" algn="l" defTabSz="914400" rtl="0" eaLnBrk="1" fontAlgn="auto" latinLnBrk="0" hangingPunct="1">
+                <a:lnSpc>
+                  <a:spcPct val="100000"/>
+                </a:lnSpc>
+                <a:spcBef>
+                  <a:spcPts val="0"/>
+                </a:spcBef>
+                <a:spcAft>
+                  <a:spcPts val="0"/>
+                </a:spcAft>
+                <a:buClrTx/>
+                <a:buSzTx/>
+                <a:buFontTx/>
+                <a:buNone/>
+                <a:tabLst/>
+                <a:defRPr/>
+              </a:pPr>
+              <a:endParaRPr kumimoji="0" lang="en-US" sz="1000" b="0" i="0" u="none" strike="noStrike" kern="1200" cap="none" spc="0" normalizeH="0" baseline="0" noProof="0">
+                <a:ln>
+                  <a:noFill/>
+                </a:ln>
+                <a:solidFill>
+                  <a:prstClr val="black"/>
+                </a:solidFill>
+                <a:effectLst/>
+                <a:uLnTx/>
+                <a:uFillTx/>
+                <a:ea typeface="+mn-ea"/>
+                <a:cs typeface="+mn-cs"/>
+              </a:endParaRPr>
+            </a:p>
+          </p:txBody>
+        </p:sp>
+        <p:sp>
+          <p:nvSpPr>
+            <p:cNvPr id="37" name="TextBox 36">
+              <a:extLst>
+                <a:ext uri="{FF2B5EF4-FFF2-40B4-BE49-F238E27FC236}">
+                  <a16:creationId xmlns:a16="http://schemas.microsoft.com/office/drawing/2014/main" id="{75E9CD42-DACD-5EDE-FB72-AF6D27C6718E}"/>
+                </a:ext>
+              </a:extLst>
+            </p:cNvPr>
+            <p:cNvSpPr txBox="1"/>
+            <p:nvPr/>
+          </p:nvSpPr>
+          <p:spPr>
+            <a:xfrm>
+              <a:off x="6271762" y="4292389"/>
+              <a:ext cx="412292" cy="230832"/>
+            </a:xfrm>
+            <a:prstGeom prst="rect">
+              <a:avLst/>
+            </a:prstGeom>
+            <a:noFill/>
+          </p:spPr>
+          <p:txBody>
+            <a:bodyPr wrap="square" rtlCol="0">
+              <a:spAutoFit/>
+            </a:bodyPr>
+            <a:lstStyle/>
+            <a:p>
+              <a:pPr marL="0" marR="0" lvl="0" indent="0" algn="l" defTabSz="914400" rtl="0" eaLnBrk="1" fontAlgn="auto" latinLnBrk="0" hangingPunct="1">
+                <a:lnSpc>
+                  <a:spcPct val="100000"/>
+                </a:lnSpc>
+                <a:spcBef>
+                  <a:spcPts val="0"/>
+                </a:spcBef>
+                <a:spcAft>
+                  <a:spcPts val="0"/>
+                </a:spcAft>
+                <a:buClrTx/>
+                <a:buSzTx/>
+                <a:buFontTx/>
+                <a:buNone/>
+                <a:tabLst/>
+                <a:defRPr/>
+              </a:pPr>
+              <a:r>
+                <a:rPr kumimoji="0" lang="en-US" sz="900" b="0" i="0" u="none" strike="noStrike" kern="1200" cap="none" spc="0" normalizeH="0" baseline="0" noProof="0" dirty="0">
+                  <a:ln>
+                    <a:noFill/>
+                  </a:ln>
+                  <a:solidFill>
+                    <a:prstClr val="black"/>
+                  </a:solidFill>
+                  <a:effectLst/>
+                  <a:uLnTx/>
+                  <a:uFillTx/>
+                  <a:ea typeface="+mn-ea"/>
+                  <a:cs typeface="+mn-cs"/>
+                </a:rPr>
+                <a:t>host</a:t>
+              </a:r>
+            </a:p>
+          </p:txBody>
+        </p:sp>
+        <p:grpSp>
+          <p:nvGrpSpPr>
+            <p:cNvPr id="8" name="Group 7">
+              <a:extLst>
+                <a:ext uri="{FF2B5EF4-FFF2-40B4-BE49-F238E27FC236}">
+                  <a16:creationId xmlns:a16="http://schemas.microsoft.com/office/drawing/2014/main" id="{506200CC-AB5E-D005-7195-4302FA6C4D4F}"/>
+                </a:ext>
+              </a:extLst>
+            </p:cNvPr>
+            <p:cNvGrpSpPr/>
+            <p:nvPr/>
+          </p:nvGrpSpPr>
+          <p:grpSpPr>
+            <a:xfrm>
+              <a:off x="6244643" y="3344244"/>
+              <a:ext cx="466531" cy="351106"/>
+              <a:chOff x="6810318" y="4284899"/>
+              <a:chExt cx="466531" cy="351106"/>
+            </a:xfrm>
+          </p:grpSpPr>
+          <p:sp>
+            <p:nvSpPr>
+              <p:cNvPr id="9" name="Arrow: Chevron 8">
+                <a:extLst>
+                  <a:ext uri="{FF2B5EF4-FFF2-40B4-BE49-F238E27FC236}">
+                    <a16:creationId xmlns:a16="http://schemas.microsoft.com/office/drawing/2014/main" id="{8B500870-1B30-039B-B40D-86E40C4DE985}"/>
+                  </a:ext>
+                </a:extLst>
+              </p:cNvPr>
+              <p:cNvSpPr/>
+              <p:nvPr/>
+            </p:nvSpPr>
+            <p:spPr>
+              <a:xfrm rot="5400000">
+                <a:off x="6868031" y="4227186"/>
+                <a:ext cx="351106" cy="466531"/>
+              </a:xfrm>
+              <a:prstGeom prst="chevron">
+                <a:avLst>
+                  <a:gd name="adj" fmla="val 14000"/>
+                </a:avLst>
+              </a:prstGeom>
+              <a:solidFill>
+                <a:schemeClr val="bg1"/>
+              </a:solidFill>
+              <a:ln w="12700">
+                <a:solidFill>
+                  <a:schemeClr val="tx1"/>
+                </a:solidFill>
+              </a:ln>
+            </p:spPr>
+            <p:style>
+              <a:lnRef idx="2">
+                <a:schemeClr val="accent1">
+                  <a:shade val="50000"/>
+                </a:schemeClr>
+              </a:lnRef>
+              <a:fillRef idx="1">
+                <a:schemeClr val="accent1"/>
+              </a:fillRef>
+              <a:effectRef idx="0">
+                <a:schemeClr val="accent1"/>
+              </a:effectRef>
+              <a:fontRef idx="minor">
+                <a:schemeClr val="lt1"/>
+              </a:fontRef>
+            </p:style>
+            <p:txBody>
+              <a:bodyPr tIns="0" rtlCol="0" anchor="t" anchorCtr="0"/>
+              <a:lstStyle/>
+              <a:p>
+                <a:pPr marL="0" marR="0" lvl="0" indent="0" algn="l" defTabSz="914400" rtl="0" eaLnBrk="1" fontAlgn="auto" latinLnBrk="0" hangingPunct="1">
+                  <a:lnSpc>
+                    <a:spcPct val="100000"/>
+                  </a:lnSpc>
+                  <a:spcBef>
+                    <a:spcPts val="0"/>
+                  </a:spcBef>
+                  <a:spcAft>
+                    <a:spcPts val="0"/>
+                  </a:spcAft>
+                  <a:buClrTx/>
+                  <a:buSzTx/>
+                  <a:buFontTx/>
+                  <a:buNone/>
+                  <a:tabLst/>
+                  <a:defRPr/>
+                </a:pPr>
+                <a:endParaRPr kumimoji="0" lang="en-US" sz="1000" b="0" i="0" u="none" strike="noStrike" kern="1200" cap="none" spc="0" normalizeH="0" baseline="0" noProof="0">
+                  <a:ln>
+                    <a:noFill/>
+                  </a:ln>
+                  <a:solidFill>
+                    <a:prstClr val="black"/>
+                  </a:solidFill>
+                  <a:effectLst/>
+                  <a:uLnTx/>
+                  <a:uFillTx/>
+                  <a:ea typeface="+mn-ea"/>
+                  <a:cs typeface="+mn-cs"/>
+                </a:endParaRPr>
+              </a:p>
+            </p:txBody>
+          </p:sp>
+          <p:sp>
+            <p:nvSpPr>
+              <p:cNvPr id="10" name="TextBox 9">
+                <a:extLst>
+                  <a:ext uri="{FF2B5EF4-FFF2-40B4-BE49-F238E27FC236}">
+                    <a16:creationId xmlns:a16="http://schemas.microsoft.com/office/drawing/2014/main" id="{0BEB75F8-96B8-F6CA-6C8B-90686C014822}"/>
+                  </a:ext>
+                </a:extLst>
+              </p:cNvPr>
+              <p:cNvSpPr txBox="1"/>
+              <p:nvPr/>
+            </p:nvSpPr>
+            <p:spPr>
+              <a:xfrm>
+                <a:off x="6837438" y="4337341"/>
+                <a:ext cx="412292" cy="230832"/>
+              </a:xfrm>
+              <a:prstGeom prst="rect">
+                <a:avLst/>
+              </a:prstGeom>
+              <a:noFill/>
+            </p:spPr>
+            <p:txBody>
+              <a:bodyPr wrap="square" lIns="0" rIns="0" rtlCol="0">
+                <a:spAutoFit/>
+              </a:bodyPr>
+              <a:lstStyle/>
+              <a:p>
+                <a:pPr marL="0" marR="0" lvl="0" indent="0" algn="ctr" defTabSz="914400" rtl="0" eaLnBrk="1" fontAlgn="auto" latinLnBrk="0" hangingPunct="1">
+                  <a:lnSpc>
+                    <a:spcPct val="100000"/>
+                  </a:lnSpc>
+                  <a:spcBef>
+                    <a:spcPts val="0"/>
+                  </a:spcBef>
+                  <a:spcAft>
+                    <a:spcPts val="0"/>
+                  </a:spcAft>
+                  <a:buClrTx/>
+                  <a:buSzTx/>
+                  <a:buFontTx/>
+                  <a:buNone/>
+                  <a:tabLst/>
+                  <a:defRPr/>
+                </a:pPr>
+                <a:r>
+                  <a:rPr kumimoji="0" lang="en-US" sz="900" b="0" i="0" u="none" strike="noStrike" kern="1200" cap="none" spc="0" normalizeH="0" baseline="0" noProof="0" dirty="0">
+                    <a:ln>
+                      <a:noFill/>
+                    </a:ln>
+                    <a:solidFill>
+                      <a:prstClr val="black"/>
+                    </a:solidFill>
+                    <a:effectLst/>
+                    <a:uLnTx/>
+                    <a:uFillTx/>
+                    <a:ea typeface="+mn-ea"/>
+                    <a:cs typeface="+mn-cs"/>
+                  </a:rPr>
+                  <a:t>exec</a:t>
+                </a:r>
+              </a:p>
+            </p:txBody>
+          </p:sp>
+        </p:grpSp>
+      </p:grpSp>
+      <p:grpSp>
+        <p:nvGrpSpPr>
+          <p:cNvPr id="30" name="Group 29">
+            <a:extLst>
+              <a:ext uri="{FF2B5EF4-FFF2-40B4-BE49-F238E27FC236}">
+                <a16:creationId xmlns:a16="http://schemas.microsoft.com/office/drawing/2014/main" id="{045BFD68-B860-8B7E-CA46-21770E24C2A2}"/>
+              </a:ext>
+            </a:extLst>
+          </p:cNvPr>
+          <p:cNvGrpSpPr/>
+          <p:nvPr/>
+        </p:nvGrpSpPr>
+        <p:grpSpPr>
+          <a:xfrm>
+            <a:off x="5109672" y="848590"/>
+            <a:ext cx="771421" cy="2346568"/>
+            <a:chOff x="4860292" y="848590"/>
+            <a:chExt cx="771421" cy="2346568"/>
+          </a:xfrm>
+        </p:grpSpPr>
+        <p:grpSp>
+          <p:nvGrpSpPr>
+            <p:cNvPr id="144" name="Group 143">
+              <a:extLst>
+                <a:ext uri="{FF2B5EF4-FFF2-40B4-BE49-F238E27FC236}">
+                  <a16:creationId xmlns:a16="http://schemas.microsoft.com/office/drawing/2014/main" id="{F136A3C0-E9C9-C3DD-1CBA-AC4A2BE7E202}"/>
+                </a:ext>
+              </a:extLst>
+            </p:cNvPr>
+            <p:cNvGrpSpPr/>
+            <p:nvPr/>
+          </p:nvGrpSpPr>
+          <p:grpSpPr>
+            <a:xfrm>
+              <a:off x="4860292" y="2225721"/>
+              <a:ext cx="771421" cy="815478"/>
+              <a:chOff x="5361297" y="2699218"/>
+              <a:chExt cx="771421" cy="815478"/>
+            </a:xfrm>
+          </p:grpSpPr>
+          <p:sp>
+            <p:nvSpPr>
+              <p:cNvPr id="62" name="Rectangle 61">
+                <a:extLst>
+                  <a:ext uri="{FF2B5EF4-FFF2-40B4-BE49-F238E27FC236}">
+                    <a16:creationId xmlns:a16="http://schemas.microsoft.com/office/drawing/2014/main" id="{86204A80-509E-EF06-FA78-41005CAEC4E1}"/>
+                  </a:ext>
+                </a:extLst>
+              </p:cNvPr>
+              <p:cNvSpPr/>
+              <p:nvPr/>
+            </p:nvSpPr>
+            <p:spPr>
+              <a:xfrm>
+                <a:off x="5361297" y="3021320"/>
+                <a:ext cx="771421" cy="279919"/>
+              </a:xfrm>
+              <a:prstGeom prst="rect">
+                <a:avLst/>
+              </a:prstGeom>
+              <a:solidFill>
+                <a:schemeClr val="bg1">
+                  <a:lumMod val="95000"/>
+                </a:schemeClr>
+              </a:solidFill>
+              <a:ln w="19050">
+                <a:solidFill>
+                  <a:schemeClr val="bg2"/>
+                </a:solidFill>
+              </a:ln>
+            </p:spPr>
+            <p:style>
+              <a:lnRef idx="2">
+                <a:schemeClr val="accent1">
+                  <a:shade val="50000"/>
+                </a:schemeClr>
+              </a:lnRef>
+              <a:fillRef idx="1">
+                <a:schemeClr val="accent1"/>
+              </a:fillRef>
+              <a:effectRef idx="0">
+                <a:schemeClr val="accent1"/>
+              </a:effectRef>
+              <a:fontRef idx="minor">
+                <a:schemeClr val="lt1"/>
+              </a:fontRef>
+            </p:style>
+            <p:txBody>
+              <a:bodyPr lIns="0" rIns="0" rtlCol="0" anchor="ctr"/>
+              <a:lstStyle/>
+              <a:p>
+                <a:pPr marL="0" marR="0" lvl="0" indent="0" algn="ctr" defTabSz="914400" rtl="0" eaLnBrk="1" fontAlgn="auto" latinLnBrk="0" hangingPunct="1">
+                  <a:lnSpc>
+                    <a:spcPct val="100000"/>
+                  </a:lnSpc>
+                  <a:spcBef>
+                    <a:spcPts val="0"/>
+                  </a:spcBef>
+                  <a:spcAft>
+                    <a:spcPts val="0"/>
+                  </a:spcAft>
+                  <a:buClrTx/>
+                  <a:buSzTx/>
+                  <a:buFontTx/>
+                  <a:buNone/>
+                  <a:tabLst/>
+                  <a:defRPr/>
+                </a:pPr>
+                <a:r>
+                  <a:rPr kumimoji="0" lang="en-US" sz="900" b="0" i="0" u="none" strike="noStrike" kern="1200" cap="none" spc="0" normalizeH="0" baseline="0" noProof="0" dirty="0" err="1">
+                    <a:ln>
+                      <a:noFill/>
+                    </a:ln>
+                    <a:solidFill>
+                      <a:prstClr val="black"/>
+                    </a:solidFill>
+                    <a:effectLst/>
+                    <a:uLnTx/>
+                    <a:uFillTx/>
+                    <a:ea typeface="+mn-ea"/>
+                    <a:cs typeface="+mn-cs"/>
+                  </a:rPr>
+                  <a:t>Kubevirt</a:t>
+                </a:r>
+                <a:endParaRPr kumimoji="0" lang="en-US" sz="900" b="0" i="0" u="none" strike="noStrike" kern="1200" cap="none" spc="0" normalizeH="0" baseline="0" noProof="0" dirty="0">
+                  <a:ln>
+                    <a:noFill/>
+                  </a:ln>
+                  <a:solidFill>
+                    <a:prstClr val="black"/>
+                  </a:solidFill>
+                  <a:effectLst/>
+                  <a:uLnTx/>
+                  <a:uFillTx/>
+                  <a:ea typeface="+mn-ea"/>
+                  <a:cs typeface="+mn-cs"/>
+                </a:endParaRPr>
+              </a:p>
+            </p:txBody>
+          </p:sp>
+          <p:sp>
+            <p:nvSpPr>
+              <p:cNvPr id="63" name="Rectangle: Rounded Corners 62">
+                <a:extLst>
+                  <a:ext uri="{FF2B5EF4-FFF2-40B4-BE49-F238E27FC236}">
+                    <a16:creationId xmlns:a16="http://schemas.microsoft.com/office/drawing/2014/main" id="{5621BE95-1B14-0E43-E3FF-7078718035A3}"/>
+                  </a:ext>
+                </a:extLst>
+              </p:cNvPr>
+              <p:cNvSpPr/>
+              <p:nvPr/>
+            </p:nvSpPr>
+            <p:spPr>
+              <a:xfrm>
+                <a:off x="5361297" y="2699218"/>
+                <a:ext cx="771420" cy="815478"/>
+              </a:xfrm>
+              <a:prstGeom prst="roundRect">
+                <a:avLst/>
+              </a:prstGeom>
+              <a:noFill/>
+              <a:ln w="19050">
+                <a:solidFill>
+                  <a:schemeClr val="tx1"/>
+                </a:solidFill>
+              </a:ln>
+            </p:spPr>
+            <p:style>
+              <a:lnRef idx="2">
+                <a:schemeClr val="accent1">
+                  <a:shade val="50000"/>
+                </a:schemeClr>
+              </a:lnRef>
+              <a:fillRef idx="1">
+                <a:schemeClr val="accent1"/>
+              </a:fillRef>
+              <a:effectRef idx="0">
+                <a:schemeClr val="accent1"/>
+              </a:effectRef>
+              <a:fontRef idx="minor">
+                <a:schemeClr val="lt1"/>
+              </a:fontRef>
+            </p:style>
+            <p:txBody>
+              <a:bodyPr lIns="45720" tIns="118872" rtlCol="0" anchor="t" anchorCtr="0"/>
+              <a:lstStyle/>
+              <a:p>
+                <a:pPr marL="0" marR="0" lvl="0" indent="0" algn="l" defTabSz="914400" rtl="0" eaLnBrk="1" fontAlgn="auto" latinLnBrk="0" hangingPunct="1">
+                  <a:lnSpc>
+                    <a:spcPct val="100000"/>
+                  </a:lnSpc>
+                  <a:spcBef>
+                    <a:spcPts val="0"/>
+                  </a:spcBef>
+                  <a:spcAft>
+                    <a:spcPts val="0"/>
+                  </a:spcAft>
+                  <a:buClrTx/>
+                  <a:buSzTx/>
+                  <a:buFontTx/>
+                  <a:buNone/>
+                  <a:tabLst/>
+                  <a:defRPr/>
+                </a:pPr>
+                <a:r>
+                  <a:rPr lang="en-US" sz="800" dirty="0" err="1">
+                    <a:solidFill>
+                      <a:prstClr val="black"/>
+                    </a:solidFill>
+                  </a:rPr>
+                  <a:t>kubevirt</a:t>
+                </a:r>
+                <a:endParaRPr kumimoji="0" lang="en-US" sz="800" b="0" i="0" u="none" strike="noStrike" kern="1200" cap="none" spc="0" normalizeH="0" baseline="0" noProof="0" dirty="0">
+                  <a:ln>
+                    <a:noFill/>
+                  </a:ln>
+                  <a:solidFill>
+                    <a:prstClr val="black"/>
+                  </a:solidFill>
+                  <a:effectLst/>
+                  <a:uLnTx/>
+                  <a:uFillTx/>
+                  <a:ea typeface="+mn-ea"/>
+                  <a:cs typeface="+mn-cs"/>
+                </a:endParaRPr>
+              </a:p>
+            </p:txBody>
+          </p:sp>
+        </p:grpSp>
+        <p:grpSp>
+          <p:nvGrpSpPr>
+            <p:cNvPr id="130" name="Group 129">
+              <a:extLst>
+                <a:ext uri="{FF2B5EF4-FFF2-40B4-BE49-F238E27FC236}">
+                  <a16:creationId xmlns:a16="http://schemas.microsoft.com/office/drawing/2014/main" id="{7C710ACB-E418-078F-ACC7-9102B94079DC}"/>
+                </a:ext>
+              </a:extLst>
+            </p:cNvPr>
+            <p:cNvGrpSpPr/>
+            <p:nvPr/>
+          </p:nvGrpSpPr>
+          <p:grpSpPr>
+            <a:xfrm>
+              <a:off x="5012737" y="2022651"/>
+              <a:ext cx="466531" cy="351106"/>
+              <a:chOff x="6810318" y="4284899"/>
+              <a:chExt cx="466531" cy="351106"/>
+            </a:xfrm>
+          </p:grpSpPr>
+          <p:sp>
+            <p:nvSpPr>
+              <p:cNvPr id="131" name="Arrow: Chevron 130">
+                <a:extLst>
+                  <a:ext uri="{FF2B5EF4-FFF2-40B4-BE49-F238E27FC236}">
+                    <a16:creationId xmlns:a16="http://schemas.microsoft.com/office/drawing/2014/main" id="{7FDE113D-EB39-8E5A-4E1E-DAB44EFE7840}"/>
+                  </a:ext>
+                </a:extLst>
+              </p:cNvPr>
+              <p:cNvSpPr/>
+              <p:nvPr/>
+            </p:nvSpPr>
+            <p:spPr>
+              <a:xfrm rot="5400000">
+                <a:off x="6868031" y="4227186"/>
+                <a:ext cx="351106" cy="466531"/>
+              </a:xfrm>
+              <a:prstGeom prst="chevron">
+                <a:avLst>
+                  <a:gd name="adj" fmla="val 14000"/>
+                </a:avLst>
+              </a:prstGeom>
+              <a:solidFill>
+                <a:schemeClr val="bg1"/>
+              </a:solidFill>
+              <a:ln w="12700">
+                <a:solidFill>
+                  <a:schemeClr val="tx1"/>
+                </a:solidFill>
+              </a:ln>
+            </p:spPr>
+            <p:style>
+              <a:lnRef idx="2">
+                <a:schemeClr val="accent1">
+                  <a:shade val="50000"/>
+                </a:schemeClr>
+              </a:lnRef>
+              <a:fillRef idx="1">
+                <a:schemeClr val="accent1"/>
+              </a:fillRef>
+              <a:effectRef idx="0">
+                <a:schemeClr val="accent1"/>
+              </a:effectRef>
+              <a:fontRef idx="minor">
+                <a:schemeClr val="lt1"/>
+              </a:fontRef>
+            </p:style>
+            <p:txBody>
+              <a:bodyPr tIns="0" rtlCol="0" anchor="t" anchorCtr="0"/>
+              <a:lstStyle/>
+              <a:p>
+                <a:pPr marL="0" marR="0" lvl="0" indent="0" algn="l" defTabSz="914400" rtl="0" eaLnBrk="1" fontAlgn="auto" latinLnBrk="0" hangingPunct="1">
+                  <a:lnSpc>
+                    <a:spcPct val="100000"/>
+                  </a:lnSpc>
+                  <a:spcBef>
+                    <a:spcPts val="0"/>
+                  </a:spcBef>
+                  <a:spcAft>
+                    <a:spcPts val="0"/>
+                  </a:spcAft>
+                  <a:buClrTx/>
+                  <a:buSzTx/>
+                  <a:buFontTx/>
+                  <a:buNone/>
+                  <a:tabLst/>
+                  <a:defRPr/>
+                </a:pPr>
+                <a:endParaRPr kumimoji="0" lang="en-US" sz="1000" b="0" i="0" u="none" strike="noStrike" kern="1200" cap="none" spc="0" normalizeH="0" baseline="0" noProof="0">
+                  <a:ln>
+                    <a:noFill/>
+                  </a:ln>
+                  <a:solidFill>
+                    <a:prstClr val="black"/>
+                  </a:solidFill>
+                  <a:effectLst/>
+                  <a:uLnTx/>
+                  <a:uFillTx/>
+                  <a:ea typeface="+mn-ea"/>
+                  <a:cs typeface="+mn-cs"/>
+                </a:endParaRPr>
+              </a:p>
+            </p:txBody>
+          </p:sp>
+          <p:sp>
+            <p:nvSpPr>
+              <p:cNvPr id="132" name="TextBox 131">
+                <a:extLst>
+                  <a:ext uri="{FF2B5EF4-FFF2-40B4-BE49-F238E27FC236}">
+                    <a16:creationId xmlns:a16="http://schemas.microsoft.com/office/drawing/2014/main" id="{4D9EC07C-A8F0-2507-EF19-2538A77FF30C}"/>
+                  </a:ext>
+                </a:extLst>
+              </p:cNvPr>
+              <p:cNvSpPr txBox="1"/>
+              <p:nvPr/>
+            </p:nvSpPr>
+            <p:spPr>
+              <a:xfrm>
+                <a:off x="6837438" y="4337341"/>
+                <a:ext cx="412292" cy="230832"/>
+              </a:xfrm>
+              <a:prstGeom prst="rect">
+                <a:avLst/>
+              </a:prstGeom>
+              <a:noFill/>
+            </p:spPr>
+            <p:txBody>
+              <a:bodyPr wrap="square" rtlCol="0">
+                <a:spAutoFit/>
+              </a:bodyPr>
+              <a:lstStyle/>
+              <a:p>
+                <a:pPr marL="0" marR="0" lvl="0" indent="0" algn="l" defTabSz="914400" rtl="0" eaLnBrk="1" fontAlgn="auto" latinLnBrk="0" hangingPunct="1">
+                  <a:lnSpc>
+                    <a:spcPct val="100000"/>
+                  </a:lnSpc>
+                  <a:spcBef>
+                    <a:spcPts val="0"/>
+                  </a:spcBef>
+                  <a:spcAft>
+                    <a:spcPts val="0"/>
+                  </a:spcAft>
+                  <a:buClrTx/>
+                  <a:buSzTx/>
+                  <a:buFontTx/>
+                  <a:buNone/>
+                  <a:tabLst/>
+                  <a:defRPr/>
+                </a:pPr>
+                <a:r>
+                  <a:rPr kumimoji="0" lang="en-US" sz="900" b="0" i="0" u="none" strike="noStrike" kern="1200" cap="none" spc="0" normalizeH="0" baseline="0" noProof="0" dirty="0">
+                    <a:ln>
+                      <a:noFill/>
+                    </a:ln>
+                    <a:solidFill>
+                      <a:prstClr val="black"/>
+                    </a:solidFill>
+                    <a:effectLst/>
+                    <a:uLnTx/>
+                    <a:uFillTx/>
+                    <a:ea typeface="+mn-ea"/>
+                    <a:cs typeface="+mn-cs"/>
+                  </a:rPr>
+                  <a:t>host</a:t>
+                </a:r>
+              </a:p>
+            </p:txBody>
+          </p:sp>
+        </p:grpSp>
+        <p:grpSp>
+          <p:nvGrpSpPr>
+            <p:cNvPr id="139" name="Group 138">
+              <a:extLst>
+                <a:ext uri="{FF2B5EF4-FFF2-40B4-BE49-F238E27FC236}">
+                  <a16:creationId xmlns:a16="http://schemas.microsoft.com/office/drawing/2014/main" id="{D19AD911-C3B0-5BAA-3E01-9EDDB42030B5}"/>
+                </a:ext>
+              </a:extLst>
+            </p:cNvPr>
+            <p:cNvGrpSpPr/>
+            <p:nvPr/>
+          </p:nvGrpSpPr>
+          <p:grpSpPr>
+            <a:xfrm>
+              <a:off x="4860292" y="848590"/>
+              <a:ext cx="771421" cy="974099"/>
+              <a:chOff x="3816085" y="2671396"/>
+              <a:chExt cx="771421" cy="974099"/>
+            </a:xfrm>
+          </p:grpSpPr>
+          <p:sp>
+            <p:nvSpPr>
+              <p:cNvPr id="140" name="Rectangle 139">
+                <a:extLst>
+                  <a:ext uri="{FF2B5EF4-FFF2-40B4-BE49-F238E27FC236}">
+                    <a16:creationId xmlns:a16="http://schemas.microsoft.com/office/drawing/2014/main" id="{604642F9-5430-0677-C911-B02ACF0C3C08}"/>
+                  </a:ext>
+                </a:extLst>
+              </p:cNvPr>
+              <p:cNvSpPr/>
+              <p:nvPr/>
+            </p:nvSpPr>
+            <p:spPr>
+              <a:xfrm>
+                <a:off x="3816085" y="2911202"/>
+                <a:ext cx="771421" cy="279919"/>
+              </a:xfrm>
+              <a:prstGeom prst="rect">
+                <a:avLst/>
+              </a:prstGeom>
+              <a:solidFill>
+                <a:schemeClr val="bg1">
+                  <a:lumMod val="95000"/>
+                </a:schemeClr>
+              </a:solidFill>
+              <a:ln w="19050">
+                <a:solidFill>
+                  <a:schemeClr val="bg2"/>
+                </a:solidFill>
+              </a:ln>
+            </p:spPr>
+            <p:style>
+              <a:lnRef idx="2">
+                <a:schemeClr val="accent1">
+                  <a:shade val="50000"/>
+                </a:schemeClr>
+              </a:lnRef>
+              <a:fillRef idx="1">
+                <a:schemeClr val="accent1"/>
+              </a:fillRef>
+              <a:effectRef idx="0">
+                <a:schemeClr val="accent1"/>
+              </a:effectRef>
+              <a:fontRef idx="minor">
+                <a:schemeClr val="lt1"/>
+              </a:fontRef>
+            </p:style>
+            <p:txBody>
+              <a:bodyPr lIns="0" rIns="0" rtlCol="0" anchor="ctr"/>
+              <a:lstStyle/>
+              <a:p>
+                <a:pPr marL="0" marR="0" lvl="0" indent="0" algn="ctr" defTabSz="914400" rtl="0" eaLnBrk="1" fontAlgn="auto" latinLnBrk="0" hangingPunct="1">
+                  <a:lnSpc>
+                    <a:spcPct val="100000"/>
+                  </a:lnSpc>
+                  <a:spcBef>
+                    <a:spcPts val="0"/>
+                  </a:spcBef>
+                  <a:spcAft>
+                    <a:spcPts val="0"/>
+                  </a:spcAft>
+                  <a:buClrTx/>
+                  <a:buSzTx/>
+                  <a:buFontTx/>
+                  <a:buNone/>
+                  <a:tabLst/>
+                  <a:defRPr/>
+                </a:pPr>
+                <a:r>
+                  <a:rPr kumimoji="0" lang="en-US" sz="900" b="0" i="0" u="none" strike="noStrike" kern="1200" cap="none" spc="0" normalizeH="0" baseline="0" noProof="0" dirty="0">
+                    <a:ln>
+                      <a:noFill/>
+                    </a:ln>
+                    <a:solidFill>
+                      <a:prstClr val="black"/>
+                    </a:solidFill>
+                    <a:effectLst/>
+                    <a:uLnTx/>
+                    <a:uFillTx/>
+                    <a:ea typeface="+mn-ea"/>
+                    <a:cs typeface="+mn-cs"/>
+                  </a:rPr>
+                  <a:t>Compute</a:t>
+                </a:r>
+              </a:p>
+              <a:p>
+                <a:pPr marL="0" marR="0" lvl="0" indent="0" algn="ctr" defTabSz="914400" rtl="0" eaLnBrk="1" fontAlgn="auto" latinLnBrk="0" hangingPunct="1">
+                  <a:lnSpc>
+                    <a:spcPct val="100000"/>
+                  </a:lnSpc>
+                  <a:spcBef>
+                    <a:spcPts val="0"/>
+                  </a:spcBef>
+                  <a:spcAft>
+                    <a:spcPts val="0"/>
+                  </a:spcAft>
+                  <a:buClrTx/>
+                  <a:buSzTx/>
+                  <a:buFontTx/>
+                  <a:buNone/>
+                  <a:tabLst/>
+                  <a:defRPr/>
+                </a:pPr>
+                <a:r>
+                  <a:rPr lang="en-US" sz="900" dirty="0">
+                    <a:solidFill>
+                      <a:prstClr val="black"/>
+                    </a:solidFill>
+                  </a:rPr>
+                  <a:t>Platform</a:t>
+                </a:r>
+                <a:endParaRPr kumimoji="0" lang="en-US" sz="900" b="0" i="0" u="none" strike="noStrike" kern="1200" cap="none" spc="0" normalizeH="0" baseline="0" noProof="0" dirty="0">
+                  <a:ln>
+                    <a:noFill/>
+                  </a:ln>
+                  <a:solidFill>
+                    <a:prstClr val="black"/>
+                  </a:solidFill>
+                  <a:effectLst/>
+                  <a:uLnTx/>
+                  <a:uFillTx/>
+                  <a:ea typeface="+mn-ea"/>
+                  <a:cs typeface="+mn-cs"/>
+                </a:endParaRPr>
+              </a:p>
+            </p:txBody>
+          </p:sp>
+          <p:sp>
+            <p:nvSpPr>
+              <p:cNvPr id="141" name="Rectangle: Rounded Corners 140">
+                <a:extLst>
+                  <a:ext uri="{FF2B5EF4-FFF2-40B4-BE49-F238E27FC236}">
+                    <a16:creationId xmlns:a16="http://schemas.microsoft.com/office/drawing/2014/main" id="{6EA74882-2540-F271-43E1-3F970B1DCD02}"/>
+                  </a:ext>
+                </a:extLst>
+              </p:cNvPr>
+              <p:cNvSpPr/>
+              <p:nvPr/>
+            </p:nvSpPr>
+            <p:spPr>
+              <a:xfrm>
+                <a:off x="3816085" y="2671396"/>
+                <a:ext cx="771420" cy="815478"/>
+              </a:xfrm>
+              <a:prstGeom prst="roundRect">
+                <a:avLst/>
+              </a:prstGeom>
+              <a:noFill/>
+              <a:ln w="19050">
+                <a:solidFill>
+                  <a:schemeClr val="tx1"/>
+                </a:solidFill>
+              </a:ln>
+            </p:spPr>
+            <p:style>
+              <a:lnRef idx="2">
+                <a:schemeClr val="accent1">
+                  <a:shade val="50000"/>
+                </a:schemeClr>
+              </a:lnRef>
+              <a:fillRef idx="1">
+                <a:schemeClr val="accent1"/>
+              </a:fillRef>
+              <a:effectRef idx="0">
+                <a:schemeClr val="accent1"/>
+              </a:effectRef>
+              <a:fontRef idx="minor">
+                <a:schemeClr val="lt1"/>
+              </a:fontRef>
+            </p:style>
+            <p:txBody>
+              <a:bodyPr tIns="0" rtlCol="0" anchor="t" anchorCtr="0"/>
+              <a:lstStyle/>
+              <a:p>
+                <a:pPr marL="0" marR="0" lvl="0" indent="0" algn="l" defTabSz="914400" rtl="0" eaLnBrk="1" fontAlgn="auto" latinLnBrk="0" hangingPunct="1">
+                  <a:lnSpc>
+                    <a:spcPct val="100000"/>
+                  </a:lnSpc>
+                  <a:spcBef>
+                    <a:spcPts val="0"/>
+                  </a:spcBef>
+                  <a:spcAft>
+                    <a:spcPts val="0"/>
+                  </a:spcAft>
+                  <a:buClrTx/>
+                  <a:buSzTx/>
+                  <a:buFontTx/>
+                  <a:buNone/>
+                  <a:tabLst/>
+                  <a:defRPr/>
+                </a:pPr>
+                <a:r>
+                  <a:rPr kumimoji="0" lang="en-US" sz="800" b="0" i="0" u="none" strike="noStrike" kern="1200" cap="none" spc="0" normalizeH="0" baseline="0" noProof="0" dirty="0" err="1">
+                    <a:ln>
+                      <a:noFill/>
+                    </a:ln>
+                    <a:solidFill>
+                      <a:prstClr val="black"/>
+                    </a:solidFill>
+                    <a:effectLst/>
+                    <a:uLnTx/>
+                    <a:uFillTx/>
+                    <a:ea typeface="+mn-ea"/>
+                    <a:cs typeface="+mn-cs"/>
+                  </a:rPr>
+                  <a:t>vm</a:t>
+                </a:r>
+                <a:endParaRPr kumimoji="0" lang="en-US" sz="800" b="0" i="0" u="none" strike="noStrike" kern="1200" cap="none" spc="0" normalizeH="0" baseline="0" noProof="0" dirty="0">
+                  <a:ln>
+                    <a:noFill/>
+                  </a:ln>
+                  <a:solidFill>
+                    <a:prstClr val="black"/>
+                  </a:solidFill>
+                  <a:effectLst/>
+                  <a:uLnTx/>
+                  <a:uFillTx/>
+                  <a:ea typeface="+mn-ea"/>
+                  <a:cs typeface="+mn-cs"/>
+                </a:endParaRPr>
+              </a:p>
+            </p:txBody>
+          </p:sp>
+          <p:sp>
+            <p:nvSpPr>
+              <p:cNvPr id="142" name="Flowchart: Off-page Connector 141">
+                <a:extLst>
+                  <a:ext uri="{FF2B5EF4-FFF2-40B4-BE49-F238E27FC236}">
+                    <a16:creationId xmlns:a16="http://schemas.microsoft.com/office/drawing/2014/main" id="{EC43F799-86E6-68F4-7588-0D29EA9AFC45}"/>
+                  </a:ext>
+                </a:extLst>
+              </p:cNvPr>
+              <p:cNvSpPr/>
+              <p:nvPr/>
+            </p:nvSpPr>
+            <p:spPr>
+              <a:xfrm>
+                <a:off x="3968530" y="3365576"/>
+                <a:ext cx="466531" cy="279919"/>
+              </a:xfrm>
+              <a:prstGeom prst="flowChartOffpageConnector">
+                <a:avLst/>
+              </a:prstGeom>
+              <a:solidFill>
+                <a:schemeClr val="bg1"/>
+              </a:solidFill>
+              <a:ln w="19050">
+                <a:solidFill>
+                  <a:schemeClr val="tx1"/>
+                </a:solidFill>
+              </a:ln>
+            </p:spPr>
+            <p:style>
+              <a:lnRef idx="2">
+                <a:schemeClr val="accent1">
+                  <a:shade val="50000"/>
+                </a:schemeClr>
+              </a:lnRef>
+              <a:fillRef idx="1">
+                <a:schemeClr val="accent1"/>
+              </a:fillRef>
+              <a:effectRef idx="0">
+                <a:schemeClr val="accent1"/>
+              </a:effectRef>
+              <a:fontRef idx="minor">
+                <a:schemeClr val="lt1"/>
+              </a:fontRef>
+            </p:style>
+            <p:txBody>
+              <a:bodyPr tIns="0" rtlCol="0" anchor="t" anchorCtr="0"/>
+              <a:lstStyle/>
+              <a:p>
+                <a:pPr marL="0" marR="0" lvl="0" indent="0" algn="l" defTabSz="914400" rtl="0" eaLnBrk="1" fontAlgn="auto" latinLnBrk="0" hangingPunct="1">
+                  <a:lnSpc>
+                    <a:spcPct val="100000"/>
+                  </a:lnSpc>
+                  <a:spcBef>
+                    <a:spcPts val="0"/>
+                  </a:spcBef>
+                  <a:spcAft>
+                    <a:spcPts val="0"/>
+                  </a:spcAft>
+                  <a:buClrTx/>
+                  <a:buSzTx/>
+                  <a:buFontTx/>
+                  <a:buNone/>
+                  <a:tabLst/>
+                  <a:defRPr/>
+                </a:pPr>
+                <a:endParaRPr kumimoji="0" lang="en-US" sz="1000" b="0" i="0" u="none" strike="noStrike" kern="1200" cap="none" spc="0" normalizeH="0" baseline="0" noProof="0">
+                  <a:ln>
+                    <a:noFill/>
+                  </a:ln>
+                  <a:solidFill>
+                    <a:prstClr val="black"/>
+                  </a:solidFill>
+                  <a:effectLst/>
+                  <a:uLnTx/>
+                  <a:uFillTx/>
+                  <a:ea typeface="+mn-ea"/>
+                  <a:cs typeface="+mn-cs"/>
+                </a:endParaRPr>
+              </a:p>
+            </p:txBody>
+          </p:sp>
+          <p:sp>
+            <p:nvSpPr>
+              <p:cNvPr id="143" name="TextBox 142">
+                <a:extLst>
+                  <a:ext uri="{FF2B5EF4-FFF2-40B4-BE49-F238E27FC236}">
+                    <a16:creationId xmlns:a16="http://schemas.microsoft.com/office/drawing/2014/main" id="{0BE06079-08F4-64BC-128C-1603C6B4F6D1}"/>
+                  </a:ext>
+                </a:extLst>
+              </p:cNvPr>
+              <p:cNvSpPr txBox="1"/>
+              <p:nvPr/>
+            </p:nvSpPr>
+            <p:spPr>
+              <a:xfrm>
+                <a:off x="3995649" y="3382425"/>
+                <a:ext cx="412292" cy="230832"/>
+              </a:xfrm>
+              <a:prstGeom prst="rect">
+                <a:avLst/>
+              </a:prstGeom>
+              <a:noFill/>
+            </p:spPr>
+            <p:txBody>
+              <a:bodyPr wrap="square" rtlCol="0">
+                <a:spAutoFit/>
+              </a:bodyPr>
+              <a:lstStyle/>
+              <a:p>
+                <a:pPr marL="0" marR="0" lvl="0" indent="0" algn="l" defTabSz="914400" rtl="0" eaLnBrk="1" fontAlgn="auto" latinLnBrk="0" hangingPunct="1">
+                  <a:lnSpc>
+                    <a:spcPct val="100000"/>
+                  </a:lnSpc>
+                  <a:spcBef>
+                    <a:spcPts val="0"/>
+                  </a:spcBef>
+                  <a:spcAft>
+                    <a:spcPts val="0"/>
+                  </a:spcAft>
+                  <a:buClrTx/>
+                  <a:buSzTx/>
+                  <a:buFontTx/>
+                  <a:buNone/>
+                  <a:tabLst/>
+                  <a:defRPr/>
+                </a:pPr>
+                <a:r>
+                  <a:rPr kumimoji="0" lang="en-US" sz="900" b="0" i="0" u="none" strike="noStrike" kern="1200" cap="none" spc="0" normalizeH="0" baseline="0" noProof="0" dirty="0">
+                    <a:ln>
+                      <a:noFill/>
+                    </a:ln>
+                    <a:solidFill>
+                      <a:prstClr val="black"/>
+                    </a:solidFill>
+                    <a:effectLst/>
+                    <a:uLnTx/>
+                    <a:uFillTx/>
+                    <a:ea typeface="+mn-ea"/>
+                    <a:cs typeface="+mn-cs"/>
+                  </a:rPr>
+                  <a:t>host</a:t>
+                </a:r>
+              </a:p>
+            </p:txBody>
+          </p:sp>
+        </p:grpSp>
+        <p:cxnSp>
+          <p:nvCxnSpPr>
+            <p:cNvPr id="16" name="Straight Arrow Connector 15">
+              <a:extLst>
+                <a:ext uri="{FF2B5EF4-FFF2-40B4-BE49-F238E27FC236}">
+                  <a16:creationId xmlns:a16="http://schemas.microsoft.com/office/drawing/2014/main" id="{1C5AA650-2DDB-0A50-E127-5798B328556C}"/>
+                </a:ext>
+              </a:extLst>
+            </p:cNvPr>
+            <p:cNvCxnSpPr>
+              <a:cxnSpLocks/>
+            </p:cNvCxnSpPr>
+            <p:nvPr/>
+          </p:nvCxnSpPr>
+          <p:spPr>
+            <a:xfrm flipH="1" flipV="1">
+              <a:off x="5244478" y="1832803"/>
+              <a:ext cx="760" cy="261501"/>
+            </a:xfrm>
+            <a:prstGeom prst="straightConnector1">
+              <a:avLst/>
+            </a:prstGeom>
+            <a:ln w="12700">
+              <a:solidFill>
+                <a:schemeClr val="tx1"/>
+              </a:solidFill>
+              <a:headEnd type="triangle" w="med" len="med"/>
+              <a:tailEnd type="none" w="med" len="med"/>
+            </a:ln>
+          </p:spPr>
+          <p:style>
+            <a:lnRef idx="1">
+              <a:schemeClr val="accent1"/>
+            </a:lnRef>
+            <a:fillRef idx="0">
+              <a:schemeClr val="accent1"/>
+            </a:fillRef>
+            <a:effectRef idx="0">
+              <a:schemeClr val="accent1"/>
+            </a:effectRef>
+            <a:fontRef idx="minor">
+              <a:schemeClr val="tx1"/>
+            </a:fontRef>
+          </p:style>
+        </p:cxnSp>
+        <p:grpSp>
+          <p:nvGrpSpPr>
+            <p:cNvPr id="25" name="Group 24">
+              <a:extLst>
+                <a:ext uri="{FF2B5EF4-FFF2-40B4-BE49-F238E27FC236}">
+                  <a16:creationId xmlns:a16="http://schemas.microsoft.com/office/drawing/2014/main" id="{3018D367-5174-241C-A342-270B087AEE7E}"/>
+                </a:ext>
+              </a:extLst>
+            </p:cNvPr>
+            <p:cNvGrpSpPr/>
+            <p:nvPr/>
+          </p:nvGrpSpPr>
+          <p:grpSpPr>
+            <a:xfrm>
+              <a:off x="4891807" y="2915239"/>
+              <a:ext cx="323575" cy="279919"/>
+              <a:chOff x="1967043" y="2225721"/>
+              <a:chExt cx="323575" cy="279919"/>
+            </a:xfrm>
+          </p:grpSpPr>
+          <p:sp>
+            <p:nvSpPr>
+              <p:cNvPr id="23" name="Flowchart: Off-page Connector 22">
+                <a:extLst>
+                  <a:ext uri="{FF2B5EF4-FFF2-40B4-BE49-F238E27FC236}">
+                    <a16:creationId xmlns:a16="http://schemas.microsoft.com/office/drawing/2014/main" id="{6BD29F27-1C17-90F6-EEFD-08810396F524}"/>
+                  </a:ext>
+                </a:extLst>
+              </p:cNvPr>
+              <p:cNvSpPr/>
+              <p:nvPr/>
+            </p:nvSpPr>
+            <p:spPr>
+              <a:xfrm>
+                <a:off x="1967043" y="2225721"/>
+                <a:ext cx="323575" cy="279919"/>
+              </a:xfrm>
+              <a:prstGeom prst="flowChartOffpageConnector">
+                <a:avLst/>
+              </a:prstGeom>
+              <a:solidFill>
+                <a:schemeClr val="bg1"/>
+              </a:solidFill>
+              <a:ln w="19050">
+                <a:solidFill>
+                  <a:schemeClr val="tx1"/>
+                </a:solidFill>
+              </a:ln>
+            </p:spPr>
+            <p:style>
+              <a:lnRef idx="2">
+                <a:schemeClr val="accent1">
+                  <a:shade val="50000"/>
+                </a:schemeClr>
+              </a:lnRef>
+              <a:fillRef idx="1">
+                <a:schemeClr val="accent1"/>
+              </a:fillRef>
+              <a:effectRef idx="0">
+                <a:schemeClr val="accent1"/>
+              </a:effectRef>
+              <a:fontRef idx="minor">
+                <a:schemeClr val="lt1"/>
+              </a:fontRef>
+            </p:style>
+            <p:txBody>
+              <a:bodyPr tIns="0" rtlCol="0" anchor="t" anchorCtr="0"/>
+              <a:lstStyle/>
+              <a:p>
+                <a:pPr marL="0" marR="0" lvl="0" indent="0" algn="l" defTabSz="914400" rtl="0" eaLnBrk="1" fontAlgn="auto" latinLnBrk="0" hangingPunct="1">
+                  <a:lnSpc>
+                    <a:spcPct val="100000"/>
+                  </a:lnSpc>
+                  <a:spcBef>
+                    <a:spcPts val="0"/>
+                  </a:spcBef>
+                  <a:spcAft>
+                    <a:spcPts val="0"/>
+                  </a:spcAft>
+                  <a:buClrTx/>
+                  <a:buSzTx/>
+                  <a:buFontTx/>
+                  <a:buNone/>
+                  <a:tabLst/>
+                  <a:defRPr/>
+                </a:pPr>
+                <a:endParaRPr kumimoji="0" lang="en-US" sz="1000" b="0" i="0" u="none" strike="noStrike" kern="1200" cap="none" spc="0" normalizeH="0" baseline="0" noProof="0">
+                  <a:ln>
+                    <a:noFill/>
+                  </a:ln>
+                  <a:solidFill>
+                    <a:prstClr val="black"/>
+                  </a:solidFill>
+                  <a:effectLst/>
+                  <a:uLnTx/>
+                  <a:uFillTx/>
+                  <a:ea typeface="+mn-ea"/>
+                  <a:cs typeface="+mn-cs"/>
+                </a:endParaRPr>
+              </a:p>
+            </p:txBody>
+          </p:sp>
+          <p:sp>
+            <p:nvSpPr>
+              <p:cNvPr id="24" name="TextBox 23">
+                <a:extLst>
+                  <a:ext uri="{FF2B5EF4-FFF2-40B4-BE49-F238E27FC236}">
+                    <a16:creationId xmlns:a16="http://schemas.microsoft.com/office/drawing/2014/main" id="{E51844E3-19DA-3DBC-DBEA-4A6481BD11A7}"/>
+                  </a:ext>
+                </a:extLst>
+              </p:cNvPr>
+              <p:cNvSpPr txBox="1"/>
+              <p:nvPr/>
+            </p:nvSpPr>
+            <p:spPr>
+              <a:xfrm>
+                <a:off x="1987942" y="2225721"/>
+                <a:ext cx="285956" cy="230832"/>
+              </a:xfrm>
+              <a:prstGeom prst="rect">
+                <a:avLst/>
+              </a:prstGeom>
+              <a:noFill/>
+            </p:spPr>
+            <p:txBody>
+              <a:bodyPr wrap="square" lIns="0" rIns="0" rtlCol="0">
+                <a:spAutoFit/>
+              </a:bodyPr>
+              <a:lstStyle/>
+              <a:p>
+                <a:pPr marL="0" marR="0" lvl="0" indent="0" algn="ctr" defTabSz="914400" rtl="0" eaLnBrk="1" fontAlgn="auto" latinLnBrk="0" hangingPunct="1">
+                  <a:lnSpc>
+                    <a:spcPct val="100000"/>
+                  </a:lnSpc>
+                  <a:spcBef>
+                    <a:spcPts val="0"/>
+                  </a:spcBef>
+                  <a:spcAft>
+                    <a:spcPts val="0"/>
+                  </a:spcAft>
+                  <a:buClrTx/>
+                  <a:buSzTx/>
+                  <a:buFontTx/>
+                  <a:buNone/>
+                  <a:tabLst/>
+                  <a:defRPr/>
+                </a:pPr>
+                <a:r>
+                  <a:rPr kumimoji="0" lang="en-US" sz="900" b="0" i="0" u="none" strike="noStrike" kern="1200" cap="none" spc="0" normalizeH="0" baseline="0" noProof="0" dirty="0">
+                    <a:ln>
+                      <a:noFill/>
+                    </a:ln>
+                    <a:solidFill>
+                      <a:prstClr val="black"/>
+                    </a:solidFill>
+                    <a:effectLst/>
+                    <a:uLnTx/>
+                    <a:uFillTx/>
+                    <a:ea typeface="+mn-ea"/>
+                    <a:cs typeface="+mn-cs"/>
+                  </a:rPr>
+                  <a:t>host</a:t>
+                </a:r>
+              </a:p>
+            </p:txBody>
+          </p:sp>
+        </p:grpSp>
+        <p:grpSp>
+          <p:nvGrpSpPr>
+            <p:cNvPr id="26" name="Group 25">
+              <a:extLst>
+                <a:ext uri="{FF2B5EF4-FFF2-40B4-BE49-F238E27FC236}">
+                  <a16:creationId xmlns:a16="http://schemas.microsoft.com/office/drawing/2014/main" id="{B38147EB-897F-47B2-6397-1A0EAF8BE763}"/>
+                </a:ext>
+              </a:extLst>
+            </p:cNvPr>
+            <p:cNvGrpSpPr/>
+            <p:nvPr/>
+          </p:nvGrpSpPr>
+          <p:grpSpPr>
+            <a:xfrm>
+              <a:off x="5277219" y="2915239"/>
+              <a:ext cx="323575" cy="279919"/>
+              <a:chOff x="1967043" y="2225721"/>
+              <a:chExt cx="323575" cy="279919"/>
+            </a:xfrm>
+          </p:grpSpPr>
+          <p:sp>
+            <p:nvSpPr>
+              <p:cNvPr id="27" name="Flowchart: Off-page Connector 26">
+                <a:extLst>
+                  <a:ext uri="{FF2B5EF4-FFF2-40B4-BE49-F238E27FC236}">
+                    <a16:creationId xmlns:a16="http://schemas.microsoft.com/office/drawing/2014/main" id="{36F2813F-4F10-BDF1-C43C-F99D29A5F014}"/>
+                  </a:ext>
+                </a:extLst>
+              </p:cNvPr>
+              <p:cNvSpPr/>
+              <p:nvPr/>
+            </p:nvSpPr>
+            <p:spPr>
+              <a:xfrm>
+                <a:off x="1967043" y="2225721"/>
+                <a:ext cx="323575" cy="279919"/>
+              </a:xfrm>
+              <a:prstGeom prst="flowChartOffpageConnector">
+                <a:avLst/>
+              </a:prstGeom>
+              <a:solidFill>
+                <a:schemeClr val="bg1"/>
+              </a:solidFill>
+              <a:ln w="19050">
+                <a:solidFill>
+                  <a:schemeClr val="tx1"/>
+                </a:solidFill>
+              </a:ln>
+            </p:spPr>
+            <p:style>
+              <a:lnRef idx="2">
+                <a:schemeClr val="accent1">
+                  <a:shade val="50000"/>
+                </a:schemeClr>
+              </a:lnRef>
+              <a:fillRef idx="1">
+                <a:schemeClr val="accent1"/>
+              </a:fillRef>
+              <a:effectRef idx="0">
+                <a:schemeClr val="accent1"/>
+              </a:effectRef>
+              <a:fontRef idx="minor">
+                <a:schemeClr val="lt1"/>
+              </a:fontRef>
+            </p:style>
+            <p:txBody>
+              <a:bodyPr tIns="0" rtlCol="0" anchor="t" anchorCtr="0"/>
+              <a:lstStyle/>
+              <a:p>
+                <a:pPr marL="0" marR="0" lvl="0" indent="0" algn="l" defTabSz="914400" rtl="0" eaLnBrk="1" fontAlgn="auto" latinLnBrk="0" hangingPunct="1">
+                  <a:lnSpc>
+                    <a:spcPct val="100000"/>
+                  </a:lnSpc>
+                  <a:spcBef>
+                    <a:spcPts val="0"/>
+                  </a:spcBef>
+                  <a:spcAft>
+                    <a:spcPts val="0"/>
+                  </a:spcAft>
+                  <a:buClrTx/>
+                  <a:buSzTx/>
+                  <a:buFontTx/>
+                  <a:buNone/>
+                  <a:tabLst/>
+                  <a:defRPr/>
+                </a:pPr>
+                <a:endParaRPr kumimoji="0" lang="en-US" sz="1000" b="0" i="0" u="none" strike="noStrike" kern="1200" cap="none" spc="0" normalizeH="0" baseline="0" noProof="0">
+                  <a:ln>
+                    <a:noFill/>
+                  </a:ln>
+                  <a:solidFill>
+                    <a:prstClr val="black"/>
+                  </a:solidFill>
+                  <a:effectLst/>
+                  <a:uLnTx/>
+                  <a:uFillTx/>
+                  <a:ea typeface="+mn-ea"/>
+                  <a:cs typeface="+mn-cs"/>
+                </a:endParaRPr>
+              </a:p>
+            </p:txBody>
+          </p:sp>
+          <p:sp>
+            <p:nvSpPr>
+              <p:cNvPr id="28" name="TextBox 27">
+                <a:extLst>
+                  <a:ext uri="{FF2B5EF4-FFF2-40B4-BE49-F238E27FC236}">
+                    <a16:creationId xmlns:a16="http://schemas.microsoft.com/office/drawing/2014/main" id="{8E7E0F5B-82A8-EEE6-D14F-B5FE9C842271}"/>
+                  </a:ext>
+                </a:extLst>
+              </p:cNvPr>
+              <p:cNvSpPr txBox="1"/>
+              <p:nvPr/>
+            </p:nvSpPr>
+            <p:spPr>
+              <a:xfrm>
+                <a:off x="1987942" y="2225721"/>
+                <a:ext cx="285956" cy="230832"/>
+              </a:xfrm>
+              <a:prstGeom prst="rect">
+                <a:avLst/>
+              </a:prstGeom>
+              <a:noFill/>
+            </p:spPr>
+            <p:txBody>
+              <a:bodyPr wrap="square" lIns="0" rIns="0" rtlCol="0">
+                <a:spAutoFit/>
+              </a:bodyPr>
+              <a:lstStyle/>
+              <a:p>
+                <a:pPr marL="0" marR="0" lvl="0" indent="0" algn="ctr" defTabSz="914400" rtl="0" eaLnBrk="1" fontAlgn="auto" latinLnBrk="0" hangingPunct="1">
+                  <a:lnSpc>
+                    <a:spcPct val="100000"/>
+                  </a:lnSpc>
+                  <a:spcBef>
+                    <a:spcPts val="0"/>
+                  </a:spcBef>
+                  <a:spcAft>
+                    <a:spcPts val="0"/>
+                  </a:spcAft>
+                  <a:buClrTx/>
+                  <a:buSzTx/>
+                  <a:buFontTx/>
+                  <a:buNone/>
+                  <a:tabLst/>
+                  <a:defRPr/>
+                </a:pPr>
+                <a:r>
+                  <a:rPr kumimoji="0" lang="en-US" sz="900" b="0" i="0" u="none" strike="noStrike" kern="1200" cap="none" spc="0" normalizeH="0" baseline="0" noProof="0" dirty="0">
+                    <a:ln>
+                      <a:noFill/>
+                    </a:ln>
+                    <a:solidFill>
+                      <a:prstClr val="black"/>
+                    </a:solidFill>
+                    <a:effectLst/>
+                    <a:uLnTx/>
+                    <a:uFillTx/>
+                    <a:ea typeface="+mn-ea"/>
+                    <a:cs typeface="+mn-cs"/>
+                  </a:rPr>
+                  <a:t>runs</a:t>
+                </a:r>
+              </a:p>
+            </p:txBody>
+          </p:sp>
+        </p:grpSp>
+      </p:grpSp>
+    </p:spTree>
+    <p:extLst>
+      <p:ext uri="{BB962C8B-B14F-4D97-AF65-F5344CB8AC3E}">
         <p14:creationId xmlns:p14="http://schemas.microsoft.com/office/powerpoint/2010/main" val="2669653796"/>
       </p:ext>
     </p:extLst>
